--- a/Bootcamp/javascript-uvod/javascript-uvod.pptx
+++ b/Bootcamp/javascript-uvod/javascript-uvod.pptx
@@ -5,7 +5,7 @@
     <p:sldMasterId id="2147483648" r:id="rId4"/>
   </p:sldMasterIdLst>
   <p:notesMasterIdLst>
-    <p:notesMasterId r:id="rId40"/>
+    <p:notesMasterId r:id="rId41"/>
   </p:notesMasterIdLst>
   <p:sldIdLst>
     <p:sldId id="282" r:id="rId5"/>
@@ -43,6 +43,7 @@
     <p:sldId id="374" r:id="rId37"/>
     <p:sldId id="375" r:id="rId38"/>
     <p:sldId id="376" r:id="rId39"/>
+    <p:sldId id="381" r:id="rId40"/>
   </p:sldIdLst>
   <p:sldSz cx="12192000" cy="6858000"/>
   <p:notesSz cx="6858000" cy="9144000"/>
@@ -185,6 +186,7 @@
             <p14:sldId id="374"/>
             <p14:sldId id="375"/>
             <p14:sldId id="376"/>
+            <p14:sldId id="381"/>
           </p14:sldIdLst>
         </p14:section>
       </p14:sectionLst>
@@ -289,7 +291,7 @@
           <a:p>
             <a:fld id="{B2A70591-2E3C-5F42-A4E1-C0F5A0F4E5DB}" type="datetimeFigureOut">
               <a:rPr lang="en-US" smtClean="0"/>
-              <a:t>2/24/2025</a:t>
+              <a:t>3/5/2025</a:t>
             </a:fld>
             <a:endParaRPr lang="en-US"/>
           </a:p>
@@ -3850,6 +3852,90 @@
 </p:notes>
 </file>
 
+<file path=ppt/notesSlides/notesSlide35.xml><?xml version="1.0" encoding="utf-8"?>
+<p:notes xmlns:a="http://schemas.openxmlformats.org/drawingml/2006/main" xmlns:r="http://schemas.openxmlformats.org/officeDocument/2006/relationships" xmlns:p="http://schemas.openxmlformats.org/presentationml/2006/main">
+  <p:cSld>
+    <p:spTree>
+      <p:nvGrpSpPr>
+        <p:cNvPr id="1" name=""/>
+        <p:cNvGrpSpPr/>
+        <p:nvPr/>
+      </p:nvGrpSpPr>
+      <p:grpSpPr>
+        <a:xfrm>
+          <a:off x="0" y="0"/>
+          <a:ext cx="0" cy="0"/>
+          <a:chOff x="0" y="0"/>
+          <a:chExt cx="0" cy="0"/>
+        </a:xfrm>
+      </p:grpSpPr>
+      <p:sp>
+        <p:nvSpPr>
+          <p:cNvPr id="2" name="Slide Image Placeholder 1"/>
+          <p:cNvSpPr>
+            <a:spLocks noGrp="1" noRot="1" noChangeAspect="1"/>
+          </p:cNvSpPr>
+          <p:nvPr>
+            <p:ph type="sldImg"/>
+          </p:nvPr>
+        </p:nvSpPr>
+        <p:spPr/>
+      </p:sp>
+      <p:sp>
+        <p:nvSpPr>
+          <p:cNvPr id="3" name="Notes Placeholder 2"/>
+          <p:cNvSpPr>
+            <a:spLocks noGrp="1"/>
+          </p:cNvSpPr>
+          <p:nvPr>
+            <p:ph type="body" idx="1"/>
+          </p:nvPr>
+        </p:nvSpPr>
+        <p:spPr/>
+        <p:txBody>
+          <a:bodyPr/>
+          <a:lstStyle/>
+          <a:p>
+            <a:endParaRPr lang="hr-HR" dirty="0"/>
+          </a:p>
+        </p:txBody>
+      </p:sp>
+      <p:sp>
+        <p:nvSpPr>
+          <p:cNvPr id="4" name="Slide Number Placeholder 3"/>
+          <p:cNvSpPr>
+            <a:spLocks noGrp="1"/>
+          </p:cNvSpPr>
+          <p:nvPr>
+            <p:ph type="sldNum" sz="quarter" idx="5"/>
+          </p:nvPr>
+        </p:nvSpPr>
+        <p:spPr/>
+        <p:txBody>
+          <a:bodyPr/>
+          <a:lstStyle/>
+          <a:p>
+            <a:fld id="{343B951A-A665-1949-AEDB-B62DC9BE7F13}" type="slidenum">
+              <a:rPr lang="en-US" smtClean="0"/>
+              <a:t>36</a:t>
+            </a:fld>
+            <a:endParaRPr lang="en-US"/>
+          </a:p>
+        </p:txBody>
+      </p:sp>
+    </p:spTree>
+    <p:extLst>
+      <p:ext uri="{BB962C8B-B14F-4D97-AF65-F5344CB8AC3E}">
+        <p14:creationId xmlns:p14="http://schemas.microsoft.com/office/powerpoint/2010/main" val="2175340841"/>
+      </p:ext>
+    </p:extLst>
+  </p:cSld>
+  <p:clrMapOvr>
+    <a:masterClrMapping/>
+  </p:clrMapOvr>
+</p:notes>
+</file>
+
 <file path=ppt/notesSlides/notesSlide4.xml><?xml version="1.0" encoding="utf-8"?>
 <p:notes xmlns:a="http://schemas.openxmlformats.org/drawingml/2006/main" xmlns:r="http://schemas.openxmlformats.org/officeDocument/2006/relationships" xmlns:p="http://schemas.openxmlformats.org/presentationml/2006/main">
   <p:cSld>
@@ -6474,7 +6560,7 @@
                 <a:ea typeface="Open Sans" panose="020B0606030504020204" pitchFamily="34" charset="0"/>
                 <a:cs typeface="Open Sans" panose="020B0606030504020204" pitchFamily="34" charset="0"/>
               </a:rPr>
-              <a:t>24/02/2025</a:t>
+              <a:t>05/03/2025</a:t>
             </a:fld>
             <a:endParaRPr lang="en-GB" sz="1800" b="0" i="0" kern="1200" dirty="0">
               <a:solidFill>
@@ -7219,7 +7305,7 @@
                 <a:ea typeface="Open Sans" panose="020B0606030504020204" pitchFamily="34" charset="0"/>
                 <a:cs typeface="Open Sans" panose="020B0606030504020204" pitchFamily="34" charset="0"/>
               </a:rPr>
-              <a:t>24/02/2025</a:t>
+              <a:t>05/03/2025</a:t>
             </a:fld>
             <a:endParaRPr lang="en-GB" sz="1800" b="0" i="0" kern="1200" dirty="0">
               <a:solidFill>
@@ -7742,7 +7828,7 @@
                 <a:ea typeface="Open Sans" panose="020B0606030504020204" pitchFamily="34" charset="0"/>
                 <a:cs typeface="Open Sans" panose="020B0606030504020204" pitchFamily="34" charset="0"/>
               </a:rPr>
-              <a:t>24/02/2025</a:t>
+              <a:t>05/03/2025</a:t>
             </a:fld>
             <a:endParaRPr lang="en-GB" sz="1800" b="0" i="0" kern="1200" dirty="0">
               <a:solidFill>
@@ -8708,7 +8794,7 @@
                 <a:ea typeface="Open Sans" panose="020B0606030504020204" pitchFamily="34" charset="0"/>
                 <a:cs typeface="Open Sans" panose="020B0606030504020204" pitchFamily="34" charset="0"/>
               </a:rPr>
-              <a:t>24/02/2025</a:t>
+              <a:t>05/03/2025</a:t>
             </a:fld>
             <a:endParaRPr lang="en-GB" sz="1800" b="0" i="0" kern="1200" dirty="0">
               <a:solidFill>
@@ -9147,7 +9233,7 @@
                 <a:ea typeface="Open Sans" panose="020B0606030504020204" pitchFamily="34" charset="0"/>
                 <a:cs typeface="Open Sans" panose="020B0606030504020204" pitchFamily="34" charset="0"/>
               </a:rPr>
-              <a:t>24/02/2025</a:t>
+              <a:t>05/03/2025</a:t>
             </a:fld>
             <a:endParaRPr lang="en-GB" sz="1800" b="0" i="0" kern="1200" dirty="0">
               <a:solidFill>
@@ -10917,7 +11003,7 @@
                 <a:ea typeface="Open Sans" pitchFamily="2" charset="0"/>
                 <a:cs typeface="Open Sans" pitchFamily="2" charset="0"/>
               </a:rPr>
-              <a:t>24/02/2025</a:t>
+              <a:t>05/03/2025</a:t>
             </a:fld>
             <a:endParaRPr lang="en-GB" sz="1800" b="0" i="0" kern="1200" dirty="0">
               <a:solidFill>
@@ -12667,7 +12753,7 @@
                 <a:ea typeface="Open Sans" pitchFamily="2" charset="0"/>
                 <a:cs typeface="Open Sans" pitchFamily="2" charset="0"/>
               </a:rPr>
-              <a:t>24/02/2025</a:t>
+              <a:t>05/03/2025</a:t>
             </a:fld>
             <a:endParaRPr lang="en-GB" sz="1800" b="0" i="0" kern="1200" dirty="0">
               <a:solidFill>
@@ -13184,7 +13270,7 @@
                 <a:ea typeface="Open Sans" panose="020B0606030504020204" pitchFamily="34" charset="0"/>
                 <a:cs typeface="Open Sans" panose="020B0606030504020204" pitchFamily="34" charset="0"/>
               </a:rPr>
-              <a:t>24/02/2025</a:t>
+              <a:t>05/03/2025</a:t>
             </a:fld>
             <a:endParaRPr lang="en-GB" sz="1800" b="0" i="0" kern="1200" dirty="0">
               <a:solidFill>
@@ -13781,7 +13867,7 @@
                 <a:ea typeface="Open Sans" pitchFamily="2" charset="0"/>
                 <a:cs typeface="Open Sans" pitchFamily="2" charset="0"/>
               </a:rPr>
-              <a:t>24/02/2025</a:t>
+              <a:t>05/03/2025</a:t>
             </a:fld>
             <a:endParaRPr lang="en-GB" sz="1800" b="0" i="0" kern="1200" dirty="0">
               <a:solidFill>
@@ -14321,7 +14407,7 @@
                 <a:ea typeface="Open Sans" panose="020B0606030504020204" pitchFamily="34" charset="0"/>
                 <a:cs typeface="Open Sans" panose="020B0606030504020204" pitchFamily="34" charset="0"/>
               </a:rPr>
-              <a:t>24/02/2025</a:t>
+              <a:t>05/03/2025</a:t>
             </a:fld>
             <a:endParaRPr lang="en-GB" sz="1800" b="0" i="0" kern="1200" dirty="0">
               <a:solidFill>
@@ -15022,7 +15108,7 @@
                 <a:ea typeface="Open Sans" panose="020B0606030504020204" pitchFamily="34" charset="0"/>
                 <a:cs typeface="Open Sans" panose="020B0606030504020204" pitchFamily="34" charset="0"/>
               </a:rPr>
-              <a:t>24/02/2025</a:t>
+              <a:t>05/03/2025</a:t>
             </a:fld>
             <a:endParaRPr lang="en-GB" sz="1800" b="0" i="0" kern="1200" dirty="0">
               <a:solidFill>
@@ -15385,7 +15471,7 @@
                 <a:ea typeface="Open Sans" pitchFamily="2" charset="0"/>
                 <a:cs typeface="Open Sans" pitchFamily="2" charset="0"/>
               </a:rPr>
-              <a:t>24/02/2025</a:t>
+              <a:t>05/03/2025</a:t>
             </a:fld>
             <a:endParaRPr lang="en-GB" sz="1800" b="0" i="0" kern="1200" dirty="0">
               <a:solidFill>
@@ -15780,7 +15866,7 @@
                 <a:ea typeface="Open Sans" pitchFamily="2" charset="0"/>
                 <a:cs typeface="Open Sans" pitchFamily="2" charset="0"/>
               </a:rPr>
-              <a:t>24/02/2025</a:t>
+              <a:t>05/03/2025</a:t>
             </a:fld>
             <a:endParaRPr lang="en-GB" sz="1800" b="0" i="0" kern="1200" dirty="0">
               <a:solidFill>
@@ -27234,6 +27320,237 @@
     <p:extLst>
       <p:ext uri="{BB962C8B-B14F-4D97-AF65-F5344CB8AC3E}">
         <p14:creationId xmlns:p14="http://schemas.microsoft.com/office/powerpoint/2010/main" val="2740262044"/>
+      </p:ext>
+    </p:extLst>
+  </p:cSld>
+  <p:clrMapOvr>
+    <a:masterClrMapping/>
+  </p:clrMapOvr>
+</p:sld>
+</file>
+
+<file path=ppt/slides/slide36.xml><?xml version="1.0" encoding="utf-8"?>
+<p:sld xmlns:a="http://schemas.openxmlformats.org/drawingml/2006/main" xmlns:r="http://schemas.openxmlformats.org/officeDocument/2006/relationships" xmlns:p="http://schemas.openxmlformats.org/presentationml/2006/main">
+  <p:cSld>
+    <p:spTree>
+      <p:nvGrpSpPr>
+        <p:cNvPr id="1" name=""/>
+        <p:cNvGrpSpPr/>
+        <p:nvPr/>
+      </p:nvGrpSpPr>
+      <p:grpSpPr>
+        <a:xfrm>
+          <a:off x="0" y="0"/>
+          <a:ext cx="0" cy="0"/>
+          <a:chOff x="0" y="0"/>
+          <a:chExt cx="0" cy="0"/>
+        </a:xfrm>
+      </p:grpSpPr>
+      <p:sp>
+        <p:nvSpPr>
+          <p:cNvPr id="9" name="Title 1">
+            <a:extLst>
+              <a:ext uri="{FF2B5EF4-FFF2-40B4-BE49-F238E27FC236}">
+                <a16:creationId xmlns:a16="http://schemas.microsoft.com/office/drawing/2014/main" id="{790829E5-EBA7-C886-B214-68BC0C03E7DD}"/>
+              </a:ext>
+            </a:extLst>
+          </p:cNvPr>
+          <p:cNvSpPr>
+            <a:spLocks noGrp="1"/>
+          </p:cNvSpPr>
+          <p:nvPr>
+            <p:ph type="ctrTitle"/>
+          </p:nvPr>
+        </p:nvSpPr>
+        <p:spPr>
+          <a:xfrm>
+            <a:off x="1018954" y="929972"/>
+            <a:ext cx="9144000" cy="1013780"/>
+          </a:xfrm>
+        </p:spPr>
+        <p:txBody>
+          <a:bodyPr/>
+          <a:lstStyle/>
+          <a:p>
+            <a:pPr algn="ctr"/>
+            <a:r>
+              <a:rPr lang="en-US" dirty="0"/>
+              <a:t>ZAVR</a:t>
+            </a:r>
+            <a:r>
+              <a:rPr lang="hr-HR" dirty="0"/>
+              <a:t>š</a:t>
+            </a:r>
+            <a:r>
+              <a:rPr lang="en-US" dirty="0"/>
+              <a:t>NA VJE</a:t>
+            </a:r>
+            <a:r>
+              <a:rPr lang="hr-HR" dirty="0"/>
+              <a:t>ž</a:t>
+            </a:r>
+            <a:r>
+              <a:rPr lang="en-US" dirty="0" err="1"/>
+              <a:t>ba</a:t>
+            </a:r>
+            <a:endParaRPr lang="hr-HR" dirty="0"/>
+          </a:p>
+        </p:txBody>
+      </p:sp>
+      <p:sp>
+        <p:nvSpPr>
+          <p:cNvPr id="10" name="Text Placeholder 5">
+            <a:extLst>
+              <a:ext uri="{FF2B5EF4-FFF2-40B4-BE49-F238E27FC236}">
+                <a16:creationId xmlns:a16="http://schemas.microsoft.com/office/drawing/2014/main" id="{5B54BBB0-24C3-34EA-BD12-D41BA8DAB951}"/>
+              </a:ext>
+            </a:extLst>
+          </p:cNvPr>
+          <p:cNvSpPr>
+            <a:spLocks noGrp="1"/>
+          </p:cNvSpPr>
+          <p:nvPr>
+            <p:ph type="subTitle" idx="1"/>
+          </p:nvPr>
+        </p:nvSpPr>
+        <p:spPr>
+          <a:xfrm>
+            <a:off x="1061483" y="2213231"/>
+            <a:ext cx="9144000" cy="1492216"/>
+          </a:xfrm>
+        </p:spPr>
+        <p:txBody>
+          <a:bodyPr>
+            <a:noAutofit/>
+          </a:bodyPr>
+          <a:lstStyle/>
+          <a:p>
+            <a:r>
+              <a:rPr lang="hr-HR" sz="1200" b="1" dirty="0"/>
+              <a:t>Zadatak: </a:t>
+            </a:r>
+            <a:r>
+              <a:rPr lang="en-US" sz="1200" b="1" dirty="0" err="1"/>
+              <a:t>dodajte</a:t>
+            </a:r>
+            <a:r>
+              <a:rPr lang="en-US" sz="1200" b="1" dirty="0"/>
+              <a:t> </a:t>
+            </a:r>
+            <a:r>
+              <a:rPr lang="en-US" sz="1200" b="1" dirty="0" err="1"/>
+              <a:t>interaktivnost</a:t>
+            </a:r>
+            <a:r>
+              <a:rPr lang="en-US" sz="1200" b="1" dirty="0"/>
+              <a:t> </a:t>
+            </a:r>
+            <a:r>
+              <a:rPr lang="en-US" sz="1200" b="1" dirty="0" err="1"/>
+              <a:t>svom</a:t>
+            </a:r>
+            <a:r>
+              <a:rPr lang="en-US" sz="1200" b="1" dirty="0"/>
+              <a:t> video </a:t>
+            </a:r>
+            <a:r>
+              <a:rPr lang="en-US" sz="1200" b="1" dirty="0" err="1"/>
+              <a:t>klub</a:t>
+            </a:r>
+            <a:r>
+              <a:rPr lang="en-US" sz="1200" b="1" dirty="0"/>
+              <a:t> </a:t>
+            </a:r>
+            <a:r>
+              <a:rPr lang="en-US" sz="1200" b="1" dirty="0" err="1"/>
+              <a:t>sajtu</a:t>
+            </a:r>
+            <a:endParaRPr lang="hr-HR" sz="1200" b="1" dirty="0"/>
+          </a:p>
+          <a:p>
+            <a:r>
+              <a:rPr lang="hr-HR" sz="1200" b="1" dirty="0"/>
+              <a:t>Cilj:</a:t>
+            </a:r>
+            <a:endParaRPr lang="hr-HR" sz="1200" dirty="0"/>
+          </a:p>
+          <a:p>
+            <a:pPr>
+              <a:buFont typeface="Arial" panose="020B0604020202020204" pitchFamily="34" charset="0"/>
+              <a:buChar char="•"/>
+            </a:pPr>
+            <a:r>
+              <a:rPr lang="en-US" sz="1200" dirty="0"/>
+              <a:t>- </a:t>
+            </a:r>
+            <a:r>
+              <a:rPr lang="en-US" sz="1200" dirty="0" err="1"/>
+              <a:t>dodati</a:t>
+            </a:r>
+            <a:r>
+              <a:rPr lang="en-US" sz="1200" dirty="0"/>
+              <a:t> </a:t>
+            </a:r>
+            <a:r>
+              <a:rPr lang="en-US" sz="1200" dirty="0" err="1"/>
+              <a:t>funkcinalnost</a:t>
+            </a:r>
+            <a:r>
+              <a:rPr lang="en-US" sz="1200" dirty="0"/>
+              <a:t> </a:t>
+            </a:r>
+            <a:r>
+              <a:rPr lang="en-US" sz="1200" dirty="0" err="1"/>
+              <a:t>na</a:t>
+            </a:r>
+            <a:r>
+              <a:rPr lang="en-US" sz="1200" dirty="0"/>
+              <a:t> </a:t>
+            </a:r>
+            <a:r>
+              <a:rPr lang="en-US" sz="1200" dirty="0" err="1"/>
+              <a:t>klik</a:t>
+            </a:r>
+            <a:r>
+              <a:rPr lang="en-US" sz="1200" dirty="0"/>
+              <a:t> </a:t>
+            </a:r>
+            <a:r>
+              <a:rPr lang="en-US" sz="1200" dirty="0" err="1"/>
+              <a:t>kategorije</a:t>
+            </a:r>
+            <a:r>
+              <a:rPr lang="en-US" sz="1200" dirty="0"/>
+              <a:t> da </a:t>
+            </a:r>
+            <a:r>
+              <a:rPr lang="en-US" sz="1200" dirty="0" err="1"/>
+              <a:t>izadje</a:t>
+            </a:r>
+            <a:r>
+              <a:rPr lang="en-US" sz="1200" dirty="0"/>
+              <a:t> </a:t>
+            </a:r>
+            <a:r>
+              <a:rPr lang="en-US" sz="1200" dirty="0" err="1"/>
+              <a:t>padajuci</a:t>
+            </a:r>
+            <a:r>
+              <a:rPr lang="en-US" sz="1200" dirty="0"/>
+              <a:t> </a:t>
+            </a:r>
+            <a:r>
+              <a:rPr lang="en-US" sz="1200" dirty="0" err="1"/>
+              <a:t>meni</a:t>
+            </a:r>
+            <a:endParaRPr lang="en-US" sz="1200" dirty="0"/>
+          </a:p>
+        </p:txBody>
+      </p:sp>
+    </p:spTree>
+    <p:extLst>
+      <p:ext uri="{BB962C8B-B14F-4D97-AF65-F5344CB8AC3E}">
+        <p14:creationId xmlns:p14="http://schemas.microsoft.com/office/powerpoint/2010/main" val="3533409194"/>
       </p:ext>
     </p:extLst>
   </p:cSld>
@@ -30543,6 +30860,17 @@
 </file>
 
 <file path=customXml/item2.xml><?xml version="1.0" encoding="utf-8"?>
+<p:properties xmlns:p="http://schemas.microsoft.com/office/2006/metadata/properties" xmlns:xsi="http://www.w3.org/2001/XMLSchema-instance" xmlns:pc="http://schemas.microsoft.com/office/infopath/2007/PartnerControls">
+  <documentManagement>
+    <lcf76f155ced4ddcb4097134ff3c332f xmlns="40806f44-bc4a-4ea4-b660-c6da93f8f179">
+      <Terms xmlns="http://schemas.microsoft.com/office/infopath/2007/PartnerControls"/>
+    </lcf76f155ced4ddcb4097134ff3c332f>
+    <TaxCatchAll xmlns="758d0d8f-b783-4c78-ab73-9740c97b97cf" xsi:nil="true"/>
+  </documentManagement>
+</p:properties>
+</file>
+
+<file path=customXml/item3.xml><?xml version="1.0" encoding="utf-8"?>
 <ct:contentTypeSchema xmlns:ct="http://schemas.microsoft.com/office/2006/metadata/contentType" xmlns:ma="http://schemas.microsoft.com/office/2006/metadata/properties/metaAttributes" ct:_="" ma:_="" ma:contentTypeName="Document" ma:contentTypeID="0x010100E4F55D9EF0BF0A44B819E681FCAC00B7" ma:contentTypeVersion="12" ma:contentTypeDescription="Create a new document." ma:contentTypeScope="" ma:versionID="068ce121a7a7a0aebcb89dd601c4f0a2">
   <xsd:schema xmlns:xsd="http://www.w3.org/2001/XMLSchema" xmlns:xs="http://www.w3.org/2001/XMLSchema" xmlns:p="http://schemas.microsoft.com/office/2006/metadata/properties" xmlns:ns2="40806f44-bc4a-4ea4-b660-c6da93f8f179" xmlns:ns3="758d0d8f-b783-4c78-ab73-9740c97b97cf" targetNamespace="http://schemas.microsoft.com/office/2006/metadata/properties" ma:root="true" ma:fieldsID="67c58e6c5c8ea9af0822acd84d25e1a2" ns2:_="" ns3:_="">
     <xsd:import namespace="40806f44-bc4a-4ea4-b660-c6da93f8f179"/>
@@ -30759,17 +31087,6 @@
 </ct:contentTypeSchema>
 </file>
 
-<file path=customXml/item3.xml><?xml version="1.0" encoding="utf-8"?>
-<p:properties xmlns:p="http://schemas.microsoft.com/office/2006/metadata/properties" xmlns:xsi="http://www.w3.org/2001/XMLSchema-instance" xmlns:pc="http://schemas.microsoft.com/office/infopath/2007/PartnerControls">
-  <documentManagement>
-    <lcf76f155ced4ddcb4097134ff3c332f xmlns="40806f44-bc4a-4ea4-b660-c6da93f8f179">
-      <Terms xmlns="http://schemas.microsoft.com/office/infopath/2007/PartnerControls"/>
-    </lcf76f155ced4ddcb4097134ff3c332f>
-    <TaxCatchAll xmlns="758d0d8f-b783-4c78-ab73-9740c97b97cf" xsi:nil="true"/>
-  </documentManagement>
-</p:properties>
-</file>
-
 <file path=customXml/itemProps1.xml><?xml version="1.0" encoding="utf-8"?>
 <ds:datastoreItem xmlns:ds="http://schemas.openxmlformats.org/officeDocument/2006/customXml" ds:itemID="{46915D30-CAA6-465E-907F-1770D4E3B01D}">
   <ds:schemaRefs>
@@ -30779,6 +31096,23 @@
 </file>
 
 <file path=customXml/itemProps2.xml><?xml version="1.0" encoding="utf-8"?>
+<ds:datastoreItem xmlns:ds="http://schemas.openxmlformats.org/officeDocument/2006/customXml" ds:itemID="{61E72F81-8533-461E-8E71-A6D77294CFEF}">
+  <ds:schemaRefs>
+    <ds:schemaRef ds:uri="http://purl.org/dc/elements/1.1/"/>
+    <ds:schemaRef ds:uri="http://www.w3.org/XML/1998/namespace"/>
+    <ds:schemaRef ds:uri="http://purl.org/dc/terms/"/>
+    <ds:schemaRef ds:uri="http://schemas.microsoft.com/office/2006/documentManagement/types"/>
+    <ds:schemaRef ds:uri="40806f44-bc4a-4ea4-b660-c6da93f8f179"/>
+    <ds:schemaRef ds:uri="http://schemas.openxmlformats.org/package/2006/metadata/core-properties"/>
+    <ds:schemaRef ds:uri="http://purl.org/dc/dcmitype/"/>
+    <ds:schemaRef ds:uri="http://schemas.microsoft.com/office/infopath/2007/PartnerControls"/>
+    <ds:schemaRef ds:uri="758d0d8f-b783-4c78-ab73-9740c97b97cf"/>
+    <ds:schemaRef ds:uri="http://schemas.microsoft.com/office/2006/metadata/properties"/>
+  </ds:schemaRefs>
+</ds:datastoreItem>
+</file>
+
+<file path=customXml/itemProps3.xml><?xml version="1.0" encoding="utf-8"?>
 <ds:datastoreItem xmlns:ds="http://schemas.openxmlformats.org/officeDocument/2006/customXml" ds:itemID="{4E6AED0F-96FF-4C7F-8AC9-672C91BFCDFE}">
   <ds:schemaRefs>
     <ds:schemaRef ds:uri="http://schemas.microsoft.com/office/2006/metadata/contentType"/>
@@ -30795,21 +31129,4 @@
     <ds:schemaRef ds:uri="http://schemas.microsoft.com/internal/obd"/>
   </ds:schemaRefs>
 </ds:datastoreItem>
-</file>
-
-<file path=customXml/itemProps3.xml><?xml version="1.0" encoding="utf-8"?>
-<ds:datastoreItem xmlns:ds="http://schemas.openxmlformats.org/officeDocument/2006/customXml" ds:itemID="{61E72F81-8533-461E-8E71-A6D77294CFEF}">
-  <ds:schemaRefs>
-    <ds:schemaRef ds:uri="http://purl.org/dc/elements/1.1/"/>
-    <ds:schemaRef ds:uri="http://www.w3.org/XML/1998/namespace"/>
-    <ds:schemaRef ds:uri="http://purl.org/dc/terms/"/>
-    <ds:schemaRef ds:uri="http://schemas.microsoft.com/office/2006/documentManagement/types"/>
-    <ds:schemaRef ds:uri="40806f44-bc4a-4ea4-b660-c6da93f8f179"/>
-    <ds:schemaRef ds:uri="http://schemas.openxmlformats.org/package/2006/metadata/core-properties"/>
-    <ds:schemaRef ds:uri="http://purl.org/dc/dcmitype/"/>
-    <ds:schemaRef ds:uri="http://schemas.microsoft.com/office/infopath/2007/PartnerControls"/>
-    <ds:schemaRef ds:uri="758d0d8f-b783-4c78-ab73-9740c97b97cf"/>
-    <ds:schemaRef ds:uri="http://schemas.microsoft.com/office/2006/metadata/properties"/>
-  </ds:schemaRefs>
-</ds:datastoreItem>
 </file>
--- a/Bootcamp/javascript-uvod/javascript-uvod.pptx
+++ b/Bootcamp/javascript-uvod/javascript-uvod.pptx
@@ -289,7 +289,7 @@
           <a:p>
             <a:fld id="{B2A70591-2E3C-5F42-A4E1-C0F5A0F4E5DB}" type="datetimeFigureOut">
               <a:rPr lang="en-US" smtClean="0"/>
-              <a:t>3/10/2025</a:t>
+              <a:t>3/11/2025</a:t>
             </a:fld>
             <a:endParaRPr lang="en-US"/>
           </a:p>
@@ -6450,7 +6450,7 @@
                 <a:ea typeface="Open Sans" panose="020B0606030504020204" pitchFamily="34" charset="0"/>
                 <a:cs typeface="Open Sans" panose="020B0606030504020204" pitchFamily="34" charset="0"/>
               </a:rPr>
-              <a:t>10/03/2025</a:t>
+              <a:t>11/03/2025</a:t>
             </a:fld>
             <a:endParaRPr lang="en-GB" sz="1800" b="0" i="0" kern="1200" dirty="0">
               <a:solidFill>
@@ -7195,7 +7195,7 @@
                 <a:ea typeface="Open Sans" panose="020B0606030504020204" pitchFamily="34" charset="0"/>
                 <a:cs typeface="Open Sans" panose="020B0606030504020204" pitchFamily="34" charset="0"/>
               </a:rPr>
-              <a:t>10/03/2025</a:t>
+              <a:t>11/03/2025</a:t>
             </a:fld>
             <a:endParaRPr lang="en-GB" sz="1800" b="0" i="0" kern="1200" dirty="0">
               <a:solidFill>
@@ -7718,7 +7718,7 @@
                 <a:ea typeface="Open Sans" panose="020B0606030504020204" pitchFamily="34" charset="0"/>
                 <a:cs typeface="Open Sans" panose="020B0606030504020204" pitchFamily="34" charset="0"/>
               </a:rPr>
-              <a:t>10/03/2025</a:t>
+              <a:t>11/03/2025</a:t>
             </a:fld>
             <a:endParaRPr lang="en-GB" sz="1800" b="0" i="0" kern="1200" dirty="0">
               <a:solidFill>
@@ -8684,7 +8684,7 @@
                 <a:ea typeface="Open Sans" panose="020B0606030504020204" pitchFamily="34" charset="0"/>
                 <a:cs typeface="Open Sans" panose="020B0606030504020204" pitchFamily="34" charset="0"/>
               </a:rPr>
-              <a:t>10/03/2025</a:t>
+              <a:t>11/03/2025</a:t>
             </a:fld>
             <a:endParaRPr lang="en-GB" sz="1800" b="0" i="0" kern="1200" dirty="0">
               <a:solidFill>
@@ -9123,7 +9123,7 @@
                 <a:ea typeface="Open Sans" panose="020B0606030504020204" pitchFamily="34" charset="0"/>
                 <a:cs typeface="Open Sans" panose="020B0606030504020204" pitchFamily="34" charset="0"/>
               </a:rPr>
-              <a:t>10/03/2025</a:t>
+              <a:t>11/03/2025</a:t>
             </a:fld>
             <a:endParaRPr lang="en-GB" sz="1800" b="0" i="0" kern="1200" dirty="0">
               <a:solidFill>
@@ -10893,7 +10893,7 @@
                 <a:ea typeface="Open Sans" pitchFamily="2" charset="0"/>
                 <a:cs typeface="Open Sans" pitchFamily="2" charset="0"/>
               </a:rPr>
-              <a:t>10/03/2025</a:t>
+              <a:t>11/03/2025</a:t>
             </a:fld>
             <a:endParaRPr lang="en-GB" sz="1800" b="0" i="0" kern="1200" dirty="0">
               <a:solidFill>
@@ -12643,7 +12643,7 @@
                 <a:ea typeface="Open Sans" pitchFamily="2" charset="0"/>
                 <a:cs typeface="Open Sans" pitchFamily="2" charset="0"/>
               </a:rPr>
-              <a:t>10/03/2025</a:t>
+              <a:t>11/03/2025</a:t>
             </a:fld>
             <a:endParaRPr lang="en-GB" sz="1800" b="0" i="0" kern="1200" dirty="0">
               <a:solidFill>
@@ -13160,7 +13160,7 @@
                 <a:ea typeface="Open Sans" panose="020B0606030504020204" pitchFamily="34" charset="0"/>
                 <a:cs typeface="Open Sans" panose="020B0606030504020204" pitchFamily="34" charset="0"/>
               </a:rPr>
-              <a:t>10/03/2025</a:t>
+              <a:t>11/03/2025</a:t>
             </a:fld>
             <a:endParaRPr lang="en-GB" sz="1800" b="0" i="0" kern="1200" dirty="0">
               <a:solidFill>
@@ -13757,7 +13757,7 @@
                 <a:ea typeface="Open Sans" pitchFamily="2" charset="0"/>
                 <a:cs typeface="Open Sans" pitchFamily="2" charset="0"/>
               </a:rPr>
-              <a:t>10/03/2025</a:t>
+              <a:t>11/03/2025</a:t>
             </a:fld>
             <a:endParaRPr lang="en-GB" sz="1800" b="0" i="0" kern="1200" dirty="0">
               <a:solidFill>
@@ -14297,7 +14297,7 @@
                 <a:ea typeface="Open Sans" panose="020B0606030504020204" pitchFamily="34" charset="0"/>
                 <a:cs typeface="Open Sans" panose="020B0606030504020204" pitchFamily="34" charset="0"/>
               </a:rPr>
-              <a:t>10/03/2025</a:t>
+              <a:t>11/03/2025</a:t>
             </a:fld>
             <a:endParaRPr lang="en-GB" sz="1800" b="0" i="0" kern="1200" dirty="0">
               <a:solidFill>
@@ -14998,7 +14998,7 @@
                 <a:ea typeface="Open Sans" panose="020B0606030504020204" pitchFamily="34" charset="0"/>
                 <a:cs typeface="Open Sans" panose="020B0606030504020204" pitchFamily="34" charset="0"/>
               </a:rPr>
-              <a:t>10/03/2025</a:t>
+              <a:t>11/03/2025</a:t>
             </a:fld>
             <a:endParaRPr lang="en-GB" sz="1800" b="0" i="0" kern="1200" dirty="0">
               <a:solidFill>
@@ -15361,7 +15361,7 @@
                 <a:ea typeface="Open Sans" pitchFamily="2" charset="0"/>
                 <a:cs typeface="Open Sans" pitchFamily="2" charset="0"/>
               </a:rPr>
-              <a:t>10/03/2025</a:t>
+              <a:t>11/03/2025</a:t>
             </a:fld>
             <a:endParaRPr lang="en-GB" sz="1800" b="0" i="0" kern="1200" dirty="0">
               <a:solidFill>
@@ -15756,7 +15756,7 @@
                 <a:ea typeface="Open Sans" pitchFamily="2" charset="0"/>
                 <a:cs typeface="Open Sans" pitchFamily="2" charset="0"/>
               </a:rPr>
-              <a:t>10/03/2025</a:t>
+              <a:t>11/03/2025</a:t>
             </a:fld>
             <a:endParaRPr lang="en-GB" sz="1800" b="0" i="0" kern="1200" dirty="0">
               <a:solidFill>
@@ -19542,7 +19542,7 @@
         </p:blipFill>
         <p:spPr>
           <a:xfrm>
-            <a:off x="7603500" y="3174406"/>
+            <a:off x="6797407" y="3174406"/>
             <a:ext cx="2705100" cy="1865586"/>
           </a:xfrm>
           <a:prstGeom prst="rect">
@@ -19827,7 +19827,7 @@
         </p:nvSpPr>
         <p:spPr>
           <a:xfrm>
-            <a:off x="405809" y="1314124"/>
+            <a:off x="405809" y="1367700"/>
             <a:ext cx="4873256" cy="1384995"/>
           </a:xfrm>
           <a:prstGeom prst="rect">
@@ -19900,7 +19900,7 @@
         </p:blipFill>
         <p:spPr>
           <a:xfrm>
-            <a:off x="491423" y="2369067"/>
+            <a:off x="491423" y="2422643"/>
             <a:ext cx="2905125" cy="971550"/>
           </a:xfrm>
           <a:prstGeom prst="rect">
@@ -19930,7 +19930,7 @@
         </p:blipFill>
         <p:spPr>
           <a:xfrm>
-            <a:off x="491423" y="3754062"/>
+            <a:off x="491423" y="3807638"/>
             <a:ext cx="3829050" cy="1181100"/>
           </a:xfrm>
           <a:prstGeom prst="rect">
@@ -21442,8 +21442,16 @@
           <a:lstStyle/>
           <a:p>
             <a:r>
-              <a:rPr lang="hr-HR" dirty="0"/>
-              <a:t>U ovom izazovu izradit ćeš funkciju koja će nam reći koliko dana, tjedana i mjeseci nam preostaje ako ćemo živjeti do 90 godina.</a:t>
+              <a:rPr lang="en-US" dirty="0" err="1"/>
+              <a:t>Izradi</a:t>
+            </a:r>
+            <a:r>
+              <a:rPr lang="en-US" dirty="0"/>
+              <a:t> </a:t>
+            </a:r>
+            <a:r>
+              <a:rPr lang="hr-HR" dirty="0"/>
+              <a:t>funkciju koja će nam reći koliko dana, tjedana i mjeseci nam preostaje ako ćemo živjeti do 90 godina.</a:t>
             </a:r>
           </a:p>
         </p:txBody>
@@ -30255,6 +30263,17 @@
 </file>
 
 <file path=customXml/item1.xml><?xml version="1.0" encoding="utf-8"?>
+<p:properties xmlns:p="http://schemas.microsoft.com/office/2006/metadata/properties" xmlns:xsi="http://www.w3.org/2001/XMLSchema-instance" xmlns:pc="http://schemas.microsoft.com/office/infopath/2007/PartnerControls">
+  <documentManagement>
+    <lcf76f155ced4ddcb4097134ff3c332f xmlns="40806f44-bc4a-4ea4-b660-c6da93f8f179">
+      <Terms xmlns="http://schemas.microsoft.com/office/infopath/2007/PartnerControls"/>
+    </lcf76f155ced4ddcb4097134ff3c332f>
+    <TaxCatchAll xmlns="758d0d8f-b783-4c78-ab73-9740c97b97cf" xsi:nil="true"/>
+  </documentManagement>
+</p:properties>
+</file>
+
+<file path=customXml/item2.xml><?xml version="1.0" encoding="utf-8"?>
 <ct:contentTypeSchema xmlns:ct="http://schemas.microsoft.com/office/2006/metadata/contentType" xmlns:ma="http://schemas.microsoft.com/office/2006/metadata/properties/metaAttributes" ct:_="" ma:_="" ma:contentTypeName="Document" ma:contentTypeID="0x010100E4F55D9EF0BF0A44B819E681FCAC00B7" ma:contentTypeVersion="12" ma:contentTypeDescription="Create a new document." ma:contentTypeScope="" ma:versionID="068ce121a7a7a0aebcb89dd601c4f0a2">
   <xsd:schema xmlns:xsd="http://www.w3.org/2001/XMLSchema" xmlns:xs="http://www.w3.org/2001/XMLSchema" xmlns:p="http://schemas.microsoft.com/office/2006/metadata/properties" xmlns:ns2="40806f44-bc4a-4ea4-b660-c6da93f8f179" xmlns:ns3="758d0d8f-b783-4c78-ab73-9740c97b97cf" targetNamespace="http://schemas.microsoft.com/office/2006/metadata/properties" ma:root="true" ma:fieldsID="67c58e6c5c8ea9af0822acd84d25e1a2" ns2:_="" ns3:_="">
     <xsd:import namespace="40806f44-bc4a-4ea4-b660-c6da93f8f179"/>
@@ -30471,17 +30490,6 @@
 </ct:contentTypeSchema>
 </file>
 
-<file path=customXml/item2.xml><?xml version="1.0" encoding="utf-8"?>
-<p:properties xmlns:p="http://schemas.microsoft.com/office/2006/metadata/properties" xmlns:xsi="http://www.w3.org/2001/XMLSchema-instance" xmlns:pc="http://schemas.microsoft.com/office/infopath/2007/PartnerControls">
-  <documentManagement>
-    <lcf76f155ced4ddcb4097134ff3c332f xmlns="40806f44-bc4a-4ea4-b660-c6da93f8f179">
-      <Terms xmlns="http://schemas.microsoft.com/office/infopath/2007/PartnerControls"/>
-    </lcf76f155ced4ddcb4097134ff3c332f>
-    <TaxCatchAll xmlns="758d0d8f-b783-4c78-ab73-9740c97b97cf" xsi:nil="true"/>
-  </documentManagement>
-</p:properties>
-</file>
-
 <file path=customXml/item3.xml><?xml version="1.0" encoding="utf-8"?>
 <?mso-contentType ?>
 <FormTemplates xmlns="http://schemas.microsoft.com/sharepoint/v3/contenttype/forms">
@@ -30492,6 +30500,23 @@
 </file>
 
 <file path=customXml/itemProps1.xml><?xml version="1.0" encoding="utf-8"?>
+<ds:datastoreItem xmlns:ds="http://schemas.openxmlformats.org/officeDocument/2006/customXml" ds:itemID="{61E72F81-8533-461E-8E71-A6D77294CFEF}">
+  <ds:schemaRefs>
+    <ds:schemaRef ds:uri="http://purl.org/dc/elements/1.1/"/>
+    <ds:schemaRef ds:uri="http://www.w3.org/XML/1998/namespace"/>
+    <ds:schemaRef ds:uri="http://purl.org/dc/terms/"/>
+    <ds:schemaRef ds:uri="http://schemas.microsoft.com/office/2006/documentManagement/types"/>
+    <ds:schemaRef ds:uri="40806f44-bc4a-4ea4-b660-c6da93f8f179"/>
+    <ds:schemaRef ds:uri="http://schemas.openxmlformats.org/package/2006/metadata/core-properties"/>
+    <ds:schemaRef ds:uri="http://purl.org/dc/dcmitype/"/>
+    <ds:schemaRef ds:uri="http://schemas.microsoft.com/office/infopath/2007/PartnerControls"/>
+    <ds:schemaRef ds:uri="758d0d8f-b783-4c78-ab73-9740c97b97cf"/>
+    <ds:schemaRef ds:uri="http://schemas.microsoft.com/office/2006/metadata/properties"/>
+  </ds:schemaRefs>
+</ds:datastoreItem>
+</file>
+
+<file path=customXml/itemProps2.xml><?xml version="1.0" encoding="utf-8"?>
 <ds:datastoreItem xmlns:ds="http://schemas.openxmlformats.org/officeDocument/2006/customXml" ds:itemID="{4E6AED0F-96FF-4C7F-8AC9-672C91BFCDFE}">
   <ds:schemaRefs>
     <ds:schemaRef ds:uri="http://schemas.microsoft.com/office/2006/metadata/contentType"/>
@@ -30510,23 +30535,6 @@
 </ds:datastoreItem>
 </file>
 
-<file path=customXml/itemProps2.xml><?xml version="1.0" encoding="utf-8"?>
-<ds:datastoreItem xmlns:ds="http://schemas.openxmlformats.org/officeDocument/2006/customXml" ds:itemID="{61E72F81-8533-461E-8E71-A6D77294CFEF}">
-  <ds:schemaRefs>
-    <ds:schemaRef ds:uri="http://purl.org/dc/elements/1.1/"/>
-    <ds:schemaRef ds:uri="http://www.w3.org/XML/1998/namespace"/>
-    <ds:schemaRef ds:uri="http://purl.org/dc/terms/"/>
-    <ds:schemaRef ds:uri="http://schemas.microsoft.com/office/2006/documentManagement/types"/>
-    <ds:schemaRef ds:uri="40806f44-bc4a-4ea4-b660-c6da93f8f179"/>
-    <ds:schemaRef ds:uri="http://schemas.openxmlformats.org/package/2006/metadata/core-properties"/>
-    <ds:schemaRef ds:uri="http://purl.org/dc/dcmitype/"/>
-    <ds:schemaRef ds:uri="http://schemas.microsoft.com/office/infopath/2007/PartnerControls"/>
-    <ds:schemaRef ds:uri="758d0d8f-b783-4c78-ab73-9740c97b97cf"/>
-    <ds:schemaRef ds:uri="http://schemas.microsoft.com/office/2006/metadata/properties"/>
-  </ds:schemaRefs>
-</ds:datastoreItem>
-</file>
-
 <file path=customXml/itemProps3.xml><?xml version="1.0" encoding="utf-8"?>
 <ds:datastoreItem xmlns:ds="http://schemas.openxmlformats.org/officeDocument/2006/customXml" ds:itemID="{46915D30-CAA6-465E-907F-1770D4E3B01D}">
   <ds:schemaRefs>

--- a/Bootcamp/javascript-uvod/javascript-uvod.pptx
+++ b/Bootcamp/javascript-uvod/javascript-uvod.pptx
@@ -289,7 +289,7 @@
           <a:p>
             <a:fld id="{B2A70591-2E3C-5F42-A4E1-C0F5A0F4E5DB}" type="datetimeFigureOut">
               <a:rPr lang="en-US" smtClean="0"/>
-              <a:t>3/11/2025</a:t>
+              <a:t>4/29/2025</a:t>
             </a:fld>
             <a:endParaRPr lang="en-US"/>
           </a:p>
@@ -2076,7 +2076,10 @@
           <a:bodyPr/>
           <a:lstStyle/>
           <a:p>
-            <a:endParaRPr lang="hr-HR" dirty="0"/>
+            <a:r>
+              <a:rPr lang="hr-HR" dirty="0"/>
+              <a:t>https://github.com/rwaldron/idiomatic.js</a:t>
+            </a:r>
           </a:p>
         </p:txBody>
       </p:sp>
@@ -4104,328 +4107,7 @@
           <a:bodyPr/>
           <a:lstStyle/>
           <a:p>
-            <a:r>
-              <a:rPr lang="en-US" b="1" dirty="0"/>
-              <a:t>https://github.com/rwaldron/idiomatic.js – </a:t>
-            </a:r>
-            <a:r>
-              <a:rPr lang="en-US" b="1" dirty="0" err="1"/>
-              <a:t>kako</a:t>
-            </a:r>
-            <a:r>
-              <a:rPr lang="en-US" b="1" dirty="0"/>
-              <a:t> </a:t>
-            </a:r>
-            <a:r>
-              <a:rPr lang="en-US" b="1" dirty="0" err="1"/>
-              <a:t>pisati</a:t>
-            </a:r>
-            <a:r>
-              <a:rPr lang="en-US" b="1" dirty="0"/>
-              <a:t> </a:t>
-            </a:r>
-            <a:r>
-              <a:rPr lang="en-US" b="1" dirty="0" err="1"/>
-              <a:t>dobar</a:t>
-            </a:r>
-            <a:r>
-              <a:rPr lang="en-US" b="1" dirty="0"/>
-              <a:t> </a:t>
-            </a:r>
-            <a:r>
-              <a:rPr lang="en-US" b="1" dirty="0" err="1"/>
-              <a:t>javascript</a:t>
-            </a:r>
-            <a:r>
-              <a:rPr lang="en-US" b="1" dirty="0"/>
-              <a:t> </a:t>
-            </a:r>
-            <a:r>
-              <a:rPr lang="en-US" b="1" dirty="0" err="1"/>
-              <a:t>kod</a:t>
-            </a:r>
-            <a:r>
-              <a:rPr lang="en-US" b="1" dirty="0"/>
-              <a:t>.</a:t>
-            </a:r>
-          </a:p>
-          <a:p>
-            <a:endParaRPr lang="en-US" b="1" dirty="0"/>
-          </a:p>
-          <a:p>
-            <a:endParaRPr lang="en-US" b="1" dirty="0"/>
-          </a:p>
-          <a:p>
-            <a:r>
-              <a:rPr lang="hr-HR" b="1" dirty="0"/>
-              <a:t>📌 Kratka Povijest Web Preglednika</a:t>
-            </a:r>
-          </a:p>
-          <a:p>
-            <a:r>
-              <a:rPr lang="hr-HR" dirty="0"/>
-              <a:t>🔹 </a:t>
-            </a:r>
-            <a:r>
-              <a:rPr lang="hr-HR" b="1" dirty="0"/>
-              <a:t>Netscape Navigator</a:t>
-            </a:r>
-            <a:r>
-              <a:rPr lang="hr-HR" dirty="0"/>
-              <a:t> – Dominirao web preglednicima 90-ih godina.</a:t>
-            </a:r>
-            <a:br>
-              <a:rPr lang="hr-HR" dirty="0"/>
-            </a:br>
-            <a:r>
-              <a:rPr lang="hr-HR" dirty="0"/>
-              <a:t>🔹 </a:t>
-            </a:r>
-            <a:r>
-              <a:rPr lang="hr-HR" b="1" dirty="0"/>
-              <a:t>Internet Explorer</a:t>
-            </a:r>
-            <a:r>
-              <a:rPr lang="hr-HR" dirty="0"/>
-              <a:t> – Glavni konkurent, izazvao „rat preglednika“.</a:t>
-            </a:r>
-            <a:br>
-              <a:rPr lang="hr-HR" dirty="0"/>
-            </a:br>
-            <a:r>
-              <a:rPr lang="hr-HR" dirty="0"/>
-              <a:t>🔹 </a:t>
-            </a:r>
-            <a:r>
-              <a:rPr lang="hr-HR" b="1" dirty="0" err="1"/>
-              <a:t>Mosaic</a:t>
-            </a:r>
-            <a:r>
-              <a:rPr lang="hr-HR" dirty="0"/>
-              <a:t> – Prethodnik </a:t>
-            </a:r>
-            <a:r>
-              <a:rPr lang="hr-HR" dirty="0" err="1"/>
-              <a:t>Netscapea</a:t>
-            </a:r>
-            <a:r>
-              <a:rPr lang="hr-HR" dirty="0"/>
-              <a:t>, jedan od prvih preglednika.</a:t>
-            </a:r>
-            <a:br>
-              <a:rPr lang="hr-HR" dirty="0"/>
-            </a:br>
-            <a:r>
-              <a:rPr lang="hr-HR" dirty="0"/>
-              <a:t>🔹 </a:t>
-            </a:r>
-            <a:r>
-              <a:rPr lang="hr-HR" b="1" dirty="0"/>
-              <a:t>Firefox</a:t>
-            </a:r>
-            <a:r>
-              <a:rPr lang="hr-HR" dirty="0"/>
-              <a:t> – Nastao iz ostataka </a:t>
-            </a:r>
-            <a:r>
-              <a:rPr lang="hr-HR" dirty="0" err="1"/>
-              <a:t>Netscapea</a:t>
-            </a:r>
-            <a:r>
-              <a:rPr lang="hr-HR" dirty="0"/>
-              <a:t>, donio inovacije.</a:t>
-            </a:r>
-          </a:p>
-          <a:p>
-            <a:r>
-              <a:rPr lang="hr-HR" dirty="0"/>
-              <a:t>Marc </a:t>
-            </a:r>
-            <a:r>
-              <a:rPr lang="hr-HR" dirty="0" err="1"/>
-              <a:t>Andreessen</a:t>
-            </a:r>
-            <a:r>
-              <a:rPr lang="hr-HR" dirty="0"/>
-              <a:t>, jedan od ključnih ljudi iza </a:t>
-            </a:r>
-            <a:r>
-              <a:rPr lang="hr-HR" dirty="0" err="1"/>
-              <a:t>Netscapea</a:t>
-            </a:r>
-            <a:r>
-              <a:rPr lang="hr-HR" dirty="0"/>
-              <a:t>, imao je viziju dinamičnog weba, a kako bi to omogućio, bilo je potrebno razviti novi </a:t>
-            </a:r>
-            <a:r>
-              <a:rPr lang="hr-HR" dirty="0" err="1"/>
-              <a:t>skriptni</a:t>
-            </a:r>
-            <a:r>
-              <a:rPr lang="hr-HR" dirty="0"/>
-              <a:t> jezik koji bi radio u pregledniku.</a:t>
-            </a:r>
-          </a:p>
-          <a:p>
-            <a:r>
-              <a:rPr lang="hr-HR" b="1" dirty="0"/>
-              <a:t>📌 Nastanak JavaScripta</a:t>
-            </a:r>
-          </a:p>
-          <a:p>
-            <a:r>
-              <a:rPr lang="hr-HR" dirty="0"/>
-              <a:t>🔹 </a:t>
-            </a:r>
-            <a:r>
-              <a:rPr lang="hr-HR" b="1" dirty="0"/>
-              <a:t>1995. godine</a:t>
-            </a:r>
-            <a:r>
-              <a:rPr lang="hr-HR" dirty="0"/>
-              <a:t> – Web stranice su bile statične, a sav posao obrade podataka odvijao se na serveru.</a:t>
-            </a:r>
-            <a:br>
-              <a:rPr lang="hr-HR" dirty="0"/>
-            </a:br>
-            <a:r>
-              <a:rPr lang="hr-HR" dirty="0"/>
-              <a:t>🔹 </a:t>
-            </a:r>
-            <a:r>
-              <a:rPr lang="hr-HR" b="1" dirty="0" err="1"/>
-              <a:t>Netscapeov</a:t>
-            </a:r>
-            <a:r>
-              <a:rPr lang="hr-HR" b="1" dirty="0"/>
-              <a:t> tim</a:t>
-            </a:r>
-            <a:r>
-              <a:rPr lang="hr-HR" dirty="0"/>
-              <a:t> – Želio je dinamičan web s animacijama i interakcijom u pregledniku.</a:t>
-            </a:r>
-            <a:br>
-              <a:rPr lang="hr-HR" dirty="0"/>
-            </a:br>
-            <a:r>
-              <a:rPr lang="hr-HR" dirty="0"/>
-              <a:t>🔹 </a:t>
-            </a:r>
-            <a:r>
-              <a:rPr lang="hr-HR" b="1" dirty="0"/>
-              <a:t>Brendan </a:t>
-            </a:r>
-            <a:r>
-              <a:rPr lang="hr-HR" b="1" dirty="0" err="1"/>
-              <a:t>Eich</a:t>
-            </a:r>
-            <a:r>
-              <a:rPr lang="hr-HR" dirty="0"/>
-              <a:t> – Unajmljen da razvije </a:t>
-            </a:r>
-            <a:r>
-              <a:rPr lang="hr-HR" dirty="0" err="1"/>
-              <a:t>skriptni</a:t>
-            </a:r>
-            <a:r>
-              <a:rPr lang="hr-HR" dirty="0"/>
-              <a:t> jezik, kreirao </a:t>
-            </a:r>
-            <a:r>
-              <a:rPr lang="hr-HR" b="1" dirty="0"/>
-              <a:t>JavaScript za samo 10 dana</a:t>
-            </a:r>
-            <a:r>
-              <a:rPr lang="hr-HR" dirty="0"/>
-              <a:t>!</a:t>
-            </a:r>
-            <a:br>
-              <a:rPr lang="hr-HR" dirty="0"/>
-            </a:br>
-            <a:r>
-              <a:rPr lang="hr-HR" dirty="0"/>
-              <a:t>🔹 </a:t>
-            </a:r>
-            <a:r>
-              <a:rPr lang="hr-HR" b="1" dirty="0"/>
-              <a:t>Prvotni naziv</a:t>
-            </a:r>
-            <a:r>
-              <a:rPr lang="hr-HR" dirty="0"/>
-              <a:t> – JavaScript se u početku zvao </a:t>
-            </a:r>
-            <a:r>
-              <a:rPr lang="hr-HR" b="1" dirty="0" err="1"/>
-              <a:t>LiveScript</a:t>
-            </a:r>
-            <a:r>
-              <a:rPr lang="hr-HR" dirty="0"/>
-              <a:t>, ali zbog popularnosti Jave, ime je promijenjeno.</a:t>
-            </a:r>
-          </a:p>
-          <a:p>
-            <a:r>
-              <a:rPr lang="hr-HR" b="1" dirty="0"/>
-              <a:t>📌 Što Se Događa Ako Isključimo JavaScript?</a:t>
-            </a:r>
-          </a:p>
-          <a:p>
-            <a:r>
-              <a:rPr lang="hr-HR" dirty="0"/>
-              <a:t>🔹 </a:t>
-            </a:r>
-            <a:r>
-              <a:rPr lang="hr-HR" b="1" dirty="0"/>
-              <a:t>Twitter bez JavaScripta</a:t>
-            </a:r>
-            <a:r>
-              <a:rPr lang="hr-HR" dirty="0"/>
-              <a:t> – Ne može prikazati brojač znakova kod </a:t>
-            </a:r>
-            <a:r>
-              <a:rPr lang="hr-HR" dirty="0" err="1"/>
-              <a:t>tvitanja</a:t>
-            </a:r>
-            <a:r>
-              <a:rPr lang="hr-HR" dirty="0"/>
-              <a:t>.</a:t>
-            </a:r>
-            <a:br>
-              <a:rPr lang="hr-HR" dirty="0"/>
-            </a:br>
-            <a:r>
-              <a:rPr lang="hr-HR" dirty="0"/>
-              <a:t>🔹 </a:t>
-            </a:r>
-            <a:r>
-              <a:rPr lang="hr-HR" b="1" dirty="0"/>
-              <a:t>YouTube i Netflix</a:t>
-            </a:r>
-            <a:r>
-              <a:rPr lang="hr-HR" dirty="0"/>
-              <a:t> – Ne rade uopće bez JavaScripta.</a:t>
-            </a:r>
-            <a:br>
-              <a:rPr lang="hr-HR" dirty="0"/>
-            </a:br>
-            <a:r>
-              <a:rPr lang="hr-HR" dirty="0"/>
-              <a:t>🔹 </a:t>
-            </a:r>
-            <a:r>
-              <a:rPr lang="hr-HR" b="1" dirty="0"/>
-              <a:t>New York Times bez JavaScripta</a:t>
-            </a:r>
-            <a:r>
-              <a:rPr lang="hr-HR" dirty="0"/>
-              <a:t> – Sajt se učitava bez oglasa jer su oni često temeljeni na JavaScriptu.</a:t>
-            </a:r>
-          </a:p>
-          <a:p>
-            <a:r>
-              <a:rPr lang="hr-HR" dirty="0"/>
-              <a:t>Ovo pokazuje koliko smo danas ovisni o JavaScriptu – bez njega, internet ne bi bio isti!</a:t>
-            </a:r>
+            <a:endParaRPr lang="hr-HR" dirty="0"/>
           </a:p>
         </p:txBody>
       </p:sp>
@@ -4533,328 +4215,7 @@
           <a:bodyPr/>
           <a:lstStyle/>
           <a:p>
-            <a:r>
-              <a:rPr lang="en-US" b="1" dirty="0"/>
-              <a:t>https://github.com/rwaldron/idiomatic.js – </a:t>
-            </a:r>
-            <a:r>
-              <a:rPr lang="en-US" b="1" dirty="0" err="1"/>
-              <a:t>kako</a:t>
-            </a:r>
-            <a:r>
-              <a:rPr lang="en-US" b="1" dirty="0"/>
-              <a:t> </a:t>
-            </a:r>
-            <a:r>
-              <a:rPr lang="en-US" b="1" dirty="0" err="1"/>
-              <a:t>pisati</a:t>
-            </a:r>
-            <a:r>
-              <a:rPr lang="en-US" b="1" dirty="0"/>
-              <a:t> </a:t>
-            </a:r>
-            <a:r>
-              <a:rPr lang="en-US" b="1" dirty="0" err="1"/>
-              <a:t>dobar</a:t>
-            </a:r>
-            <a:r>
-              <a:rPr lang="en-US" b="1" dirty="0"/>
-              <a:t> </a:t>
-            </a:r>
-            <a:r>
-              <a:rPr lang="en-US" b="1" dirty="0" err="1"/>
-              <a:t>javascript</a:t>
-            </a:r>
-            <a:r>
-              <a:rPr lang="en-US" b="1" dirty="0"/>
-              <a:t> </a:t>
-            </a:r>
-            <a:r>
-              <a:rPr lang="en-US" b="1" dirty="0" err="1"/>
-              <a:t>kod</a:t>
-            </a:r>
-            <a:r>
-              <a:rPr lang="en-US" b="1" dirty="0"/>
-              <a:t>.</a:t>
-            </a:r>
-          </a:p>
-          <a:p>
-            <a:endParaRPr lang="en-US" b="1" dirty="0"/>
-          </a:p>
-          <a:p>
-            <a:endParaRPr lang="en-US" b="1" dirty="0"/>
-          </a:p>
-          <a:p>
-            <a:r>
-              <a:rPr lang="hr-HR" b="1" dirty="0"/>
-              <a:t>📌 Kratka Povijest Web Preglednika</a:t>
-            </a:r>
-          </a:p>
-          <a:p>
-            <a:r>
-              <a:rPr lang="hr-HR" dirty="0"/>
-              <a:t>🔹 </a:t>
-            </a:r>
-            <a:r>
-              <a:rPr lang="hr-HR" b="1" dirty="0"/>
-              <a:t>Netscape Navigator</a:t>
-            </a:r>
-            <a:r>
-              <a:rPr lang="hr-HR" dirty="0"/>
-              <a:t> – Dominirao web preglednicima 90-ih godina.</a:t>
-            </a:r>
-            <a:br>
-              <a:rPr lang="hr-HR" dirty="0"/>
-            </a:br>
-            <a:r>
-              <a:rPr lang="hr-HR" dirty="0"/>
-              <a:t>🔹 </a:t>
-            </a:r>
-            <a:r>
-              <a:rPr lang="hr-HR" b="1" dirty="0"/>
-              <a:t>Internet Explorer</a:t>
-            </a:r>
-            <a:r>
-              <a:rPr lang="hr-HR" dirty="0"/>
-              <a:t> – Glavni konkurent, izazvao „rat preglednika“.</a:t>
-            </a:r>
-            <a:br>
-              <a:rPr lang="hr-HR" dirty="0"/>
-            </a:br>
-            <a:r>
-              <a:rPr lang="hr-HR" dirty="0"/>
-              <a:t>🔹 </a:t>
-            </a:r>
-            <a:r>
-              <a:rPr lang="hr-HR" b="1" dirty="0" err="1"/>
-              <a:t>Mosaic</a:t>
-            </a:r>
-            <a:r>
-              <a:rPr lang="hr-HR" dirty="0"/>
-              <a:t> – Prethodnik </a:t>
-            </a:r>
-            <a:r>
-              <a:rPr lang="hr-HR" dirty="0" err="1"/>
-              <a:t>Netscapea</a:t>
-            </a:r>
-            <a:r>
-              <a:rPr lang="hr-HR" dirty="0"/>
-              <a:t>, jedan od prvih preglednika.</a:t>
-            </a:r>
-            <a:br>
-              <a:rPr lang="hr-HR" dirty="0"/>
-            </a:br>
-            <a:r>
-              <a:rPr lang="hr-HR" dirty="0"/>
-              <a:t>🔹 </a:t>
-            </a:r>
-            <a:r>
-              <a:rPr lang="hr-HR" b="1" dirty="0"/>
-              <a:t>Firefox</a:t>
-            </a:r>
-            <a:r>
-              <a:rPr lang="hr-HR" dirty="0"/>
-              <a:t> – Nastao iz ostataka </a:t>
-            </a:r>
-            <a:r>
-              <a:rPr lang="hr-HR" dirty="0" err="1"/>
-              <a:t>Netscapea</a:t>
-            </a:r>
-            <a:r>
-              <a:rPr lang="hr-HR" dirty="0"/>
-              <a:t>, donio inovacije.</a:t>
-            </a:r>
-          </a:p>
-          <a:p>
-            <a:r>
-              <a:rPr lang="hr-HR" dirty="0"/>
-              <a:t>Marc </a:t>
-            </a:r>
-            <a:r>
-              <a:rPr lang="hr-HR" dirty="0" err="1"/>
-              <a:t>Andreessen</a:t>
-            </a:r>
-            <a:r>
-              <a:rPr lang="hr-HR" dirty="0"/>
-              <a:t>, jedan od ključnih ljudi iza </a:t>
-            </a:r>
-            <a:r>
-              <a:rPr lang="hr-HR" dirty="0" err="1"/>
-              <a:t>Netscapea</a:t>
-            </a:r>
-            <a:r>
-              <a:rPr lang="hr-HR" dirty="0"/>
-              <a:t>, imao je viziju dinamičnog weba, a kako bi to omogućio, bilo je potrebno razviti novi </a:t>
-            </a:r>
-            <a:r>
-              <a:rPr lang="hr-HR" dirty="0" err="1"/>
-              <a:t>skriptni</a:t>
-            </a:r>
-            <a:r>
-              <a:rPr lang="hr-HR" dirty="0"/>
-              <a:t> jezik koji bi radio u pregledniku.</a:t>
-            </a:r>
-          </a:p>
-          <a:p>
-            <a:r>
-              <a:rPr lang="hr-HR" b="1" dirty="0"/>
-              <a:t>📌 Nastanak JavaScripta</a:t>
-            </a:r>
-          </a:p>
-          <a:p>
-            <a:r>
-              <a:rPr lang="hr-HR" dirty="0"/>
-              <a:t>🔹 </a:t>
-            </a:r>
-            <a:r>
-              <a:rPr lang="hr-HR" b="1" dirty="0"/>
-              <a:t>1995. godine</a:t>
-            </a:r>
-            <a:r>
-              <a:rPr lang="hr-HR" dirty="0"/>
-              <a:t> – Web stranice su bile statične, a sav posao obrade podataka odvijao se na serveru.</a:t>
-            </a:r>
-            <a:br>
-              <a:rPr lang="hr-HR" dirty="0"/>
-            </a:br>
-            <a:r>
-              <a:rPr lang="hr-HR" dirty="0"/>
-              <a:t>🔹 </a:t>
-            </a:r>
-            <a:r>
-              <a:rPr lang="hr-HR" b="1" dirty="0" err="1"/>
-              <a:t>Netscapeov</a:t>
-            </a:r>
-            <a:r>
-              <a:rPr lang="hr-HR" b="1" dirty="0"/>
-              <a:t> tim</a:t>
-            </a:r>
-            <a:r>
-              <a:rPr lang="hr-HR" dirty="0"/>
-              <a:t> – Želio je dinamičan web s animacijama i interakcijom u pregledniku.</a:t>
-            </a:r>
-            <a:br>
-              <a:rPr lang="hr-HR" dirty="0"/>
-            </a:br>
-            <a:r>
-              <a:rPr lang="hr-HR" dirty="0"/>
-              <a:t>🔹 </a:t>
-            </a:r>
-            <a:r>
-              <a:rPr lang="hr-HR" b="1" dirty="0"/>
-              <a:t>Brendan </a:t>
-            </a:r>
-            <a:r>
-              <a:rPr lang="hr-HR" b="1" dirty="0" err="1"/>
-              <a:t>Eich</a:t>
-            </a:r>
-            <a:r>
-              <a:rPr lang="hr-HR" dirty="0"/>
-              <a:t> – Unajmljen da razvije </a:t>
-            </a:r>
-            <a:r>
-              <a:rPr lang="hr-HR" dirty="0" err="1"/>
-              <a:t>skriptni</a:t>
-            </a:r>
-            <a:r>
-              <a:rPr lang="hr-HR" dirty="0"/>
-              <a:t> jezik, kreirao </a:t>
-            </a:r>
-            <a:r>
-              <a:rPr lang="hr-HR" b="1" dirty="0"/>
-              <a:t>JavaScript za samo 10 dana</a:t>
-            </a:r>
-            <a:r>
-              <a:rPr lang="hr-HR" dirty="0"/>
-              <a:t>!</a:t>
-            </a:r>
-            <a:br>
-              <a:rPr lang="hr-HR" dirty="0"/>
-            </a:br>
-            <a:r>
-              <a:rPr lang="hr-HR" dirty="0"/>
-              <a:t>🔹 </a:t>
-            </a:r>
-            <a:r>
-              <a:rPr lang="hr-HR" b="1" dirty="0"/>
-              <a:t>Prvotni naziv</a:t>
-            </a:r>
-            <a:r>
-              <a:rPr lang="hr-HR" dirty="0"/>
-              <a:t> – JavaScript se u početku zvao </a:t>
-            </a:r>
-            <a:r>
-              <a:rPr lang="hr-HR" b="1" dirty="0" err="1"/>
-              <a:t>LiveScript</a:t>
-            </a:r>
-            <a:r>
-              <a:rPr lang="hr-HR" dirty="0"/>
-              <a:t>, ali zbog popularnosti Jave, ime je promijenjeno.</a:t>
-            </a:r>
-          </a:p>
-          <a:p>
-            <a:r>
-              <a:rPr lang="hr-HR" b="1" dirty="0"/>
-              <a:t>📌 Što Se Događa Ako Isključimo JavaScript?</a:t>
-            </a:r>
-          </a:p>
-          <a:p>
-            <a:r>
-              <a:rPr lang="hr-HR" dirty="0"/>
-              <a:t>🔹 </a:t>
-            </a:r>
-            <a:r>
-              <a:rPr lang="hr-HR" b="1" dirty="0"/>
-              <a:t>Twitter bez JavaScripta</a:t>
-            </a:r>
-            <a:r>
-              <a:rPr lang="hr-HR" dirty="0"/>
-              <a:t> – Ne može prikazati brojač znakova kod </a:t>
-            </a:r>
-            <a:r>
-              <a:rPr lang="hr-HR" dirty="0" err="1"/>
-              <a:t>tvitanja</a:t>
-            </a:r>
-            <a:r>
-              <a:rPr lang="hr-HR" dirty="0"/>
-              <a:t>.</a:t>
-            </a:r>
-            <a:br>
-              <a:rPr lang="hr-HR" dirty="0"/>
-            </a:br>
-            <a:r>
-              <a:rPr lang="hr-HR" dirty="0"/>
-              <a:t>🔹 </a:t>
-            </a:r>
-            <a:r>
-              <a:rPr lang="hr-HR" b="1" dirty="0"/>
-              <a:t>YouTube i Netflix</a:t>
-            </a:r>
-            <a:r>
-              <a:rPr lang="hr-HR" dirty="0"/>
-              <a:t> – Ne rade uopće bez JavaScripta.</a:t>
-            </a:r>
-            <a:br>
-              <a:rPr lang="hr-HR" dirty="0"/>
-            </a:br>
-            <a:r>
-              <a:rPr lang="hr-HR" dirty="0"/>
-              <a:t>🔹 </a:t>
-            </a:r>
-            <a:r>
-              <a:rPr lang="hr-HR" b="1" dirty="0"/>
-              <a:t>New York Times bez JavaScripta</a:t>
-            </a:r>
-            <a:r>
-              <a:rPr lang="hr-HR" dirty="0"/>
-              <a:t> – Sajt se učitava bez oglasa jer su oni često temeljeni na JavaScriptu.</a:t>
-            </a:r>
-          </a:p>
-          <a:p>
-            <a:r>
-              <a:rPr lang="hr-HR" dirty="0"/>
-              <a:t>Ovo pokazuje koliko smo danas ovisni o JavaScriptu – bez njega, internet ne bi bio isti!</a:t>
-            </a:r>
+            <a:endParaRPr lang="hr-HR" dirty="0"/>
           </a:p>
         </p:txBody>
       </p:sp>
@@ -4962,328 +4323,7 @@
           <a:bodyPr/>
           <a:lstStyle/>
           <a:p>
-            <a:r>
-              <a:rPr lang="en-US" b="1" dirty="0"/>
-              <a:t>https://github.com/rwaldron/idiomatic.js – </a:t>
-            </a:r>
-            <a:r>
-              <a:rPr lang="en-US" b="1" dirty="0" err="1"/>
-              <a:t>kako</a:t>
-            </a:r>
-            <a:r>
-              <a:rPr lang="en-US" b="1" dirty="0"/>
-              <a:t> </a:t>
-            </a:r>
-            <a:r>
-              <a:rPr lang="en-US" b="1" dirty="0" err="1"/>
-              <a:t>pisati</a:t>
-            </a:r>
-            <a:r>
-              <a:rPr lang="en-US" b="1" dirty="0"/>
-              <a:t> </a:t>
-            </a:r>
-            <a:r>
-              <a:rPr lang="en-US" b="1" dirty="0" err="1"/>
-              <a:t>dobar</a:t>
-            </a:r>
-            <a:r>
-              <a:rPr lang="en-US" b="1" dirty="0"/>
-              <a:t> </a:t>
-            </a:r>
-            <a:r>
-              <a:rPr lang="en-US" b="1" dirty="0" err="1"/>
-              <a:t>javascript</a:t>
-            </a:r>
-            <a:r>
-              <a:rPr lang="en-US" b="1" dirty="0"/>
-              <a:t> </a:t>
-            </a:r>
-            <a:r>
-              <a:rPr lang="en-US" b="1" dirty="0" err="1"/>
-              <a:t>kod</a:t>
-            </a:r>
-            <a:r>
-              <a:rPr lang="en-US" b="1" dirty="0"/>
-              <a:t>.</a:t>
-            </a:r>
-          </a:p>
-          <a:p>
-            <a:endParaRPr lang="en-US" b="1" dirty="0"/>
-          </a:p>
-          <a:p>
-            <a:endParaRPr lang="en-US" b="1" dirty="0"/>
-          </a:p>
-          <a:p>
-            <a:r>
-              <a:rPr lang="hr-HR" b="1" dirty="0"/>
-              <a:t>📌 Kratka Povijest Web Preglednika</a:t>
-            </a:r>
-          </a:p>
-          <a:p>
-            <a:r>
-              <a:rPr lang="hr-HR" dirty="0"/>
-              <a:t>🔹 </a:t>
-            </a:r>
-            <a:r>
-              <a:rPr lang="hr-HR" b="1" dirty="0"/>
-              <a:t>Netscape Navigator</a:t>
-            </a:r>
-            <a:r>
-              <a:rPr lang="hr-HR" dirty="0"/>
-              <a:t> – Dominirao web preglednicima 90-ih godina.</a:t>
-            </a:r>
-            <a:br>
-              <a:rPr lang="hr-HR" dirty="0"/>
-            </a:br>
-            <a:r>
-              <a:rPr lang="hr-HR" dirty="0"/>
-              <a:t>🔹 </a:t>
-            </a:r>
-            <a:r>
-              <a:rPr lang="hr-HR" b="1" dirty="0"/>
-              <a:t>Internet Explorer</a:t>
-            </a:r>
-            <a:r>
-              <a:rPr lang="hr-HR" dirty="0"/>
-              <a:t> – Glavni konkurent, izazvao „rat preglednika“.</a:t>
-            </a:r>
-            <a:br>
-              <a:rPr lang="hr-HR" dirty="0"/>
-            </a:br>
-            <a:r>
-              <a:rPr lang="hr-HR" dirty="0"/>
-              <a:t>🔹 </a:t>
-            </a:r>
-            <a:r>
-              <a:rPr lang="hr-HR" b="1" dirty="0" err="1"/>
-              <a:t>Mosaic</a:t>
-            </a:r>
-            <a:r>
-              <a:rPr lang="hr-HR" dirty="0"/>
-              <a:t> – Prethodnik </a:t>
-            </a:r>
-            <a:r>
-              <a:rPr lang="hr-HR" dirty="0" err="1"/>
-              <a:t>Netscapea</a:t>
-            </a:r>
-            <a:r>
-              <a:rPr lang="hr-HR" dirty="0"/>
-              <a:t>, jedan od prvih preglednika.</a:t>
-            </a:r>
-            <a:br>
-              <a:rPr lang="hr-HR" dirty="0"/>
-            </a:br>
-            <a:r>
-              <a:rPr lang="hr-HR" dirty="0"/>
-              <a:t>🔹 </a:t>
-            </a:r>
-            <a:r>
-              <a:rPr lang="hr-HR" b="1" dirty="0"/>
-              <a:t>Firefox</a:t>
-            </a:r>
-            <a:r>
-              <a:rPr lang="hr-HR" dirty="0"/>
-              <a:t> – Nastao iz ostataka </a:t>
-            </a:r>
-            <a:r>
-              <a:rPr lang="hr-HR" dirty="0" err="1"/>
-              <a:t>Netscapea</a:t>
-            </a:r>
-            <a:r>
-              <a:rPr lang="hr-HR" dirty="0"/>
-              <a:t>, donio inovacije.</a:t>
-            </a:r>
-          </a:p>
-          <a:p>
-            <a:r>
-              <a:rPr lang="hr-HR" dirty="0"/>
-              <a:t>Marc </a:t>
-            </a:r>
-            <a:r>
-              <a:rPr lang="hr-HR" dirty="0" err="1"/>
-              <a:t>Andreessen</a:t>
-            </a:r>
-            <a:r>
-              <a:rPr lang="hr-HR" dirty="0"/>
-              <a:t>, jedan od ključnih ljudi iza </a:t>
-            </a:r>
-            <a:r>
-              <a:rPr lang="hr-HR" dirty="0" err="1"/>
-              <a:t>Netscapea</a:t>
-            </a:r>
-            <a:r>
-              <a:rPr lang="hr-HR" dirty="0"/>
-              <a:t>, imao je viziju dinamičnog weba, a kako bi to omogućio, bilo je potrebno razviti novi </a:t>
-            </a:r>
-            <a:r>
-              <a:rPr lang="hr-HR" dirty="0" err="1"/>
-              <a:t>skriptni</a:t>
-            </a:r>
-            <a:r>
-              <a:rPr lang="hr-HR" dirty="0"/>
-              <a:t> jezik koji bi radio u pregledniku.</a:t>
-            </a:r>
-          </a:p>
-          <a:p>
-            <a:r>
-              <a:rPr lang="hr-HR" b="1" dirty="0"/>
-              <a:t>📌 Nastanak JavaScripta</a:t>
-            </a:r>
-          </a:p>
-          <a:p>
-            <a:r>
-              <a:rPr lang="hr-HR" dirty="0"/>
-              <a:t>🔹 </a:t>
-            </a:r>
-            <a:r>
-              <a:rPr lang="hr-HR" b="1" dirty="0"/>
-              <a:t>1995. godine</a:t>
-            </a:r>
-            <a:r>
-              <a:rPr lang="hr-HR" dirty="0"/>
-              <a:t> – Web stranice su bile statične, a sav posao obrade podataka odvijao se na serveru.</a:t>
-            </a:r>
-            <a:br>
-              <a:rPr lang="hr-HR" dirty="0"/>
-            </a:br>
-            <a:r>
-              <a:rPr lang="hr-HR" dirty="0"/>
-              <a:t>🔹 </a:t>
-            </a:r>
-            <a:r>
-              <a:rPr lang="hr-HR" b="1" dirty="0" err="1"/>
-              <a:t>Netscapeov</a:t>
-            </a:r>
-            <a:r>
-              <a:rPr lang="hr-HR" b="1" dirty="0"/>
-              <a:t> tim</a:t>
-            </a:r>
-            <a:r>
-              <a:rPr lang="hr-HR" dirty="0"/>
-              <a:t> – Želio je dinamičan web s animacijama i interakcijom u pregledniku.</a:t>
-            </a:r>
-            <a:br>
-              <a:rPr lang="hr-HR" dirty="0"/>
-            </a:br>
-            <a:r>
-              <a:rPr lang="hr-HR" dirty="0"/>
-              <a:t>🔹 </a:t>
-            </a:r>
-            <a:r>
-              <a:rPr lang="hr-HR" b="1" dirty="0"/>
-              <a:t>Brendan </a:t>
-            </a:r>
-            <a:r>
-              <a:rPr lang="hr-HR" b="1" dirty="0" err="1"/>
-              <a:t>Eich</a:t>
-            </a:r>
-            <a:r>
-              <a:rPr lang="hr-HR" dirty="0"/>
-              <a:t> – Unajmljen da razvije </a:t>
-            </a:r>
-            <a:r>
-              <a:rPr lang="hr-HR" dirty="0" err="1"/>
-              <a:t>skriptni</a:t>
-            </a:r>
-            <a:r>
-              <a:rPr lang="hr-HR" dirty="0"/>
-              <a:t> jezik, kreirao </a:t>
-            </a:r>
-            <a:r>
-              <a:rPr lang="hr-HR" b="1" dirty="0"/>
-              <a:t>JavaScript za samo 10 dana</a:t>
-            </a:r>
-            <a:r>
-              <a:rPr lang="hr-HR" dirty="0"/>
-              <a:t>!</a:t>
-            </a:r>
-            <a:br>
-              <a:rPr lang="hr-HR" dirty="0"/>
-            </a:br>
-            <a:r>
-              <a:rPr lang="hr-HR" dirty="0"/>
-              <a:t>🔹 </a:t>
-            </a:r>
-            <a:r>
-              <a:rPr lang="hr-HR" b="1" dirty="0"/>
-              <a:t>Prvotni naziv</a:t>
-            </a:r>
-            <a:r>
-              <a:rPr lang="hr-HR" dirty="0"/>
-              <a:t> – JavaScript se u početku zvao </a:t>
-            </a:r>
-            <a:r>
-              <a:rPr lang="hr-HR" b="1" dirty="0" err="1"/>
-              <a:t>LiveScript</a:t>
-            </a:r>
-            <a:r>
-              <a:rPr lang="hr-HR" dirty="0"/>
-              <a:t>, ali zbog popularnosti Jave, ime je promijenjeno.</a:t>
-            </a:r>
-          </a:p>
-          <a:p>
-            <a:r>
-              <a:rPr lang="hr-HR" b="1" dirty="0"/>
-              <a:t>📌 Što Se Događa Ako Isključimo JavaScript?</a:t>
-            </a:r>
-          </a:p>
-          <a:p>
-            <a:r>
-              <a:rPr lang="hr-HR" dirty="0"/>
-              <a:t>🔹 </a:t>
-            </a:r>
-            <a:r>
-              <a:rPr lang="hr-HR" b="1" dirty="0"/>
-              <a:t>Twitter bez JavaScripta</a:t>
-            </a:r>
-            <a:r>
-              <a:rPr lang="hr-HR" dirty="0"/>
-              <a:t> – Ne može prikazati brojač znakova kod </a:t>
-            </a:r>
-            <a:r>
-              <a:rPr lang="hr-HR" dirty="0" err="1"/>
-              <a:t>tvitanja</a:t>
-            </a:r>
-            <a:r>
-              <a:rPr lang="hr-HR" dirty="0"/>
-              <a:t>.</a:t>
-            </a:r>
-            <a:br>
-              <a:rPr lang="hr-HR" dirty="0"/>
-            </a:br>
-            <a:r>
-              <a:rPr lang="hr-HR" dirty="0"/>
-              <a:t>🔹 </a:t>
-            </a:r>
-            <a:r>
-              <a:rPr lang="hr-HR" b="1" dirty="0"/>
-              <a:t>YouTube i Netflix</a:t>
-            </a:r>
-            <a:r>
-              <a:rPr lang="hr-HR" dirty="0"/>
-              <a:t> – Ne rade uopće bez JavaScripta.</a:t>
-            </a:r>
-            <a:br>
-              <a:rPr lang="hr-HR" dirty="0"/>
-            </a:br>
-            <a:r>
-              <a:rPr lang="hr-HR" dirty="0"/>
-              <a:t>🔹 </a:t>
-            </a:r>
-            <a:r>
-              <a:rPr lang="hr-HR" b="1" dirty="0"/>
-              <a:t>New York Times bez JavaScripta</a:t>
-            </a:r>
-            <a:r>
-              <a:rPr lang="hr-HR" dirty="0"/>
-              <a:t> – Sajt se učitava bez oglasa jer su oni često temeljeni na JavaScriptu.</a:t>
-            </a:r>
-          </a:p>
-          <a:p>
-            <a:r>
-              <a:rPr lang="hr-HR" dirty="0"/>
-              <a:t>Ovo pokazuje koliko smo danas ovisni o JavaScriptu – bez njega, internet ne bi bio isti!</a:t>
-            </a:r>
+            <a:endParaRPr lang="hr-HR" dirty="0"/>
           </a:p>
         </p:txBody>
       </p:sp>
@@ -5391,328 +4431,7 @@
           <a:bodyPr/>
           <a:lstStyle/>
           <a:p>
-            <a:r>
-              <a:rPr lang="en-US" b="1" dirty="0"/>
-              <a:t>https://github.com/rwaldron/idiomatic.js – </a:t>
-            </a:r>
-            <a:r>
-              <a:rPr lang="en-US" b="1" dirty="0" err="1"/>
-              <a:t>kako</a:t>
-            </a:r>
-            <a:r>
-              <a:rPr lang="en-US" b="1" dirty="0"/>
-              <a:t> </a:t>
-            </a:r>
-            <a:r>
-              <a:rPr lang="en-US" b="1" dirty="0" err="1"/>
-              <a:t>pisati</a:t>
-            </a:r>
-            <a:r>
-              <a:rPr lang="en-US" b="1" dirty="0"/>
-              <a:t> </a:t>
-            </a:r>
-            <a:r>
-              <a:rPr lang="en-US" b="1" dirty="0" err="1"/>
-              <a:t>dobar</a:t>
-            </a:r>
-            <a:r>
-              <a:rPr lang="en-US" b="1" dirty="0"/>
-              <a:t> </a:t>
-            </a:r>
-            <a:r>
-              <a:rPr lang="en-US" b="1" dirty="0" err="1"/>
-              <a:t>javascript</a:t>
-            </a:r>
-            <a:r>
-              <a:rPr lang="en-US" b="1" dirty="0"/>
-              <a:t> </a:t>
-            </a:r>
-            <a:r>
-              <a:rPr lang="en-US" b="1" dirty="0" err="1"/>
-              <a:t>kod</a:t>
-            </a:r>
-            <a:r>
-              <a:rPr lang="en-US" b="1" dirty="0"/>
-              <a:t>.</a:t>
-            </a:r>
-          </a:p>
-          <a:p>
-            <a:endParaRPr lang="en-US" b="1" dirty="0"/>
-          </a:p>
-          <a:p>
-            <a:endParaRPr lang="en-US" b="1" dirty="0"/>
-          </a:p>
-          <a:p>
-            <a:r>
-              <a:rPr lang="hr-HR" b="1" dirty="0"/>
-              <a:t>📌 Kratka Povijest Web Preglednika</a:t>
-            </a:r>
-          </a:p>
-          <a:p>
-            <a:r>
-              <a:rPr lang="hr-HR" dirty="0"/>
-              <a:t>🔹 </a:t>
-            </a:r>
-            <a:r>
-              <a:rPr lang="hr-HR" b="1" dirty="0"/>
-              <a:t>Netscape Navigator</a:t>
-            </a:r>
-            <a:r>
-              <a:rPr lang="hr-HR" dirty="0"/>
-              <a:t> – Dominirao web preglednicima 90-ih godina.</a:t>
-            </a:r>
-            <a:br>
-              <a:rPr lang="hr-HR" dirty="0"/>
-            </a:br>
-            <a:r>
-              <a:rPr lang="hr-HR" dirty="0"/>
-              <a:t>🔹 </a:t>
-            </a:r>
-            <a:r>
-              <a:rPr lang="hr-HR" b="1" dirty="0"/>
-              <a:t>Internet Explorer</a:t>
-            </a:r>
-            <a:r>
-              <a:rPr lang="hr-HR" dirty="0"/>
-              <a:t> – Glavni konkurent, izazvao „rat preglednika“.</a:t>
-            </a:r>
-            <a:br>
-              <a:rPr lang="hr-HR" dirty="0"/>
-            </a:br>
-            <a:r>
-              <a:rPr lang="hr-HR" dirty="0"/>
-              <a:t>🔹 </a:t>
-            </a:r>
-            <a:r>
-              <a:rPr lang="hr-HR" b="1" dirty="0" err="1"/>
-              <a:t>Mosaic</a:t>
-            </a:r>
-            <a:r>
-              <a:rPr lang="hr-HR" dirty="0"/>
-              <a:t> – Prethodnik </a:t>
-            </a:r>
-            <a:r>
-              <a:rPr lang="hr-HR" dirty="0" err="1"/>
-              <a:t>Netscapea</a:t>
-            </a:r>
-            <a:r>
-              <a:rPr lang="hr-HR" dirty="0"/>
-              <a:t>, jedan od prvih preglednika.</a:t>
-            </a:r>
-            <a:br>
-              <a:rPr lang="hr-HR" dirty="0"/>
-            </a:br>
-            <a:r>
-              <a:rPr lang="hr-HR" dirty="0"/>
-              <a:t>🔹 </a:t>
-            </a:r>
-            <a:r>
-              <a:rPr lang="hr-HR" b="1" dirty="0"/>
-              <a:t>Firefox</a:t>
-            </a:r>
-            <a:r>
-              <a:rPr lang="hr-HR" dirty="0"/>
-              <a:t> – Nastao iz ostataka </a:t>
-            </a:r>
-            <a:r>
-              <a:rPr lang="hr-HR" dirty="0" err="1"/>
-              <a:t>Netscapea</a:t>
-            </a:r>
-            <a:r>
-              <a:rPr lang="hr-HR" dirty="0"/>
-              <a:t>, donio inovacije.</a:t>
-            </a:r>
-          </a:p>
-          <a:p>
-            <a:r>
-              <a:rPr lang="hr-HR" dirty="0"/>
-              <a:t>Marc </a:t>
-            </a:r>
-            <a:r>
-              <a:rPr lang="hr-HR" dirty="0" err="1"/>
-              <a:t>Andreessen</a:t>
-            </a:r>
-            <a:r>
-              <a:rPr lang="hr-HR" dirty="0"/>
-              <a:t>, jedan od ključnih ljudi iza </a:t>
-            </a:r>
-            <a:r>
-              <a:rPr lang="hr-HR" dirty="0" err="1"/>
-              <a:t>Netscapea</a:t>
-            </a:r>
-            <a:r>
-              <a:rPr lang="hr-HR" dirty="0"/>
-              <a:t>, imao je viziju dinamičnog weba, a kako bi to omogućio, bilo je potrebno razviti novi </a:t>
-            </a:r>
-            <a:r>
-              <a:rPr lang="hr-HR" dirty="0" err="1"/>
-              <a:t>skriptni</a:t>
-            </a:r>
-            <a:r>
-              <a:rPr lang="hr-HR" dirty="0"/>
-              <a:t> jezik koji bi radio u pregledniku.</a:t>
-            </a:r>
-          </a:p>
-          <a:p>
-            <a:r>
-              <a:rPr lang="hr-HR" b="1" dirty="0"/>
-              <a:t>📌 Nastanak JavaScripta</a:t>
-            </a:r>
-          </a:p>
-          <a:p>
-            <a:r>
-              <a:rPr lang="hr-HR" dirty="0"/>
-              <a:t>🔹 </a:t>
-            </a:r>
-            <a:r>
-              <a:rPr lang="hr-HR" b="1" dirty="0"/>
-              <a:t>1995. godine</a:t>
-            </a:r>
-            <a:r>
-              <a:rPr lang="hr-HR" dirty="0"/>
-              <a:t> – Web stranice su bile statične, a sav posao obrade podataka odvijao se na serveru.</a:t>
-            </a:r>
-            <a:br>
-              <a:rPr lang="hr-HR" dirty="0"/>
-            </a:br>
-            <a:r>
-              <a:rPr lang="hr-HR" dirty="0"/>
-              <a:t>🔹 </a:t>
-            </a:r>
-            <a:r>
-              <a:rPr lang="hr-HR" b="1" dirty="0" err="1"/>
-              <a:t>Netscapeov</a:t>
-            </a:r>
-            <a:r>
-              <a:rPr lang="hr-HR" b="1" dirty="0"/>
-              <a:t> tim</a:t>
-            </a:r>
-            <a:r>
-              <a:rPr lang="hr-HR" dirty="0"/>
-              <a:t> – Želio je dinamičan web s animacijama i interakcijom u pregledniku.</a:t>
-            </a:r>
-            <a:br>
-              <a:rPr lang="hr-HR" dirty="0"/>
-            </a:br>
-            <a:r>
-              <a:rPr lang="hr-HR" dirty="0"/>
-              <a:t>🔹 </a:t>
-            </a:r>
-            <a:r>
-              <a:rPr lang="hr-HR" b="1" dirty="0"/>
-              <a:t>Brendan </a:t>
-            </a:r>
-            <a:r>
-              <a:rPr lang="hr-HR" b="1" dirty="0" err="1"/>
-              <a:t>Eich</a:t>
-            </a:r>
-            <a:r>
-              <a:rPr lang="hr-HR" dirty="0"/>
-              <a:t> – Unajmljen da razvije </a:t>
-            </a:r>
-            <a:r>
-              <a:rPr lang="hr-HR" dirty="0" err="1"/>
-              <a:t>skriptni</a:t>
-            </a:r>
-            <a:r>
-              <a:rPr lang="hr-HR" dirty="0"/>
-              <a:t> jezik, kreirao </a:t>
-            </a:r>
-            <a:r>
-              <a:rPr lang="hr-HR" b="1" dirty="0"/>
-              <a:t>JavaScript za samo 10 dana</a:t>
-            </a:r>
-            <a:r>
-              <a:rPr lang="hr-HR" dirty="0"/>
-              <a:t>!</a:t>
-            </a:r>
-            <a:br>
-              <a:rPr lang="hr-HR" dirty="0"/>
-            </a:br>
-            <a:r>
-              <a:rPr lang="hr-HR" dirty="0"/>
-              <a:t>🔹 </a:t>
-            </a:r>
-            <a:r>
-              <a:rPr lang="hr-HR" b="1" dirty="0"/>
-              <a:t>Prvotni naziv</a:t>
-            </a:r>
-            <a:r>
-              <a:rPr lang="hr-HR" dirty="0"/>
-              <a:t> – JavaScript se u početku zvao </a:t>
-            </a:r>
-            <a:r>
-              <a:rPr lang="hr-HR" b="1" dirty="0" err="1"/>
-              <a:t>LiveScript</a:t>
-            </a:r>
-            <a:r>
-              <a:rPr lang="hr-HR" dirty="0"/>
-              <a:t>, ali zbog popularnosti Jave, ime je promijenjeno.</a:t>
-            </a:r>
-          </a:p>
-          <a:p>
-            <a:r>
-              <a:rPr lang="hr-HR" b="1" dirty="0"/>
-              <a:t>📌 Što Se Događa Ako Isključimo JavaScript?</a:t>
-            </a:r>
-          </a:p>
-          <a:p>
-            <a:r>
-              <a:rPr lang="hr-HR" dirty="0"/>
-              <a:t>🔹 </a:t>
-            </a:r>
-            <a:r>
-              <a:rPr lang="hr-HR" b="1" dirty="0"/>
-              <a:t>Twitter bez JavaScripta</a:t>
-            </a:r>
-            <a:r>
-              <a:rPr lang="hr-HR" dirty="0"/>
-              <a:t> – Ne može prikazati brojač znakova kod </a:t>
-            </a:r>
-            <a:r>
-              <a:rPr lang="hr-HR" dirty="0" err="1"/>
-              <a:t>tvitanja</a:t>
-            </a:r>
-            <a:r>
-              <a:rPr lang="hr-HR" dirty="0"/>
-              <a:t>.</a:t>
-            </a:r>
-            <a:br>
-              <a:rPr lang="hr-HR" dirty="0"/>
-            </a:br>
-            <a:r>
-              <a:rPr lang="hr-HR" dirty="0"/>
-              <a:t>🔹 </a:t>
-            </a:r>
-            <a:r>
-              <a:rPr lang="hr-HR" b="1" dirty="0"/>
-              <a:t>YouTube i Netflix</a:t>
-            </a:r>
-            <a:r>
-              <a:rPr lang="hr-HR" dirty="0"/>
-              <a:t> – Ne rade uopće bez JavaScripta.</a:t>
-            </a:r>
-            <a:br>
-              <a:rPr lang="hr-HR" dirty="0"/>
-            </a:br>
-            <a:r>
-              <a:rPr lang="hr-HR" dirty="0"/>
-              <a:t>🔹 </a:t>
-            </a:r>
-            <a:r>
-              <a:rPr lang="hr-HR" b="1" dirty="0"/>
-              <a:t>New York Times bez JavaScripta</a:t>
-            </a:r>
-            <a:r>
-              <a:rPr lang="hr-HR" dirty="0"/>
-              <a:t> – Sajt se učitava bez oglasa jer su oni često temeljeni na JavaScriptu.</a:t>
-            </a:r>
-          </a:p>
-          <a:p>
-            <a:r>
-              <a:rPr lang="hr-HR" dirty="0"/>
-              <a:t>Ovo pokazuje koliko smo danas ovisni o JavaScriptu – bez njega, internet ne bi bio isti!</a:t>
-            </a:r>
+            <a:endParaRPr lang="hr-HR" dirty="0"/>
           </a:p>
         </p:txBody>
       </p:sp>
@@ -6450,7 +5169,7 @@
                 <a:ea typeface="Open Sans" panose="020B0606030504020204" pitchFamily="34" charset="0"/>
                 <a:cs typeface="Open Sans" panose="020B0606030504020204" pitchFamily="34" charset="0"/>
               </a:rPr>
-              <a:t>11/03/2025</a:t>
+              <a:t>29/04/2025</a:t>
             </a:fld>
             <a:endParaRPr lang="en-GB" sz="1800" b="0" i="0" kern="1200" dirty="0">
               <a:solidFill>
@@ -7195,7 +5914,7 @@
                 <a:ea typeface="Open Sans" panose="020B0606030504020204" pitchFamily="34" charset="0"/>
                 <a:cs typeface="Open Sans" panose="020B0606030504020204" pitchFamily="34" charset="0"/>
               </a:rPr>
-              <a:t>11/03/2025</a:t>
+              <a:t>29/04/2025</a:t>
             </a:fld>
             <a:endParaRPr lang="en-GB" sz="1800" b="0" i="0" kern="1200" dirty="0">
               <a:solidFill>
@@ -7718,7 +6437,7 @@
                 <a:ea typeface="Open Sans" panose="020B0606030504020204" pitchFamily="34" charset="0"/>
                 <a:cs typeface="Open Sans" panose="020B0606030504020204" pitchFamily="34" charset="0"/>
               </a:rPr>
-              <a:t>11/03/2025</a:t>
+              <a:t>29/04/2025</a:t>
             </a:fld>
             <a:endParaRPr lang="en-GB" sz="1800" b="0" i="0" kern="1200" dirty="0">
               <a:solidFill>
@@ -8684,7 +7403,7 @@
                 <a:ea typeface="Open Sans" panose="020B0606030504020204" pitchFamily="34" charset="0"/>
                 <a:cs typeface="Open Sans" panose="020B0606030504020204" pitchFamily="34" charset="0"/>
               </a:rPr>
-              <a:t>11/03/2025</a:t>
+              <a:t>29/04/2025</a:t>
             </a:fld>
             <a:endParaRPr lang="en-GB" sz="1800" b="0" i="0" kern="1200" dirty="0">
               <a:solidFill>
@@ -9123,7 +7842,7 @@
                 <a:ea typeface="Open Sans" panose="020B0606030504020204" pitchFamily="34" charset="0"/>
                 <a:cs typeface="Open Sans" panose="020B0606030504020204" pitchFamily="34" charset="0"/>
               </a:rPr>
-              <a:t>11/03/2025</a:t>
+              <a:t>29/04/2025</a:t>
             </a:fld>
             <a:endParaRPr lang="en-GB" sz="1800" b="0" i="0" kern="1200" dirty="0">
               <a:solidFill>
@@ -10893,7 +9612,7 @@
                 <a:ea typeface="Open Sans" pitchFamily="2" charset="0"/>
                 <a:cs typeface="Open Sans" pitchFamily="2" charset="0"/>
               </a:rPr>
-              <a:t>11/03/2025</a:t>
+              <a:t>29/04/2025</a:t>
             </a:fld>
             <a:endParaRPr lang="en-GB" sz="1800" b="0" i="0" kern="1200" dirty="0">
               <a:solidFill>
@@ -12643,7 +11362,7 @@
                 <a:ea typeface="Open Sans" pitchFamily="2" charset="0"/>
                 <a:cs typeface="Open Sans" pitchFamily="2" charset="0"/>
               </a:rPr>
-              <a:t>11/03/2025</a:t>
+              <a:t>29/04/2025</a:t>
             </a:fld>
             <a:endParaRPr lang="en-GB" sz="1800" b="0" i="0" kern="1200" dirty="0">
               <a:solidFill>
@@ -13160,7 +11879,7 @@
                 <a:ea typeface="Open Sans" panose="020B0606030504020204" pitchFamily="34" charset="0"/>
                 <a:cs typeface="Open Sans" panose="020B0606030504020204" pitchFamily="34" charset="0"/>
               </a:rPr>
-              <a:t>11/03/2025</a:t>
+              <a:t>29/04/2025</a:t>
             </a:fld>
             <a:endParaRPr lang="en-GB" sz="1800" b="0" i="0" kern="1200" dirty="0">
               <a:solidFill>
@@ -13757,7 +12476,7 @@
                 <a:ea typeface="Open Sans" pitchFamily="2" charset="0"/>
                 <a:cs typeface="Open Sans" pitchFamily="2" charset="0"/>
               </a:rPr>
-              <a:t>11/03/2025</a:t>
+              <a:t>29/04/2025</a:t>
             </a:fld>
             <a:endParaRPr lang="en-GB" sz="1800" b="0" i="0" kern="1200" dirty="0">
               <a:solidFill>
@@ -14297,7 +13016,7 @@
                 <a:ea typeface="Open Sans" panose="020B0606030504020204" pitchFamily="34" charset="0"/>
                 <a:cs typeface="Open Sans" panose="020B0606030504020204" pitchFamily="34" charset="0"/>
               </a:rPr>
-              <a:t>11/03/2025</a:t>
+              <a:t>29/04/2025</a:t>
             </a:fld>
             <a:endParaRPr lang="en-GB" sz="1800" b="0" i="0" kern="1200" dirty="0">
               <a:solidFill>
@@ -14998,7 +13717,7 @@
                 <a:ea typeface="Open Sans" panose="020B0606030504020204" pitchFamily="34" charset="0"/>
                 <a:cs typeface="Open Sans" panose="020B0606030504020204" pitchFamily="34" charset="0"/>
               </a:rPr>
-              <a:t>11/03/2025</a:t>
+              <a:t>29/04/2025</a:t>
             </a:fld>
             <a:endParaRPr lang="en-GB" sz="1800" b="0" i="0" kern="1200" dirty="0">
               <a:solidFill>
@@ -15361,7 +14080,7 @@
                 <a:ea typeface="Open Sans" pitchFamily="2" charset="0"/>
                 <a:cs typeface="Open Sans" pitchFamily="2" charset="0"/>
               </a:rPr>
-              <a:t>11/03/2025</a:t>
+              <a:t>29/04/2025</a:t>
             </a:fld>
             <a:endParaRPr lang="en-GB" sz="1800" b="0" i="0" kern="1200" dirty="0">
               <a:solidFill>
@@ -15756,7 +14475,7 @@
                 <a:ea typeface="Open Sans" pitchFamily="2" charset="0"/>
                 <a:cs typeface="Open Sans" pitchFamily="2" charset="0"/>
               </a:rPr>
-              <a:t>11/03/2025</a:t>
+              <a:t>29/04/2025</a:t>
             </a:fld>
             <a:endParaRPr lang="en-GB" sz="1800" b="0" i="0" kern="1200" dirty="0">
               <a:solidFill>
@@ -21051,7 +19770,7 @@
         </p:spPr>
         <p:txBody>
           <a:bodyPr vert="horz" lIns="91440" tIns="45720" rIns="91440" bIns="45720" rtlCol="0">
-            <a:normAutofit fontScale="70000" lnSpcReduction="20000"/>
+            <a:normAutofit fontScale="77500" lnSpcReduction="20000"/>
           </a:bodyPr>
           <a:lstStyle>
             <a:lvl1pPr marL="368300" indent="-352425" algn="l" defTabSz="914400" rtl="0" eaLnBrk="1" latinLnBrk="0" hangingPunct="1">
@@ -21264,15 +19983,27 @@
             </a:r>
             <a:r>
               <a:rPr lang="hr-HR" dirty="0"/>
-              <a:t>– Imaju otprilike toliko zajedničkog koliko i car (auto) i </a:t>
-            </a:r>
-            <a:r>
-              <a:rPr lang="hr-HR" dirty="0" err="1"/>
-              <a:t>carpet</a:t>
-            </a:r>
-            <a:r>
-              <a:rPr lang="hr-HR" dirty="0"/>
-              <a:t> (tepih).</a:t>
+              <a:t>– </a:t>
+            </a:r>
+            <a:r>
+              <a:rPr lang="en-US" dirty="0" err="1"/>
+              <a:t>Nemaju</a:t>
+            </a:r>
+            <a:r>
+              <a:rPr lang="en-US" dirty="0"/>
+              <a:t> </a:t>
+            </a:r>
+            <a:r>
+              <a:rPr lang="en-US" dirty="0" err="1"/>
+              <a:t>gotovo</a:t>
+            </a:r>
+            <a:r>
+              <a:rPr lang="en-US" dirty="0"/>
+              <a:t> Nista </a:t>
+            </a:r>
+            <a:r>
+              <a:rPr lang="en-US" dirty="0" err="1"/>
+              <a:t>zajednicko</a:t>
             </a:r>
             <a:endParaRPr lang="en-US" dirty="0"/>
           </a:p>
@@ -30263,17 +28994,6 @@
 </file>
 
 <file path=customXml/item1.xml><?xml version="1.0" encoding="utf-8"?>
-<p:properties xmlns:p="http://schemas.microsoft.com/office/2006/metadata/properties" xmlns:xsi="http://www.w3.org/2001/XMLSchema-instance" xmlns:pc="http://schemas.microsoft.com/office/infopath/2007/PartnerControls">
-  <documentManagement>
-    <lcf76f155ced4ddcb4097134ff3c332f xmlns="40806f44-bc4a-4ea4-b660-c6da93f8f179">
-      <Terms xmlns="http://schemas.microsoft.com/office/infopath/2007/PartnerControls"/>
-    </lcf76f155ced4ddcb4097134ff3c332f>
-    <TaxCatchAll xmlns="758d0d8f-b783-4c78-ab73-9740c97b97cf" xsi:nil="true"/>
-  </documentManagement>
-</p:properties>
-</file>
-
-<file path=customXml/item2.xml><?xml version="1.0" encoding="utf-8"?>
 <ct:contentTypeSchema xmlns:ct="http://schemas.microsoft.com/office/2006/metadata/contentType" xmlns:ma="http://schemas.microsoft.com/office/2006/metadata/properties/metaAttributes" ct:_="" ma:_="" ma:contentTypeName="Document" ma:contentTypeID="0x010100E4F55D9EF0BF0A44B819E681FCAC00B7" ma:contentTypeVersion="12" ma:contentTypeDescription="Create a new document." ma:contentTypeScope="" ma:versionID="068ce121a7a7a0aebcb89dd601c4f0a2">
   <xsd:schema xmlns:xsd="http://www.w3.org/2001/XMLSchema" xmlns:xs="http://www.w3.org/2001/XMLSchema" xmlns:p="http://schemas.microsoft.com/office/2006/metadata/properties" xmlns:ns2="40806f44-bc4a-4ea4-b660-c6da93f8f179" xmlns:ns3="758d0d8f-b783-4c78-ab73-9740c97b97cf" targetNamespace="http://schemas.microsoft.com/office/2006/metadata/properties" ma:root="true" ma:fieldsID="67c58e6c5c8ea9af0822acd84d25e1a2" ns2:_="" ns3:_="">
     <xsd:import namespace="40806f44-bc4a-4ea4-b660-c6da93f8f179"/>
@@ -30490,6 +29210,17 @@
 </ct:contentTypeSchema>
 </file>
 
+<file path=customXml/item2.xml><?xml version="1.0" encoding="utf-8"?>
+<p:properties xmlns:p="http://schemas.microsoft.com/office/2006/metadata/properties" xmlns:xsi="http://www.w3.org/2001/XMLSchema-instance" xmlns:pc="http://schemas.microsoft.com/office/infopath/2007/PartnerControls">
+  <documentManagement>
+    <lcf76f155ced4ddcb4097134ff3c332f xmlns="40806f44-bc4a-4ea4-b660-c6da93f8f179">
+      <Terms xmlns="http://schemas.microsoft.com/office/infopath/2007/PartnerControls"/>
+    </lcf76f155ced4ddcb4097134ff3c332f>
+    <TaxCatchAll xmlns="758d0d8f-b783-4c78-ab73-9740c97b97cf" xsi:nil="true"/>
+  </documentManagement>
+</p:properties>
+</file>
+
 <file path=customXml/item3.xml><?xml version="1.0" encoding="utf-8"?>
 <?mso-contentType ?>
 <FormTemplates xmlns="http://schemas.microsoft.com/sharepoint/v3/contenttype/forms">
@@ -30500,23 +29231,6 @@
 </file>
 
 <file path=customXml/itemProps1.xml><?xml version="1.0" encoding="utf-8"?>
-<ds:datastoreItem xmlns:ds="http://schemas.openxmlformats.org/officeDocument/2006/customXml" ds:itemID="{61E72F81-8533-461E-8E71-A6D77294CFEF}">
-  <ds:schemaRefs>
-    <ds:schemaRef ds:uri="http://purl.org/dc/elements/1.1/"/>
-    <ds:schemaRef ds:uri="http://www.w3.org/XML/1998/namespace"/>
-    <ds:schemaRef ds:uri="http://purl.org/dc/terms/"/>
-    <ds:schemaRef ds:uri="http://schemas.microsoft.com/office/2006/documentManagement/types"/>
-    <ds:schemaRef ds:uri="40806f44-bc4a-4ea4-b660-c6da93f8f179"/>
-    <ds:schemaRef ds:uri="http://schemas.openxmlformats.org/package/2006/metadata/core-properties"/>
-    <ds:schemaRef ds:uri="http://purl.org/dc/dcmitype/"/>
-    <ds:schemaRef ds:uri="http://schemas.microsoft.com/office/infopath/2007/PartnerControls"/>
-    <ds:schemaRef ds:uri="758d0d8f-b783-4c78-ab73-9740c97b97cf"/>
-    <ds:schemaRef ds:uri="http://schemas.microsoft.com/office/2006/metadata/properties"/>
-  </ds:schemaRefs>
-</ds:datastoreItem>
-</file>
-
-<file path=customXml/itemProps2.xml><?xml version="1.0" encoding="utf-8"?>
 <ds:datastoreItem xmlns:ds="http://schemas.openxmlformats.org/officeDocument/2006/customXml" ds:itemID="{4E6AED0F-96FF-4C7F-8AC9-672C91BFCDFE}">
   <ds:schemaRefs>
     <ds:schemaRef ds:uri="http://schemas.microsoft.com/office/2006/metadata/contentType"/>
@@ -30535,6 +29249,23 @@
 </ds:datastoreItem>
 </file>
 
+<file path=customXml/itemProps2.xml><?xml version="1.0" encoding="utf-8"?>
+<ds:datastoreItem xmlns:ds="http://schemas.openxmlformats.org/officeDocument/2006/customXml" ds:itemID="{61E72F81-8533-461E-8E71-A6D77294CFEF}">
+  <ds:schemaRefs>
+    <ds:schemaRef ds:uri="http://purl.org/dc/elements/1.1/"/>
+    <ds:schemaRef ds:uri="http://www.w3.org/XML/1998/namespace"/>
+    <ds:schemaRef ds:uri="http://purl.org/dc/terms/"/>
+    <ds:schemaRef ds:uri="http://schemas.microsoft.com/office/2006/documentManagement/types"/>
+    <ds:schemaRef ds:uri="40806f44-bc4a-4ea4-b660-c6da93f8f179"/>
+    <ds:schemaRef ds:uri="http://schemas.openxmlformats.org/package/2006/metadata/core-properties"/>
+    <ds:schemaRef ds:uri="http://purl.org/dc/dcmitype/"/>
+    <ds:schemaRef ds:uri="http://schemas.microsoft.com/office/infopath/2007/PartnerControls"/>
+    <ds:schemaRef ds:uri="758d0d8f-b783-4c78-ab73-9740c97b97cf"/>
+    <ds:schemaRef ds:uri="http://schemas.microsoft.com/office/2006/metadata/properties"/>
+  </ds:schemaRefs>
+</ds:datastoreItem>
+</file>
+
 <file path=customXml/itemProps3.xml><?xml version="1.0" encoding="utf-8"?>
 <ds:datastoreItem xmlns:ds="http://schemas.openxmlformats.org/officeDocument/2006/customXml" ds:itemID="{46915D30-CAA6-465E-907F-1770D4E3B01D}">
   <ds:schemaRefs>

--- a/Bootcamp/javascript-uvod/javascript-uvod.pptx
+++ b/Bootcamp/javascript-uvod/javascript-uvod.pptx
@@ -289,7 +289,7 @@
           <a:p>
             <a:fld id="{B2A70591-2E3C-5F42-A4E1-C0F5A0F4E5DB}" type="datetimeFigureOut">
               <a:rPr lang="en-US" smtClean="0"/>
-              <a:t>4/29/2025</a:t>
+              <a:t>4/30/2025</a:t>
             </a:fld>
             <a:endParaRPr lang="en-US"/>
           </a:p>
@@ -5169,7 +5169,7 @@
                 <a:ea typeface="Open Sans" panose="020B0606030504020204" pitchFamily="34" charset="0"/>
                 <a:cs typeface="Open Sans" panose="020B0606030504020204" pitchFamily="34" charset="0"/>
               </a:rPr>
-              <a:t>29/04/2025</a:t>
+              <a:t>30/04/2025</a:t>
             </a:fld>
             <a:endParaRPr lang="en-GB" sz="1800" b="0" i="0" kern="1200" dirty="0">
               <a:solidFill>
@@ -5914,7 +5914,7 @@
                 <a:ea typeface="Open Sans" panose="020B0606030504020204" pitchFamily="34" charset="0"/>
                 <a:cs typeface="Open Sans" panose="020B0606030504020204" pitchFamily="34" charset="0"/>
               </a:rPr>
-              <a:t>29/04/2025</a:t>
+              <a:t>30/04/2025</a:t>
             </a:fld>
             <a:endParaRPr lang="en-GB" sz="1800" b="0" i="0" kern="1200" dirty="0">
               <a:solidFill>
@@ -6437,7 +6437,7 @@
                 <a:ea typeface="Open Sans" panose="020B0606030504020204" pitchFamily="34" charset="0"/>
                 <a:cs typeface="Open Sans" panose="020B0606030504020204" pitchFamily="34" charset="0"/>
               </a:rPr>
-              <a:t>29/04/2025</a:t>
+              <a:t>30/04/2025</a:t>
             </a:fld>
             <a:endParaRPr lang="en-GB" sz="1800" b="0" i="0" kern="1200" dirty="0">
               <a:solidFill>
@@ -7403,7 +7403,7 @@
                 <a:ea typeface="Open Sans" panose="020B0606030504020204" pitchFamily="34" charset="0"/>
                 <a:cs typeface="Open Sans" panose="020B0606030504020204" pitchFamily="34" charset="0"/>
               </a:rPr>
-              <a:t>29/04/2025</a:t>
+              <a:t>30/04/2025</a:t>
             </a:fld>
             <a:endParaRPr lang="en-GB" sz="1800" b="0" i="0" kern="1200" dirty="0">
               <a:solidFill>
@@ -7842,7 +7842,7 @@
                 <a:ea typeface="Open Sans" panose="020B0606030504020204" pitchFamily="34" charset="0"/>
                 <a:cs typeface="Open Sans" panose="020B0606030504020204" pitchFamily="34" charset="0"/>
               </a:rPr>
-              <a:t>29/04/2025</a:t>
+              <a:t>30/04/2025</a:t>
             </a:fld>
             <a:endParaRPr lang="en-GB" sz="1800" b="0" i="0" kern="1200" dirty="0">
               <a:solidFill>
@@ -9612,7 +9612,7 @@
                 <a:ea typeface="Open Sans" pitchFamily="2" charset="0"/>
                 <a:cs typeface="Open Sans" pitchFamily="2" charset="0"/>
               </a:rPr>
-              <a:t>29/04/2025</a:t>
+              <a:t>30/04/2025</a:t>
             </a:fld>
             <a:endParaRPr lang="en-GB" sz="1800" b="0" i="0" kern="1200" dirty="0">
               <a:solidFill>
@@ -11362,7 +11362,7 @@
                 <a:ea typeface="Open Sans" pitchFamily="2" charset="0"/>
                 <a:cs typeface="Open Sans" pitchFamily="2" charset="0"/>
               </a:rPr>
-              <a:t>29/04/2025</a:t>
+              <a:t>30/04/2025</a:t>
             </a:fld>
             <a:endParaRPr lang="en-GB" sz="1800" b="0" i="0" kern="1200" dirty="0">
               <a:solidFill>
@@ -11879,7 +11879,7 @@
                 <a:ea typeface="Open Sans" panose="020B0606030504020204" pitchFamily="34" charset="0"/>
                 <a:cs typeface="Open Sans" panose="020B0606030504020204" pitchFamily="34" charset="0"/>
               </a:rPr>
-              <a:t>29/04/2025</a:t>
+              <a:t>30/04/2025</a:t>
             </a:fld>
             <a:endParaRPr lang="en-GB" sz="1800" b="0" i="0" kern="1200" dirty="0">
               <a:solidFill>
@@ -12476,7 +12476,7 @@
                 <a:ea typeface="Open Sans" pitchFamily="2" charset="0"/>
                 <a:cs typeface="Open Sans" pitchFamily="2" charset="0"/>
               </a:rPr>
-              <a:t>29/04/2025</a:t>
+              <a:t>30/04/2025</a:t>
             </a:fld>
             <a:endParaRPr lang="en-GB" sz="1800" b="0" i="0" kern="1200" dirty="0">
               <a:solidFill>
@@ -13016,7 +13016,7 @@
                 <a:ea typeface="Open Sans" panose="020B0606030504020204" pitchFamily="34" charset="0"/>
                 <a:cs typeface="Open Sans" panose="020B0606030504020204" pitchFamily="34" charset="0"/>
               </a:rPr>
-              <a:t>29/04/2025</a:t>
+              <a:t>30/04/2025</a:t>
             </a:fld>
             <a:endParaRPr lang="en-GB" sz="1800" b="0" i="0" kern="1200" dirty="0">
               <a:solidFill>
@@ -13717,7 +13717,7 @@
                 <a:ea typeface="Open Sans" panose="020B0606030504020204" pitchFamily="34" charset="0"/>
                 <a:cs typeface="Open Sans" panose="020B0606030504020204" pitchFamily="34" charset="0"/>
               </a:rPr>
-              <a:t>29/04/2025</a:t>
+              <a:t>30/04/2025</a:t>
             </a:fld>
             <a:endParaRPr lang="en-GB" sz="1800" b="0" i="0" kern="1200" dirty="0">
               <a:solidFill>
@@ -14080,7 +14080,7 @@
                 <a:ea typeface="Open Sans" pitchFamily="2" charset="0"/>
                 <a:cs typeface="Open Sans" pitchFamily="2" charset="0"/>
               </a:rPr>
-              <a:t>29/04/2025</a:t>
+              <a:t>30/04/2025</a:t>
             </a:fld>
             <a:endParaRPr lang="en-GB" sz="1800" b="0" i="0" kern="1200" dirty="0">
               <a:solidFill>
@@ -14475,7 +14475,7 @@
                 <a:ea typeface="Open Sans" pitchFamily="2" charset="0"/>
                 <a:cs typeface="Open Sans" pitchFamily="2" charset="0"/>
               </a:rPr>
-              <a:t>29/04/2025</a:t>
+              <a:t>30/04/2025</a:t>
             </a:fld>
             <a:endParaRPr lang="en-GB" sz="1800" b="0" i="0" kern="1200" dirty="0">
               <a:solidFill>
@@ -17254,7 +17254,7 @@
         </p:blipFill>
         <p:spPr>
           <a:xfrm>
-            <a:off x="543368" y="2090947"/>
+            <a:off x="543368" y="2076317"/>
             <a:ext cx="4438650" cy="1133475"/>
           </a:xfrm>
           <a:prstGeom prst="rect">
@@ -18472,15 +18472,15 @@
             </a:br>
             <a:r>
               <a:rPr lang="hr-HR" sz="1600" dirty="0"/>
-              <a:t>✔ Izračunava koliko boca </a:t>
-            </a:r>
-            <a:r>
-              <a:rPr lang="hr-HR" sz="1600" dirty="0" err="1"/>
-              <a:t>mleka</a:t>
+              <a:t>✔ Izračunava koliko boca ml</a:t>
+            </a:r>
+            <a:r>
+              <a:rPr lang="en-US" sz="1600" dirty="0" err="1"/>
+              <a:t>ij</a:t>
             </a:r>
             <a:r>
               <a:rPr lang="hr-HR" sz="1600" dirty="0"/>
-              <a:t> može kupiti (1 boca = 1.5$).</a:t>
+              <a:t>eka može kupiti (1 boca = 1.5$).</a:t>
             </a:r>
             <a:br>
               <a:rPr lang="hr-HR" sz="1600" dirty="0"/>
@@ -21526,7 +21526,7 @@
         </p:nvSpPr>
         <p:spPr>
           <a:xfrm>
-            <a:off x="6651210" y="1401091"/>
+            <a:off x="6651210" y="1408406"/>
             <a:ext cx="5328139" cy="853976"/>
           </a:xfrm>
           <a:prstGeom prst="rect">
@@ -28994,6 +28994,17 @@
 </file>
 
 <file path=customXml/item1.xml><?xml version="1.0" encoding="utf-8"?>
+<p:properties xmlns:p="http://schemas.microsoft.com/office/2006/metadata/properties" xmlns:xsi="http://www.w3.org/2001/XMLSchema-instance" xmlns:pc="http://schemas.microsoft.com/office/infopath/2007/PartnerControls">
+  <documentManagement>
+    <lcf76f155ced4ddcb4097134ff3c332f xmlns="40806f44-bc4a-4ea4-b660-c6da93f8f179">
+      <Terms xmlns="http://schemas.microsoft.com/office/infopath/2007/PartnerControls"/>
+    </lcf76f155ced4ddcb4097134ff3c332f>
+    <TaxCatchAll xmlns="758d0d8f-b783-4c78-ab73-9740c97b97cf" xsi:nil="true"/>
+  </documentManagement>
+</p:properties>
+</file>
+
+<file path=customXml/item2.xml><?xml version="1.0" encoding="utf-8"?>
 <ct:contentTypeSchema xmlns:ct="http://schemas.microsoft.com/office/2006/metadata/contentType" xmlns:ma="http://schemas.microsoft.com/office/2006/metadata/properties/metaAttributes" ct:_="" ma:_="" ma:contentTypeName="Document" ma:contentTypeID="0x010100E4F55D9EF0BF0A44B819E681FCAC00B7" ma:contentTypeVersion="12" ma:contentTypeDescription="Create a new document." ma:contentTypeScope="" ma:versionID="068ce121a7a7a0aebcb89dd601c4f0a2">
   <xsd:schema xmlns:xsd="http://www.w3.org/2001/XMLSchema" xmlns:xs="http://www.w3.org/2001/XMLSchema" xmlns:p="http://schemas.microsoft.com/office/2006/metadata/properties" xmlns:ns2="40806f44-bc4a-4ea4-b660-c6da93f8f179" xmlns:ns3="758d0d8f-b783-4c78-ab73-9740c97b97cf" targetNamespace="http://schemas.microsoft.com/office/2006/metadata/properties" ma:root="true" ma:fieldsID="67c58e6c5c8ea9af0822acd84d25e1a2" ns2:_="" ns3:_="">
     <xsd:import namespace="40806f44-bc4a-4ea4-b660-c6da93f8f179"/>
@@ -29210,17 +29221,6 @@
 </ct:contentTypeSchema>
 </file>
 
-<file path=customXml/item2.xml><?xml version="1.0" encoding="utf-8"?>
-<p:properties xmlns:p="http://schemas.microsoft.com/office/2006/metadata/properties" xmlns:xsi="http://www.w3.org/2001/XMLSchema-instance" xmlns:pc="http://schemas.microsoft.com/office/infopath/2007/PartnerControls">
-  <documentManagement>
-    <lcf76f155ced4ddcb4097134ff3c332f xmlns="40806f44-bc4a-4ea4-b660-c6da93f8f179">
-      <Terms xmlns="http://schemas.microsoft.com/office/infopath/2007/PartnerControls"/>
-    </lcf76f155ced4ddcb4097134ff3c332f>
-    <TaxCatchAll xmlns="758d0d8f-b783-4c78-ab73-9740c97b97cf" xsi:nil="true"/>
-  </documentManagement>
-</p:properties>
-</file>
-
 <file path=customXml/item3.xml><?xml version="1.0" encoding="utf-8"?>
 <?mso-contentType ?>
 <FormTemplates xmlns="http://schemas.microsoft.com/sharepoint/v3/contenttype/forms">
@@ -29231,6 +29231,23 @@
 </file>
 
 <file path=customXml/itemProps1.xml><?xml version="1.0" encoding="utf-8"?>
+<ds:datastoreItem xmlns:ds="http://schemas.openxmlformats.org/officeDocument/2006/customXml" ds:itemID="{61E72F81-8533-461E-8E71-A6D77294CFEF}">
+  <ds:schemaRefs>
+    <ds:schemaRef ds:uri="http://purl.org/dc/elements/1.1/"/>
+    <ds:schemaRef ds:uri="http://www.w3.org/XML/1998/namespace"/>
+    <ds:schemaRef ds:uri="http://purl.org/dc/terms/"/>
+    <ds:schemaRef ds:uri="http://schemas.microsoft.com/office/2006/documentManagement/types"/>
+    <ds:schemaRef ds:uri="40806f44-bc4a-4ea4-b660-c6da93f8f179"/>
+    <ds:schemaRef ds:uri="http://schemas.openxmlformats.org/package/2006/metadata/core-properties"/>
+    <ds:schemaRef ds:uri="http://purl.org/dc/dcmitype/"/>
+    <ds:schemaRef ds:uri="http://schemas.microsoft.com/office/infopath/2007/PartnerControls"/>
+    <ds:schemaRef ds:uri="758d0d8f-b783-4c78-ab73-9740c97b97cf"/>
+    <ds:schemaRef ds:uri="http://schemas.microsoft.com/office/2006/metadata/properties"/>
+  </ds:schemaRefs>
+</ds:datastoreItem>
+</file>
+
+<file path=customXml/itemProps2.xml><?xml version="1.0" encoding="utf-8"?>
 <ds:datastoreItem xmlns:ds="http://schemas.openxmlformats.org/officeDocument/2006/customXml" ds:itemID="{4E6AED0F-96FF-4C7F-8AC9-672C91BFCDFE}">
   <ds:schemaRefs>
     <ds:schemaRef ds:uri="http://schemas.microsoft.com/office/2006/metadata/contentType"/>
@@ -29249,23 +29266,6 @@
 </ds:datastoreItem>
 </file>
 
-<file path=customXml/itemProps2.xml><?xml version="1.0" encoding="utf-8"?>
-<ds:datastoreItem xmlns:ds="http://schemas.openxmlformats.org/officeDocument/2006/customXml" ds:itemID="{61E72F81-8533-461E-8E71-A6D77294CFEF}">
-  <ds:schemaRefs>
-    <ds:schemaRef ds:uri="http://purl.org/dc/elements/1.1/"/>
-    <ds:schemaRef ds:uri="http://www.w3.org/XML/1998/namespace"/>
-    <ds:schemaRef ds:uri="http://purl.org/dc/terms/"/>
-    <ds:schemaRef ds:uri="http://schemas.microsoft.com/office/2006/documentManagement/types"/>
-    <ds:schemaRef ds:uri="40806f44-bc4a-4ea4-b660-c6da93f8f179"/>
-    <ds:schemaRef ds:uri="http://schemas.openxmlformats.org/package/2006/metadata/core-properties"/>
-    <ds:schemaRef ds:uri="http://purl.org/dc/dcmitype/"/>
-    <ds:schemaRef ds:uri="http://schemas.microsoft.com/office/infopath/2007/PartnerControls"/>
-    <ds:schemaRef ds:uri="758d0d8f-b783-4c78-ab73-9740c97b97cf"/>
-    <ds:schemaRef ds:uri="http://schemas.microsoft.com/office/2006/metadata/properties"/>
-  </ds:schemaRefs>
-</ds:datastoreItem>
-</file>
-
 <file path=customXml/itemProps3.xml><?xml version="1.0" encoding="utf-8"?>
 <ds:datastoreItem xmlns:ds="http://schemas.openxmlformats.org/officeDocument/2006/customXml" ds:itemID="{46915D30-CAA6-465E-907F-1770D4E3B01D}">
   <ds:schemaRefs>

--- a/Bootcamp/javascript-uvod/javascript-uvod.pptx
+++ b/Bootcamp/javascript-uvod/javascript-uvod.pptx
@@ -5,7 +5,7 @@
     <p:sldMasterId id="2147483648" r:id="rId4"/>
   </p:sldMasterIdLst>
   <p:notesMasterIdLst>
-    <p:notesMasterId r:id="rId40"/>
+    <p:notesMasterId r:id="rId41"/>
   </p:notesMasterIdLst>
   <p:sldIdLst>
     <p:sldId id="282" r:id="rId5"/>
@@ -42,7 +42,8 @@
     <p:sldId id="374" r:id="rId36"/>
     <p:sldId id="375" r:id="rId37"/>
     <p:sldId id="376" r:id="rId38"/>
-    <p:sldId id="381" r:id="rId39"/>
+    <p:sldId id="382" r:id="rId39"/>
+    <p:sldId id="383" r:id="rId40"/>
   </p:sldIdLst>
   <p:sldSz cx="12192000" cy="6858000"/>
   <p:notesSz cx="6858000" cy="9144000"/>
@@ -184,7 +185,8 @@
             <p14:sldId id="374"/>
             <p14:sldId id="375"/>
             <p14:sldId id="376"/>
-            <p14:sldId id="381"/>
+            <p14:sldId id="382"/>
+            <p14:sldId id="383"/>
           </p14:sldIdLst>
         </p14:section>
       </p14:sectionLst>
@@ -289,7 +291,7 @@
           <a:p>
             <a:fld id="{B2A70591-2E3C-5F42-A4E1-C0F5A0F4E5DB}" type="datetimeFigureOut">
               <a:rPr lang="en-US" smtClean="0"/>
-              <a:t>4/30/2025</a:t>
+              <a:t>5/12/2025</a:t>
             </a:fld>
             <a:endParaRPr lang="en-US"/>
           </a:p>
@@ -3750,7 +3752,13 @@
   <p:cSld>
     <p:spTree>
       <p:nvGrpSpPr>
-        <p:cNvPr id="1" name=""/>
+        <p:cNvPr id="1" name="">
+          <a:extLst>
+            <a:ext uri="{FF2B5EF4-FFF2-40B4-BE49-F238E27FC236}">
+              <a16:creationId xmlns:a16="http://schemas.microsoft.com/office/drawing/2014/main" id="{F93B3166-2331-F359-FE1C-0DCD50CA6809}"/>
+            </a:ext>
+          </a:extLst>
+        </p:cNvPr>
         <p:cNvGrpSpPr/>
         <p:nvPr/>
       </p:nvGrpSpPr>
@@ -3764,7 +3772,13 @@
       </p:grpSpPr>
       <p:sp>
         <p:nvSpPr>
-          <p:cNvPr id="2" name="Slide Image Placeholder 1"/>
+          <p:cNvPr id="2" name="Slide Image Placeholder 1">
+            <a:extLst>
+              <a:ext uri="{FF2B5EF4-FFF2-40B4-BE49-F238E27FC236}">
+                <a16:creationId xmlns:a16="http://schemas.microsoft.com/office/drawing/2014/main" id="{64C5F5F6-7E36-F817-B99C-095EA9752DAB}"/>
+              </a:ext>
+            </a:extLst>
+          </p:cNvPr>
           <p:cNvSpPr>
             <a:spLocks noGrp="1" noRot="1" noChangeAspect="1"/>
           </p:cNvSpPr>
@@ -3776,7 +3790,13 @@
       </p:sp>
       <p:sp>
         <p:nvSpPr>
-          <p:cNvPr id="3" name="Notes Placeholder 2"/>
+          <p:cNvPr id="3" name="Notes Placeholder 2">
+            <a:extLst>
+              <a:ext uri="{FF2B5EF4-FFF2-40B4-BE49-F238E27FC236}">
+                <a16:creationId xmlns:a16="http://schemas.microsoft.com/office/drawing/2014/main" id="{9D08AD06-0871-F396-73AC-827D5E34A624}"/>
+              </a:ext>
+            </a:extLst>
+          </p:cNvPr>
           <p:cNvSpPr>
             <a:spLocks noGrp="1"/>
           </p:cNvSpPr>
@@ -3795,7 +3815,13 @@
       </p:sp>
       <p:sp>
         <p:nvSpPr>
-          <p:cNvPr id="4" name="Slide Number Placeholder 3"/>
+          <p:cNvPr id="4" name="Slide Number Placeholder 3">
+            <a:extLst>
+              <a:ext uri="{FF2B5EF4-FFF2-40B4-BE49-F238E27FC236}">
+                <a16:creationId xmlns:a16="http://schemas.microsoft.com/office/drawing/2014/main" id="{39F5D908-A356-949A-AC22-AFC5E5D95789}"/>
+              </a:ext>
+            </a:extLst>
+          </p:cNvPr>
           <p:cNvSpPr>
             <a:spLocks noGrp="1"/>
           </p:cNvSpPr>
@@ -3819,7 +3845,115 @@
     </p:spTree>
     <p:extLst>
       <p:ext uri="{BB962C8B-B14F-4D97-AF65-F5344CB8AC3E}">
-        <p14:creationId xmlns:p14="http://schemas.microsoft.com/office/powerpoint/2010/main" val="2175340841"/>
+        <p14:creationId xmlns:p14="http://schemas.microsoft.com/office/powerpoint/2010/main" val="3162088856"/>
+      </p:ext>
+    </p:extLst>
+  </p:cSld>
+  <p:clrMapOvr>
+    <a:masterClrMapping/>
+  </p:clrMapOvr>
+</p:notes>
+</file>
+
+<file path=ppt/notesSlides/notesSlide35.xml><?xml version="1.0" encoding="utf-8"?>
+<p:notes xmlns:a="http://schemas.openxmlformats.org/drawingml/2006/main" xmlns:r="http://schemas.openxmlformats.org/officeDocument/2006/relationships" xmlns:p="http://schemas.openxmlformats.org/presentationml/2006/main">
+  <p:cSld>
+    <p:spTree>
+      <p:nvGrpSpPr>
+        <p:cNvPr id="1" name="">
+          <a:extLst>
+            <a:ext uri="{FF2B5EF4-FFF2-40B4-BE49-F238E27FC236}">
+              <a16:creationId xmlns:a16="http://schemas.microsoft.com/office/drawing/2014/main" id="{2AF6D0A0-5F45-AA25-6575-6829FA06F1D3}"/>
+            </a:ext>
+          </a:extLst>
+        </p:cNvPr>
+        <p:cNvGrpSpPr/>
+        <p:nvPr/>
+      </p:nvGrpSpPr>
+      <p:grpSpPr>
+        <a:xfrm>
+          <a:off x="0" y="0"/>
+          <a:ext cx="0" cy="0"/>
+          <a:chOff x="0" y="0"/>
+          <a:chExt cx="0" cy="0"/>
+        </a:xfrm>
+      </p:grpSpPr>
+      <p:sp>
+        <p:nvSpPr>
+          <p:cNvPr id="2" name="Slide Image Placeholder 1">
+            <a:extLst>
+              <a:ext uri="{FF2B5EF4-FFF2-40B4-BE49-F238E27FC236}">
+                <a16:creationId xmlns:a16="http://schemas.microsoft.com/office/drawing/2014/main" id="{D0DEA985-AF59-128F-A67F-BCB8D678B9C9}"/>
+              </a:ext>
+            </a:extLst>
+          </p:cNvPr>
+          <p:cNvSpPr>
+            <a:spLocks noGrp="1" noRot="1" noChangeAspect="1"/>
+          </p:cNvSpPr>
+          <p:nvPr>
+            <p:ph type="sldImg"/>
+          </p:nvPr>
+        </p:nvSpPr>
+        <p:spPr/>
+      </p:sp>
+      <p:sp>
+        <p:nvSpPr>
+          <p:cNvPr id="3" name="Notes Placeholder 2">
+            <a:extLst>
+              <a:ext uri="{FF2B5EF4-FFF2-40B4-BE49-F238E27FC236}">
+                <a16:creationId xmlns:a16="http://schemas.microsoft.com/office/drawing/2014/main" id="{0C2E91E5-22D2-6D9F-1688-898AB2F04F6C}"/>
+              </a:ext>
+            </a:extLst>
+          </p:cNvPr>
+          <p:cNvSpPr>
+            <a:spLocks noGrp="1"/>
+          </p:cNvSpPr>
+          <p:nvPr>
+            <p:ph type="body" idx="1"/>
+          </p:nvPr>
+        </p:nvSpPr>
+        <p:spPr/>
+        <p:txBody>
+          <a:bodyPr/>
+          <a:lstStyle/>
+          <a:p>
+            <a:endParaRPr lang="hr-HR" dirty="0"/>
+          </a:p>
+        </p:txBody>
+      </p:sp>
+      <p:sp>
+        <p:nvSpPr>
+          <p:cNvPr id="4" name="Slide Number Placeholder 3">
+            <a:extLst>
+              <a:ext uri="{FF2B5EF4-FFF2-40B4-BE49-F238E27FC236}">
+                <a16:creationId xmlns:a16="http://schemas.microsoft.com/office/drawing/2014/main" id="{019C6249-6320-C59F-8206-BD976AFE30B8}"/>
+              </a:ext>
+            </a:extLst>
+          </p:cNvPr>
+          <p:cNvSpPr>
+            <a:spLocks noGrp="1"/>
+          </p:cNvSpPr>
+          <p:nvPr>
+            <p:ph type="sldNum" sz="quarter" idx="5"/>
+          </p:nvPr>
+        </p:nvSpPr>
+        <p:spPr/>
+        <p:txBody>
+          <a:bodyPr/>
+          <a:lstStyle/>
+          <a:p>
+            <a:fld id="{343B951A-A665-1949-AEDB-B62DC9BE7F13}" type="slidenum">
+              <a:rPr lang="en-US" smtClean="0"/>
+              <a:t>36</a:t>
+            </a:fld>
+            <a:endParaRPr lang="en-US"/>
+          </a:p>
+        </p:txBody>
+      </p:sp>
+    </p:spTree>
+    <p:extLst>
+      <p:ext uri="{BB962C8B-B14F-4D97-AF65-F5344CB8AC3E}">
+        <p14:creationId xmlns:p14="http://schemas.microsoft.com/office/powerpoint/2010/main" val="4098519256"/>
       </p:ext>
     </p:extLst>
   </p:cSld>
@@ -5169,7 +5303,7 @@
                 <a:ea typeface="Open Sans" panose="020B0606030504020204" pitchFamily="34" charset="0"/>
                 <a:cs typeface="Open Sans" panose="020B0606030504020204" pitchFamily="34" charset="0"/>
               </a:rPr>
-              <a:t>30/04/2025</a:t>
+              <a:t>12/05/2025</a:t>
             </a:fld>
             <a:endParaRPr lang="en-GB" sz="1800" b="0" i="0" kern="1200" dirty="0">
               <a:solidFill>
@@ -5914,7 +6048,7 @@
                 <a:ea typeface="Open Sans" panose="020B0606030504020204" pitchFamily="34" charset="0"/>
                 <a:cs typeface="Open Sans" panose="020B0606030504020204" pitchFamily="34" charset="0"/>
               </a:rPr>
-              <a:t>30/04/2025</a:t>
+              <a:t>12/05/2025</a:t>
             </a:fld>
             <a:endParaRPr lang="en-GB" sz="1800" b="0" i="0" kern="1200" dirty="0">
               <a:solidFill>
@@ -6437,7 +6571,7 @@
                 <a:ea typeface="Open Sans" panose="020B0606030504020204" pitchFamily="34" charset="0"/>
                 <a:cs typeface="Open Sans" panose="020B0606030504020204" pitchFamily="34" charset="0"/>
               </a:rPr>
-              <a:t>30/04/2025</a:t>
+              <a:t>12/05/2025</a:t>
             </a:fld>
             <a:endParaRPr lang="en-GB" sz="1800" b="0" i="0" kern="1200" dirty="0">
               <a:solidFill>
@@ -7403,7 +7537,7 @@
                 <a:ea typeface="Open Sans" panose="020B0606030504020204" pitchFamily="34" charset="0"/>
                 <a:cs typeface="Open Sans" panose="020B0606030504020204" pitchFamily="34" charset="0"/>
               </a:rPr>
-              <a:t>30/04/2025</a:t>
+              <a:t>12/05/2025</a:t>
             </a:fld>
             <a:endParaRPr lang="en-GB" sz="1800" b="0" i="0" kern="1200" dirty="0">
               <a:solidFill>
@@ -7842,7 +7976,7 @@
                 <a:ea typeface="Open Sans" panose="020B0606030504020204" pitchFamily="34" charset="0"/>
                 <a:cs typeface="Open Sans" panose="020B0606030504020204" pitchFamily="34" charset="0"/>
               </a:rPr>
-              <a:t>30/04/2025</a:t>
+              <a:t>12/05/2025</a:t>
             </a:fld>
             <a:endParaRPr lang="en-GB" sz="1800" b="0" i="0" kern="1200" dirty="0">
               <a:solidFill>
@@ -9612,7 +9746,7 @@
                 <a:ea typeface="Open Sans" pitchFamily="2" charset="0"/>
                 <a:cs typeface="Open Sans" pitchFamily="2" charset="0"/>
               </a:rPr>
-              <a:t>30/04/2025</a:t>
+              <a:t>12/05/2025</a:t>
             </a:fld>
             <a:endParaRPr lang="en-GB" sz="1800" b="0" i="0" kern="1200" dirty="0">
               <a:solidFill>
@@ -11362,7 +11496,7 @@
                 <a:ea typeface="Open Sans" pitchFamily="2" charset="0"/>
                 <a:cs typeface="Open Sans" pitchFamily="2" charset="0"/>
               </a:rPr>
-              <a:t>30/04/2025</a:t>
+              <a:t>12/05/2025</a:t>
             </a:fld>
             <a:endParaRPr lang="en-GB" sz="1800" b="0" i="0" kern="1200" dirty="0">
               <a:solidFill>
@@ -11879,7 +12013,7 @@
                 <a:ea typeface="Open Sans" panose="020B0606030504020204" pitchFamily="34" charset="0"/>
                 <a:cs typeface="Open Sans" panose="020B0606030504020204" pitchFamily="34" charset="0"/>
               </a:rPr>
-              <a:t>30/04/2025</a:t>
+              <a:t>12/05/2025</a:t>
             </a:fld>
             <a:endParaRPr lang="en-GB" sz="1800" b="0" i="0" kern="1200" dirty="0">
               <a:solidFill>
@@ -12476,7 +12610,7 @@
                 <a:ea typeface="Open Sans" pitchFamily="2" charset="0"/>
                 <a:cs typeface="Open Sans" pitchFamily="2" charset="0"/>
               </a:rPr>
-              <a:t>30/04/2025</a:t>
+              <a:t>12/05/2025</a:t>
             </a:fld>
             <a:endParaRPr lang="en-GB" sz="1800" b="0" i="0" kern="1200" dirty="0">
               <a:solidFill>
@@ -13016,7 +13150,7 @@
                 <a:ea typeface="Open Sans" panose="020B0606030504020204" pitchFamily="34" charset="0"/>
                 <a:cs typeface="Open Sans" panose="020B0606030504020204" pitchFamily="34" charset="0"/>
               </a:rPr>
-              <a:t>30/04/2025</a:t>
+              <a:t>12/05/2025</a:t>
             </a:fld>
             <a:endParaRPr lang="en-GB" sz="1800" b="0" i="0" kern="1200" dirty="0">
               <a:solidFill>
@@ -13717,7 +13851,7 @@
                 <a:ea typeface="Open Sans" panose="020B0606030504020204" pitchFamily="34" charset="0"/>
                 <a:cs typeface="Open Sans" panose="020B0606030504020204" pitchFamily="34" charset="0"/>
               </a:rPr>
-              <a:t>30/04/2025</a:t>
+              <a:t>12/05/2025</a:t>
             </a:fld>
             <a:endParaRPr lang="en-GB" sz="1800" b="0" i="0" kern="1200" dirty="0">
               <a:solidFill>
@@ -14080,7 +14214,7 @@
                 <a:ea typeface="Open Sans" pitchFamily="2" charset="0"/>
                 <a:cs typeface="Open Sans" pitchFamily="2" charset="0"/>
               </a:rPr>
-              <a:t>30/04/2025</a:t>
+              <a:t>12/05/2025</a:t>
             </a:fld>
             <a:endParaRPr lang="en-GB" sz="1800" b="0" i="0" kern="1200" dirty="0">
               <a:solidFill>
@@ -14475,7 +14609,7 @@
                 <a:ea typeface="Open Sans" pitchFamily="2" charset="0"/>
                 <a:cs typeface="Open Sans" pitchFamily="2" charset="0"/>
               </a:rPr>
-              <a:t>30/04/2025</a:t>
+              <a:t>12/05/2025</a:t>
             </a:fld>
             <a:endParaRPr lang="en-GB" sz="1800" b="0" i="0" kern="1200" dirty="0">
               <a:solidFill>
@@ -23395,16 +23529,20 @@
               <a:t>✔ Napraviti funkciju </a:t>
             </a:r>
             <a:r>
-              <a:rPr lang="hr-HR" sz="1400" b="1" dirty="0" err="1"/>
-              <a:t>beer</a:t>
-            </a:r>
-            <a:r>
               <a:rPr lang="hr-HR" sz="1400" b="1" dirty="0"/>
-              <a:t>()</a:t>
-            </a:r>
-            <a:r>
-              <a:rPr lang="hr-HR" sz="1400" dirty="0"/>
-              <a:t>.</a:t>
+              <a:t>beer()</a:t>
+            </a:r>
+            <a:r>
+              <a:rPr lang="en-US" sz="1400" b="1" dirty="0"/>
+              <a:t> u </a:t>
+            </a:r>
+            <a:r>
+              <a:rPr lang="en-US" sz="1400" b="1" dirty="0" err="1"/>
+              <a:t>kojoj</a:t>
+            </a:r>
+            <a:r>
+              <a:rPr lang="en-US" sz="1400" b="1" dirty="0"/>
+              <a:t>:</a:t>
             </a:r>
             <a:endParaRPr lang="en-US" sz="1400" dirty="0"/>
           </a:p>
@@ -23516,8 +23654,38 @@
         </p:blipFill>
         <p:spPr>
           <a:xfrm>
-            <a:off x="6742306" y="3405914"/>
+            <a:off x="6742306" y="3047099"/>
             <a:ext cx="5145945" cy="1625580"/>
+          </a:xfrm>
+          <a:prstGeom prst="rect">
+            <a:avLst/>
+          </a:prstGeom>
+        </p:spPr>
+      </p:pic>
+      <p:pic>
+        <p:nvPicPr>
+          <p:cNvPr id="3" name="Picture 2">
+            <a:extLst>
+              <a:ext uri="{FF2B5EF4-FFF2-40B4-BE49-F238E27FC236}">
+                <a16:creationId xmlns:a16="http://schemas.microsoft.com/office/drawing/2014/main" id="{D5E64CF2-DFC5-99EF-B6F5-44648E9FF1C8}"/>
+              </a:ext>
+            </a:extLst>
+          </p:cNvPr>
+          <p:cNvPicPr>
+            <a:picLocks noChangeAspect="1"/>
+          </p:cNvPicPr>
+          <p:nvPr/>
+        </p:nvPicPr>
+        <p:blipFill>
+          <a:blip r:embed="rId5"/>
+          <a:stretch>
+            <a:fillRect/>
+          </a:stretch>
+        </p:blipFill>
+        <p:spPr>
+          <a:xfrm>
+            <a:off x="6742306" y="4826131"/>
+            <a:ext cx="5026069" cy="853976"/>
           </a:xfrm>
           <a:prstGeom prst="rect">
             <a:avLst/>
@@ -23982,38 +24150,8 @@
         </p:blipFill>
         <p:spPr>
           <a:xfrm>
-            <a:off x="6557076" y="4709263"/>
+            <a:off x="6857223" y="3429000"/>
             <a:ext cx="3724275" cy="342900"/>
-          </a:xfrm>
-          <a:prstGeom prst="rect">
-            <a:avLst/>
-          </a:prstGeom>
-        </p:spPr>
-      </p:pic>
-      <p:pic>
-        <p:nvPicPr>
-          <p:cNvPr id="8" name="Picture 7">
-            <a:extLst>
-              <a:ext uri="{FF2B5EF4-FFF2-40B4-BE49-F238E27FC236}">
-                <a16:creationId xmlns:a16="http://schemas.microsoft.com/office/drawing/2014/main" id="{42ABE9C1-0A6E-8706-0731-887AEAC26ABC}"/>
-              </a:ext>
-            </a:extLst>
-          </p:cNvPr>
-          <p:cNvPicPr>
-            <a:picLocks noChangeAspect="1"/>
-          </p:cNvPicPr>
-          <p:nvPr/>
-        </p:nvPicPr>
-        <p:blipFill>
-          <a:blip r:embed="rId4"/>
-          <a:stretch>
-            <a:fillRect/>
-          </a:stretch>
-        </p:blipFill>
-        <p:spPr>
-          <a:xfrm>
-            <a:off x="7330717" y="232256"/>
-            <a:ext cx="2339625" cy="3967748"/>
           </a:xfrm>
           <a:prstGeom prst="rect">
             <a:avLst/>
@@ -24296,6 +24434,36 @@
           </a:prstGeom>
         </p:spPr>
       </p:pic>
+      <p:pic>
+        <p:nvPicPr>
+          <p:cNvPr id="3" name="Picture 2">
+            <a:extLst>
+              <a:ext uri="{FF2B5EF4-FFF2-40B4-BE49-F238E27FC236}">
+                <a16:creationId xmlns:a16="http://schemas.microsoft.com/office/drawing/2014/main" id="{2E439600-4DE2-76F3-98B6-AE833947D6FA}"/>
+              </a:ext>
+            </a:extLst>
+          </p:cNvPr>
+          <p:cNvPicPr>
+            <a:picLocks noChangeAspect="1"/>
+          </p:cNvPicPr>
+          <p:nvPr/>
+        </p:nvPicPr>
+        <p:blipFill>
+          <a:blip r:embed="rId5"/>
+          <a:stretch>
+            <a:fillRect/>
+          </a:stretch>
+        </p:blipFill>
+        <p:spPr>
+          <a:xfrm>
+            <a:off x="8353243" y="3050466"/>
+            <a:ext cx="2565057" cy="2021442"/>
+          </a:xfrm>
+          <a:prstGeom prst="rect">
+            <a:avLst/>
+          </a:prstGeom>
+        </p:spPr>
+      </p:pic>
     </p:spTree>
     <p:extLst>
       <p:ext uri="{BB962C8B-B14F-4D97-AF65-F5344CB8AC3E}">
@@ -25038,7 +25206,7 @@
         <p:spPr>
           <a:xfrm>
             <a:off x="6690507" y="2044005"/>
-            <a:ext cx="4646427" cy="523220"/>
+            <a:ext cx="4646427" cy="954107"/>
           </a:xfrm>
           <a:prstGeom prst="rect">
             <a:avLst/>
@@ -25077,15 +25245,7 @@
             </a:r>
             <a:r>
               <a:rPr lang="hr-HR" sz="1400" dirty="0"/>
-              <a:t> i </a:t>
-            </a:r>
-            <a:r>
-              <a:rPr lang="hr-HR" sz="1400" dirty="0" err="1"/>
-              <a:t>promeni</a:t>
-            </a:r>
-            <a:r>
-              <a:rPr lang="hr-HR" sz="1400" dirty="0"/>
-              <a:t> njegov tekst u </a:t>
+              <a:t> i promeni njegov tekst u </a:t>
             </a:r>
             <a:r>
               <a:rPr lang="hr-HR" sz="1400" b="1" dirty="0"/>
@@ -25097,19 +25257,98 @@
             </a:r>
             <a:r>
               <a:rPr lang="hr-HR" sz="1400" b="1" dirty="0"/>
-              <a:t>(BEZ </a:t>
-            </a:r>
-            <a:r>
-              <a:rPr lang="hr-HR" sz="1400" b="1" dirty="0" err="1"/>
-              <a:t>menjanja</a:t>
-            </a:r>
-            <a:r>
-              <a:rPr lang="hr-HR" sz="1400" b="1" dirty="0"/>
-              <a:t> HTML-a)</a:t>
+              <a:t>(BEZ menjanja HTML-a)</a:t>
             </a:r>
             <a:r>
               <a:rPr lang="hr-HR" sz="1400" dirty="0"/>
               <a:t>!</a:t>
+            </a:r>
+            <a:br>
+              <a:rPr lang="en-US" sz="1400" dirty="0"/>
+            </a:br>
+            <a:r>
+              <a:rPr lang="hr-HR" sz="1400" dirty="0"/>
+              <a:t>✔</a:t>
+            </a:r>
+            <a:r>
+              <a:rPr lang="en-US" sz="1400" dirty="0"/>
+              <a:t> index.html </a:t>
+            </a:r>
+            <a:r>
+              <a:rPr lang="en-US" sz="1400" dirty="0" err="1"/>
+              <a:t>mozete</a:t>
+            </a:r>
+            <a:r>
+              <a:rPr lang="en-US" sz="1400" dirty="0"/>
+              <a:t> </a:t>
+            </a:r>
+            <a:r>
+              <a:rPr lang="en-US" sz="1400" dirty="0" err="1"/>
+              <a:t>skinuti</a:t>
+            </a:r>
+            <a:r>
+              <a:rPr lang="en-US" sz="1400" dirty="0"/>
+              <a:t>, </a:t>
+            </a:r>
+            <a:r>
+              <a:rPr lang="en-US" sz="1400" dirty="0" err="1"/>
+              <a:t>logika</a:t>
+            </a:r>
+            <a:r>
+              <a:rPr lang="en-US" sz="1400" dirty="0"/>
+              <a:t> za </a:t>
+            </a:r>
+            <a:r>
+              <a:rPr lang="en-US" sz="1400" dirty="0" err="1"/>
+              <a:t>mijenjanje</a:t>
+            </a:r>
+            <a:r>
+              <a:rPr lang="en-US" sz="1400" dirty="0"/>
+              <a:t> </a:t>
+            </a:r>
+            <a:r>
+              <a:rPr lang="en-US" sz="1400" b="1" dirty="0"/>
+              <a:t>&lt;li&gt; </a:t>
+            </a:r>
+            <a:r>
+              <a:rPr lang="en-US" sz="1400" dirty="0" err="1"/>
+              <a:t>elementa</a:t>
+            </a:r>
+            <a:r>
+              <a:rPr lang="en-US" sz="1400" dirty="0"/>
+              <a:t> </a:t>
+            </a:r>
+            <a:r>
+              <a:rPr lang="en-US" sz="1400" dirty="0" err="1"/>
+              <a:t>neka</a:t>
+            </a:r>
+            <a:r>
+              <a:rPr lang="en-US" sz="1400" dirty="0"/>
+              <a:t> </a:t>
+            </a:r>
+            <a:r>
+              <a:rPr lang="en-US" sz="1400" dirty="0" err="1"/>
+              <a:t>bude</a:t>
+            </a:r>
+            <a:r>
+              <a:rPr lang="en-US" sz="1400" dirty="0"/>
+              <a:t> u </a:t>
+            </a:r>
+            <a:r>
+              <a:rPr lang="en-US" sz="1400" b="1" dirty="0" err="1"/>
+              <a:t>internom</a:t>
+            </a:r>
+            <a:r>
+              <a:rPr lang="en-US" sz="1400" b="1" dirty="0"/>
+              <a:t> </a:t>
+            </a:r>
+            <a:r>
+              <a:rPr lang="en-US" sz="1400" dirty="0" err="1"/>
+              <a:t>js</a:t>
+            </a:r>
+            <a:r>
+              <a:rPr lang="en-US" sz="1400" dirty="0"/>
+              <a:t>-u.</a:t>
             </a:r>
             <a:endParaRPr lang="en-US" sz="1400" b="1" dirty="0"/>
           </a:p>
@@ -25284,7 +25523,7 @@
         <p:spPr>
           <a:xfrm>
             <a:off x="6690507" y="2044005"/>
-            <a:ext cx="4646427" cy="307777"/>
+            <a:ext cx="4646427" cy="954107"/>
           </a:xfrm>
           <a:prstGeom prst="rect">
             <a:avLst/>
@@ -25302,13 +25541,70 @@
               <a:t>✔ </a:t>
             </a:r>
             <a:r>
-              <a:rPr lang="hr-HR" sz="1400" dirty="0" err="1"/>
-              <a:t>Promeni</a:t>
-            </a:r>
+              <a:rPr lang="en-US" sz="1400" dirty="0" err="1"/>
+              <a:t>ispod</a:t>
+            </a:r>
+            <a:r>
+              <a:rPr lang="en-US" sz="1400" dirty="0"/>
+              <a:t> </a:t>
+            </a:r>
+            <a:r>
+              <a:rPr lang="en-US" sz="1400" dirty="0" err="1"/>
+              <a:t>naslova</a:t>
+            </a:r>
+            <a:r>
+              <a:rPr lang="en-US" sz="1400" dirty="0"/>
+              <a:t> </a:t>
+            </a:r>
+            <a:r>
+              <a:rPr lang="en-US" sz="1400" dirty="0" err="1"/>
+              <a:t>dodajte</a:t>
+            </a:r>
+            <a:r>
+              <a:rPr lang="en-US" sz="1400" dirty="0"/>
+              <a:t> link </a:t>
+            </a:r>
+            <a:r>
+              <a:rPr lang="en-US" sz="1400" dirty="0" err="1"/>
+              <a:t>na</a:t>
+            </a:r>
+            <a:r>
+              <a:rPr lang="en-US" sz="1400" dirty="0"/>
+              <a:t> </a:t>
+            </a:r>
+            <a:r>
+              <a:rPr lang="en-US" sz="1400" dirty="0" err="1"/>
+              <a:t>stranicu</a:t>
+            </a:r>
+            <a:r>
+              <a:rPr lang="en-US" sz="1400" dirty="0"/>
+              <a:t> google.com</a:t>
+            </a:r>
+          </a:p>
+          <a:p>
             <a:r>
               <a:rPr lang="hr-HR" sz="1400" dirty="0"/>
-              <a:t> boju Google linka pomoću JavaScript-a</a:t>
-            </a:r>
+              <a:t>✔ Prom</a:t>
+            </a:r>
+            <a:r>
+              <a:rPr lang="en-US" sz="1400" dirty="0"/>
+              <a:t>j</a:t>
+            </a:r>
+            <a:r>
+              <a:rPr lang="hr-HR" sz="1400" dirty="0"/>
+              <a:t>eni boju Google linka pomoću JavaScript-a</a:t>
+            </a:r>
+            <a:r>
+              <a:rPr lang="en-US" sz="1400" dirty="0"/>
+              <a:t> u </a:t>
+            </a:r>
+            <a:r>
+              <a:rPr lang="en-US" sz="1400" dirty="0" err="1"/>
+              <a:t>crvenu</a:t>
+            </a:r>
+            <a:endParaRPr lang="en-US" sz="1400" b="1" dirty="0"/>
+          </a:p>
+          <a:p>
             <a:endParaRPr lang="en-US" sz="1400" b="1" dirty="0"/>
           </a:p>
         </p:txBody>
@@ -25417,8 +25713,8 @@
         </p:nvSpPr>
         <p:spPr>
           <a:xfrm>
-            <a:off x="2194127" y="5111281"/>
-            <a:ext cx="8156170" cy="584775"/>
+            <a:off x="1465832" y="5111281"/>
+            <a:ext cx="8884465" cy="584775"/>
           </a:xfrm>
           <a:prstGeom prst="rect">
             <a:avLst/>
@@ -25436,26 +25732,81 @@
               <a:t>💡</a:t>
             </a:r>
             <a:r>
-              <a:rPr lang="hr-HR" sz="1600" b="1" dirty="0" err="1"/>
-              <a:t>querySelector</a:t>
-            </a:r>
-            <a:r>
               <a:rPr lang="hr-HR" sz="1600" b="1" dirty="0"/>
-              <a:t>() i </a:t>
-            </a:r>
-            <a:r>
-              <a:rPr lang="hr-HR" sz="1600" b="1" dirty="0" err="1"/>
-              <a:t>querySelectorAll</a:t>
-            </a:r>
-            <a:r>
-              <a:rPr lang="hr-HR" sz="1600" b="1" dirty="0"/>
-              <a:t>() </a:t>
+              <a:t>querySelector() i querySelectorAll() </a:t>
             </a:r>
             <a:r>
               <a:rPr lang="hr-HR" sz="1600" dirty="0"/>
               <a:t>su najmoćniji jer mogu selektirati ID, klase i tagove istovremeno.</a:t>
             </a:r>
-            <a:endParaRPr lang="en-US" sz="1600" dirty="0"/>
+            <a:r>
+              <a:rPr lang="en-US" sz="1600" dirty="0"/>
+              <a:t> Ovo cete </a:t>
+            </a:r>
+            <a:r>
+              <a:rPr lang="en-US" sz="1600" dirty="0" err="1"/>
+              <a:t>cesce</a:t>
+            </a:r>
+            <a:r>
+              <a:rPr lang="en-US" sz="1600" dirty="0"/>
+              <a:t> </a:t>
+            </a:r>
+            <a:r>
+              <a:rPr lang="en-US" sz="1600" dirty="0" err="1"/>
+              <a:t>vidjati</a:t>
+            </a:r>
+            <a:r>
+              <a:rPr lang="en-US" sz="1600" dirty="0"/>
+              <a:t> u </a:t>
+            </a:r>
+            <a:r>
+              <a:rPr lang="en-US" sz="1600" dirty="0" err="1"/>
+              <a:t>kodu</a:t>
+            </a:r>
+            <a:r>
+              <a:rPr lang="en-US" sz="1600" dirty="0"/>
+              <a:t>. Puno </a:t>
+            </a:r>
+            <a:r>
+              <a:rPr lang="en-US" sz="1600" dirty="0" err="1"/>
+              <a:t>su</a:t>
+            </a:r>
+            <a:r>
+              <a:rPr lang="en-US" sz="1600" dirty="0"/>
+              <a:t> </a:t>
+            </a:r>
+            <a:r>
+              <a:rPr lang="en-US" sz="1600" dirty="0" err="1"/>
+              <a:t>mocniji</a:t>
+            </a:r>
+            <a:r>
+              <a:rPr lang="en-US" sz="1600" dirty="0"/>
+              <a:t> I </a:t>
+            </a:r>
+            <a:r>
+              <a:rPr lang="en-US" sz="1600" dirty="0" err="1"/>
+              <a:t>opsirnije</a:t>
+            </a:r>
+            <a:r>
+              <a:rPr lang="en-US" sz="1600" dirty="0"/>
+              <a:t> </a:t>
+            </a:r>
+            <a:r>
+              <a:rPr lang="en-US" sz="1600" dirty="0" err="1"/>
+              <a:t>nego</a:t>
+            </a:r>
+            <a:r>
+              <a:rPr lang="en-US" sz="1600" dirty="0"/>
+              <a:t> </a:t>
+            </a:r>
+            <a:r>
+              <a:rPr lang="en-US" sz="1600" dirty="0" err="1"/>
+              <a:t>getElements</a:t>
+            </a:r>
+            <a:r>
+              <a:rPr lang="en-US" sz="1600" dirty="0"/>
+              <a:t>()</a:t>
+            </a:r>
           </a:p>
         </p:txBody>
       </p:sp>
@@ -25477,7 +25828,13 @@
   <p:cSld>
     <p:spTree>
       <p:nvGrpSpPr>
-        <p:cNvPr id="1" name=""/>
+        <p:cNvPr id="1" name="">
+          <a:extLst>
+            <a:ext uri="{FF2B5EF4-FFF2-40B4-BE49-F238E27FC236}">
+              <a16:creationId xmlns:a16="http://schemas.microsoft.com/office/drawing/2014/main" id="{7D4E8A6A-23FC-2689-A644-619B6BC19CA6}"/>
+            </a:ext>
+          </a:extLst>
+        </p:cNvPr>
         <p:cNvGrpSpPr/>
         <p:nvPr/>
       </p:nvGrpSpPr>
@@ -25491,10 +25848,10 @@
       </p:grpSpPr>
       <p:sp>
         <p:nvSpPr>
-          <p:cNvPr id="9" name="Title 1">
-            <a:extLst>
-              <a:ext uri="{FF2B5EF4-FFF2-40B4-BE49-F238E27FC236}">
-                <a16:creationId xmlns:a16="http://schemas.microsoft.com/office/drawing/2014/main" id="{790829E5-EBA7-C886-B214-68BC0C03E7DD}"/>
+          <p:cNvPr id="2" name="Title 1">
+            <a:extLst>
+              <a:ext uri="{FF2B5EF4-FFF2-40B4-BE49-F238E27FC236}">
+                <a16:creationId xmlns:a16="http://schemas.microsoft.com/office/drawing/2014/main" id="{109CA89D-2C53-6510-7179-FDBE6FC9CCB0}"/>
               </a:ext>
             </a:extLst>
           </p:cNvPr>
@@ -25502,31 +25859,17 @@
             <a:spLocks noGrp="1"/>
           </p:cNvSpPr>
           <p:nvPr>
-            <p:ph type="ctrTitle"/>
+            <p:ph type="title"/>
           </p:nvPr>
         </p:nvSpPr>
-        <p:spPr>
-          <a:xfrm>
-            <a:off x="1018954" y="929972"/>
-            <a:ext cx="9144000" cy="1013780"/>
-          </a:xfrm>
-        </p:spPr>
+        <p:spPr/>
         <p:txBody>
           <a:bodyPr/>
           <a:lstStyle/>
           <a:p>
-            <a:pPr algn="ctr"/>
             <a:r>
               <a:rPr lang="en-US" dirty="0"/>
-              <a:t>ZAVR</a:t>
-            </a:r>
-            <a:r>
-              <a:rPr lang="hr-HR" dirty="0"/>
-              <a:t>š</a:t>
-            </a:r>
-            <a:r>
-              <a:rPr lang="en-US" dirty="0"/>
-              <a:t>NA VJE</a:t>
+              <a:t>VJE</a:t>
             </a:r>
             <a:r>
               <a:rPr lang="hr-HR" dirty="0"/>
@@ -25542,10 +25885,10 @@
       </p:sp>
       <p:sp>
         <p:nvSpPr>
-          <p:cNvPr id="10" name="Text Placeholder 5">
-            <a:extLst>
-              <a:ext uri="{FF2B5EF4-FFF2-40B4-BE49-F238E27FC236}">
-                <a16:creationId xmlns:a16="http://schemas.microsoft.com/office/drawing/2014/main" id="{5B54BBB0-24C3-34EA-BD12-D41BA8DAB951}"/>
+          <p:cNvPr id="6" name="Text Placeholder 5">
+            <a:extLst>
+              <a:ext uri="{FF2B5EF4-FFF2-40B4-BE49-F238E27FC236}">
+                <a16:creationId xmlns:a16="http://schemas.microsoft.com/office/drawing/2014/main" id="{ED910D2B-7A28-6B03-45F9-E0AE69B933AC}"/>
               </a:ext>
             </a:extLst>
           </p:cNvPr>
@@ -25553,147 +25896,801 @@
             <a:spLocks noGrp="1"/>
           </p:cNvSpPr>
           <p:nvPr>
-            <p:ph type="subTitle" idx="1"/>
+            <p:ph type="body" sz="half" idx="2"/>
           </p:nvPr>
         </p:nvSpPr>
-        <p:spPr>
-          <a:xfrm>
-            <a:off x="1061483" y="2213231"/>
-            <a:ext cx="9144000" cy="1492216"/>
-          </a:xfrm>
-        </p:spPr>
+        <p:spPr/>
         <p:txBody>
           <a:bodyPr>
-            <a:noAutofit/>
+            <a:normAutofit fontScale="85000" lnSpcReduction="20000"/>
           </a:bodyPr>
           <a:lstStyle/>
           <a:p>
-            <a:r>
-              <a:rPr lang="hr-HR" sz="1200" b="1" dirty="0"/>
-              <a:t>Zadatak: </a:t>
-            </a:r>
-            <a:r>
-              <a:rPr lang="en-US" sz="1200" b="1" dirty="0" err="1"/>
-              <a:t>dodajte</a:t>
-            </a:r>
-            <a:r>
-              <a:rPr lang="en-US" sz="1200" b="1" dirty="0"/>
+            <a:pPr marL="285750" indent="-285750">
+              <a:buFontTx/>
+              <a:buChar char="-"/>
+            </a:pPr>
+            <a:r>
+              <a:rPr lang="en-US" dirty="0"/>
+              <a:t>- </a:t>
+            </a:r>
+            <a:r>
+              <a:rPr lang="en-US" dirty="0" err="1"/>
+              <a:t>Preuzmite</a:t>
+            </a:r>
+            <a:r>
+              <a:rPr lang="en-US" dirty="0"/>
+              <a:t> .zip </a:t>
+            </a:r>
+            <a:r>
+              <a:rPr lang="en-US" dirty="0" err="1"/>
+              <a:t>fajl</a:t>
+            </a:r>
+            <a:r>
+              <a:rPr lang="en-US" dirty="0"/>
               <a:t> </a:t>
             </a:r>
             <a:r>
-              <a:rPr lang="en-US" sz="1200" b="1" dirty="0" err="1"/>
-              <a:t>interaktivnost</a:t>
-            </a:r>
-            <a:r>
-              <a:rPr lang="en-US" sz="1200" b="1" dirty="0"/>
+              <a:rPr lang="en-US" dirty="0" err="1"/>
+              <a:t>sa</a:t>
+            </a:r>
+            <a:r>
+              <a:rPr lang="en-US" dirty="0"/>
               <a:t> </a:t>
             </a:r>
             <a:r>
-              <a:rPr lang="en-US" sz="1200" b="1" dirty="0" err="1"/>
-              <a:t>svom</a:t>
-            </a:r>
-            <a:r>
-              <a:rPr lang="en-US" sz="1200" b="1" dirty="0"/>
-              <a:t> video </a:t>
-            </a:r>
-            <a:r>
-              <a:rPr lang="en-US" sz="1200" b="1" dirty="0" err="1"/>
-              <a:t>klub</a:t>
-            </a:r>
-            <a:r>
-              <a:rPr lang="en-US" sz="1200" b="1" dirty="0"/>
+              <a:rPr lang="en-US" dirty="0" err="1"/>
+              <a:t>osnovnim</a:t>
+            </a:r>
+            <a:r>
+              <a:rPr lang="en-US" dirty="0"/>
               <a:t> </a:t>
             </a:r>
             <a:r>
-              <a:rPr lang="en-US" sz="1200" b="1" dirty="0" err="1"/>
-              <a:t>sajtu</a:t>
-            </a:r>
-            <a:endParaRPr lang="hr-HR" sz="1200" b="1" dirty="0"/>
-          </a:p>
-          <a:p>
-            <a:r>
-              <a:rPr lang="hr-HR" sz="1200" b="1" dirty="0"/>
-              <a:t>Cilj:</a:t>
-            </a:r>
-            <a:endParaRPr lang="hr-HR" sz="1200" dirty="0"/>
-          </a:p>
-          <a:p>
-            <a:pPr>
-              <a:buFont typeface="Arial" panose="020B0604020202020204" pitchFamily="34" charset="0"/>
-              <a:buChar char="•"/>
+              <a:rPr lang="en-US" dirty="0" err="1"/>
+              <a:t>skeletonom</a:t>
+            </a:r>
+            <a:r>
+              <a:rPr lang="en-US" dirty="0"/>
+              <a:t> </a:t>
+            </a:r>
+            <a:r>
+              <a:rPr lang="en-US" dirty="0" err="1"/>
+              <a:t>websajta</a:t>
+            </a:r>
+            <a:r>
+              <a:rPr lang="en-US" dirty="0"/>
+              <a:t> za casino </a:t>
+            </a:r>
+            <a:r>
+              <a:rPr lang="en-US" dirty="0" err="1"/>
+              <a:t>igru</a:t>
+            </a:r>
+            <a:endParaRPr lang="en-US" dirty="0"/>
+          </a:p>
+          <a:p>
+            <a:pPr marL="285750" indent="-285750">
+              <a:buFontTx/>
+              <a:buChar char="-"/>
             </a:pPr>
             <a:r>
-              <a:rPr lang="en-US" sz="1200" dirty="0"/>
+              <a:rPr lang="en-US" dirty="0"/>
+              <a:t>- Na </a:t>
+            </a:r>
+            <a:r>
+              <a:rPr lang="en-US" dirty="0" err="1"/>
+              <a:t>vrhu</a:t>
+            </a:r>
+            <a:r>
+              <a:rPr lang="en-US" dirty="0"/>
+              <a:t> </a:t>
+            </a:r>
+            <a:r>
+              <a:rPr lang="en-US" dirty="0" err="1"/>
+              <a:t>stranice</a:t>
+            </a:r>
+            <a:r>
+              <a:rPr lang="en-US" dirty="0"/>
+              <a:t> h1 </a:t>
+            </a:r>
+            <a:r>
+              <a:rPr lang="en-US" dirty="0" err="1"/>
+              <a:t>naslov</a:t>
+            </a:r>
+            <a:r>
+              <a:rPr lang="en-US" dirty="0"/>
+              <a:t>: “Refresh Me”. </a:t>
+            </a:r>
+            <a:r>
+              <a:rPr lang="en-US" b="1" dirty="0"/>
+              <a:t>Font-family - Lobster</a:t>
+            </a:r>
+          </a:p>
+          <a:p>
+            <a:pPr marL="285750" indent="-285750">
+              <a:buFontTx/>
+              <a:buChar char="-"/>
+            </a:pPr>
+            <a:r>
+              <a:rPr lang="en-US" dirty="0"/>
               <a:t>- </a:t>
             </a:r>
             <a:r>
-              <a:rPr lang="en-US" sz="1200" dirty="0" err="1"/>
-              <a:t>dodati</a:t>
-            </a:r>
-            <a:r>
-              <a:rPr lang="en-US" sz="1200" dirty="0"/>
+              <a:rPr lang="en-US" dirty="0" err="1"/>
+              <a:t>Ispod</a:t>
+            </a:r>
+            <a:r>
+              <a:rPr lang="en-US" dirty="0"/>
               <a:t> </a:t>
             </a:r>
             <a:r>
-              <a:rPr lang="en-US" sz="1200" dirty="0" err="1"/>
-              <a:t>funkcinalnost</a:t>
-            </a:r>
-            <a:r>
-              <a:rPr lang="en-US" sz="1200" dirty="0"/>
+              <a:rPr lang="en-US" dirty="0" err="1"/>
+              <a:t>naslova</a:t>
+            </a:r>
+            <a:r>
+              <a:rPr lang="en-US" dirty="0"/>
               <a:t> </a:t>
             </a:r>
             <a:r>
-              <a:rPr lang="en-US" sz="1200" dirty="0" err="1"/>
+              <a:rPr lang="en-US" dirty="0" err="1"/>
+              <a:t>dva</a:t>
+            </a:r>
+            <a:r>
+              <a:rPr lang="en-US" dirty="0"/>
+              <a:t> </a:t>
+            </a:r>
+            <a:r>
+              <a:rPr lang="en-US" dirty="0" err="1"/>
+              <a:t>odjeljka</a:t>
+            </a:r>
+            <a:r>
+              <a:rPr lang="en-US" dirty="0"/>
+              <a:t>: “Player 1” </a:t>
+            </a:r>
+            <a:r>
+              <a:rPr lang="en-US" dirty="0" err="1"/>
+              <a:t>i</a:t>
+            </a:r>
+            <a:r>
+              <a:rPr lang="en-US" dirty="0"/>
+              <a:t> “Player 2”, </a:t>
+            </a:r>
+            <a:r>
+              <a:rPr lang="en-US" dirty="0" err="1"/>
+              <a:t>svaki</a:t>
+            </a:r>
+            <a:r>
+              <a:rPr lang="en-US" dirty="0"/>
+              <a:t> </a:t>
+            </a:r>
+            <a:r>
+              <a:rPr lang="en-US" dirty="0" err="1"/>
+              <a:t>sa</a:t>
+            </a:r>
+            <a:r>
+              <a:rPr lang="en-US" dirty="0"/>
+              <a:t> </a:t>
+            </a:r>
+            <a:r>
+              <a:rPr lang="en-US" dirty="0" err="1"/>
+              <a:t>slikom</a:t>
+            </a:r>
+            <a:r>
+              <a:rPr lang="en-US" dirty="0"/>
+              <a:t> </a:t>
+            </a:r>
+            <a:r>
+              <a:rPr lang="en-US" dirty="0" err="1"/>
+              <a:t>kocke</a:t>
+            </a:r>
+            <a:r>
+              <a:rPr lang="en-US" dirty="0"/>
+              <a:t>. </a:t>
+            </a:r>
+            <a:r>
+              <a:rPr lang="en-US" b="1" dirty="0"/>
+              <a:t>font-family Indie flower</a:t>
+            </a:r>
+          </a:p>
+          <a:p>
+            <a:pPr marL="285750" indent="-285750">
+              <a:buFontTx/>
+              <a:buChar char="-"/>
+            </a:pPr>
+            <a:r>
+              <a:rPr lang="en-US" b="1" dirty="0"/>
+              <a:t>- </a:t>
+            </a:r>
+            <a:r>
+              <a:rPr lang="en-US" dirty="0"/>
+              <a:t>Footer</a:t>
+            </a:r>
+            <a:r>
+              <a:rPr lang="en-US" b="1" dirty="0"/>
+              <a:t> font-family Indie flower</a:t>
+            </a:r>
+          </a:p>
+          <a:p>
+            <a:pPr marL="285750" indent="-285750">
+              <a:buFontTx/>
+              <a:buChar char="-"/>
+            </a:pPr>
+            <a:r>
+              <a:rPr lang="en-US" dirty="0"/>
+              <a:t>- Pri </a:t>
+            </a:r>
+            <a:r>
+              <a:rPr lang="en-US" dirty="0" err="1"/>
+              <a:t>svakom</a:t>
+            </a:r>
+            <a:r>
+              <a:rPr lang="en-US" dirty="0"/>
+              <a:t> </a:t>
+            </a:r>
+            <a:r>
+              <a:rPr lang="en-US" dirty="0" err="1"/>
+              <a:t>osvježavanju</a:t>
+            </a:r>
+            <a:r>
+              <a:rPr lang="en-US" dirty="0"/>
+              <a:t> </a:t>
+            </a:r>
+            <a:r>
+              <a:rPr lang="en-US" dirty="0" err="1"/>
+              <a:t>stranice</a:t>
+            </a:r>
+            <a:r>
+              <a:rPr lang="en-US" dirty="0"/>
+              <a:t> (reload) </a:t>
+            </a:r>
+            <a:r>
+              <a:rPr lang="en-US" dirty="0" err="1"/>
+              <a:t>kocke</a:t>
+            </a:r>
+            <a:r>
+              <a:rPr lang="en-US" dirty="0"/>
+              <a:t> se </a:t>
+            </a:r>
+            <a:r>
+              <a:rPr lang="en-US" dirty="0" err="1"/>
+              <a:t>nasumično</a:t>
+            </a:r>
+            <a:r>
+              <a:rPr lang="en-US" dirty="0"/>
+              <a:t> “</a:t>
+            </a:r>
+            <a:r>
+              <a:rPr lang="en-US" dirty="0" err="1"/>
+              <a:t>bacaju</a:t>
+            </a:r>
+            <a:r>
+              <a:rPr lang="en-US" dirty="0"/>
+              <a:t>” – </a:t>
+            </a:r>
+            <a:r>
+              <a:rPr lang="en-US" dirty="0" err="1"/>
+              <a:t>mijenjaju</a:t>
+            </a:r>
+            <a:r>
+              <a:rPr lang="en-US" dirty="0"/>
+              <a:t> se </a:t>
+            </a:r>
+            <a:r>
+              <a:rPr lang="en-US" dirty="0" err="1"/>
+              <a:t>njihove</a:t>
+            </a:r>
+            <a:r>
+              <a:rPr lang="en-US" dirty="0"/>
+              <a:t> </a:t>
+            </a:r>
+            <a:r>
+              <a:rPr lang="en-US" dirty="0" err="1"/>
+              <a:t>vrijednosti</a:t>
+            </a:r>
+            <a:r>
+              <a:rPr lang="en-US" dirty="0"/>
+              <a:t> (1–6).</a:t>
+            </a:r>
+          </a:p>
+          <a:p>
+            <a:pPr marL="285750" indent="-285750">
+              <a:buFontTx/>
+              <a:buChar char="-"/>
+            </a:pPr>
+            <a:r>
+              <a:rPr lang="en-US" dirty="0"/>
+              <a:t>- Na </a:t>
+            </a:r>
+            <a:r>
+              <a:rPr lang="en-US" dirty="0" err="1"/>
+              <a:t>temelju</a:t>
+            </a:r>
+            <a:r>
+              <a:rPr lang="en-US" dirty="0"/>
+              <a:t> </a:t>
+            </a:r>
+            <a:r>
+              <a:rPr lang="en-US" dirty="0" err="1"/>
+              <a:t>većeg</a:t>
+            </a:r>
+            <a:r>
+              <a:rPr lang="en-US" dirty="0"/>
+              <a:t> </a:t>
+            </a:r>
+            <a:r>
+              <a:rPr lang="en-US" dirty="0" err="1"/>
+              <a:t>broja</a:t>
+            </a:r>
+            <a:r>
+              <a:rPr lang="en-US" dirty="0"/>
+              <a:t> </a:t>
+            </a:r>
+            <a:r>
+              <a:rPr lang="en-US" dirty="0" err="1"/>
               <a:t>na</a:t>
             </a:r>
             <a:r>
-              <a:rPr lang="en-US" sz="1200" dirty="0"/>
+              <a:rPr lang="en-US" dirty="0"/>
               <a:t> </a:t>
             </a:r>
             <a:r>
-              <a:rPr lang="en-US" sz="1200" dirty="0" err="1"/>
-              <a:t>klik</a:t>
-            </a:r>
-            <a:r>
-              <a:rPr lang="en-US" sz="1200" dirty="0"/>
+              <a:rPr lang="en-US" dirty="0" err="1"/>
+              <a:t>kocki</a:t>
+            </a:r>
+            <a:r>
+              <a:rPr lang="en-US" dirty="0"/>
               <a:t> </a:t>
             </a:r>
             <a:r>
-              <a:rPr lang="en-US" sz="1200" dirty="0" err="1"/>
-              <a:t>kategorije</a:t>
-            </a:r>
-            <a:r>
-              <a:rPr lang="en-US" sz="1200" dirty="0"/>
-              <a:t> da </a:t>
-            </a:r>
-            <a:r>
-              <a:rPr lang="en-US" sz="1200" dirty="0" err="1"/>
-              <a:t>izadje</a:t>
-            </a:r>
-            <a:r>
-              <a:rPr lang="en-US" sz="1200" dirty="0"/>
+              <a:rPr lang="en-US" dirty="0" err="1"/>
+              <a:t>stranica</a:t>
+            </a:r>
+            <a:r>
+              <a:rPr lang="en-US" dirty="0"/>
               <a:t> </a:t>
             </a:r>
             <a:r>
-              <a:rPr lang="en-US" sz="1200" dirty="0" err="1"/>
-              <a:t>padajuci</a:t>
-            </a:r>
-            <a:r>
-              <a:rPr lang="en-US" sz="1200" dirty="0"/>
+              <a:rPr lang="en-US" dirty="0" err="1"/>
+              <a:t>ispisuje</a:t>
+            </a:r>
+            <a:r>
+              <a:rPr lang="en-US" dirty="0"/>
               <a:t> </a:t>
             </a:r>
             <a:r>
-              <a:rPr lang="en-US" sz="1200" dirty="0" err="1"/>
-              <a:t>meni</a:t>
-            </a:r>
-            <a:endParaRPr lang="en-US" sz="1200" dirty="0"/>
-          </a:p>
-        </p:txBody>
-      </p:sp>
+              <a:rPr lang="en-US" dirty="0" err="1"/>
+              <a:t>pobjednika</a:t>
+            </a:r>
+            <a:r>
+              <a:rPr lang="en-US" dirty="0"/>
+              <a:t> (“Player 1 Wins!”, “Player 2 Wins!” </a:t>
+            </a:r>
+            <a:r>
+              <a:rPr lang="en-US" dirty="0" err="1"/>
+              <a:t>ili</a:t>
+            </a:r>
+            <a:r>
+              <a:rPr lang="en-US" dirty="0"/>
+              <a:t> </a:t>
+            </a:r>
+            <a:r>
+              <a:rPr lang="en-US" dirty="0" err="1"/>
+              <a:t>neriješeno</a:t>
+            </a:r>
+            <a:r>
+              <a:rPr lang="en-US" dirty="0"/>
+              <a:t>).</a:t>
+            </a:r>
+          </a:p>
+          <a:p>
+            <a:pPr marL="285750" indent="-285750">
+              <a:buFontTx/>
+              <a:buChar char="-"/>
+            </a:pPr>
+            <a:endParaRPr lang="hr-HR" dirty="0"/>
+          </a:p>
+        </p:txBody>
+      </p:sp>
+      <p:pic>
+        <p:nvPicPr>
+          <p:cNvPr id="8" name="Picture 7">
+            <a:extLst>
+              <a:ext uri="{FF2B5EF4-FFF2-40B4-BE49-F238E27FC236}">
+                <a16:creationId xmlns:a16="http://schemas.microsoft.com/office/drawing/2014/main" id="{9D4F1ADC-CA49-30F5-6FE7-FBE51DE46BAE}"/>
+              </a:ext>
+            </a:extLst>
+          </p:cNvPr>
+          <p:cNvPicPr>
+            <a:picLocks noChangeAspect="1"/>
+          </p:cNvPicPr>
+          <p:nvPr/>
+        </p:nvPicPr>
+        <p:blipFill>
+          <a:blip r:embed="rId3"/>
+          <a:stretch>
+            <a:fillRect/>
+          </a:stretch>
+        </p:blipFill>
+        <p:spPr>
+          <a:xfrm>
+            <a:off x="6229962" y="437378"/>
+            <a:ext cx="5196322" cy="5706944"/>
+          </a:xfrm>
+          <a:prstGeom prst="rect">
+            <a:avLst/>
+          </a:prstGeom>
+        </p:spPr>
+      </p:pic>
     </p:spTree>
     <p:extLst>
       <p:ext uri="{BB962C8B-B14F-4D97-AF65-F5344CB8AC3E}">
-        <p14:creationId xmlns:p14="http://schemas.microsoft.com/office/powerpoint/2010/main" val="3533409194"/>
+        <p14:creationId xmlns:p14="http://schemas.microsoft.com/office/powerpoint/2010/main" val="1105035701"/>
+      </p:ext>
+    </p:extLst>
+  </p:cSld>
+  <p:clrMapOvr>
+    <a:masterClrMapping/>
+  </p:clrMapOvr>
+</p:sld>
+</file>
+
+<file path=ppt/slides/slide36.xml><?xml version="1.0" encoding="utf-8"?>
+<p:sld xmlns:a="http://schemas.openxmlformats.org/drawingml/2006/main" xmlns:r="http://schemas.openxmlformats.org/officeDocument/2006/relationships" xmlns:p="http://schemas.openxmlformats.org/presentationml/2006/main">
+  <p:cSld>
+    <p:spTree>
+      <p:nvGrpSpPr>
+        <p:cNvPr id="1" name="">
+          <a:extLst>
+            <a:ext uri="{FF2B5EF4-FFF2-40B4-BE49-F238E27FC236}">
+              <a16:creationId xmlns:a16="http://schemas.microsoft.com/office/drawing/2014/main" id="{FF9060FB-6CBF-BB25-E074-FDF012E16035}"/>
+            </a:ext>
+          </a:extLst>
+        </p:cNvPr>
+        <p:cNvGrpSpPr/>
+        <p:nvPr/>
+      </p:nvGrpSpPr>
+      <p:grpSpPr>
+        <a:xfrm>
+          <a:off x="0" y="0"/>
+          <a:ext cx="0" cy="0"/>
+          <a:chOff x="0" y="0"/>
+          <a:chExt cx="0" cy="0"/>
+        </a:xfrm>
+      </p:grpSpPr>
+      <p:sp>
+        <p:nvSpPr>
+          <p:cNvPr id="4" name="Title 1">
+            <a:extLst>
+              <a:ext uri="{FF2B5EF4-FFF2-40B4-BE49-F238E27FC236}">
+                <a16:creationId xmlns:a16="http://schemas.microsoft.com/office/drawing/2014/main" id="{DF6B127C-EE1F-BE98-CDE2-4826BDCEB58D}"/>
+              </a:ext>
+            </a:extLst>
+          </p:cNvPr>
+          <p:cNvSpPr txBox="1">
+            <a:spLocks/>
+          </p:cNvSpPr>
+          <p:nvPr/>
+        </p:nvSpPr>
+        <p:spPr>
+          <a:xfrm>
+            <a:off x="990600" y="383056"/>
+            <a:ext cx="10515600" cy="853976"/>
+          </a:xfrm>
+          <a:prstGeom prst="rect">
+            <a:avLst/>
+          </a:prstGeom>
+        </p:spPr>
+        <p:txBody>
+          <a:bodyPr vert="horz" lIns="91440" tIns="45720" rIns="91440" bIns="45720" rtlCol="0" anchor="ctr">
+            <a:normAutofit/>
+          </a:bodyPr>
+          <a:lstStyle>
+            <a:lvl1pPr algn="l" defTabSz="914400" rtl="0" eaLnBrk="1" latinLnBrk="0" hangingPunct="1">
+              <a:lnSpc>
+                <a:spcPct val="90000"/>
+              </a:lnSpc>
+              <a:spcBef>
+                <a:spcPct val="0"/>
+              </a:spcBef>
+              <a:buNone/>
+              <a:defRPr sz="3600" b="1" i="0" kern="1200" cap="all" baseline="0">
+                <a:solidFill>
+                  <a:schemeClr val="tx2"/>
+                </a:solidFill>
+                <a:latin typeface="+mj-lt"/>
+                <a:ea typeface="Open Sans Semibold" panose="020B0606030504020204" pitchFamily="34" charset="0"/>
+                <a:cs typeface="Open Sans Semibold" panose="020B0606030504020204" pitchFamily="34" charset="0"/>
+              </a:defRPr>
+            </a:lvl1pPr>
+          </a:lstStyle>
+          <a:p>
+            <a:r>
+              <a:rPr lang="hr-HR" dirty="0"/>
+              <a:t>JavaScript</a:t>
+            </a:r>
+            <a:r>
+              <a:rPr lang="en-US" dirty="0"/>
+              <a:t> – EVENT LISTENERS</a:t>
+            </a:r>
+            <a:endParaRPr lang="hr-HR" dirty="0"/>
+          </a:p>
+        </p:txBody>
+      </p:sp>
+      <p:sp>
+        <p:nvSpPr>
+          <p:cNvPr id="14" name="Title 1">
+            <a:extLst>
+              <a:ext uri="{FF2B5EF4-FFF2-40B4-BE49-F238E27FC236}">
+                <a16:creationId xmlns:a16="http://schemas.microsoft.com/office/drawing/2014/main" id="{43329BE1-90FE-F965-D983-BEB25D65A35C}"/>
+              </a:ext>
+            </a:extLst>
+          </p:cNvPr>
+          <p:cNvSpPr txBox="1">
+            <a:spLocks/>
+          </p:cNvSpPr>
+          <p:nvPr/>
+        </p:nvSpPr>
+        <p:spPr>
+          <a:xfrm>
+            <a:off x="6651210" y="1401091"/>
+            <a:ext cx="5328139" cy="853976"/>
+          </a:xfrm>
+          <a:prstGeom prst="rect">
+            <a:avLst/>
+          </a:prstGeom>
+        </p:spPr>
+        <p:txBody>
+          <a:bodyPr vert="horz" lIns="91440" tIns="45720" rIns="91440" bIns="45720" rtlCol="0" anchor="ctr">
+            <a:normAutofit/>
+          </a:bodyPr>
+          <a:lstStyle>
+            <a:lvl1pPr algn="l" defTabSz="914400" rtl="0" eaLnBrk="1" latinLnBrk="0" hangingPunct="1">
+              <a:lnSpc>
+                <a:spcPct val="90000"/>
+              </a:lnSpc>
+              <a:spcBef>
+                <a:spcPct val="0"/>
+              </a:spcBef>
+              <a:buNone/>
+              <a:defRPr sz="3600" b="1" i="0" kern="1200" cap="all" baseline="0">
+                <a:solidFill>
+                  <a:schemeClr val="tx2"/>
+                </a:solidFill>
+                <a:latin typeface="+mj-lt"/>
+                <a:ea typeface="Open Sans Semibold" panose="020B0606030504020204" pitchFamily="34" charset="0"/>
+                <a:cs typeface="Open Sans Semibold" panose="020B0606030504020204" pitchFamily="34" charset="0"/>
+              </a:defRPr>
+            </a:lvl1pPr>
+          </a:lstStyle>
+          <a:p>
+            <a:r>
+              <a:rPr lang="en-US" sz="1600" dirty="0"/>
+              <a:t>VJEZBA</a:t>
+            </a:r>
+            <a:endParaRPr lang="hr-HR" sz="1600" dirty="0">
+              <a:solidFill>
+                <a:schemeClr val="accent3"/>
+              </a:solidFill>
+            </a:endParaRPr>
+          </a:p>
+        </p:txBody>
+      </p:sp>
+      <p:sp>
+        <p:nvSpPr>
+          <p:cNvPr id="16" name="TextBox 15">
+            <a:extLst>
+              <a:ext uri="{FF2B5EF4-FFF2-40B4-BE49-F238E27FC236}">
+                <a16:creationId xmlns:a16="http://schemas.microsoft.com/office/drawing/2014/main" id="{9D59F3FA-037C-0A01-6ECC-0FCC96C4721E}"/>
+              </a:ext>
+            </a:extLst>
+          </p:cNvPr>
+          <p:cNvSpPr txBox="1"/>
+          <p:nvPr/>
+        </p:nvSpPr>
+        <p:spPr>
+          <a:xfrm>
+            <a:off x="6690507" y="2044005"/>
+            <a:ext cx="4646427" cy="954107"/>
+          </a:xfrm>
+          <a:prstGeom prst="rect">
+            <a:avLst/>
+          </a:prstGeom>
+          <a:noFill/>
+        </p:spPr>
+        <p:txBody>
+          <a:bodyPr wrap="square">
+            <a:spAutoFit/>
+          </a:bodyPr>
+          <a:lstStyle/>
+          <a:p>
+            <a:r>
+              <a:rPr lang="hr-HR" sz="1400" dirty="0"/>
+              <a:t>✔ </a:t>
+            </a:r>
+            <a:r>
+              <a:rPr lang="en-US" sz="1400" dirty="0" err="1"/>
+              <a:t>ispod</a:t>
+            </a:r>
+            <a:r>
+              <a:rPr lang="en-US" sz="1400" dirty="0"/>
+              <a:t> </a:t>
+            </a:r>
+            <a:r>
+              <a:rPr lang="en-US" sz="1400" dirty="0" err="1"/>
+              <a:t>naslova</a:t>
+            </a:r>
+            <a:r>
+              <a:rPr lang="en-US" sz="1400" dirty="0"/>
+              <a:t> </a:t>
+            </a:r>
+            <a:r>
+              <a:rPr lang="en-US" sz="1400" dirty="0" err="1"/>
+              <a:t>dodajte</a:t>
+            </a:r>
+            <a:r>
+              <a:rPr lang="en-US" sz="1400" dirty="0"/>
+              <a:t> link </a:t>
+            </a:r>
+            <a:r>
+              <a:rPr lang="en-US" sz="1400" dirty="0" err="1"/>
+              <a:t>na</a:t>
+            </a:r>
+            <a:r>
+              <a:rPr lang="en-US" sz="1400" dirty="0"/>
+              <a:t> </a:t>
+            </a:r>
+            <a:r>
+              <a:rPr lang="en-US" sz="1400" dirty="0" err="1"/>
+              <a:t>stranicu</a:t>
+            </a:r>
+            <a:r>
+              <a:rPr lang="en-US" sz="1400" dirty="0"/>
+              <a:t> google.com</a:t>
+            </a:r>
+          </a:p>
+          <a:p>
+            <a:r>
+              <a:rPr lang="hr-HR" sz="1400" dirty="0"/>
+              <a:t>✔ Prom</a:t>
+            </a:r>
+            <a:r>
+              <a:rPr lang="en-US" sz="1400" dirty="0"/>
+              <a:t>j</a:t>
+            </a:r>
+            <a:r>
+              <a:rPr lang="hr-HR" sz="1400" dirty="0"/>
+              <a:t>eni boju Google linka pomoću JavaScript-a</a:t>
+            </a:r>
+            <a:r>
+              <a:rPr lang="en-US" sz="1400" dirty="0"/>
+              <a:t> u </a:t>
+            </a:r>
+            <a:r>
+              <a:rPr lang="en-US" sz="1400" dirty="0" err="1"/>
+              <a:t>crvenu</a:t>
+            </a:r>
+            <a:endParaRPr lang="en-US" sz="1400" b="1" dirty="0"/>
+          </a:p>
+          <a:p>
+            <a:endParaRPr lang="en-US" sz="1400" b="1" dirty="0"/>
+          </a:p>
+        </p:txBody>
+      </p:sp>
+      <p:sp>
+        <p:nvSpPr>
+          <p:cNvPr id="17" name="TextBox 16">
+            <a:extLst>
+              <a:ext uri="{FF2B5EF4-FFF2-40B4-BE49-F238E27FC236}">
+                <a16:creationId xmlns:a16="http://schemas.microsoft.com/office/drawing/2014/main" id="{C76DF794-EC26-7A4A-5DFD-80F87D76AF51}"/>
+              </a:ext>
+            </a:extLst>
+          </p:cNvPr>
+          <p:cNvSpPr txBox="1"/>
+          <p:nvPr/>
+        </p:nvSpPr>
+        <p:spPr>
+          <a:xfrm>
+            <a:off x="1465832" y="5111281"/>
+            <a:ext cx="8884465" cy="584775"/>
+          </a:xfrm>
+          <a:prstGeom prst="rect">
+            <a:avLst/>
+          </a:prstGeom>
+          <a:noFill/>
+        </p:spPr>
+        <p:txBody>
+          <a:bodyPr wrap="square">
+            <a:spAutoFit/>
+          </a:bodyPr>
+          <a:lstStyle/>
+          <a:p>
+            <a:r>
+              <a:rPr lang="hr-HR" sz="1600" dirty="0"/>
+              <a:t>💡</a:t>
+            </a:r>
+            <a:r>
+              <a:rPr lang="hr-HR" sz="1600" b="1" dirty="0"/>
+              <a:t>querySelector() i querySelectorAll() </a:t>
+            </a:r>
+            <a:r>
+              <a:rPr lang="hr-HR" sz="1600" dirty="0"/>
+              <a:t>su najmoćniji jer mogu selektirati ID, klase i tagove istovremeno.</a:t>
+            </a:r>
+            <a:r>
+              <a:rPr lang="en-US" sz="1600" dirty="0"/>
+              <a:t> Ovo cete </a:t>
+            </a:r>
+            <a:r>
+              <a:rPr lang="en-US" sz="1600" dirty="0" err="1"/>
+              <a:t>cesce</a:t>
+            </a:r>
+            <a:r>
+              <a:rPr lang="en-US" sz="1600" dirty="0"/>
+              <a:t> </a:t>
+            </a:r>
+            <a:r>
+              <a:rPr lang="en-US" sz="1600" dirty="0" err="1"/>
+              <a:t>vidjati</a:t>
+            </a:r>
+            <a:r>
+              <a:rPr lang="en-US" sz="1600" dirty="0"/>
+              <a:t> u </a:t>
+            </a:r>
+            <a:r>
+              <a:rPr lang="en-US" sz="1600" dirty="0" err="1"/>
+              <a:t>kodu</a:t>
+            </a:r>
+            <a:r>
+              <a:rPr lang="en-US" sz="1600" dirty="0"/>
+              <a:t>. Puno </a:t>
+            </a:r>
+            <a:r>
+              <a:rPr lang="en-US" sz="1600" dirty="0" err="1"/>
+              <a:t>su</a:t>
+            </a:r>
+            <a:r>
+              <a:rPr lang="en-US" sz="1600" dirty="0"/>
+              <a:t> </a:t>
+            </a:r>
+            <a:r>
+              <a:rPr lang="en-US" sz="1600" dirty="0" err="1"/>
+              <a:t>mocniji</a:t>
+            </a:r>
+            <a:r>
+              <a:rPr lang="en-US" sz="1600" dirty="0"/>
+              <a:t> I </a:t>
+            </a:r>
+            <a:r>
+              <a:rPr lang="en-US" sz="1600" dirty="0" err="1"/>
+              <a:t>opsirnije</a:t>
+            </a:r>
+            <a:r>
+              <a:rPr lang="en-US" sz="1600" dirty="0"/>
+              <a:t> </a:t>
+            </a:r>
+            <a:r>
+              <a:rPr lang="en-US" sz="1600" dirty="0" err="1"/>
+              <a:t>nego</a:t>
+            </a:r>
+            <a:r>
+              <a:rPr lang="en-US" sz="1600" dirty="0"/>
+              <a:t> </a:t>
+            </a:r>
+            <a:r>
+              <a:rPr lang="en-US" sz="1600" dirty="0" err="1"/>
+              <a:t>getElements</a:t>
+            </a:r>
+            <a:r>
+              <a:rPr lang="en-US" sz="1600" dirty="0"/>
+              <a:t>()</a:t>
+            </a:r>
+          </a:p>
+        </p:txBody>
+      </p:sp>
+    </p:spTree>
+    <p:extLst>
+      <p:ext uri="{BB962C8B-B14F-4D97-AF65-F5344CB8AC3E}">
+        <p14:creationId xmlns:p14="http://schemas.microsoft.com/office/powerpoint/2010/main" val="2492456155"/>
       </p:ext>
     </p:extLst>
   </p:cSld>
@@ -28994,14 +29991,12 @@
 </file>
 
 <file path=customXml/item1.xml><?xml version="1.0" encoding="utf-8"?>
-<p:properties xmlns:p="http://schemas.microsoft.com/office/2006/metadata/properties" xmlns:xsi="http://www.w3.org/2001/XMLSchema-instance" xmlns:pc="http://schemas.microsoft.com/office/infopath/2007/PartnerControls">
-  <documentManagement>
-    <lcf76f155ced4ddcb4097134ff3c332f xmlns="40806f44-bc4a-4ea4-b660-c6da93f8f179">
-      <Terms xmlns="http://schemas.microsoft.com/office/infopath/2007/PartnerControls"/>
-    </lcf76f155ced4ddcb4097134ff3c332f>
-    <TaxCatchAll xmlns="758d0d8f-b783-4c78-ab73-9740c97b97cf" xsi:nil="true"/>
-  </documentManagement>
-</p:properties>
+<?mso-contentType ?>
+<FormTemplates xmlns="http://schemas.microsoft.com/sharepoint/v3/contenttype/forms">
+  <Display>DocumentLibraryForm</Display>
+  <Edit>DocumentLibraryForm</Edit>
+  <New>DocumentLibraryForm</New>
+</FormTemplates>
 </file>
 
 <file path=customXml/item2.xml><?xml version="1.0" encoding="utf-8"?>
@@ -29222,27 +30217,20 @@
 </file>
 
 <file path=customXml/item3.xml><?xml version="1.0" encoding="utf-8"?>
-<?mso-contentType ?>
-<FormTemplates xmlns="http://schemas.microsoft.com/sharepoint/v3/contenttype/forms">
-  <Display>DocumentLibraryForm</Display>
-  <Edit>DocumentLibraryForm</Edit>
-  <New>DocumentLibraryForm</New>
-</FormTemplates>
+<p:properties xmlns:p="http://schemas.microsoft.com/office/2006/metadata/properties" xmlns:xsi="http://www.w3.org/2001/XMLSchema-instance" xmlns:pc="http://schemas.microsoft.com/office/infopath/2007/PartnerControls">
+  <documentManagement>
+    <lcf76f155ced4ddcb4097134ff3c332f xmlns="40806f44-bc4a-4ea4-b660-c6da93f8f179">
+      <Terms xmlns="http://schemas.microsoft.com/office/infopath/2007/PartnerControls"/>
+    </lcf76f155ced4ddcb4097134ff3c332f>
+    <TaxCatchAll xmlns="758d0d8f-b783-4c78-ab73-9740c97b97cf" xsi:nil="true"/>
+  </documentManagement>
+</p:properties>
 </file>
 
 <file path=customXml/itemProps1.xml><?xml version="1.0" encoding="utf-8"?>
-<ds:datastoreItem xmlns:ds="http://schemas.openxmlformats.org/officeDocument/2006/customXml" ds:itemID="{61E72F81-8533-461E-8E71-A6D77294CFEF}">
+<ds:datastoreItem xmlns:ds="http://schemas.openxmlformats.org/officeDocument/2006/customXml" ds:itemID="{46915D30-CAA6-465E-907F-1770D4E3B01D}">
   <ds:schemaRefs>
-    <ds:schemaRef ds:uri="http://purl.org/dc/elements/1.1/"/>
-    <ds:schemaRef ds:uri="http://www.w3.org/XML/1998/namespace"/>
-    <ds:schemaRef ds:uri="http://purl.org/dc/terms/"/>
-    <ds:schemaRef ds:uri="http://schemas.microsoft.com/office/2006/documentManagement/types"/>
-    <ds:schemaRef ds:uri="40806f44-bc4a-4ea4-b660-c6da93f8f179"/>
-    <ds:schemaRef ds:uri="http://schemas.openxmlformats.org/package/2006/metadata/core-properties"/>
-    <ds:schemaRef ds:uri="http://purl.org/dc/dcmitype/"/>
-    <ds:schemaRef ds:uri="http://schemas.microsoft.com/office/infopath/2007/PartnerControls"/>
-    <ds:schemaRef ds:uri="758d0d8f-b783-4c78-ab73-9740c97b97cf"/>
-    <ds:schemaRef ds:uri="http://schemas.microsoft.com/office/2006/metadata/properties"/>
+    <ds:schemaRef ds:uri="http://schemas.microsoft.com/sharepoint/v3/contenttype/forms"/>
   </ds:schemaRefs>
 </ds:datastoreItem>
 </file>
@@ -29267,9 +30255,18 @@
 </file>
 
 <file path=customXml/itemProps3.xml><?xml version="1.0" encoding="utf-8"?>
-<ds:datastoreItem xmlns:ds="http://schemas.openxmlformats.org/officeDocument/2006/customXml" ds:itemID="{46915D30-CAA6-465E-907F-1770D4E3B01D}">
+<ds:datastoreItem xmlns:ds="http://schemas.openxmlformats.org/officeDocument/2006/customXml" ds:itemID="{61E72F81-8533-461E-8E71-A6D77294CFEF}">
   <ds:schemaRefs>
-    <ds:schemaRef ds:uri="http://schemas.microsoft.com/sharepoint/v3/contenttype/forms"/>
+    <ds:schemaRef ds:uri="http://purl.org/dc/elements/1.1/"/>
+    <ds:schemaRef ds:uri="http://www.w3.org/XML/1998/namespace"/>
+    <ds:schemaRef ds:uri="http://purl.org/dc/terms/"/>
+    <ds:schemaRef ds:uri="http://schemas.microsoft.com/office/2006/documentManagement/types"/>
+    <ds:schemaRef ds:uri="40806f44-bc4a-4ea4-b660-c6da93f8f179"/>
+    <ds:schemaRef ds:uri="http://schemas.openxmlformats.org/package/2006/metadata/core-properties"/>
+    <ds:schemaRef ds:uri="http://purl.org/dc/dcmitype/"/>
+    <ds:schemaRef ds:uri="http://schemas.microsoft.com/office/infopath/2007/PartnerControls"/>
+    <ds:schemaRef ds:uri="758d0d8f-b783-4c78-ab73-9740c97b97cf"/>
+    <ds:schemaRef ds:uri="http://schemas.microsoft.com/office/2006/metadata/properties"/>
   </ds:schemaRefs>
 </ds:datastoreItem>
 </file>
--- a/Bootcamp/javascript-uvod/javascript-uvod.pptx
+++ b/Bootcamp/javascript-uvod/javascript-uvod.pptx
@@ -5,7 +5,7 @@
     <p:sldMasterId id="2147483648" r:id="rId4"/>
   </p:sldMasterIdLst>
   <p:notesMasterIdLst>
-    <p:notesMasterId r:id="rId41"/>
+    <p:notesMasterId r:id="rId42"/>
   </p:notesMasterIdLst>
   <p:sldIdLst>
     <p:sldId id="282" r:id="rId5"/>
@@ -42,8 +42,9 @@
     <p:sldId id="374" r:id="rId36"/>
     <p:sldId id="375" r:id="rId37"/>
     <p:sldId id="376" r:id="rId38"/>
-    <p:sldId id="382" r:id="rId39"/>
-    <p:sldId id="383" r:id="rId40"/>
+    <p:sldId id="383" r:id="rId39"/>
+    <p:sldId id="382" r:id="rId40"/>
+    <p:sldId id="384" r:id="rId41"/>
   </p:sldIdLst>
   <p:sldSz cx="12192000" cy="6858000"/>
   <p:notesSz cx="6858000" cy="9144000"/>
@@ -185,8 +186,9 @@
             <p14:sldId id="374"/>
             <p14:sldId id="375"/>
             <p14:sldId id="376"/>
+            <p14:sldId id="383"/>
             <p14:sldId id="382"/>
-            <p14:sldId id="383"/>
+            <p14:sldId id="384"/>
           </p14:sldIdLst>
         </p14:section>
       </p14:sectionLst>
@@ -291,7 +293,7 @@
           <a:p>
             <a:fld id="{B2A70591-2E3C-5F42-A4E1-C0F5A0F4E5DB}" type="datetimeFigureOut">
               <a:rPr lang="en-US" smtClean="0"/>
-              <a:t>5/12/2025</a:t>
+              <a:t>5/14/2025</a:t>
             </a:fld>
             <a:endParaRPr lang="en-US"/>
           </a:p>
@@ -3755,7 +3757,7 @@
         <p:cNvPr id="1" name="">
           <a:extLst>
             <a:ext uri="{FF2B5EF4-FFF2-40B4-BE49-F238E27FC236}">
-              <a16:creationId xmlns:a16="http://schemas.microsoft.com/office/drawing/2014/main" id="{F93B3166-2331-F359-FE1C-0DCD50CA6809}"/>
+              <a16:creationId xmlns:a16="http://schemas.microsoft.com/office/drawing/2014/main" id="{2AF6D0A0-5F45-AA25-6575-6829FA06F1D3}"/>
             </a:ext>
           </a:extLst>
         </p:cNvPr>
@@ -3775,7 +3777,7 @@
           <p:cNvPr id="2" name="Slide Image Placeholder 1">
             <a:extLst>
               <a:ext uri="{FF2B5EF4-FFF2-40B4-BE49-F238E27FC236}">
-                <a16:creationId xmlns:a16="http://schemas.microsoft.com/office/drawing/2014/main" id="{64C5F5F6-7E36-F817-B99C-095EA9752DAB}"/>
+                <a16:creationId xmlns:a16="http://schemas.microsoft.com/office/drawing/2014/main" id="{D0DEA985-AF59-128F-A67F-BCB8D678B9C9}"/>
               </a:ext>
             </a:extLst>
           </p:cNvPr>
@@ -3793,7 +3795,7 @@
           <p:cNvPr id="3" name="Notes Placeholder 2">
             <a:extLst>
               <a:ext uri="{FF2B5EF4-FFF2-40B4-BE49-F238E27FC236}">
-                <a16:creationId xmlns:a16="http://schemas.microsoft.com/office/drawing/2014/main" id="{9D08AD06-0871-F396-73AC-827D5E34A624}"/>
+                <a16:creationId xmlns:a16="http://schemas.microsoft.com/office/drawing/2014/main" id="{0C2E91E5-22D2-6D9F-1688-898AB2F04F6C}"/>
               </a:ext>
             </a:extLst>
           </p:cNvPr>
@@ -3809,6 +3811,52 @@
           <a:bodyPr/>
           <a:lstStyle/>
           <a:p>
+            <a:pPr marL="0" marR="0" lvl="0" indent="0" algn="l" defTabSz="914400" rtl="0" eaLnBrk="1" fontAlgn="auto" latinLnBrk="0" hangingPunct="1">
+              <a:lnSpc>
+                <a:spcPct val="100000"/>
+              </a:lnSpc>
+              <a:spcBef>
+                <a:spcPts val="0"/>
+              </a:spcBef>
+              <a:spcAft>
+                <a:spcPts val="0"/>
+              </a:spcAft>
+              <a:buClrTx/>
+              <a:buSzTx/>
+              <a:buFontTx/>
+              <a:buNone/>
+              <a:tabLst/>
+              <a:defRPr/>
+            </a:pPr>
+            <a:r>
+              <a:rPr lang="hr-HR" b="0">
+                <a:solidFill>
+                  <a:srgbClr val="D4D4D4"/>
+                </a:solidFill>
+                <a:effectLst/>
+                <a:latin typeface="Consolas" panose="020B0609020204030204" pitchFamily="49" charset="0"/>
+              </a:rPr>
+              <a:t>    </a:t>
+            </a:r>
+            <a:r>
+              <a:rPr lang="hr-HR" b="0">
+                <a:solidFill>
+                  <a:srgbClr val="6A9955"/>
+                </a:solidFill>
+                <a:effectLst/>
+                <a:latin typeface="Consolas" panose="020B0609020204030204" pitchFamily="49" charset="0"/>
+              </a:rPr>
+              <a:t>https://developer.mozilla.org/en-US/docs/Web/API/EventTarget/addEventListener</a:t>
+            </a:r>
+            <a:endParaRPr lang="hr-HR" b="0">
+              <a:solidFill>
+                <a:srgbClr val="CCCCCC"/>
+              </a:solidFill>
+              <a:effectLst/>
+              <a:latin typeface="Consolas" panose="020B0609020204030204" pitchFamily="49" charset="0"/>
+            </a:endParaRPr>
+          </a:p>
+          <a:p>
             <a:endParaRPr lang="hr-HR" dirty="0"/>
           </a:p>
         </p:txBody>
@@ -3818,7 +3866,7 @@
           <p:cNvPr id="4" name="Slide Number Placeholder 3">
             <a:extLst>
               <a:ext uri="{FF2B5EF4-FFF2-40B4-BE49-F238E27FC236}">
-                <a16:creationId xmlns:a16="http://schemas.microsoft.com/office/drawing/2014/main" id="{39F5D908-A356-949A-AC22-AFC5E5D95789}"/>
+                <a16:creationId xmlns:a16="http://schemas.microsoft.com/office/drawing/2014/main" id="{019C6249-6320-C59F-8206-BD976AFE30B8}"/>
               </a:ext>
             </a:extLst>
           </p:cNvPr>
@@ -3845,7 +3893,7 @@
     </p:spTree>
     <p:extLst>
       <p:ext uri="{BB962C8B-B14F-4D97-AF65-F5344CB8AC3E}">
-        <p14:creationId xmlns:p14="http://schemas.microsoft.com/office/powerpoint/2010/main" val="3162088856"/>
+        <p14:creationId xmlns:p14="http://schemas.microsoft.com/office/powerpoint/2010/main" val="4098519256"/>
       </p:ext>
     </p:extLst>
   </p:cSld>
@@ -3863,7 +3911,7 @@
         <p:cNvPr id="1" name="">
           <a:extLst>
             <a:ext uri="{FF2B5EF4-FFF2-40B4-BE49-F238E27FC236}">
-              <a16:creationId xmlns:a16="http://schemas.microsoft.com/office/drawing/2014/main" id="{2AF6D0A0-5F45-AA25-6575-6829FA06F1D3}"/>
+              <a16:creationId xmlns:a16="http://schemas.microsoft.com/office/drawing/2014/main" id="{F93B3166-2331-F359-FE1C-0DCD50CA6809}"/>
             </a:ext>
           </a:extLst>
         </p:cNvPr>
@@ -3883,7 +3931,7 @@
           <p:cNvPr id="2" name="Slide Image Placeholder 1">
             <a:extLst>
               <a:ext uri="{FF2B5EF4-FFF2-40B4-BE49-F238E27FC236}">
-                <a16:creationId xmlns:a16="http://schemas.microsoft.com/office/drawing/2014/main" id="{D0DEA985-AF59-128F-A67F-BCB8D678B9C9}"/>
+                <a16:creationId xmlns:a16="http://schemas.microsoft.com/office/drawing/2014/main" id="{64C5F5F6-7E36-F817-B99C-095EA9752DAB}"/>
               </a:ext>
             </a:extLst>
           </p:cNvPr>
@@ -3901,7 +3949,7 @@
           <p:cNvPr id="3" name="Notes Placeholder 2">
             <a:extLst>
               <a:ext uri="{FF2B5EF4-FFF2-40B4-BE49-F238E27FC236}">
-                <a16:creationId xmlns:a16="http://schemas.microsoft.com/office/drawing/2014/main" id="{0C2E91E5-22D2-6D9F-1688-898AB2F04F6C}"/>
+                <a16:creationId xmlns:a16="http://schemas.microsoft.com/office/drawing/2014/main" id="{9D08AD06-0871-F396-73AC-827D5E34A624}"/>
               </a:ext>
             </a:extLst>
           </p:cNvPr>
@@ -3926,7 +3974,7 @@
           <p:cNvPr id="4" name="Slide Number Placeholder 3">
             <a:extLst>
               <a:ext uri="{FF2B5EF4-FFF2-40B4-BE49-F238E27FC236}">
-                <a16:creationId xmlns:a16="http://schemas.microsoft.com/office/drawing/2014/main" id="{019C6249-6320-C59F-8206-BD976AFE30B8}"/>
+                <a16:creationId xmlns:a16="http://schemas.microsoft.com/office/drawing/2014/main" id="{39F5D908-A356-949A-AC22-AFC5E5D95789}"/>
               </a:ext>
             </a:extLst>
           </p:cNvPr>
@@ -3953,7 +4001,115 @@
     </p:spTree>
     <p:extLst>
       <p:ext uri="{BB962C8B-B14F-4D97-AF65-F5344CB8AC3E}">
-        <p14:creationId xmlns:p14="http://schemas.microsoft.com/office/powerpoint/2010/main" val="4098519256"/>
+        <p14:creationId xmlns:p14="http://schemas.microsoft.com/office/powerpoint/2010/main" val="3162088856"/>
+      </p:ext>
+    </p:extLst>
+  </p:cSld>
+  <p:clrMapOvr>
+    <a:masterClrMapping/>
+  </p:clrMapOvr>
+</p:notes>
+</file>
+
+<file path=ppt/notesSlides/notesSlide36.xml><?xml version="1.0" encoding="utf-8"?>
+<p:notes xmlns:a="http://schemas.openxmlformats.org/drawingml/2006/main" xmlns:r="http://schemas.openxmlformats.org/officeDocument/2006/relationships" xmlns:p="http://schemas.openxmlformats.org/presentationml/2006/main">
+  <p:cSld>
+    <p:spTree>
+      <p:nvGrpSpPr>
+        <p:cNvPr id="1" name="">
+          <a:extLst>
+            <a:ext uri="{FF2B5EF4-FFF2-40B4-BE49-F238E27FC236}">
+              <a16:creationId xmlns:a16="http://schemas.microsoft.com/office/drawing/2014/main" id="{9B23069A-9FB3-296C-33F0-8F6DD269FC1A}"/>
+            </a:ext>
+          </a:extLst>
+        </p:cNvPr>
+        <p:cNvGrpSpPr/>
+        <p:nvPr/>
+      </p:nvGrpSpPr>
+      <p:grpSpPr>
+        <a:xfrm>
+          <a:off x="0" y="0"/>
+          <a:ext cx="0" cy="0"/>
+          <a:chOff x="0" y="0"/>
+          <a:chExt cx="0" cy="0"/>
+        </a:xfrm>
+      </p:grpSpPr>
+      <p:sp>
+        <p:nvSpPr>
+          <p:cNvPr id="2" name="Slide Image Placeholder 1">
+            <a:extLst>
+              <a:ext uri="{FF2B5EF4-FFF2-40B4-BE49-F238E27FC236}">
+                <a16:creationId xmlns:a16="http://schemas.microsoft.com/office/drawing/2014/main" id="{536F4729-7E37-DC14-6099-A645147E3139}"/>
+              </a:ext>
+            </a:extLst>
+          </p:cNvPr>
+          <p:cNvSpPr>
+            <a:spLocks noGrp="1" noRot="1" noChangeAspect="1"/>
+          </p:cNvSpPr>
+          <p:nvPr>
+            <p:ph type="sldImg"/>
+          </p:nvPr>
+        </p:nvSpPr>
+        <p:spPr/>
+      </p:sp>
+      <p:sp>
+        <p:nvSpPr>
+          <p:cNvPr id="3" name="Notes Placeholder 2">
+            <a:extLst>
+              <a:ext uri="{FF2B5EF4-FFF2-40B4-BE49-F238E27FC236}">
+                <a16:creationId xmlns:a16="http://schemas.microsoft.com/office/drawing/2014/main" id="{A9CBE29A-5035-FCA0-6AE4-DFBFD7714037}"/>
+              </a:ext>
+            </a:extLst>
+          </p:cNvPr>
+          <p:cNvSpPr>
+            <a:spLocks noGrp="1"/>
+          </p:cNvSpPr>
+          <p:nvPr>
+            <p:ph type="body" idx="1"/>
+          </p:nvPr>
+        </p:nvSpPr>
+        <p:spPr/>
+        <p:txBody>
+          <a:bodyPr/>
+          <a:lstStyle/>
+          <a:p>
+            <a:endParaRPr lang="hr-HR" dirty="0"/>
+          </a:p>
+        </p:txBody>
+      </p:sp>
+      <p:sp>
+        <p:nvSpPr>
+          <p:cNvPr id="4" name="Slide Number Placeholder 3">
+            <a:extLst>
+              <a:ext uri="{FF2B5EF4-FFF2-40B4-BE49-F238E27FC236}">
+                <a16:creationId xmlns:a16="http://schemas.microsoft.com/office/drawing/2014/main" id="{10076ACD-DFAA-36E3-2231-DAE75C75D0FE}"/>
+              </a:ext>
+            </a:extLst>
+          </p:cNvPr>
+          <p:cNvSpPr>
+            <a:spLocks noGrp="1"/>
+          </p:cNvSpPr>
+          <p:nvPr>
+            <p:ph type="sldNum" sz="quarter" idx="5"/>
+          </p:nvPr>
+        </p:nvSpPr>
+        <p:spPr/>
+        <p:txBody>
+          <a:bodyPr/>
+          <a:lstStyle/>
+          <a:p>
+            <a:fld id="{343B951A-A665-1949-AEDB-B62DC9BE7F13}" type="slidenum">
+              <a:rPr lang="en-US" smtClean="0"/>
+              <a:t>37</a:t>
+            </a:fld>
+            <a:endParaRPr lang="en-US"/>
+          </a:p>
+        </p:txBody>
+      </p:sp>
+    </p:spTree>
+    <p:extLst>
+      <p:ext uri="{BB962C8B-B14F-4D97-AF65-F5344CB8AC3E}">
+        <p14:creationId xmlns:p14="http://schemas.microsoft.com/office/powerpoint/2010/main" val="783304836"/>
       </p:ext>
     </p:extLst>
   </p:cSld>
@@ -5303,7 +5459,7 @@
                 <a:ea typeface="Open Sans" panose="020B0606030504020204" pitchFamily="34" charset="0"/>
                 <a:cs typeface="Open Sans" panose="020B0606030504020204" pitchFamily="34" charset="0"/>
               </a:rPr>
-              <a:t>12/05/2025</a:t>
+              <a:t>14/05/2025</a:t>
             </a:fld>
             <a:endParaRPr lang="en-GB" sz="1800" b="0" i="0" kern="1200" dirty="0">
               <a:solidFill>
@@ -6048,7 +6204,7 @@
                 <a:ea typeface="Open Sans" panose="020B0606030504020204" pitchFamily="34" charset="0"/>
                 <a:cs typeface="Open Sans" panose="020B0606030504020204" pitchFamily="34" charset="0"/>
               </a:rPr>
-              <a:t>12/05/2025</a:t>
+              <a:t>14/05/2025</a:t>
             </a:fld>
             <a:endParaRPr lang="en-GB" sz="1800" b="0" i="0" kern="1200" dirty="0">
               <a:solidFill>
@@ -6571,7 +6727,7 @@
                 <a:ea typeface="Open Sans" panose="020B0606030504020204" pitchFamily="34" charset="0"/>
                 <a:cs typeface="Open Sans" panose="020B0606030504020204" pitchFamily="34" charset="0"/>
               </a:rPr>
-              <a:t>12/05/2025</a:t>
+              <a:t>14/05/2025</a:t>
             </a:fld>
             <a:endParaRPr lang="en-GB" sz="1800" b="0" i="0" kern="1200" dirty="0">
               <a:solidFill>
@@ -7537,7 +7693,7 @@
                 <a:ea typeface="Open Sans" panose="020B0606030504020204" pitchFamily="34" charset="0"/>
                 <a:cs typeface="Open Sans" panose="020B0606030504020204" pitchFamily="34" charset="0"/>
               </a:rPr>
-              <a:t>12/05/2025</a:t>
+              <a:t>14/05/2025</a:t>
             </a:fld>
             <a:endParaRPr lang="en-GB" sz="1800" b="0" i="0" kern="1200" dirty="0">
               <a:solidFill>
@@ -7976,7 +8132,7 @@
                 <a:ea typeface="Open Sans" panose="020B0606030504020204" pitchFamily="34" charset="0"/>
                 <a:cs typeface="Open Sans" panose="020B0606030504020204" pitchFamily="34" charset="0"/>
               </a:rPr>
-              <a:t>12/05/2025</a:t>
+              <a:t>14/05/2025</a:t>
             </a:fld>
             <a:endParaRPr lang="en-GB" sz="1800" b="0" i="0" kern="1200" dirty="0">
               <a:solidFill>
@@ -9746,7 +9902,7 @@
                 <a:ea typeface="Open Sans" pitchFamily="2" charset="0"/>
                 <a:cs typeface="Open Sans" pitchFamily="2" charset="0"/>
               </a:rPr>
-              <a:t>12/05/2025</a:t>
+              <a:t>14/05/2025</a:t>
             </a:fld>
             <a:endParaRPr lang="en-GB" sz="1800" b="0" i="0" kern="1200" dirty="0">
               <a:solidFill>
@@ -11496,7 +11652,7 @@
                 <a:ea typeface="Open Sans" pitchFamily="2" charset="0"/>
                 <a:cs typeface="Open Sans" pitchFamily="2" charset="0"/>
               </a:rPr>
-              <a:t>12/05/2025</a:t>
+              <a:t>14/05/2025</a:t>
             </a:fld>
             <a:endParaRPr lang="en-GB" sz="1800" b="0" i="0" kern="1200" dirty="0">
               <a:solidFill>
@@ -12013,7 +12169,7 @@
                 <a:ea typeface="Open Sans" panose="020B0606030504020204" pitchFamily="34" charset="0"/>
                 <a:cs typeface="Open Sans" panose="020B0606030504020204" pitchFamily="34" charset="0"/>
               </a:rPr>
-              <a:t>12/05/2025</a:t>
+              <a:t>14/05/2025</a:t>
             </a:fld>
             <a:endParaRPr lang="en-GB" sz="1800" b="0" i="0" kern="1200" dirty="0">
               <a:solidFill>
@@ -12610,7 +12766,7 @@
                 <a:ea typeface="Open Sans" pitchFamily="2" charset="0"/>
                 <a:cs typeface="Open Sans" pitchFamily="2" charset="0"/>
               </a:rPr>
-              <a:t>12/05/2025</a:t>
+              <a:t>14/05/2025</a:t>
             </a:fld>
             <a:endParaRPr lang="en-GB" sz="1800" b="0" i="0" kern="1200" dirty="0">
               <a:solidFill>
@@ -13150,7 +13306,7 @@
                 <a:ea typeface="Open Sans" panose="020B0606030504020204" pitchFamily="34" charset="0"/>
                 <a:cs typeface="Open Sans" panose="020B0606030504020204" pitchFamily="34" charset="0"/>
               </a:rPr>
-              <a:t>12/05/2025</a:t>
+              <a:t>14/05/2025</a:t>
             </a:fld>
             <a:endParaRPr lang="en-GB" sz="1800" b="0" i="0" kern="1200" dirty="0">
               <a:solidFill>
@@ -13851,7 +14007,7 @@
                 <a:ea typeface="Open Sans" panose="020B0606030504020204" pitchFamily="34" charset="0"/>
                 <a:cs typeface="Open Sans" panose="020B0606030504020204" pitchFamily="34" charset="0"/>
               </a:rPr>
-              <a:t>12/05/2025</a:t>
+              <a:t>14/05/2025</a:t>
             </a:fld>
             <a:endParaRPr lang="en-GB" sz="1800" b="0" i="0" kern="1200" dirty="0">
               <a:solidFill>
@@ -14214,7 +14370,7 @@
                 <a:ea typeface="Open Sans" pitchFamily="2" charset="0"/>
                 <a:cs typeface="Open Sans" pitchFamily="2" charset="0"/>
               </a:rPr>
-              <a:t>12/05/2025</a:t>
+              <a:t>14/05/2025</a:t>
             </a:fld>
             <a:endParaRPr lang="en-GB" sz="1800" b="0" i="0" kern="1200" dirty="0">
               <a:solidFill>
@@ -14609,7 +14765,7 @@
                 <a:ea typeface="Open Sans" pitchFamily="2" charset="0"/>
                 <a:cs typeface="Open Sans" pitchFamily="2" charset="0"/>
               </a:rPr>
-              <a:t>12/05/2025</a:t>
+              <a:t>14/05/2025</a:t>
             </a:fld>
             <a:endParaRPr lang="en-GB" sz="1800" b="0" i="0" kern="1200" dirty="0">
               <a:solidFill>
@@ -25831,517 +25987,6 @@
         <p:cNvPr id="1" name="">
           <a:extLst>
             <a:ext uri="{FF2B5EF4-FFF2-40B4-BE49-F238E27FC236}">
-              <a16:creationId xmlns:a16="http://schemas.microsoft.com/office/drawing/2014/main" id="{7D4E8A6A-23FC-2689-A644-619B6BC19CA6}"/>
-            </a:ext>
-          </a:extLst>
-        </p:cNvPr>
-        <p:cNvGrpSpPr/>
-        <p:nvPr/>
-      </p:nvGrpSpPr>
-      <p:grpSpPr>
-        <a:xfrm>
-          <a:off x="0" y="0"/>
-          <a:ext cx="0" cy="0"/>
-          <a:chOff x="0" y="0"/>
-          <a:chExt cx="0" cy="0"/>
-        </a:xfrm>
-      </p:grpSpPr>
-      <p:sp>
-        <p:nvSpPr>
-          <p:cNvPr id="2" name="Title 1">
-            <a:extLst>
-              <a:ext uri="{FF2B5EF4-FFF2-40B4-BE49-F238E27FC236}">
-                <a16:creationId xmlns:a16="http://schemas.microsoft.com/office/drawing/2014/main" id="{109CA89D-2C53-6510-7179-FDBE6FC9CCB0}"/>
-              </a:ext>
-            </a:extLst>
-          </p:cNvPr>
-          <p:cNvSpPr>
-            <a:spLocks noGrp="1"/>
-          </p:cNvSpPr>
-          <p:nvPr>
-            <p:ph type="title"/>
-          </p:nvPr>
-        </p:nvSpPr>
-        <p:spPr/>
-        <p:txBody>
-          <a:bodyPr/>
-          <a:lstStyle/>
-          <a:p>
-            <a:r>
-              <a:rPr lang="en-US" dirty="0"/>
-              <a:t>VJE</a:t>
-            </a:r>
-            <a:r>
-              <a:rPr lang="hr-HR" dirty="0"/>
-              <a:t>ž</a:t>
-            </a:r>
-            <a:r>
-              <a:rPr lang="en-US" dirty="0" err="1"/>
-              <a:t>ba</a:t>
-            </a:r>
-            <a:endParaRPr lang="hr-HR" dirty="0"/>
-          </a:p>
-        </p:txBody>
-      </p:sp>
-      <p:sp>
-        <p:nvSpPr>
-          <p:cNvPr id="6" name="Text Placeholder 5">
-            <a:extLst>
-              <a:ext uri="{FF2B5EF4-FFF2-40B4-BE49-F238E27FC236}">
-                <a16:creationId xmlns:a16="http://schemas.microsoft.com/office/drawing/2014/main" id="{ED910D2B-7A28-6B03-45F9-E0AE69B933AC}"/>
-              </a:ext>
-            </a:extLst>
-          </p:cNvPr>
-          <p:cNvSpPr>
-            <a:spLocks noGrp="1"/>
-          </p:cNvSpPr>
-          <p:nvPr>
-            <p:ph type="body" sz="half" idx="2"/>
-          </p:nvPr>
-        </p:nvSpPr>
-        <p:spPr/>
-        <p:txBody>
-          <a:bodyPr>
-            <a:normAutofit fontScale="85000" lnSpcReduction="20000"/>
-          </a:bodyPr>
-          <a:lstStyle/>
-          <a:p>
-            <a:pPr marL="285750" indent="-285750">
-              <a:buFontTx/>
-              <a:buChar char="-"/>
-            </a:pPr>
-            <a:r>
-              <a:rPr lang="en-US" dirty="0"/>
-              <a:t>- </a:t>
-            </a:r>
-            <a:r>
-              <a:rPr lang="en-US" dirty="0" err="1"/>
-              <a:t>Preuzmite</a:t>
-            </a:r>
-            <a:r>
-              <a:rPr lang="en-US" dirty="0"/>
-              <a:t> .zip </a:t>
-            </a:r>
-            <a:r>
-              <a:rPr lang="en-US" dirty="0" err="1"/>
-              <a:t>fajl</a:t>
-            </a:r>
-            <a:r>
-              <a:rPr lang="en-US" dirty="0"/>
-              <a:t> </a:t>
-            </a:r>
-            <a:r>
-              <a:rPr lang="en-US" dirty="0" err="1"/>
-              <a:t>sa</a:t>
-            </a:r>
-            <a:r>
-              <a:rPr lang="en-US" dirty="0"/>
-              <a:t> </a:t>
-            </a:r>
-            <a:r>
-              <a:rPr lang="en-US" dirty="0" err="1"/>
-              <a:t>osnovnim</a:t>
-            </a:r>
-            <a:r>
-              <a:rPr lang="en-US" dirty="0"/>
-              <a:t> </a:t>
-            </a:r>
-            <a:r>
-              <a:rPr lang="en-US" dirty="0" err="1"/>
-              <a:t>skeletonom</a:t>
-            </a:r>
-            <a:r>
-              <a:rPr lang="en-US" dirty="0"/>
-              <a:t> </a:t>
-            </a:r>
-            <a:r>
-              <a:rPr lang="en-US" dirty="0" err="1"/>
-              <a:t>websajta</a:t>
-            </a:r>
-            <a:r>
-              <a:rPr lang="en-US" dirty="0"/>
-              <a:t> za casino </a:t>
-            </a:r>
-            <a:r>
-              <a:rPr lang="en-US" dirty="0" err="1"/>
-              <a:t>igru</a:t>
-            </a:r>
-            <a:endParaRPr lang="en-US" dirty="0"/>
-          </a:p>
-          <a:p>
-            <a:pPr marL="285750" indent="-285750">
-              <a:buFontTx/>
-              <a:buChar char="-"/>
-            </a:pPr>
-            <a:r>
-              <a:rPr lang="en-US" dirty="0"/>
-              <a:t>- Na </a:t>
-            </a:r>
-            <a:r>
-              <a:rPr lang="en-US" dirty="0" err="1"/>
-              <a:t>vrhu</a:t>
-            </a:r>
-            <a:r>
-              <a:rPr lang="en-US" dirty="0"/>
-              <a:t> </a:t>
-            </a:r>
-            <a:r>
-              <a:rPr lang="en-US" dirty="0" err="1"/>
-              <a:t>stranice</a:t>
-            </a:r>
-            <a:r>
-              <a:rPr lang="en-US" dirty="0"/>
-              <a:t> h1 </a:t>
-            </a:r>
-            <a:r>
-              <a:rPr lang="en-US" dirty="0" err="1"/>
-              <a:t>naslov</a:t>
-            </a:r>
-            <a:r>
-              <a:rPr lang="en-US" dirty="0"/>
-              <a:t>: “Refresh Me”. </a:t>
-            </a:r>
-            <a:r>
-              <a:rPr lang="en-US" b="1" dirty="0"/>
-              <a:t>Font-family - Lobster</a:t>
-            </a:r>
-          </a:p>
-          <a:p>
-            <a:pPr marL="285750" indent="-285750">
-              <a:buFontTx/>
-              <a:buChar char="-"/>
-            </a:pPr>
-            <a:r>
-              <a:rPr lang="en-US" dirty="0"/>
-              <a:t>- </a:t>
-            </a:r>
-            <a:r>
-              <a:rPr lang="en-US" dirty="0" err="1"/>
-              <a:t>Ispod</a:t>
-            </a:r>
-            <a:r>
-              <a:rPr lang="en-US" dirty="0"/>
-              <a:t> </a:t>
-            </a:r>
-            <a:r>
-              <a:rPr lang="en-US" dirty="0" err="1"/>
-              <a:t>naslova</a:t>
-            </a:r>
-            <a:r>
-              <a:rPr lang="en-US" dirty="0"/>
-              <a:t> </a:t>
-            </a:r>
-            <a:r>
-              <a:rPr lang="en-US" dirty="0" err="1"/>
-              <a:t>dva</a:t>
-            </a:r>
-            <a:r>
-              <a:rPr lang="en-US" dirty="0"/>
-              <a:t> </a:t>
-            </a:r>
-            <a:r>
-              <a:rPr lang="en-US" dirty="0" err="1"/>
-              <a:t>odjeljka</a:t>
-            </a:r>
-            <a:r>
-              <a:rPr lang="en-US" dirty="0"/>
-              <a:t>: “Player 1” </a:t>
-            </a:r>
-            <a:r>
-              <a:rPr lang="en-US" dirty="0" err="1"/>
-              <a:t>i</a:t>
-            </a:r>
-            <a:r>
-              <a:rPr lang="en-US" dirty="0"/>
-              <a:t> “Player 2”, </a:t>
-            </a:r>
-            <a:r>
-              <a:rPr lang="en-US" dirty="0" err="1"/>
-              <a:t>svaki</a:t>
-            </a:r>
-            <a:r>
-              <a:rPr lang="en-US" dirty="0"/>
-              <a:t> </a:t>
-            </a:r>
-            <a:r>
-              <a:rPr lang="en-US" dirty="0" err="1"/>
-              <a:t>sa</a:t>
-            </a:r>
-            <a:r>
-              <a:rPr lang="en-US" dirty="0"/>
-              <a:t> </a:t>
-            </a:r>
-            <a:r>
-              <a:rPr lang="en-US" dirty="0" err="1"/>
-              <a:t>slikom</a:t>
-            </a:r>
-            <a:r>
-              <a:rPr lang="en-US" dirty="0"/>
-              <a:t> </a:t>
-            </a:r>
-            <a:r>
-              <a:rPr lang="en-US" dirty="0" err="1"/>
-              <a:t>kocke</a:t>
-            </a:r>
-            <a:r>
-              <a:rPr lang="en-US" dirty="0"/>
-              <a:t>. </a:t>
-            </a:r>
-            <a:r>
-              <a:rPr lang="en-US" b="1" dirty="0"/>
-              <a:t>font-family Indie flower</a:t>
-            </a:r>
-          </a:p>
-          <a:p>
-            <a:pPr marL="285750" indent="-285750">
-              <a:buFontTx/>
-              <a:buChar char="-"/>
-            </a:pPr>
-            <a:r>
-              <a:rPr lang="en-US" b="1" dirty="0"/>
-              <a:t>- </a:t>
-            </a:r>
-            <a:r>
-              <a:rPr lang="en-US" dirty="0"/>
-              <a:t>Footer</a:t>
-            </a:r>
-            <a:r>
-              <a:rPr lang="en-US" b="1" dirty="0"/>
-              <a:t> font-family Indie flower</a:t>
-            </a:r>
-          </a:p>
-          <a:p>
-            <a:pPr marL="285750" indent="-285750">
-              <a:buFontTx/>
-              <a:buChar char="-"/>
-            </a:pPr>
-            <a:r>
-              <a:rPr lang="en-US" dirty="0"/>
-              <a:t>- Pri </a:t>
-            </a:r>
-            <a:r>
-              <a:rPr lang="en-US" dirty="0" err="1"/>
-              <a:t>svakom</a:t>
-            </a:r>
-            <a:r>
-              <a:rPr lang="en-US" dirty="0"/>
-              <a:t> </a:t>
-            </a:r>
-            <a:r>
-              <a:rPr lang="en-US" dirty="0" err="1"/>
-              <a:t>osvježavanju</a:t>
-            </a:r>
-            <a:r>
-              <a:rPr lang="en-US" dirty="0"/>
-              <a:t> </a:t>
-            </a:r>
-            <a:r>
-              <a:rPr lang="en-US" dirty="0" err="1"/>
-              <a:t>stranice</a:t>
-            </a:r>
-            <a:r>
-              <a:rPr lang="en-US" dirty="0"/>
-              <a:t> (reload) </a:t>
-            </a:r>
-            <a:r>
-              <a:rPr lang="en-US" dirty="0" err="1"/>
-              <a:t>kocke</a:t>
-            </a:r>
-            <a:r>
-              <a:rPr lang="en-US" dirty="0"/>
-              <a:t> se </a:t>
-            </a:r>
-            <a:r>
-              <a:rPr lang="en-US" dirty="0" err="1"/>
-              <a:t>nasumično</a:t>
-            </a:r>
-            <a:r>
-              <a:rPr lang="en-US" dirty="0"/>
-              <a:t> “</a:t>
-            </a:r>
-            <a:r>
-              <a:rPr lang="en-US" dirty="0" err="1"/>
-              <a:t>bacaju</a:t>
-            </a:r>
-            <a:r>
-              <a:rPr lang="en-US" dirty="0"/>
-              <a:t>” – </a:t>
-            </a:r>
-            <a:r>
-              <a:rPr lang="en-US" dirty="0" err="1"/>
-              <a:t>mijenjaju</a:t>
-            </a:r>
-            <a:r>
-              <a:rPr lang="en-US" dirty="0"/>
-              <a:t> se </a:t>
-            </a:r>
-            <a:r>
-              <a:rPr lang="en-US" dirty="0" err="1"/>
-              <a:t>njihove</a:t>
-            </a:r>
-            <a:r>
-              <a:rPr lang="en-US" dirty="0"/>
-              <a:t> </a:t>
-            </a:r>
-            <a:r>
-              <a:rPr lang="en-US" dirty="0" err="1"/>
-              <a:t>vrijednosti</a:t>
-            </a:r>
-            <a:r>
-              <a:rPr lang="en-US" dirty="0"/>
-              <a:t> (1–6).</a:t>
-            </a:r>
-          </a:p>
-          <a:p>
-            <a:pPr marL="285750" indent="-285750">
-              <a:buFontTx/>
-              <a:buChar char="-"/>
-            </a:pPr>
-            <a:r>
-              <a:rPr lang="en-US" dirty="0"/>
-              <a:t>- Na </a:t>
-            </a:r>
-            <a:r>
-              <a:rPr lang="en-US" dirty="0" err="1"/>
-              <a:t>temelju</a:t>
-            </a:r>
-            <a:r>
-              <a:rPr lang="en-US" dirty="0"/>
-              <a:t> </a:t>
-            </a:r>
-            <a:r>
-              <a:rPr lang="en-US" dirty="0" err="1"/>
-              <a:t>većeg</a:t>
-            </a:r>
-            <a:r>
-              <a:rPr lang="en-US" dirty="0"/>
-              <a:t> </a:t>
-            </a:r>
-            <a:r>
-              <a:rPr lang="en-US" dirty="0" err="1"/>
-              <a:t>broja</a:t>
-            </a:r>
-            <a:r>
-              <a:rPr lang="en-US" dirty="0"/>
-              <a:t> </a:t>
-            </a:r>
-            <a:r>
-              <a:rPr lang="en-US" dirty="0" err="1"/>
-              <a:t>na</a:t>
-            </a:r>
-            <a:r>
-              <a:rPr lang="en-US" dirty="0"/>
-              <a:t> </a:t>
-            </a:r>
-            <a:r>
-              <a:rPr lang="en-US" dirty="0" err="1"/>
-              <a:t>kocki</a:t>
-            </a:r>
-            <a:r>
-              <a:rPr lang="en-US" dirty="0"/>
-              <a:t> </a:t>
-            </a:r>
-            <a:r>
-              <a:rPr lang="en-US" dirty="0" err="1"/>
-              <a:t>stranica</a:t>
-            </a:r>
-            <a:r>
-              <a:rPr lang="en-US" dirty="0"/>
-              <a:t> </a:t>
-            </a:r>
-            <a:r>
-              <a:rPr lang="en-US" dirty="0" err="1"/>
-              <a:t>ispisuje</a:t>
-            </a:r>
-            <a:r>
-              <a:rPr lang="en-US" dirty="0"/>
-              <a:t> </a:t>
-            </a:r>
-            <a:r>
-              <a:rPr lang="en-US" dirty="0" err="1"/>
-              <a:t>pobjednika</a:t>
-            </a:r>
-            <a:r>
-              <a:rPr lang="en-US" dirty="0"/>
-              <a:t> (“Player 1 Wins!”, “Player 2 Wins!” </a:t>
-            </a:r>
-            <a:r>
-              <a:rPr lang="en-US" dirty="0" err="1"/>
-              <a:t>ili</a:t>
-            </a:r>
-            <a:r>
-              <a:rPr lang="en-US" dirty="0"/>
-              <a:t> </a:t>
-            </a:r>
-            <a:r>
-              <a:rPr lang="en-US" dirty="0" err="1"/>
-              <a:t>neriješeno</a:t>
-            </a:r>
-            <a:r>
-              <a:rPr lang="en-US" dirty="0"/>
-              <a:t>).</a:t>
-            </a:r>
-          </a:p>
-          <a:p>
-            <a:pPr marL="285750" indent="-285750">
-              <a:buFontTx/>
-              <a:buChar char="-"/>
-            </a:pPr>
-            <a:endParaRPr lang="hr-HR" dirty="0"/>
-          </a:p>
-        </p:txBody>
-      </p:sp>
-      <p:pic>
-        <p:nvPicPr>
-          <p:cNvPr id="8" name="Picture 7">
-            <a:extLst>
-              <a:ext uri="{FF2B5EF4-FFF2-40B4-BE49-F238E27FC236}">
-                <a16:creationId xmlns:a16="http://schemas.microsoft.com/office/drawing/2014/main" id="{9D4F1ADC-CA49-30F5-6FE7-FBE51DE46BAE}"/>
-              </a:ext>
-            </a:extLst>
-          </p:cNvPr>
-          <p:cNvPicPr>
-            <a:picLocks noChangeAspect="1"/>
-          </p:cNvPicPr>
-          <p:nvPr/>
-        </p:nvPicPr>
-        <p:blipFill>
-          <a:blip r:embed="rId3"/>
-          <a:stretch>
-            <a:fillRect/>
-          </a:stretch>
-        </p:blipFill>
-        <p:spPr>
-          <a:xfrm>
-            <a:off x="6229962" y="437378"/>
-            <a:ext cx="5196322" cy="5706944"/>
-          </a:xfrm>
-          <a:prstGeom prst="rect">
-            <a:avLst/>
-          </a:prstGeom>
-        </p:spPr>
-      </p:pic>
-    </p:spTree>
-    <p:extLst>
-      <p:ext uri="{BB962C8B-B14F-4D97-AF65-F5344CB8AC3E}">
-        <p14:creationId xmlns:p14="http://schemas.microsoft.com/office/powerpoint/2010/main" val="1105035701"/>
-      </p:ext>
-    </p:extLst>
-  </p:cSld>
-  <p:clrMapOvr>
-    <a:masterClrMapping/>
-  </p:clrMapOvr>
-</p:sld>
-</file>
-
-<file path=ppt/slides/slide36.xml><?xml version="1.0" encoding="utf-8"?>
-<p:sld xmlns:a="http://schemas.openxmlformats.org/drawingml/2006/main" xmlns:r="http://schemas.openxmlformats.org/officeDocument/2006/relationships" xmlns:p="http://schemas.openxmlformats.org/presentationml/2006/main">
-  <p:cSld>
-    <p:spTree>
-      <p:nvGrpSpPr>
-        <p:cNvPr id="1" name="">
-          <a:extLst>
-            <a:ext uri="{FF2B5EF4-FFF2-40B4-BE49-F238E27FC236}">
               <a16:creationId xmlns:a16="http://schemas.microsoft.com/office/drawing/2014/main" id="{FF9060FB-6CBF-BB25-E074-FDF012E16035}"/>
             </a:ext>
           </a:extLst>
@@ -26418,69 +26063,10 @@
       </p:sp>
       <p:sp>
         <p:nvSpPr>
-          <p:cNvPr id="14" name="Title 1">
-            <a:extLst>
-              <a:ext uri="{FF2B5EF4-FFF2-40B4-BE49-F238E27FC236}">
-                <a16:creationId xmlns:a16="http://schemas.microsoft.com/office/drawing/2014/main" id="{43329BE1-90FE-F965-D983-BEB25D65A35C}"/>
-              </a:ext>
-            </a:extLst>
-          </p:cNvPr>
-          <p:cNvSpPr txBox="1">
-            <a:spLocks/>
-          </p:cNvSpPr>
-          <p:nvPr/>
-        </p:nvSpPr>
-        <p:spPr>
-          <a:xfrm>
-            <a:off x="6651210" y="1401091"/>
-            <a:ext cx="5328139" cy="853976"/>
-          </a:xfrm>
-          <a:prstGeom prst="rect">
-            <a:avLst/>
-          </a:prstGeom>
-        </p:spPr>
-        <p:txBody>
-          <a:bodyPr vert="horz" lIns="91440" tIns="45720" rIns="91440" bIns="45720" rtlCol="0" anchor="ctr">
-            <a:normAutofit/>
-          </a:bodyPr>
-          <a:lstStyle>
-            <a:lvl1pPr algn="l" defTabSz="914400" rtl="0" eaLnBrk="1" latinLnBrk="0" hangingPunct="1">
-              <a:lnSpc>
-                <a:spcPct val="90000"/>
-              </a:lnSpc>
-              <a:spcBef>
-                <a:spcPct val="0"/>
-              </a:spcBef>
-              <a:buNone/>
-              <a:defRPr sz="3600" b="1" i="0" kern="1200" cap="all" baseline="0">
-                <a:solidFill>
-                  <a:schemeClr val="tx2"/>
-                </a:solidFill>
-                <a:latin typeface="+mj-lt"/>
-                <a:ea typeface="Open Sans Semibold" panose="020B0606030504020204" pitchFamily="34" charset="0"/>
-                <a:cs typeface="Open Sans Semibold" panose="020B0606030504020204" pitchFamily="34" charset="0"/>
-              </a:defRPr>
-            </a:lvl1pPr>
-          </a:lstStyle>
-          <a:p>
-            <a:r>
-              <a:rPr lang="en-US" sz="1600" dirty="0"/>
-              <a:t>VJEZBA</a:t>
-            </a:r>
-            <a:endParaRPr lang="hr-HR" sz="1600" dirty="0">
-              <a:solidFill>
-                <a:schemeClr val="accent3"/>
-              </a:solidFill>
-            </a:endParaRPr>
-          </a:p>
-        </p:txBody>
-      </p:sp>
-      <p:sp>
-        <p:nvSpPr>
-          <p:cNvPr id="16" name="TextBox 15">
-            <a:extLst>
-              <a:ext uri="{FF2B5EF4-FFF2-40B4-BE49-F238E27FC236}">
-                <a16:creationId xmlns:a16="http://schemas.microsoft.com/office/drawing/2014/main" id="{9D59F3FA-037C-0A01-6ECC-0FCC96C4721E}"/>
+          <p:cNvPr id="17" name="TextBox 16">
+            <a:extLst>
+              <a:ext uri="{FF2B5EF4-FFF2-40B4-BE49-F238E27FC236}">
+                <a16:creationId xmlns:a16="http://schemas.microsoft.com/office/drawing/2014/main" id="{C76DF794-EC26-7A4A-5DFD-80F87D76AF51}"/>
               </a:ext>
             </a:extLst>
           </p:cNvPr>
@@ -26489,8 +26075,8 @@
         </p:nvSpPr>
         <p:spPr>
           <a:xfrm>
-            <a:off x="6690507" y="2044005"/>
-            <a:ext cx="4646427" cy="954107"/>
+            <a:off x="1138047" y="4858223"/>
+            <a:ext cx="8884465" cy="584775"/>
           </a:xfrm>
           <a:prstGeom prst="rect">
             <a:avLst/>
@@ -26504,125 +26090,16 @@
           <a:lstStyle/>
           <a:p>
             <a:r>
-              <a:rPr lang="hr-HR" sz="1400" dirty="0"/>
-              <a:t>✔ </a:t>
-            </a:r>
-            <a:r>
-              <a:rPr lang="en-US" sz="1400" dirty="0" err="1"/>
-              <a:t>ispod</a:t>
-            </a:r>
-            <a:r>
-              <a:rPr lang="en-US" sz="1400" dirty="0"/>
-              <a:t> </a:t>
-            </a:r>
-            <a:r>
-              <a:rPr lang="en-US" sz="1400" dirty="0" err="1"/>
-              <a:t>naslova</a:t>
-            </a:r>
-            <a:r>
-              <a:rPr lang="en-US" sz="1400" dirty="0"/>
-              <a:t> </a:t>
-            </a:r>
-            <a:r>
-              <a:rPr lang="en-US" sz="1400" dirty="0" err="1"/>
-              <a:t>dodajte</a:t>
-            </a:r>
-            <a:r>
-              <a:rPr lang="en-US" sz="1400" dirty="0"/>
-              <a:t> link </a:t>
-            </a:r>
-            <a:r>
-              <a:rPr lang="en-US" sz="1400" dirty="0" err="1"/>
-              <a:t>na</a:t>
-            </a:r>
-            <a:r>
-              <a:rPr lang="en-US" sz="1400" dirty="0"/>
-              <a:t> </a:t>
-            </a:r>
-            <a:r>
-              <a:rPr lang="en-US" sz="1400" dirty="0" err="1"/>
-              <a:t>stranicu</a:t>
-            </a:r>
-            <a:r>
-              <a:rPr lang="en-US" sz="1400" dirty="0"/>
-              <a:t> google.com</a:t>
-            </a:r>
-          </a:p>
-          <a:p>
-            <a:r>
-              <a:rPr lang="hr-HR" sz="1400" dirty="0"/>
-              <a:t>✔ Prom</a:t>
-            </a:r>
-            <a:r>
-              <a:rPr lang="en-US" sz="1400" dirty="0"/>
-              <a:t>j</a:t>
-            </a:r>
-            <a:r>
-              <a:rPr lang="hr-HR" sz="1400" dirty="0"/>
-              <a:t>eni boju Google linka pomoću JavaScript-a</a:t>
-            </a:r>
-            <a:r>
-              <a:rPr lang="en-US" sz="1400" dirty="0"/>
-              <a:t> u </a:t>
-            </a:r>
-            <a:r>
-              <a:rPr lang="en-US" sz="1400" dirty="0" err="1"/>
-              <a:t>crvenu</a:t>
-            </a:r>
-            <a:endParaRPr lang="en-US" sz="1400" b="1" dirty="0"/>
-          </a:p>
-          <a:p>
-            <a:endParaRPr lang="en-US" sz="1400" b="1" dirty="0"/>
-          </a:p>
-        </p:txBody>
-      </p:sp>
-      <p:sp>
-        <p:nvSpPr>
-          <p:cNvPr id="17" name="TextBox 16">
-            <a:extLst>
-              <a:ext uri="{FF2B5EF4-FFF2-40B4-BE49-F238E27FC236}">
-                <a16:creationId xmlns:a16="http://schemas.microsoft.com/office/drawing/2014/main" id="{C76DF794-EC26-7A4A-5DFD-80F87D76AF51}"/>
-              </a:ext>
-            </a:extLst>
-          </p:cNvPr>
-          <p:cNvSpPr txBox="1"/>
-          <p:nvPr/>
-        </p:nvSpPr>
-        <p:spPr>
-          <a:xfrm>
-            <a:off x="1465832" y="5111281"/>
-            <a:ext cx="8884465" cy="584775"/>
-          </a:xfrm>
-          <a:prstGeom prst="rect">
-            <a:avLst/>
-          </a:prstGeom>
-          <a:noFill/>
-        </p:spPr>
-        <p:txBody>
-          <a:bodyPr wrap="square">
-            <a:spAutoFit/>
-          </a:bodyPr>
-          <a:lstStyle/>
-          <a:p>
-            <a:r>
               <a:rPr lang="hr-HR" sz="1600" dirty="0"/>
               <a:t>💡</a:t>
             </a:r>
             <a:r>
-              <a:rPr lang="hr-HR" sz="1600" b="1" dirty="0"/>
-              <a:t>querySelector() i querySelectorAll() </a:t>
-            </a:r>
-            <a:r>
-              <a:rPr lang="hr-HR" sz="1600" dirty="0"/>
-              <a:t>su najmoćniji jer mogu selektirati ID, klase i tagove istovremeno.</a:t>
-            </a:r>
-            <a:r>
               <a:rPr lang="en-US" sz="1600" dirty="0"/>
-              <a:t> Ovo cete </a:t>
+              <a:t>Event listeners </a:t>
             </a:r>
             <a:r>
               <a:rPr lang="en-US" sz="1600" dirty="0" err="1"/>
-              <a:t>cesce</a:t>
+              <a:t>su</a:t>
             </a:r>
             <a:r>
               <a:rPr lang="en-US" sz="1600" dirty="0"/>
@@ -26630,23 +26107,7 @@
             </a:r>
             <a:r>
               <a:rPr lang="en-US" sz="1600" dirty="0" err="1"/>
-              <a:t>vidjati</a:t>
-            </a:r>
-            <a:r>
-              <a:rPr lang="en-US" sz="1600" dirty="0"/>
-              <a:t> u </a:t>
-            </a:r>
-            <a:r>
-              <a:rPr lang="en-US" sz="1600" dirty="0" err="1"/>
-              <a:t>kodu</a:t>
-            </a:r>
-            <a:r>
-              <a:rPr lang="en-US" sz="1600" dirty="0"/>
-              <a:t>. Puno </a:t>
-            </a:r>
-            <a:r>
-              <a:rPr lang="en-US" sz="1600" dirty="0" err="1"/>
-              <a:t>su</a:t>
+              <a:t>glavna</a:t>
             </a:r>
             <a:r>
               <a:rPr lang="en-US" sz="1600" dirty="0"/>
@@ -26654,15 +26115,23 @@
             </a:r>
             <a:r>
               <a:rPr lang="en-US" sz="1600" dirty="0" err="1"/>
-              <a:t>mocniji</a:t>
+              <a:t>komponenta</a:t>
             </a:r>
             <a:r>
               <a:rPr lang="en-US" sz="1600" dirty="0"/>
-              <a:t> I </a:t>
+              <a:t> event driven </a:t>
             </a:r>
             <a:r>
               <a:rPr lang="en-US" sz="1600" dirty="0" err="1"/>
-              <a:t>opsirnije</a:t>
+              <a:t>developmenta</a:t>
+            </a:r>
+            <a:r>
+              <a:rPr lang="en-US" sz="1600" dirty="0"/>
+              <a:t>. </a:t>
+            </a:r>
+            <a:r>
+              <a:rPr lang="en-US" sz="1600" dirty="0" err="1"/>
+              <a:t>Omogucuje</a:t>
             </a:r>
             <a:r>
               <a:rPr lang="en-US" sz="1600" dirty="0"/>
@@ -26670,7 +26139,7 @@
             </a:r>
             <a:r>
               <a:rPr lang="en-US" sz="1600" dirty="0" err="1"/>
-              <a:t>nego</a:t>
+              <a:t>egzekuciju</a:t>
             </a:r>
             <a:r>
               <a:rPr lang="en-US" sz="1600" dirty="0"/>
@@ -26678,19 +26147,804 @@
             </a:r>
             <a:r>
               <a:rPr lang="en-US" sz="1600" dirty="0" err="1"/>
-              <a:t>getElements</a:t>
+              <a:t>koda</a:t>
             </a:r>
             <a:r>
               <a:rPr lang="en-US" sz="1600" dirty="0"/>
-              <a:t>()</a:t>
-            </a:r>
-          </a:p>
-        </p:txBody>
-      </p:sp>
+              <a:t> </a:t>
+            </a:r>
+            <a:r>
+              <a:rPr lang="en-US" sz="1600" dirty="0" err="1"/>
+              <a:t>nakon</a:t>
+            </a:r>
+            <a:r>
+              <a:rPr lang="en-US" sz="1600" dirty="0"/>
+              <a:t> </a:t>
+            </a:r>
+            <a:r>
+              <a:rPr lang="en-US" sz="1600" dirty="0" err="1"/>
+              <a:t>eventa</a:t>
+            </a:r>
+            <a:r>
+              <a:rPr lang="en-US" sz="1600" dirty="0"/>
+              <a:t>.</a:t>
+            </a:r>
+          </a:p>
+        </p:txBody>
+      </p:sp>
+      <p:pic>
+        <p:nvPicPr>
+          <p:cNvPr id="3" name="Picture 2">
+            <a:extLst>
+              <a:ext uri="{FF2B5EF4-FFF2-40B4-BE49-F238E27FC236}">
+                <a16:creationId xmlns:a16="http://schemas.microsoft.com/office/drawing/2014/main" id="{AB336BC6-2565-875C-7A67-E7BD24D39800}"/>
+              </a:ext>
+            </a:extLst>
+          </p:cNvPr>
+          <p:cNvPicPr>
+            <a:picLocks noChangeAspect="1"/>
+          </p:cNvPicPr>
+          <p:nvPr/>
+        </p:nvPicPr>
+        <p:blipFill>
+          <a:blip r:embed="rId3"/>
+          <a:stretch>
+            <a:fillRect/>
+          </a:stretch>
+        </p:blipFill>
+        <p:spPr>
+          <a:xfrm>
+            <a:off x="1138047" y="1602846"/>
+            <a:ext cx="4545863" cy="2889563"/>
+          </a:xfrm>
+          <a:prstGeom prst="rect">
+            <a:avLst/>
+          </a:prstGeom>
+        </p:spPr>
+      </p:pic>
     </p:spTree>
     <p:extLst>
       <p:ext uri="{BB962C8B-B14F-4D97-AF65-F5344CB8AC3E}">
         <p14:creationId xmlns:p14="http://schemas.microsoft.com/office/powerpoint/2010/main" val="2492456155"/>
+      </p:ext>
+    </p:extLst>
+  </p:cSld>
+  <p:clrMapOvr>
+    <a:masterClrMapping/>
+  </p:clrMapOvr>
+</p:sld>
+</file>
+
+<file path=ppt/slides/slide36.xml><?xml version="1.0" encoding="utf-8"?>
+<p:sld xmlns:a="http://schemas.openxmlformats.org/drawingml/2006/main" xmlns:r="http://schemas.openxmlformats.org/officeDocument/2006/relationships" xmlns:p="http://schemas.openxmlformats.org/presentationml/2006/main">
+  <p:cSld>
+    <p:spTree>
+      <p:nvGrpSpPr>
+        <p:cNvPr id="1" name="">
+          <a:extLst>
+            <a:ext uri="{FF2B5EF4-FFF2-40B4-BE49-F238E27FC236}">
+              <a16:creationId xmlns:a16="http://schemas.microsoft.com/office/drawing/2014/main" id="{7D4E8A6A-23FC-2689-A644-619B6BC19CA6}"/>
+            </a:ext>
+          </a:extLst>
+        </p:cNvPr>
+        <p:cNvGrpSpPr/>
+        <p:nvPr/>
+      </p:nvGrpSpPr>
+      <p:grpSpPr>
+        <a:xfrm>
+          <a:off x="0" y="0"/>
+          <a:ext cx="0" cy="0"/>
+          <a:chOff x="0" y="0"/>
+          <a:chExt cx="0" cy="0"/>
+        </a:xfrm>
+      </p:grpSpPr>
+      <p:sp>
+        <p:nvSpPr>
+          <p:cNvPr id="2" name="Title 1">
+            <a:extLst>
+              <a:ext uri="{FF2B5EF4-FFF2-40B4-BE49-F238E27FC236}">
+                <a16:creationId xmlns:a16="http://schemas.microsoft.com/office/drawing/2014/main" id="{109CA89D-2C53-6510-7179-FDBE6FC9CCB0}"/>
+              </a:ext>
+            </a:extLst>
+          </p:cNvPr>
+          <p:cNvSpPr>
+            <a:spLocks noGrp="1"/>
+          </p:cNvSpPr>
+          <p:nvPr>
+            <p:ph type="title"/>
+          </p:nvPr>
+        </p:nvSpPr>
+        <p:spPr/>
+        <p:txBody>
+          <a:bodyPr/>
+          <a:lstStyle/>
+          <a:p>
+            <a:r>
+              <a:rPr lang="en-US" dirty="0"/>
+              <a:t>VJE</a:t>
+            </a:r>
+            <a:r>
+              <a:rPr lang="hr-HR" dirty="0"/>
+              <a:t>ž</a:t>
+            </a:r>
+            <a:r>
+              <a:rPr lang="en-US" dirty="0" err="1"/>
+              <a:t>ba</a:t>
+            </a:r>
+            <a:endParaRPr lang="hr-HR" dirty="0"/>
+          </a:p>
+        </p:txBody>
+      </p:sp>
+      <p:sp>
+        <p:nvSpPr>
+          <p:cNvPr id="6" name="Text Placeholder 5">
+            <a:extLst>
+              <a:ext uri="{FF2B5EF4-FFF2-40B4-BE49-F238E27FC236}">
+                <a16:creationId xmlns:a16="http://schemas.microsoft.com/office/drawing/2014/main" id="{ED910D2B-7A28-6B03-45F9-E0AE69B933AC}"/>
+              </a:ext>
+            </a:extLst>
+          </p:cNvPr>
+          <p:cNvSpPr>
+            <a:spLocks noGrp="1"/>
+          </p:cNvSpPr>
+          <p:nvPr>
+            <p:ph type="body" sz="half" idx="2"/>
+          </p:nvPr>
+        </p:nvSpPr>
+        <p:spPr/>
+        <p:txBody>
+          <a:bodyPr>
+            <a:normAutofit fontScale="85000" lnSpcReduction="20000"/>
+          </a:bodyPr>
+          <a:lstStyle/>
+          <a:p>
+            <a:pPr marL="285750" indent="-285750">
+              <a:buFontTx/>
+              <a:buChar char="-"/>
+            </a:pPr>
+            <a:r>
+              <a:rPr lang="en-US" dirty="0"/>
+              <a:t>- </a:t>
+            </a:r>
+            <a:r>
+              <a:rPr lang="en-US" dirty="0" err="1"/>
+              <a:t>Preuzmite</a:t>
+            </a:r>
+            <a:r>
+              <a:rPr lang="en-US" dirty="0"/>
+              <a:t> .zip </a:t>
+            </a:r>
+            <a:r>
+              <a:rPr lang="en-US" dirty="0" err="1"/>
+              <a:t>fajl</a:t>
+            </a:r>
+            <a:r>
+              <a:rPr lang="en-US" dirty="0"/>
+              <a:t> </a:t>
+            </a:r>
+            <a:r>
+              <a:rPr lang="en-US" dirty="0" err="1"/>
+              <a:t>sa</a:t>
+            </a:r>
+            <a:r>
+              <a:rPr lang="en-US" dirty="0"/>
+              <a:t> </a:t>
+            </a:r>
+            <a:r>
+              <a:rPr lang="en-US" dirty="0" err="1"/>
+              <a:t>osnovnim</a:t>
+            </a:r>
+            <a:r>
+              <a:rPr lang="en-US" dirty="0"/>
+              <a:t> </a:t>
+            </a:r>
+            <a:r>
+              <a:rPr lang="en-US" dirty="0" err="1"/>
+              <a:t>skeletonom</a:t>
+            </a:r>
+            <a:r>
+              <a:rPr lang="en-US" dirty="0"/>
+              <a:t> </a:t>
+            </a:r>
+            <a:r>
+              <a:rPr lang="en-US" dirty="0" err="1"/>
+              <a:t>websajta</a:t>
+            </a:r>
+            <a:r>
+              <a:rPr lang="en-US" dirty="0"/>
+              <a:t> za casino </a:t>
+            </a:r>
+            <a:r>
+              <a:rPr lang="en-US" dirty="0" err="1"/>
+              <a:t>igru</a:t>
+            </a:r>
+            <a:endParaRPr lang="en-US" dirty="0"/>
+          </a:p>
+          <a:p>
+            <a:pPr marL="285750" indent="-285750">
+              <a:buFontTx/>
+              <a:buChar char="-"/>
+            </a:pPr>
+            <a:r>
+              <a:rPr lang="en-US" dirty="0"/>
+              <a:t>- Na </a:t>
+            </a:r>
+            <a:r>
+              <a:rPr lang="en-US" dirty="0" err="1"/>
+              <a:t>vrhu</a:t>
+            </a:r>
+            <a:r>
+              <a:rPr lang="en-US" dirty="0"/>
+              <a:t> </a:t>
+            </a:r>
+            <a:r>
+              <a:rPr lang="en-US" dirty="0" err="1"/>
+              <a:t>stranice</a:t>
+            </a:r>
+            <a:r>
+              <a:rPr lang="en-US" dirty="0"/>
+              <a:t> h1 </a:t>
+            </a:r>
+            <a:r>
+              <a:rPr lang="en-US" dirty="0" err="1"/>
+              <a:t>naslov</a:t>
+            </a:r>
+            <a:r>
+              <a:rPr lang="en-US" dirty="0"/>
+              <a:t>: “Refresh Me”. </a:t>
+            </a:r>
+            <a:r>
+              <a:rPr lang="en-US" b="1" dirty="0"/>
+              <a:t>Font-family - Lobster</a:t>
+            </a:r>
+          </a:p>
+          <a:p>
+            <a:pPr marL="285750" indent="-285750">
+              <a:buFontTx/>
+              <a:buChar char="-"/>
+            </a:pPr>
+            <a:r>
+              <a:rPr lang="en-US" dirty="0"/>
+              <a:t>- </a:t>
+            </a:r>
+            <a:r>
+              <a:rPr lang="en-US" dirty="0" err="1"/>
+              <a:t>Ispod</a:t>
+            </a:r>
+            <a:r>
+              <a:rPr lang="en-US" dirty="0"/>
+              <a:t> </a:t>
+            </a:r>
+            <a:r>
+              <a:rPr lang="en-US" dirty="0" err="1"/>
+              <a:t>naslova</a:t>
+            </a:r>
+            <a:r>
+              <a:rPr lang="en-US" dirty="0"/>
+              <a:t> </a:t>
+            </a:r>
+            <a:r>
+              <a:rPr lang="en-US" dirty="0" err="1"/>
+              <a:t>dva</a:t>
+            </a:r>
+            <a:r>
+              <a:rPr lang="en-US" dirty="0"/>
+              <a:t> </a:t>
+            </a:r>
+            <a:r>
+              <a:rPr lang="en-US" dirty="0" err="1"/>
+              <a:t>odjeljka</a:t>
+            </a:r>
+            <a:r>
+              <a:rPr lang="en-US" dirty="0"/>
+              <a:t>: “Player 1” </a:t>
+            </a:r>
+            <a:r>
+              <a:rPr lang="en-US" dirty="0" err="1"/>
+              <a:t>i</a:t>
+            </a:r>
+            <a:r>
+              <a:rPr lang="en-US" dirty="0"/>
+              <a:t> “Player 2”, </a:t>
+            </a:r>
+            <a:r>
+              <a:rPr lang="en-US" dirty="0" err="1"/>
+              <a:t>svaki</a:t>
+            </a:r>
+            <a:r>
+              <a:rPr lang="en-US" dirty="0"/>
+              <a:t> </a:t>
+            </a:r>
+            <a:r>
+              <a:rPr lang="en-US" dirty="0" err="1"/>
+              <a:t>sa</a:t>
+            </a:r>
+            <a:r>
+              <a:rPr lang="en-US" dirty="0"/>
+              <a:t> </a:t>
+            </a:r>
+            <a:r>
+              <a:rPr lang="en-US" dirty="0" err="1"/>
+              <a:t>slikom</a:t>
+            </a:r>
+            <a:r>
+              <a:rPr lang="en-US" dirty="0"/>
+              <a:t> </a:t>
+            </a:r>
+            <a:r>
+              <a:rPr lang="en-US" dirty="0" err="1"/>
+              <a:t>kocke</a:t>
+            </a:r>
+            <a:r>
+              <a:rPr lang="en-US" dirty="0"/>
+              <a:t>. </a:t>
+            </a:r>
+            <a:r>
+              <a:rPr lang="en-US" b="1" dirty="0"/>
+              <a:t>font-family Indie flower</a:t>
+            </a:r>
+          </a:p>
+          <a:p>
+            <a:pPr marL="285750" indent="-285750">
+              <a:buFontTx/>
+              <a:buChar char="-"/>
+            </a:pPr>
+            <a:r>
+              <a:rPr lang="en-US" b="1" dirty="0"/>
+              <a:t>- </a:t>
+            </a:r>
+            <a:r>
+              <a:rPr lang="en-US" dirty="0"/>
+              <a:t>Footer</a:t>
+            </a:r>
+            <a:r>
+              <a:rPr lang="en-US" b="1" dirty="0"/>
+              <a:t> font-family Indie flower</a:t>
+            </a:r>
+          </a:p>
+          <a:p>
+            <a:pPr marL="285750" indent="-285750">
+              <a:buFontTx/>
+              <a:buChar char="-"/>
+            </a:pPr>
+            <a:r>
+              <a:rPr lang="en-US" dirty="0"/>
+              <a:t>- Pri </a:t>
+            </a:r>
+            <a:r>
+              <a:rPr lang="en-US" dirty="0" err="1"/>
+              <a:t>svakom</a:t>
+            </a:r>
+            <a:r>
+              <a:rPr lang="en-US" dirty="0"/>
+              <a:t> </a:t>
+            </a:r>
+            <a:r>
+              <a:rPr lang="en-US" dirty="0" err="1"/>
+              <a:t>osvježavanju</a:t>
+            </a:r>
+            <a:r>
+              <a:rPr lang="en-US" dirty="0"/>
+              <a:t> </a:t>
+            </a:r>
+            <a:r>
+              <a:rPr lang="en-US" dirty="0" err="1"/>
+              <a:t>stranice</a:t>
+            </a:r>
+            <a:r>
+              <a:rPr lang="en-US" dirty="0"/>
+              <a:t> (reload) </a:t>
+            </a:r>
+            <a:r>
+              <a:rPr lang="en-US" dirty="0" err="1"/>
+              <a:t>kocke</a:t>
+            </a:r>
+            <a:r>
+              <a:rPr lang="en-US" dirty="0"/>
+              <a:t> se </a:t>
+            </a:r>
+            <a:r>
+              <a:rPr lang="en-US" dirty="0" err="1"/>
+              <a:t>nasumično</a:t>
+            </a:r>
+            <a:r>
+              <a:rPr lang="en-US" dirty="0"/>
+              <a:t> “</a:t>
+            </a:r>
+            <a:r>
+              <a:rPr lang="en-US" dirty="0" err="1"/>
+              <a:t>bacaju</a:t>
+            </a:r>
+            <a:r>
+              <a:rPr lang="en-US" dirty="0"/>
+              <a:t>” – </a:t>
+            </a:r>
+            <a:r>
+              <a:rPr lang="en-US" dirty="0" err="1"/>
+              <a:t>mijenjaju</a:t>
+            </a:r>
+            <a:r>
+              <a:rPr lang="en-US" dirty="0"/>
+              <a:t> se </a:t>
+            </a:r>
+            <a:r>
+              <a:rPr lang="en-US" dirty="0" err="1"/>
+              <a:t>njihove</a:t>
+            </a:r>
+            <a:r>
+              <a:rPr lang="en-US" dirty="0"/>
+              <a:t> </a:t>
+            </a:r>
+            <a:r>
+              <a:rPr lang="en-US" dirty="0" err="1"/>
+              <a:t>vrijednosti</a:t>
+            </a:r>
+            <a:r>
+              <a:rPr lang="en-US" dirty="0"/>
+              <a:t> (1–6).</a:t>
+            </a:r>
+          </a:p>
+          <a:p>
+            <a:pPr marL="285750" indent="-285750">
+              <a:buFontTx/>
+              <a:buChar char="-"/>
+            </a:pPr>
+            <a:r>
+              <a:rPr lang="en-US" dirty="0"/>
+              <a:t>- Na </a:t>
+            </a:r>
+            <a:r>
+              <a:rPr lang="en-US" dirty="0" err="1"/>
+              <a:t>temelju</a:t>
+            </a:r>
+            <a:r>
+              <a:rPr lang="en-US" dirty="0"/>
+              <a:t> </a:t>
+            </a:r>
+            <a:r>
+              <a:rPr lang="en-US" dirty="0" err="1"/>
+              <a:t>većeg</a:t>
+            </a:r>
+            <a:r>
+              <a:rPr lang="en-US" dirty="0"/>
+              <a:t> </a:t>
+            </a:r>
+            <a:r>
+              <a:rPr lang="en-US" dirty="0" err="1"/>
+              <a:t>broja</a:t>
+            </a:r>
+            <a:r>
+              <a:rPr lang="en-US" dirty="0"/>
+              <a:t> </a:t>
+            </a:r>
+            <a:r>
+              <a:rPr lang="en-US" dirty="0" err="1"/>
+              <a:t>na</a:t>
+            </a:r>
+            <a:r>
+              <a:rPr lang="en-US" dirty="0"/>
+              <a:t> </a:t>
+            </a:r>
+            <a:r>
+              <a:rPr lang="en-US" dirty="0" err="1"/>
+              <a:t>kocki</a:t>
+            </a:r>
+            <a:r>
+              <a:rPr lang="en-US" dirty="0"/>
+              <a:t> </a:t>
+            </a:r>
+            <a:r>
+              <a:rPr lang="en-US" dirty="0" err="1"/>
+              <a:t>stranica</a:t>
+            </a:r>
+            <a:r>
+              <a:rPr lang="en-US" dirty="0"/>
+              <a:t> </a:t>
+            </a:r>
+            <a:r>
+              <a:rPr lang="en-US" dirty="0" err="1"/>
+              <a:t>ispisuje</a:t>
+            </a:r>
+            <a:r>
+              <a:rPr lang="en-US" dirty="0"/>
+              <a:t> </a:t>
+            </a:r>
+            <a:r>
+              <a:rPr lang="en-US" dirty="0" err="1"/>
+              <a:t>pobjednika</a:t>
+            </a:r>
+            <a:r>
+              <a:rPr lang="en-US" dirty="0"/>
+              <a:t> (“Player 1 Wins!”, “Player 2 Wins!” </a:t>
+            </a:r>
+            <a:r>
+              <a:rPr lang="en-US" dirty="0" err="1"/>
+              <a:t>ili</a:t>
+            </a:r>
+            <a:r>
+              <a:rPr lang="en-US" dirty="0"/>
+              <a:t> </a:t>
+            </a:r>
+            <a:r>
+              <a:rPr lang="en-US" dirty="0" err="1"/>
+              <a:t>neriješeno</a:t>
+            </a:r>
+            <a:r>
+              <a:rPr lang="en-US" dirty="0"/>
+              <a:t>).</a:t>
+            </a:r>
+          </a:p>
+          <a:p>
+            <a:pPr marL="285750" indent="-285750">
+              <a:buFontTx/>
+              <a:buChar char="-"/>
+            </a:pPr>
+            <a:endParaRPr lang="hr-HR" dirty="0"/>
+          </a:p>
+        </p:txBody>
+      </p:sp>
+      <p:pic>
+        <p:nvPicPr>
+          <p:cNvPr id="8" name="Picture 7">
+            <a:extLst>
+              <a:ext uri="{FF2B5EF4-FFF2-40B4-BE49-F238E27FC236}">
+                <a16:creationId xmlns:a16="http://schemas.microsoft.com/office/drawing/2014/main" id="{9D4F1ADC-CA49-30F5-6FE7-FBE51DE46BAE}"/>
+              </a:ext>
+            </a:extLst>
+          </p:cNvPr>
+          <p:cNvPicPr>
+            <a:picLocks noChangeAspect="1"/>
+          </p:cNvPicPr>
+          <p:nvPr/>
+        </p:nvPicPr>
+        <p:blipFill>
+          <a:blip r:embed="rId3"/>
+          <a:stretch>
+            <a:fillRect/>
+          </a:stretch>
+        </p:blipFill>
+        <p:spPr>
+          <a:xfrm>
+            <a:off x="6229962" y="437378"/>
+            <a:ext cx="5196322" cy="5706944"/>
+          </a:xfrm>
+          <a:prstGeom prst="rect">
+            <a:avLst/>
+          </a:prstGeom>
+        </p:spPr>
+      </p:pic>
+    </p:spTree>
+    <p:extLst>
+      <p:ext uri="{BB962C8B-B14F-4D97-AF65-F5344CB8AC3E}">
+        <p14:creationId xmlns:p14="http://schemas.microsoft.com/office/powerpoint/2010/main" val="1105035701"/>
+      </p:ext>
+    </p:extLst>
+  </p:cSld>
+  <p:clrMapOvr>
+    <a:masterClrMapping/>
+  </p:clrMapOvr>
+</p:sld>
+</file>
+
+<file path=ppt/slides/slide37.xml><?xml version="1.0" encoding="utf-8"?>
+<p:sld xmlns:a="http://schemas.openxmlformats.org/drawingml/2006/main" xmlns:r="http://schemas.openxmlformats.org/officeDocument/2006/relationships" xmlns:p="http://schemas.openxmlformats.org/presentationml/2006/main">
+  <p:cSld>
+    <p:spTree>
+      <p:nvGrpSpPr>
+        <p:cNvPr id="1" name="">
+          <a:extLst>
+            <a:ext uri="{FF2B5EF4-FFF2-40B4-BE49-F238E27FC236}">
+              <a16:creationId xmlns:a16="http://schemas.microsoft.com/office/drawing/2014/main" id="{18935ED6-5D94-5F0E-BDB9-C1056E7EEF38}"/>
+            </a:ext>
+          </a:extLst>
+        </p:cNvPr>
+        <p:cNvGrpSpPr/>
+        <p:nvPr/>
+      </p:nvGrpSpPr>
+      <p:grpSpPr>
+        <a:xfrm>
+          <a:off x="0" y="0"/>
+          <a:ext cx="0" cy="0"/>
+          <a:chOff x="0" y="0"/>
+          <a:chExt cx="0" cy="0"/>
+        </a:xfrm>
+      </p:grpSpPr>
+      <p:sp>
+        <p:nvSpPr>
+          <p:cNvPr id="2" name="Title 1">
+            <a:extLst>
+              <a:ext uri="{FF2B5EF4-FFF2-40B4-BE49-F238E27FC236}">
+                <a16:creationId xmlns:a16="http://schemas.microsoft.com/office/drawing/2014/main" id="{CC9744EA-9F7E-B19E-12A4-30452F7252AB}"/>
+              </a:ext>
+            </a:extLst>
+          </p:cNvPr>
+          <p:cNvSpPr>
+            <a:spLocks noGrp="1"/>
+          </p:cNvSpPr>
+          <p:nvPr>
+            <p:ph type="title"/>
+          </p:nvPr>
+        </p:nvSpPr>
+        <p:spPr/>
+        <p:txBody>
+          <a:bodyPr/>
+          <a:lstStyle/>
+          <a:p>
+            <a:r>
+              <a:rPr lang="en-US" dirty="0"/>
+              <a:t>VJE</a:t>
+            </a:r>
+            <a:r>
+              <a:rPr lang="hr-HR" dirty="0"/>
+              <a:t>ž</a:t>
+            </a:r>
+            <a:r>
+              <a:rPr lang="en-US" dirty="0" err="1"/>
+              <a:t>ba</a:t>
+            </a:r>
+            <a:endParaRPr lang="hr-HR" dirty="0"/>
+          </a:p>
+        </p:txBody>
+      </p:sp>
+      <p:sp>
+        <p:nvSpPr>
+          <p:cNvPr id="6" name="Text Placeholder 5">
+            <a:extLst>
+              <a:ext uri="{FF2B5EF4-FFF2-40B4-BE49-F238E27FC236}">
+                <a16:creationId xmlns:a16="http://schemas.microsoft.com/office/drawing/2014/main" id="{E303F1BC-28EF-5D4A-9731-F2D85CDD42B3}"/>
+              </a:ext>
+            </a:extLst>
+          </p:cNvPr>
+          <p:cNvSpPr>
+            <a:spLocks noGrp="1"/>
+          </p:cNvSpPr>
+          <p:nvPr>
+            <p:ph type="body" sz="half" idx="2"/>
+          </p:nvPr>
+        </p:nvSpPr>
+        <p:spPr/>
+        <p:txBody>
+          <a:bodyPr>
+            <a:normAutofit/>
+          </a:bodyPr>
+          <a:lstStyle/>
+          <a:p>
+            <a:pPr marL="285750" indent="-285750">
+              <a:buFontTx/>
+              <a:buChar char="-"/>
+            </a:pPr>
+            <a:r>
+              <a:rPr lang="en-US" dirty="0"/>
+              <a:t>- </a:t>
+            </a:r>
+            <a:r>
+              <a:rPr lang="en-US" dirty="0" err="1"/>
+              <a:t>Replicirajte</a:t>
+            </a:r>
+            <a:r>
+              <a:rPr lang="en-US" dirty="0"/>
+              <a:t> </a:t>
+            </a:r>
+            <a:r>
+              <a:rPr lang="en-US" dirty="0" err="1"/>
+              <a:t>sajt</a:t>
+            </a:r>
+            <a:r>
+              <a:rPr lang="en-US" dirty="0"/>
+              <a:t> </a:t>
+            </a:r>
+            <a:r>
+              <a:rPr lang="en-US" dirty="0" err="1"/>
+              <a:t>sa</a:t>
+            </a:r>
+            <a:r>
+              <a:rPr lang="en-US" dirty="0"/>
+              <a:t> </a:t>
+            </a:r>
+            <a:r>
+              <a:rPr lang="en-US" dirty="0" err="1"/>
+              <a:t>slike</a:t>
+            </a:r>
+            <a:endParaRPr lang="en-US" dirty="0"/>
+          </a:p>
+          <a:p>
+            <a:pPr marL="285750" indent="-285750">
+              <a:buFontTx/>
+              <a:buChar char="-"/>
+            </a:pPr>
+            <a:r>
+              <a:rPr lang="en-US" dirty="0"/>
+              <a:t>- Kada se </a:t>
+            </a:r>
+            <a:r>
+              <a:rPr lang="en-US" dirty="0" err="1"/>
+              <a:t>unese</a:t>
+            </a:r>
+            <a:r>
+              <a:rPr lang="en-US" dirty="0"/>
+              <a:t> text u input field, </a:t>
+            </a:r>
+            <a:r>
+              <a:rPr lang="en-US" dirty="0" err="1"/>
+              <a:t>kada</a:t>
+            </a:r>
+            <a:r>
+              <a:rPr lang="en-US" dirty="0"/>
+              <a:t> se </a:t>
+            </a:r>
+            <a:r>
+              <a:rPr lang="en-US" dirty="0" err="1"/>
+              <a:t>klikne</a:t>
+            </a:r>
+            <a:r>
+              <a:rPr lang="en-US" dirty="0"/>
+              <a:t> </a:t>
+            </a:r>
+            <a:r>
+              <a:rPr lang="en-US" dirty="0" err="1"/>
+              <a:t>na</a:t>
+            </a:r>
+            <a:r>
+              <a:rPr lang="en-US" dirty="0"/>
+              <a:t> button add, item se </a:t>
+            </a:r>
+            <a:r>
+              <a:rPr lang="en-US" dirty="0" err="1"/>
+              <a:t>dodaje</a:t>
+            </a:r>
+            <a:r>
+              <a:rPr lang="en-US" dirty="0"/>
+              <a:t> u </a:t>
+            </a:r>
+            <a:r>
+              <a:rPr lang="en-US" dirty="0" err="1"/>
+              <a:t>listu</a:t>
+            </a:r>
+            <a:endParaRPr lang="en-US" dirty="0"/>
+          </a:p>
+          <a:p>
+            <a:pPr marL="285750" indent="-285750">
+              <a:buFontTx/>
+              <a:buChar char="-"/>
+            </a:pPr>
+            <a:endParaRPr lang="hr-HR" dirty="0"/>
+          </a:p>
+        </p:txBody>
+      </p:sp>
+      <p:pic>
+        <p:nvPicPr>
+          <p:cNvPr id="4" name="Picture 3">
+            <a:extLst>
+              <a:ext uri="{FF2B5EF4-FFF2-40B4-BE49-F238E27FC236}">
+                <a16:creationId xmlns:a16="http://schemas.microsoft.com/office/drawing/2014/main" id="{82F0F5F7-23F1-88C2-5C1B-9EBA33464507}"/>
+              </a:ext>
+            </a:extLst>
+          </p:cNvPr>
+          <p:cNvPicPr>
+            <a:picLocks noChangeAspect="1"/>
+          </p:cNvPicPr>
+          <p:nvPr/>
+        </p:nvPicPr>
+        <p:blipFill>
+          <a:blip r:embed="rId3"/>
+          <a:stretch>
+            <a:fillRect/>
+          </a:stretch>
+        </p:blipFill>
+        <p:spPr>
+          <a:xfrm>
+            <a:off x="6425184" y="2274531"/>
+            <a:ext cx="3657600" cy="1533525"/>
+          </a:xfrm>
+          <a:prstGeom prst="rect">
+            <a:avLst/>
+          </a:prstGeom>
+        </p:spPr>
+      </p:pic>
+    </p:spTree>
+    <p:extLst>
+      <p:ext uri="{BB962C8B-B14F-4D97-AF65-F5344CB8AC3E}">
+        <p14:creationId xmlns:p14="http://schemas.microsoft.com/office/powerpoint/2010/main" val="4235414391"/>
       </p:ext>
     </p:extLst>
   </p:cSld>
@@ -29991,12 +30245,14 @@
 </file>
 
 <file path=customXml/item1.xml><?xml version="1.0" encoding="utf-8"?>
-<?mso-contentType ?>
-<FormTemplates xmlns="http://schemas.microsoft.com/sharepoint/v3/contenttype/forms">
-  <Display>DocumentLibraryForm</Display>
-  <Edit>DocumentLibraryForm</Edit>
-  <New>DocumentLibraryForm</New>
-</FormTemplates>
+<p:properties xmlns:p="http://schemas.microsoft.com/office/2006/metadata/properties" xmlns:xsi="http://www.w3.org/2001/XMLSchema-instance" xmlns:pc="http://schemas.microsoft.com/office/infopath/2007/PartnerControls">
+  <documentManagement>
+    <lcf76f155ced4ddcb4097134ff3c332f xmlns="40806f44-bc4a-4ea4-b660-c6da93f8f179">
+      <Terms xmlns="http://schemas.microsoft.com/office/infopath/2007/PartnerControls"/>
+    </lcf76f155ced4ddcb4097134ff3c332f>
+    <TaxCatchAll xmlns="758d0d8f-b783-4c78-ab73-9740c97b97cf" xsi:nil="true"/>
+  </documentManagement>
+</p:properties>
 </file>
 
 <file path=customXml/item2.xml><?xml version="1.0" encoding="utf-8"?>
@@ -30217,20 +30473,27 @@
 </file>
 
 <file path=customXml/item3.xml><?xml version="1.0" encoding="utf-8"?>
-<p:properties xmlns:p="http://schemas.microsoft.com/office/2006/metadata/properties" xmlns:xsi="http://www.w3.org/2001/XMLSchema-instance" xmlns:pc="http://schemas.microsoft.com/office/infopath/2007/PartnerControls">
-  <documentManagement>
-    <lcf76f155ced4ddcb4097134ff3c332f xmlns="40806f44-bc4a-4ea4-b660-c6da93f8f179">
-      <Terms xmlns="http://schemas.microsoft.com/office/infopath/2007/PartnerControls"/>
-    </lcf76f155ced4ddcb4097134ff3c332f>
-    <TaxCatchAll xmlns="758d0d8f-b783-4c78-ab73-9740c97b97cf" xsi:nil="true"/>
-  </documentManagement>
-</p:properties>
+<?mso-contentType ?>
+<FormTemplates xmlns="http://schemas.microsoft.com/sharepoint/v3/contenttype/forms">
+  <Display>DocumentLibraryForm</Display>
+  <Edit>DocumentLibraryForm</Edit>
+  <New>DocumentLibraryForm</New>
+</FormTemplates>
 </file>
 
 <file path=customXml/itemProps1.xml><?xml version="1.0" encoding="utf-8"?>
-<ds:datastoreItem xmlns:ds="http://schemas.openxmlformats.org/officeDocument/2006/customXml" ds:itemID="{46915D30-CAA6-465E-907F-1770D4E3B01D}">
+<ds:datastoreItem xmlns:ds="http://schemas.openxmlformats.org/officeDocument/2006/customXml" ds:itemID="{61E72F81-8533-461E-8E71-A6D77294CFEF}">
   <ds:schemaRefs>
-    <ds:schemaRef ds:uri="http://schemas.microsoft.com/sharepoint/v3/contenttype/forms"/>
+    <ds:schemaRef ds:uri="http://purl.org/dc/elements/1.1/"/>
+    <ds:schemaRef ds:uri="http://www.w3.org/XML/1998/namespace"/>
+    <ds:schemaRef ds:uri="http://purl.org/dc/terms/"/>
+    <ds:schemaRef ds:uri="http://schemas.microsoft.com/office/2006/documentManagement/types"/>
+    <ds:schemaRef ds:uri="40806f44-bc4a-4ea4-b660-c6da93f8f179"/>
+    <ds:schemaRef ds:uri="http://schemas.openxmlformats.org/package/2006/metadata/core-properties"/>
+    <ds:schemaRef ds:uri="http://purl.org/dc/dcmitype/"/>
+    <ds:schemaRef ds:uri="http://schemas.microsoft.com/office/infopath/2007/PartnerControls"/>
+    <ds:schemaRef ds:uri="758d0d8f-b783-4c78-ab73-9740c97b97cf"/>
+    <ds:schemaRef ds:uri="http://schemas.microsoft.com/office/2006/metadata/properties"/>
   </ds:schemaRefs>
 </ds:datastoreItem>
 </file>
@@ -30255,18 +30518,9 @@
 </file>
 
 <file path=customXml/itemProps3.xml><?xml version="1.0" encoding="utf-8"?>
-<ds:datastoreItem xmlns:ds="http://schemas.openxmlformats.org/officeDocument/2006/customXml" ds:itemID="{61E72F81-8533-461E-8E71-A6D77294CFEF}">
+<ds:datastoreItem xmlns:ds="http://schemas.openxmlformats.org/officeDocument/2006/customXml" ds:itemID="{46915D30-CAA6-465E-907F-1770D4E3B01D}">
   <ds:schemaRefs>
-    <ds:schemaRef ds:uri="http://purl.org/dc/elements/1.1/"/>
-    <ds:schemaRef ds:uri="http://www.w3.org/XML/1998/namespace"/>
-    <ds:schemaRef ds:uri="http://purl.org/dc/terms/"/>
-    <ds:schemaRef ds:uri="http://schemas.microsoft.com/office/2006/documentManagement/types"/>
-    <ds:schemaRef ds:uri="40806f44-bc4a-4ea4-b660-c6da93f8f179"/>
-    <ds:schemaRef ds:uri="http://schemas.openxmlformats.org/package/2006/metadata/core-properties"/>
-    <ds:schemaRef ds:uri="http://purl.org/dc/dcmitype/"/>
-    <ds:schemaRef ds:uri="http://schemas.microsoft.com/office/infopath/2007/PartnerControls"/>
-    <ds:schemaRef ds:uri="758d0d8f-b783-4c78-ab73-9740c97b97cf"/>
-    <ds:schemaRef ds:uri="http://schemas.microsoft.com/office/2006/metadata/properties"/>
+    <ds:schemaRef ds:uri="http://schemas.microsoft.com/sharepoint/v3/contenttype/forms"/>
   </ds:schemaRefs>
 </ds:datastoreItem>
 </file>
--- a/Bootcamp/javascript-uvod/javascript-uvod.pptx
+++ b/Bootcamp/javascript-uvod/javascript-uvod.pptx
@@ -5,7 +5,7 @@
     <p:sldMasterId id="2147483648" r:id="rId4"/>
   </p:sldMasterIdLst>
   <p:notesMasterIdLst>
-    <p:notesMasterId r:id="rId42"/>
+    <p:notesMasterId r:id="rId49"/>
   </p:notesMasterIdLst>
   <p:sldIdLst>
     <p:sldId id="282" r:id="rId5"/>
@@ -43,8 +43,15 @@
     <p:sldId id="375" r:id="rId37"/>
     <p:sldId id="376" r:id="rId38"/>
     <p:sldId id="383" r:id="rId39"/>
-    <p:sldId id="382" r:id="rId40"/>
-    <p:sldId id="384" r:id="rId41"/>
+    <p:sldId id="384" r:id="rId40"/>
+    <p:sldId id="385" r:id="rId41"/>
+    <p:sldId id="382" r:id="rId42"/>
+    <p:sldId id="386" r:id="rId43"/>
+    <p:sldId id="387" r:id="rId44"/>
+    <p:sldId id="388" r:id="rId45"/>
+    <p:sldId id="389" r:id="rId46"/>
+    <p:sldId id="390" r:id="rId47"/>
+    <p:sldId id="391" r:id="rId48"/>
   </p:sldIdLst>
   <p:sldSz cx="12192000" cy="6858000"/>
   <p:notesSz cx="6858000" cy="9144000"/>
@@ -187,8 +194,15 @@
             <p14:sldId id="375"/>
             <p14:sldId id="376"/>
             <p14:sldId id="383"/>
+            <p14:sldId id="384"/>
+            <p14:sldId id="385"/>
             <p14:sldId id="382"/>
-            <p14:sldId id="384"/>
+            <p14:sldId id="386"/>
+            <p14:sldId id="387"/>
+            <p14:sldId id="388"/>
+            <p14:sldId id="389"/>
+            <p14:sldId id="390"/>
+            <p14:sldId id="391"/>
           </p14:sldIdLst>
         </p14:section>
       </p14:sectionLst>
@@ -293,7 +307,7 @@
           <a:p>
             <a:fld id="{B2A70591-2E3C-5F42-A4E1-C0F5A0F4E5DB}" type="datetimeFigureOut">
               <a:rPr lang="en-US" smtClean="0"/>
-              <a:t>5/14/2025</a:t>
+              <a:t>5/15/2025</a:t>
             </a:fld>
             <a:endParaRPr lang="en-US"/>
           </a:p>
@@ -3911,7 +3925,7 @@
         <p:cNvPr id="1" name="">
           <a:extLst>
             <a:ext uri="{FF2B5EF4-FFF2-40B4-BE49-F238E27FC236}">
-              <a16:creationId xmlns:a16="http://schemas.microsoft.com/office/drawing/2014/main" id="{F93B3166-2331-F359-FE1C-0DCD50CA6809}"/>
+              <a16:creationId xmlns:a16="http://schemas.microsoft.com/office/drawing/2014/main" id="{9B23069A-9FB3-296C-33F0-8F6DD269FC1A}"/>
             </a:ext>
           </a:extLst>
         </p:cNvPr>
@@ -3931,7 +3945,7 @@
           <p:cNvPr id="2" name="Slide Image Placeholder 1">
             <a:extLst>
               <a:ext uri="{FF2B5EF4-FFF2-40B4-BE49-F238E27FC236}">
-                <a16:creationId xmlns:a16="http://schemas.microsoft.com/office/drawing/2014/main" id="{64C5F5F6-7E36-F817-B99C-095EA9752DAB}"/>
+                <a16:creationId xmlns:a16="http://schemas.microsoft.com/office/drawing/2014/main" id="{536F4729-7E37-DC14-6099-A645147E3139}"/>
               </a:ext>
             </a:extLst>
           </p:cNvPr>
@@ -3949,7 +3963,7 @@
           <p:cNvPr id="3" name="Notes Placeholder 2">
             <a:extLst>
               <a:ext uri="{FF2B5EF4-FFF2-40B4-BE49-F238E27FC236}">
-                <a16:creationId xmlns:a16="http://schemas.microsoft.com/office/drawing/2014/main" id="{9D08AD06-0871-F396-73AC-827D5E34A624}"/>
+                <a16:creationId xmlns:a16="http://schemas.microsoft.com/office/drawing/2014/main" id="{A9CBE29A-5035-FCA0-6AE4-DFBFD7714037}"/>
               </a:ext>
             </a:extLst>
           </p:cNvPr>
@@ -3974,7 +3988,7 @@
           <p:cNvPr id="4" name="Slide Number Placeholder 3">
             <a:extLst>
               <a:ext uri="{FF2B5EF4-FFF2-40B4-BE49-F238E27FC236}">
-                <a16:creationId xmlns:a16="http://schemas.microsoft.com/office/drawing/2014/main" id="{39F5D908-A356-949A-AC22-AFC5E5D95789}"/>
+                <a16:creationId xmlns:a16="http://schemas.microsoft.com/office/drawing/2014/main" id="{10076ACD-DFAA-36E3-2231-DAE75C75D0FE}"/>
               </a:ext>
             </a:extLst>
           </p:cNvPr>
@@ -4001,7 +4015,7 @@
     </p:spTree>
     <p:extLst>
       <p:ext uri="{BB962C8B-B14F-4D97-AF65-F5344CB8AC3E}">
-        <p14:creationId xmlns:p14="http://schemas.microsoft.com/office/powerpoint/2010/main" val="3162088856"/>
+        <p14:creationId xmlns:p14="http://schemas.microsoft.com/office/powerpoint/2010/main" val="783304836"/>
       </p:ext>
     </p:extLst>
   </p:cSld>
@@ -4019,7 +4033,7 @@
         <p:cNvPr id="1" name="">
           <a:extLst>
             <a:ext uri="{FF2B5EF4-FFF2-40B4-BE49-F238E27FC236}">
-              <a16:creationId xmlns:a16="http://schemas.microsoft.com/office/drawing/2014/main" id="{9B23069A-9FB3-296C-33F0-8F6DD269FC1A}"/>
+              <a16:creationId xmlns:a16="http://schemas.microsoft.com/office/drawing/2014/main" id="{2611540E-E402-60F5-71F1-FF32F4F4C008}"/>
             </a:ext>
           </a:extLst>
         </p:cNvPr>
@@ -4039,7 +4053,7 @@
           <p:cNvPr id="2" name="Slide Image Placeholder 1">
             <a:extLst>
               <a:ext uri="{FF2B5EF4-FFF2-40B4-BE49-F238E27FC236}">
-                <a16:creationId xmlns:a16="http://schemas.microsoft.com/office/drawing/2014/main" id="{536F4729-7E37-DC14-6099-A645147E3139}"/>
+                <a16:creationId xmlns:a16="http://schemas.microsoft.com/office/drawing/2014/main" id="{5EEE7EA1-05A7-E9A7-A558-5D000E936F2E}"/>
               </a:ext>
             </a:extLst>
           </p:cNvPr>
@@ -4057,7 +4071,7 @@
           <p:cNvPr id="3" name="Notes Placeholder 2">
             <a:extLst>
               <a:ext uri="{FF2B5EF4-FFF2-40B4-BE49-F238E27FC236}">
-                <a16:creationId xmlns:a16="http://schemas.microsoft.com/office/drawing/2014/main" id="{A9CBE29A-5035-FCA0-6AE4-DFBFD7714037}"/>
+                <a16:creationId xmlns:a16="http://schemas.microsoft.com/office/drawing/2014/main" id="{AD74D406-5A50-D80F-FABA-D3B83781B390}"/>
               </a:ext>
             </a:extLst>
           </p:cNvPr>
@@ -4073,6 +4087,124 @@
           <a:bodyPr/>
           <a:lstStyle/>
           <a:p>
+            <a:pPr marL="0" marR="0" lvl="0" indent="0" algn="l" defTabSz="914400" rtl="0" eaLnBrk="1" fontAlgn="auto" latinLnBrk="0" hangingPunct="1">
+              <a:lnSpc>
+                <a:spcPct val="100000"/>
+              </a:lnSpc>
+              <a:spcBef>
+                <a:spcPts val="0"/>
+              </a:spcBef>
+              <a:spcAft>
+                <a:spcPts val="0"/>
+              </a:spcAft>
+              <a:buClrTx/>
+              <a:buSzTx/>
+              <a:buFontTx/>
+              <a:buNone/>
+              <a:tabLst/>
+              <a:defRPr/>
+            </a:pPr>
+            <a:r>
+              <a:rPr lang="en-US" b="0" dirty="0">
+                <a:solidFill>
+                  <a:srgbClr val="D4D4D4"/>
+                </a:solidFill>
+                <a:effectLst/>
+                <a:latin typeface="Consolas" panose="020B0609020204030204" pitchFamily="49" charset="0"/>
+              </a:rPr>
+              <a:t>POKAZI IM DEBUGGER U CHROMU</a:t>
+            </a:r>
+          </a:p>
+          <a:p>
+            <a:pPr marL="0" marR="0" lvl="0" indent="0" algn="l" defTabSz="914400" rtl="0" eaLnBrk="1" fontAlgn="auto" latinLnBrk="0" hangingPunct="1">
+              <a:lnSpc>
+                <a:spcPct val="100000"/>
+              </a:lnSpc>
+              <a:spcBef>
+                <a:spcPts val="0"/>
+              </a:spcBef>
+              <a:spcAft>
+                <a:spcPts val="0"/>
+              </a:spcAft>
+              <a:buClrTx/>
+              <a:buSzTx/>
+              <a:buFontTx/>
+              <a:buNone/>
+              <a:tabLst/>
+              <a:defRPr/>
+            </a:pPr>
+            <a:endParaRPr lang="en-US" b="0" dirty="0">
+              <a:solidFill>
+                <a:srgbClr val="D4D4D4"/>
+              </a:solidFill>
+              <a:effectLst/>
+              <a:latin typeface="Consolas" panose="020B0609020204030204" pitchFamily="49" charset="0"/>
+            </a:endParaRPr>
+          </a:p>
+          <a:p>
+            <a:pPr marL="0" marR="0" lvl="0" indent="0" algn="l" defTabSz="914400" rtl="0" eaLnBrk="1" fontAlgn="auto" latinLnBrk="0" hangingPunct="1">
+              <a:lnSpc>
+                <a:spcPct val="100000"/>
+              </a:lnSpc>
+              <a:spcBef>
+                <a:spcPts val="0"/>
+              </a:spcBef>
+              <a:spcAft>
+                <a:spcPts val="0"/>
+              </a:spcAft>
+              <a:buClrTx/>
+              <a:buSzTx/>
+              <a:buFontTx/>
+              <a:buNone/>
+              <a:tabLst/>
+              <a:defRPr/>
+            </a:pPr>
+            <a:r>
+              <a:rPr lang="hr-HR" b="0" dirty="0">
+                <a:solidFill>
+                  <a:srgbClr val="D4D4D4"/>
+                </a:solidFill>
+                <a:effectLst/>
+                <a:latin typeface="Consolas" panose="020B0609020204030204" pitchFamily="49" charset="0"/>
+              </a:rPr>
+              <a:t>debugger;</a:t>
+            </a:r>
+            <a:endParaRPr lang="en-US" b="0" dirty="0">
+              <a:solidFill>
+                <a:srgbClr val="D4D4D4"/>
+              </a:solidFill>
+              <a:effectLst/>
+              <a:latin typeface="Consolas" panose="020B0609020204030204" pitchFamily="49" charset="0"/>
+            </a:endParaRPr>
+          </a:p>
+          <a:p>
+            <a:pPr marL="0" marR="0" lvl="0" indent="0" algn="l" defTabSz="914400" rtl="0" eaLnBrk="1" fontAlgn="auto" latinLnBrk="0" hangingPunct="1">
+              <a:lnSpc>
+                <a:spcPct val="100000"/>
+              </a:lnSpc>
+              <a:spcBef>
+                <a:spcPts val="0"/>
+              </a:spcBef>
+              <a:spcAft>
+                <a:spcPts val="0"/>
+              </a:spcAft>
+              <a:buClrTx/>
+              <a:buSzTx/>
+              <a:buFontTx/>
+              <a:buNone/>
+              <a:tabLst/>
+              <a:defRPr/>
+            </a:pPr>
+            <a:r>
+              <a:rPr lang="hr-HR" b="0" dirty="0">
+                <a:solidFill>
+                  <a:srgbClr val="D4D4D4"/>
+                </a:solidFill>
+                <a:effectLst/>
+                <a:latin typeface="Consolas" panose="020B0609020204030204" pitchFamily="49" charset="0"/>
+              </a:rPr>
+              <a:t>calculator(3, 4, multiply);</a:t>
+            </a:r>
             <a:endParaRPr lang="hr-HR" dirty="0"/>
           </a:p>
         </p:txBody>
@@ -4082,7 +4214,7 @@
           <p:cNvPr id="4" name="Slide Number Placeholder 3">
             <a:extLst>
               <a:ext uri="{FF2B5EF4-FFF2-40B4-BE49-F238E27FC236}">
-                <a16:creationId xmlns:a16="http://schemas.microsoft.com/office/drawing/2014/main" id="{10076ACD-DFAA-36E3-2231-DAE75C75D0FE}"/>
+                <a16:creationId xmlns:a16="http://schemas.microsoft.com/office/drawing/2014/main" id="{632D1CBA-272A-D19C-7874-3312EE45DE3C}"/>
               </a:ext>
             </a:extLst>
           </p:cNvPr>
@@ -4109,7 +4241,449 @@
     </p:spTree>
     <p:extLst>
       <p:ext uri="{BB962C8B-B14F-4D97-AF65-F5344CB8AC3E}">
-        <p14:creationId xmlns:p14="http://schemas.microsoft.com/office/powerpoint/2010/main" val="783304836"/>
+        <p14:creationId xmlns:p14="http://schemas.microsoft.com/office/powerpoint/2010/main" val="806139895"/>
+      </p:ext>
+    </p:extLst>
+  </p:cSld>
+  <p:clrMapOvr>
+    <a:masterClrMapping/>
+  </p:clrMapOvr>
+</p:notes>
+</file>
+
+<file path=ppt/notesSlides/notesSlide37.xml><?xml version="1.0" encoding="utf-8"?>
+<p:notes xmlns:a="http://schemas.openxmlformats.org/drawingml/2006/main" xmlns:r="http://schemas.openxmlformats.org/officeDocument/2006/relationships" xmlns:p="http://schemas.openxmlformats.org/presentationml/2006/main">
+  <p:cSld>
+    <p:spTree>
+      <p:nvGrpSpPr>
+        <p:cNvPr id="1" name="">
+          <a:extLst>
+            <a:ext uri="{FF2B5EF4-FFF2-40B4-BE49-F238E27FC236}">
+              <a16:creationId xmlns:a16="http://schemas.microsoft.com/office/drawing/2014/main" id="{F93B3166-2331-F359-FE1C-0DCD50CA6809}"/>
+            </a:ext>
+          </a:extLst>
+        </p:cNvPr>
+        <p:cNvGrpSpPr/>
+        <p:nvPr/>
+      </p:nvGrpSpPr>
+      <p:grpSpPr>
+        <a:xfrm>
+          <a:off x="0" y="0"/>
+          <a:ext cx="0" cy="0"/>
+          <a:chOff x="0" y="0"/>
+          <a:chExt cx="0" cy="0"/>
+        </a:xfrm>
+      </p:grpSpPr>
+      <p:sp>
+        <p:nvSpPr>
+          <p:cNvPr id="2" name="Slide Image Placeholder 1">
+            <a:extLst>
+              <a:ext uri="{FF2B5EF4-FFF2-40B4-BE49-F238E27FC236}">
+                <a16:creationId xmlns:a16="http://schemas.microsoft.com/office/drawing/2014/main" id="{64C5F5F6-7E36-F817-B99C-095EA9752DAB}"/>
+              </a:ext>
+            </a:extLst>
+          </p:cNvPr>
+          <p:cNvSpPr>
+            <a:spLocks noGrp="1" noRot="1" noChangeAspect="1"/>
+          </p:cNvSpPr>
+          <p:nvPr>
+            <p:ph type="sldImg"/>
+          </p:nvPr>
+        </p:nvSpPr>
+        <p:spPr/>
+      </p:sp>
+      <p:sp>
+        <p:nvSpPr>
+          <p:cNvPr id="3" name="Notes Placeholder 2">
+            <a:extLst>
+              <a:ext uri="{FF2B5EF4-FFF2-40B4-BE49-F238E27FC236}">
+                <a16:creationId xmlns:a16="http://schemas.microsoft.com/office/drawing/2014/main" id="{9D08AD06-0871-F396-73AC-827D5E34A624}"/>
+              </a:ext>
+            </a:extLst>
+          </p:cNvPr>
+          <p:cNvSpPr>
+            <a:spLocks noGrp="1"/>
+          </p:cNvSpPr>
+          <p:nvPr>
+            <p:ph type="body" idx="1"/>
+          </p:nvPr>
+        </p:nvSpPr>
+        <p:spPr/>
+        <p:txBody>
+          <a:bodyPr/>
+          <a:lstStyle/>
+          <a:p>
+            <a:endParaRPr lang="hr-HR" dirty="0"/>
+          </a:p>
+        </p:txBody>
+      </p:sp>
+      <p:sp>
+        <p:nvSpPr>
+          <p:cNvPr id="4" name="Slide Number Placeholder 3">
+            <a:extLst>
+              <a:ext uri="{FF2B5EF4-FFF2-40B4-BE49-F238E27FC236}">
+                <a16:creationId xmlns:a16="http://schemas.microsoft.com/office/drawing/2014/main" id="{39F5D908-A356-949A-AC22-AFC5E5D95789}"/>
+              </a:ext>
+            </a:extLst>
+          </p:cNvPr>
+          <p:cNvSpPr>
+            <a:spLocks noGrp="1"/>
+          </p:cNvSpPr>
+          <p:nvPr>
+            <p:ph type="sldNum" sz="quarter" idx="5"/>
+          </p:nvPr>
+        </p:nvSpPr>
+        <p:spPr/>
+        <p:txBody>
+          <a:bodyPr/>
+          <a:lstStyle/>
+          <a:p>
+            <a:fld id="{343B951A-A665-1949-AEDB-B62DC9BE7F13}" type="slidenum">
+              <a:rPr lang="en-US" smtClean="0"/>
+              <a:t>38</a:t>
+            </a:fld>
+            <a:endParaRPr lang="en-US"/>
+          </a:p>
+        </p:txBody>
+      </p:sp>
+    </p:spTree>
+    <p:extLst>
+      <p:ext uri="{BB962C8B-B14F-4D97-AF65-F5344CB8AC3E}">
+        <p14:creationId xmlns:p14="http://schemas.microsoft.com/office/powerpoint/2010/main" val="3162088856"/>
+      </p:ext>
+    </p:extLst>
+  </p:cSld>
+  <p:clrMapOvr>
+    <a:masterClrMapping/>
+  </p:clrMapOvr>
+</p:notes>
+</file>
+
+<file path=ppt/notesSlides/notesSlide38.xml><?xml version="1.0" encoding="utf-8"?>
+<p:notes xmlns:a="http://schemas.openxmlformats.org/drawingml/2006/main" xmlns:r="http://schemas.openxmlformats.org/officeDocument/2006/relationships" xmlns:p="http://schemas.openxmlformats.org/presentationml/2006/main">
+  <p:cSld>
+    <p:spTree>
+      <p:nvGrpSpPr>
+        <p:cNvPr id="1" name="">
+          <a:extLst>
+            <a:ext uri="{FF2B5EF4-FFF2-40B4-BE49-F238E27FC236}">
+              <a16:creationId xmlns:a16="http://schemas.microsoft.com/office/drawing/2014/main" id="{14F49B11-C9F8-4426-B2D5-AE8E092EA221}"/>
+            </a:ext>
+          </a:extLst>
+        </p:cNvPr>
+        <p:cNvGrpSpPr/>
+        <p:nvPr/>
+      </p:nvGrpSpPr>
+      <p:grpSpPr>
+        <a:xfrm>
+          <a:off x="0" y="0"/>
+          <a:ext cx="0" cy="0"/>
+          <a:chOff x="0" y="0"/>
+          <a:chExt cx="0" cy="0"/>
+        </a:xfrm>
+      </p:grpSpPr>
+      <p:sp>
+        <p:nvSpPr>
+          <p:cNvPr id="2" name="Slide Image Placeholder 1">
+            <a:extLst>
+              <a:ext uri="{FF2B5EF4-FFF2-40B4-BE49-F238E27FC236}">
+                <a16:creationId xmlns:a16="http://schemas.microsoft.com/office/drawing/2014/main" id="{E87BE1E5-846C-BA23-BF03-69EA8754A237}"/>
+              </a:ext>
+            </a:extLst>
+          </p:cNvPr>
+          <p:cNvSpPr>
+            <a:spLocks noGrp="1" noRot="1" noChangeAspect="1"/>
+          </p:cNvSpPr>
+          <p:nvPr>
+            <p:ph type="sldImg"/>
+          </p:nvPr>
+        </p:nvSpPr>
+        <p:spPr/>
+      </p:sp>
+      <p:sp>
+        <p:nvSpPr>
+          <p:cNvPr id="3" name="Notes Placeholder 2">
+            <a:extLst>
+              <a:ext uri="{FF2B5EF4-FFF2-40B4-BE49-F238E27FC236}">
+                <a16:creationId xmlns:a16="http://schemas.microsoft.com/office/drawing/2014/main" id="{41B247E0-C013-C4CA-0837-16FFF58F74EC}"/>
+              </a:ext>
+            </a:extLst>
+          </p:cNvPr>
+          <p:cNvSpPr>
+            <a:spLocks noGrp="1"/>
+          </p:cNvSpPr>
+          <p:nvPr>
+            <p:ph type="body" idx="1"/>
+          </p:nvPr>
+        </p:nvSpPr>
+        <p:spPr/>
+        <p:txBody>
+          <a:bodyPr/>
+          <a:lstStyle/>
+          <a:p>
+            <a:pPr marL="0" marR="0" lvl="0" indent="0" algn="l" defTabSz="914400" rtl="0" eaLnBrk="1" fontAlgn="auto" latinLnBrk="0" hangingPunct="1">
+              <a:lnSpc>
+                <a:spcPct val="100000"/>
+              </a:lnSpc>
+              <a:spcBef>
+                <a:spcPts val="0"/>
+              </a:spcBef>
+              <a:spcAft>
+                <a:spcPts val="0"/>
+              </a:spcAft>
+              <a:buClrTx/>
+              <a:buSzTx/>
+              <a:buFontTx/>
+              <a:buNone/>
+              <a:tabLst/>
+              <a:defRPr/>
+            </a:pPr>
+            <a:r>
+              <a:rPr lang="en-US" b="0" dirty="0">
+                <a:solidFill>
+                  <a:srgbClr val="D4D4D4"/>
+                </a:solidFill>
+                <a:effectLst/>
+                <a:latin typeface="Consolas" panose="020B0609020204030204" pitchFamily="49" charset="0"/>
+              </a:rPr>
+              <a:t>POKAZI IM DEBUGGER U CHROMU</a:t>
+            </a:r>
+          </a:p>
+          <a:p>
+            <a:pPr marL="0" marR="0" lvl="0" indent="0" algn="l" defTabSz="914400" rtl="0" eaLnBrk="1" fontAlgn="auto" latinLnBrk="0" hangingPunct="1">
+              <a:lnSpc>
+                <a:spcPct val="100000"/>
+              </a:lnSpc>
+              <a:spcBef>
+                <a:spcPts val="0"/>
+              </a:spcBef>
+              <a:spcAft>
+                <a:spcPts val="0"/>
+              </a:spcAft>
+              <a:buClrTx/>
+              <a:buSzTx/>
+              <a:buFontTx/>
+              <a:buNone/>
+              <a:tabLst/>
+              <a:defRPr/>
+            </a:pPr>
+            <a:endParaRPr lang="en-US" b="0" dirty="0">
+              <a:solidFill>
+                <a:srgbClr val="D4D4D4"/>
+              </a:solidFill>
+              <a:effectLst/>
+              <a:latin typeface="Consolas" panose="020B0609020204030204" pitchFamily="49" charset="0"/>
+            </a:endParaRPr>
+          </a:p>
+          <a:p>
+            <a:pPr marL="0" marR="0" lvl="0" indent="0" algn="l" defTabSz="914400" rtl="0" eaLnBrk="1" fontAlgn="auto" latinLnBrk="0" hangingPunct="1">
+              <a:lnSpc>
+                <a:spcPct val="100000"/>
+              </a:lnSpc>
+              <a:spcBef>
+                <a:spcPts val="0"/>
+              </a:spcBef>
+              <a:spcAft>
+                <a:spcPts val="0"/>
+              </a:spcAft>
+              <a:buClrTx/>
+              <a:buSzTx/>
+              <a:buFontTx/>
+              <a:buNone/>
+              <a:tabLst/>
+              <a:defRPr/>
+            </a:pPr>
+            <a:r>
+              <a:rPr lang="hr-HR" b="0" dirty="0">
+                <a:solidFill>
+                  <a:srgbClr val="D4D4D4"/>
+                </a:solidFill>
+                <a:effectLst/>
+                <a:latin typeface="Consolas" panose="020B0609020204030204" pitchFamily="49" charset="0"/>
+              </a:rPr>
+              <a:t>debugger;</a:t>
+            </a:r>
+            <a:endParaRPr lang="en-US" b="0" dirty="0">
+              <a:solidFill>
+                <a:srgbClr val="D4D4D4"/>
+              </a:solidFill>
+              <a:effectLst/>
+              <a:latin typeface="Consolas" panose="020B0609020204030204" pitchFamily="49" charset="0"/>
+            </a:endParaRPr>
+          </a:p>
+          <a:p>
+            <a:pPr marL="0" marR="0" lvl="0" indent="0" algn="l" defTabSz="914400" rtl="0" eaLnBrk="1" fontAlgn="auto" latinLnBrk="0" hangingPunct="1">
+              <a:lnSpc>
+                <a:spcPct val="100000"/>
+              </a:lnSpc>
+              <a:spcBef>
+                <a:spcPts val="0"/>
+              </a:spcBef>
+              <a:spcAft>
+                <a:spcPts val="0"/>
+              </a:spcAft>
+              <a:buClrTx/>
+              <a:buSzTx/>
+              <a:buFontTx/>
+              <a:buNone/>
+              <a:tabLst/>
+              <a:defRPr/>
+            </a:pPr>
+            <a:r>
+              <a:rPr lang="hr-HR" b="0" dirty="0">
+                <a:solidFill>
+                  <a:srgbClr val="D4D4D4"/>
+                </a:solidFill>
+                <a:effectLst/>
+                <a:latin typeface="Consolas" panose="020B0609020204030204" pitchFamily="49" charset="0"/>
+              </a:rPr>
+              <a:t>calculator(3, 4, multiply);</a:t>
+            </a:r>
+            <a:endParaRPr lang="hr-HR" dirty="0"/>
+          </a:p>
+        </p:txBody>
+      </p:sp>
+      <p:sp>
+        <p:nvSpPr>
+          <p:cNvPr id="4" name="Slide Number Placeholder 3">
+            <a:extLst>
+              <a:ext uri="{FF2B5EF4-FFF2-40B4-BE49-F238E27FC236}">
+                <a16:creationId xmlns:a16="http://schemas.microsoft.com/office/drawing/2014/main" id="{954854FF-5009-09A3-846C-CD5D4E7EBD54}"/>
+              </a:ext>
+            </a:extLst>
+          </p:cNvPr>
+          <p:cNvSpPr>
+            <a:spLocks noGrp="1"/>
+          </p:cNvSpPr>
+          <p:nvPr>
+            <p:ph type="sldNum" sz="quarter" idx="5"/>
+          </p:nvPr>
+        </p:nvSpPr>
+        <p:spPr/>
+        <p:txBody>
+          <a:bodyPr/>
+          <a:lstStyle/>
+          <a:p>
+            <a:fld id="{343B951A-A665-1949-AEDB-B62DC9BE7F13}" type="slidenum">
+              <a:rPr lang="en-US" smtClean="0"/>
+              <a:t>39</a:t>
+            </a:fld>
+            <a:endParaRPr lang="en-US"/>
+          </a:p>
+        </p:txBody>
+      </p:sp>
+    </p:spTree>
+    <p:extLst>
+      <p:ext uri="{BB962C8B-B14F-4D97-AF65-F5344CB8AC3E}">
+        <p14:creationId xmlns:p14="http://schemas.microsoft.com/office/powerpoint/2010/main" val="1873759561"/>
+      </p:ext>
+    </p:extLst>
+  </p:cSld>
+  <p:clrMapOvr>
+    <a:masterClrMapping/>
+  </p:clrMapOvr>
+</p:notes>
+</file>
+
+<file path=ppt/notesSlides/notesSlide39.xml><?xml version="1.0" encoding="utf-8"?>
+<p:notes xmlns:a="http://schemas.openxmlformats.org/drawingml/2006/main" xmlns:r="http://schemas.openxmlformats.org/officeDocument/2006/relationships" xmlns:p="http://schemas.openxmlformats.org/presentationml/2006/main">
+  <p:cSld>
+    <p:spTree>
+      <p:nvGrpSpPr>
+        <p:cNvPr id="1" name="">
+          <a:extLst>
+            <a:ext uri="{FF2B5EF4-FFF2-40B4-BE49-F238E27FC236}">
+              <a16:creationId xmlns:a16="http://schemas.microsoft.com/office/drawing/2014/main" id="{4BADBAE9-3347-1925-905C-63C609AB4033}"/>
+            </a:ext>
+          </a:extLst>
+        </p:cNvPr>
+        <p:cNvGrpSpPr/>
+        <p:nvPr/>
+      </p:nvGrpSpPr>
+      <p:grpSpPr>
+        <a:xfrm>
+          <a:off x="0" y="0"/>
+          <a:ext cx="0" cy="0"/>
+          <a:chOff x="0" y="0"/>
+          <a:chExt cx="0" cy="0"/>
+        </a:xfrm>
+      </p:grpSpPr>
+      <p:sp>
+        <p:nvSpPr>
+          <p:cNvPr id="2" name="Slide Image Placeholder 1">
+            <a:extLst>
+              <a:ext uri="{FF2B5EF4-FFF2-40B4-BE49-F238E27FC236}">
+                <a16:creationId xmlns:a16="http://schemas.microsoft.com/office/drawing/2014/main" id="{B25D728D-CBF6-3E18-418D-59FA79AC5100}"/>
+              </a:ext>
+            </a:extLst>
+          </p:cNvPr>
+          <p:cNvSpPr>
+            <a:spLocks noGrp="1" noRot="1" noChangeAspect="1"/>
+          </p:cNvSpPr>
+          <p:nvPr>
+            <p:ph type="sldImg"/>
+          </p:nvPr>
+        </p:nvSpPr>
+        <p:spPr/>
+      </p:sp>
+      <p:sp>
+        <p:nvSpPr>
+          <p:cNvPr id="3" name="Notes Placeholder 2">
+            <a:extLst>
+              <a:ext uri="{FF2B5EF4-FFF2-40B4-BE49-F238E27FC236}">
+                <a16:creationId xmlns:a16="http://schemas.microsoft.com/office/drawing/2014/main" id="{117152F4-FAC1-64A7-F9D0-890F43E0D59A}"/>
+              </a:ext>
+            </a:extLst>
+          </p:cNvPr>
+          <p:cNvSpPr>
+            <a:spLocks noGrp="1"/>
+          </p:cNvSpPr>
+          <p:nvPr>
+            <p:ph type="body" idx="1"/>
+          </p:nvPr>
+        </p:nvSpPr>
+        <p:spPr/>
+        <p:txBody>
+          <a:bodyPr/>
+          <a:lstStyle/>
+          <a:p>
+            <a:endParaRPr lang="hr-HR" dirty="0"/>
+          </a:p>
+        </p:txBody>
+      </p:sp>
+      <p:sp>
+        <p:nvSpPr>
+          <p:cNvPr id="4" name="Slide Number Placeholder 3">
+            <a:extLst>
+              <a:ext uri="{FF2B5EF4-FFF2-40B4-BE49-F238E27FC236}">
+                <a16:creationId xmlns:a16="http://schemas.microsoft.com/office/drawing/2014/main" id="{5DC2FE87-D78F-7172-48E5-1398E3D6F2B1}"/>
+              </a:ext>
+            </a:extLst>
+          </p:cNvPr>
+          <p:cNvSpPr>
+            <a:spLocks noGrp="1"/>
+          </p:cNvSpPr>
+          <p:nvPr>
+            <p:ph type="sldNum" sz="quarter" idx="5"/>
+          </p:nvPr>
+        </p:nvSpPr>
+        <p:spPr/>
+        <p:txBody>
+          <a:bodyPr/>
+          <a:lstStyle/>
+          <a:p>
+            <a:fld id="{343B951A-A665-1949-AEDB-B62DC9BE7F13}" type="slidenum">
+              <a:rPr lang="en-US" smtClean="0"/>
+              <a:t>40</a:t>
+            </a:fld>
+            <a:endParaRPr lang="en-US"/>
+          </a:p>
+        </p:txBody>
+      </p:sp>
+    </p:spTree>
+    <p:extLst>
+      <p:ext uri="{BB962C8B-B14F-4D97-AF65-F5344CB8AC3E}">
+        <p14:creationId xmlns:p14="http://schemas.microsoft.com/office/powerpoint/2010/main" val="2544210158"/>
       </p:ext>
     </p:extLst>
   </p:cSld>
@@ -4218,6 +4792,792 @@
     <p:extLst>
       <p:ext uri="{BB962C8B-B14F-4D97-AF65-F5344CB8AC3E}">
         <p14:creationId xmlns:p14="http://schemas.microsoft.com/office/powerpoint/2010/main" val="2327672602"/>
+      </p:ext>
+    </p:extLst>
+  </p:cSld>
+  <p:clrMapOvr>
+    <a:masterClrMapping/>
+  </p:clrMapOvr>
+</p:notes>
+</file>
+
+<file path=ppt/notesSlides/notesSlide40.xml><?xml version="1.0" encoding="utf-8"?>
+<p:notes xmlns:a="http://schemas.openxmlformats.org/drawingml/2006/main" xmlns:r="http://schemas.openxmlformats.org/officeDocument/2006/relationships" xmlns:p="http://schemas.openxmlformats.org/presentationml/2006/main">
+  <p:cSld>
+    <p:spTree>
+      <p:nvGrpSpPr>
+        <p:cNvPr id="1" name="">
+          <a:extLst>
+            <a:ext uri="{FF2B5EF4-FFF2-40B4-BE49-F238E27FC236}">
+              <a16:creationId xmlns:a16="http://schemas.microsoft.com/office/drawing/2014/main" id="{A4C0E55E-8E3B-1237-716D-C367D73A00CE}"/>
+            </a:ext>
+          </a:extLst>
+        </p:cNvPr>
+        <p:cNvGrpSpPr/>
+        <p:nvPr/>
+      </p:nvGrpSpPr>
+      <p:grpSpPr>
+        <a:xfrm>
+          <a:off x="0" y="0"/>
+          <a:ext cx="0" cy="0"/>
+          <a:chOff x="0" y="0"/>
+          <a:chExt cx="0" cy="0"/>
+        </a:xfrm>
+      </p:grpSpPr>
+      <p:sp>
+        <p:nvSpPr>
+          <p:cNvPr id="2" name="Slide Image Placeholder 1">
+            <a:extLst>
+              <a:ext uri="{FF2B5EF4-FFF2-40B4-BE49-F238E27FC236}">
+                <a16:creationId xmlns:a16="http://schemas.microsoft.com/office/drawing/2014/main" id="{68E7272D-B60E-0724-CDB3-DE268242BA25}"/>
+              </a:ext>
+            </a:extLst>
+          </p:cNvPr>
+          <p:cNvSpPr>
+            <a:spLocks noGrp="1" noRot="1" noChangeAspect="1"/>
+          </p:cNvSpPr>
+          <p:nvPr>
+            <p:ph type="sldImg"/>
+          </p:nvPr>
+        </p:nvSpPr>
+        <p:spPr/>
+      </p:sp>
+      <p:sp>
+        <p:nvSpPr>
+          <p:cNvPr id="3" name="Notes Placeholder 2">
+            <a:extLst>
+              <a:ext uri="{FF2B5EF4-FFF2-40B4-BE49-F238E27FC236}">
+                <a16:creationId xmlns:a16="http://schemas.microsoft.com/office/drawing/2014/main" id="{52B6D8AA-631C-B172-80EB-21B22E70A4FA}"/>
+              </a:ext>
+            </a:extLst>
+          </p:cNvPr>
+          <p:cNvSpPr>
+            <a:spLocks noGrp="1"/>
+          </p:cNvSpPr>
+          <p:nvPr>
+            <p:ph type="body" idx="1"/>
+          </p:nvPr>
+        </p:nvSpPr>
+        <p:spPr/>
+        <p:txBody>
+          <a:bodyPr/>
+          <a:lstStyle/>
+          <a:p>
+            <a:pPr marL="0" marR="0" lvl="0" indent="0" algn="l" defTabSz="914400" rtl="0" eaLnBrk="1" fontAlgn="auto" latinLnBrk="0" hangingPunct="1">
+              <a:lnSpc>
+                <a:spcPct val="100000"/>
+              </a:lnSpc>
+              <a:spcBef>
+                <a:spcPts val="0"/>
+              </a:spcBef>
+              <a:spcAft>
+                <a:spcPts val="0"/>
+              </a:spcAft>
+              <a:buClrTx/>
+              <a:buSzTx/>
+              <a:buFontTx/>
+              <a:buNone/>
+              <a:tabLst/>
+              <a:defRPr/>
+            </a:pPr>
+            <a:r>
+              <a:rPr lang="en-US" b="0" dirty="0">
+                <a:solidFill>
+                  <a:srgbClr val="D4D4D4"/>
+                </a:solidFill>
+                <a:effectLst/>
+                <a:latin typeface="Consolas" panose="020B0609020204030204" pitchFamily="49" charset="0"/>
+              </a:rPr>
+              <a:t>POKAZI IM DEBUGGER U CHROMU</a:t>
+            </a:r>
+          </a:p>
+          <a:p>
+            <a:pPr marL="0" marR="0" lvl="0" indent="0" algn="l" defTabSz="914400" rtl="0" eaLnBrk="1" fontAlgn="auto" latinLnBrk="0" hangingPunct="1">
+              <a:lnSpc>
+                <a:spcPct val="100000"/>
+              </a:lnSpc>
+              <a:spcBef>
+                <a:spcPts val="0"/>
+              </a:spcBef>
+              <a:spcAft>
+                <a:spcPts val="0"/>
+              </a:spcAft>
+              <a:buClrTx/>
+              <a:buSzTx/>
+              <a:buFontTx/>
+              <a:buNone/>
+              <a:tabLst/>
+              <a:defRPr/>
+            </a:pPr>
+            <a:endParaRPr lang="en-US" b="0" dirty="0">
+              <a:solidFill>
+                <a:srgbClr val="D4D4D4"/>
+              </a:solidFill>
+              <a:effectLst/>
+              <a:latin typeface="Consolas" panose="020B0609020204030204" pitchFamily="49" charset="0"/>
+            </a:endParaRPr>
+          </a:p>
+          <a:p>
+            <a:pPr marL="0" marR="0" lvl="0" indent="0" algn="l" defTabSz="914400" rtl="0" eaLnBrk="1" fontAlgn="auto" latinLnBrk="0" hangingPunct="1">
+              <a:lnSpc>
+                <a:spcPct val="100000"/>
+              </a:lnSpc>
+              <a:spcBef>
+                <a:spcPts val="0"/>
+              </a:spcBef>
+              <a:spcAft>
+                <a:spcPts val="0"/>
+              </a:spcAft>
+              <a:buClrTx/>
+              <a:buSzTx/>
+              <a:buFontTx/>
+              <a:buNone/>
+              <a:tabLst/>
+              <a:defRPr/>
+            </a:pPr>
+            <a:r>
+              <a:rPr lang="hr-HR" b="0" dirty="0">
+                <a:solidFill>
+                  <a:srgbClr val="D4D4D4"/>
+                </a:solidFill>
+                <a:effectLst/>
+                <a:latin typeface="Consolas" panose="020B0609020204030204" pitchFamily="49" charset="0"/>
+              </a:rPr>
+              <a:t>debugger;</a:t>
+            </a:r>
+            <a:endParaRPr lang="en-US" b="0" dirty="0">
+              <a:solidFill>
+                <a:srgbClr val="D4D4D4"/>
+              </a:solidFill>
+              <a:effectLst/>
+              <a:latin typeface="Consolas" panose="020B0609020204030204" pitchFamily="49" charset="0"/>
+            </a:endParaRPr>
+          </a:p>
+          <a:p>
+            <a:pPr marL="0" marR="0" lvl="0" indent="0" algn="l" defTabSz="914400" rtl="0" eaLnBrk="1" fontAlgn="auto" latinLnBrk="0" hangingPunct="1">
+              <a:lnSpc>
+                <a:spcPct val="100000"/>
+              </a:lnSpc>
+              <a:spcBef>
+                <a:spcPts val="0"/>
+              </a:spcBef>
+              <a:spcAft>
+                <a:spcPts val="0"/>
+              </a:spcAft>
+              <a:buClrTx/>
+              <a:buSzTx/>
+              <a:buFontTx/>
+              <a:buNone/>
+              <a:tabLst/>
+              <a:defRPr/>
+            </a:pPr>
+            <a:r>
+              <a:rPr lang="hr-HR" b="0" dirty="0">
+                <a:solidFill>
+                  <a:srgbClr val="D4D4D4"/>
+                </a:solidFill>
+                <a:effectLst/>
+                <a:latin typeface="Consolas" panose="020B0609020204030204" pitchFamily="49" charset="0"/>
+              </a:rPr>
+              <a:t>calculator(3, 4, multiply);</a:t>
+            </a:r>
+            <a:endParaRPr lang="hr-HR" dirty="0"/>
+          </a:p>
+        </p:txBody>
+      </p:sp>
+      <p:sp>
+        <p:nvSpPr>
+          <p:cNvPr id="4" name="Slide Number Placeholder 3">
+            <a:extLst>
+              <a:ext uri="{FF2B5EF4-FFF2-40B4-BE49-F238E27FC236}">
+                <a16:creationId xmlns:a16="http://schemas.microsoft.com/office/drawing/2014/main" id="{85FDC4A0-33D2-4842-AAEB-7EF0EF029E8B}"/>
+              </a:ext>
+            </a:extLst>
+          </p:cNvPr>
+          <p:cNvSpPr>
+            <a:spLocks noGrp="1"/>
+          </p:cNvSpPr>
+          <p:nvPr>
+            <p:ph type="sldNum" sz="quarter" idx="5"/>
+          </p:nvPr>
+        </p:nvSpPr>
+        <p:spPr/>
+        <p:txBody>
+          <a:bodyPr/>
+          <a:lstStyle/>
+          <a:p>
+            <a:fld id="{343B951A-A665-1949-AEDB-B62DC9BE7F13}" type="slidenum">
+              <a:rPr lang="en-US" smtClean="0"/>
+              <a:t>41</a:t>
+            </a:fld>
+            <a:endParaRPr lang="en-US"/>
+          </a:p>
+        </p:txBody>
+      </p:sp>
+    </p:spTree>
+    <p:extLst>
+      <p:ext uri="{BB962C8B-B14F-4D97-AF65-F5344CB8AC3E}">
+        <p14:creationId xmlns:p14="http://schemas.microsoft.com/office/powerpoint/2010/main" val="3298205376"/>
+      </p:ext>
+    </p:extLst>
+  </p:cSld>
+  <p:clrMapOvr>
+    <a:masterClrMapping/>
+  </p:clrMapOvr>
+</p:notes>
+</file>
+
+<file path=ppt/notesSlides/notesSlide41.xml><?xml version="1.0" encoding="utf-8"?>
+<p:notes xmlns:a="http://schemas.openxmlformats.org/drawingml/2006/main" xmlns:r="http://schemas.openxmlformats.org/officeDocument/2006/relationships" xmlns:p="http://schemas.openxmlformats.org/presentationml/2006/main">
+  <p:cSld>
+    <p:spTree>
+      <p:nvGrpSpPr>
+        <p:cNvPr id="1" name="">
+          <a:extLst>
+            <a:ext uri="{FF2B5EF4-FFF2-40B4-BE49-F238E27FC236}">
+              <a16:creationId xmlns:a16="http://schemas.microsoft.com/office/drawing/2014/main" id="{86C4EA83-98E7-D0AC-2CCC-2F7D862C851E}"/>
+            </a:ext>
+          </a:extLst>
+        </p:cNvPr>
+        <p:cNvGrpSpPr/>
+        <p:nvPr/>
+      </p:nvGrpSpPr>
+      <p:grpSpPr>
+        <a:xfrm>
+          <a:off x="0" y="0"/>
+          <a:ext cx="0" cy="0"/>
+          <a:chOff x="0" y="0"/>
+          <a:chExt cx="0" cy="0"/>
+        </a:xfrm>
+      </p:grpSpPr>
+      <p:sp>
+        <p:nvSpPr>
+          <p:cNvPr id="2" name="Slide Image Placeholder 1">
+            <a:extLst>
+              <a:ext uri="{FF2B5EF4-FFF2-40B4-BE49-F238E27FC236}">
+                <a16:creationId xmlns:a16="http://schemas.microsoft.com/office/drawing/2014/main" id="{20590184-7277-233E-B34C-869F81EF4F35}"/>
+              </a:ext>
+            </a:extLst>
+          </p:cNvPr>
+          <p:cNvSpPr>
+            <a:spLocks noGrp="1" noRot="1" noChangeAspect="1"/>
+          </p:cNvSpPr>
+          <p:nvPr>
+            <p:ph type="sldImg"/>
+          </p:nvPr>
+        </p:nvSpPr>
+        <p:spPr/>
+      </p:sp>
+      <p:sp>
+        <p:nvSpPr>
+          <p:cNvPr id="3" name="Notes Placeholder 2">
+            <a:extLst>
+              <a:ext uri="{FF2B5EF4-FFF2-40B4-BE49-F238E27FC236}">
+                <a16:creationId xmlns:a16="http://schemas.microsoft.com/office/drawing/2014/main" id="{EE99AA05-AA00-AD52-E8AF-6D70D6EECB15}"/>
+              </a:ext>
+            </a:extLst>
+          </p:cNvPr>
+          <p:cNvSpPr>
+            <a:spLocks noGrp="1"/>
+          </p:cNvSpPr>
+          <p:nvPr>
+            <p:ph type="body" idx="1"/>
+          </p:nvPr>
+        </p:nvSpPr>
+        <p:spPr/>
+        <p:txBody>
+          <a:bodyPr/>
+          <a:lstStyle/>
+          <a:p>
+            <a:pPr marL="0" marR="0" lvl="0" indent="0" algn="l" defTabSz="914400" rtl="0" eaLnBrk="1" fontAlgn="auto" latinLnBrk="0" hangingPunct="1">
+              <a:lnSpc>
+                <a:spcPct val="100000"/>
+              </a:lnSpc>
+              <a:spcBef>
+                <a:spcPts val="0"/>
+              </a:spcBef>
+              <a:spcAft>
+                <a:spcPts val="0"/>
+              </a:spcAft>
+              <a:buClrTx/>
+              <a:buSzTx/>
+              <a:buFontTx/>
+              <a:buNone/>
+              <a:tabLst/>
+              <a:defRPr/>
+            </a:pPr>
+            <a:r>
+              <a:rPr lang="en-US" b="0" dirty="0">
+                <a:solidFill>
+                  <a:srgbClr val="D4D4D4"/>
+                </a:solidFill>
+                <a:effectLst/>
+                <a:latin typeface="Consolas" panose="020B0609020204030204" pitchFamily="49" charset="0"/>
+              </a:rPr>
+              <a:t>POKAZI IM DEBUGGER U CHROMU</a:t>
+            </a:r>
+          </a:p>
+          <a:p>
+            <a:pPr marL="0" marR="0" lvl="0" indent="0" algn="l" defTabSz="914400" rtl="0" eaLnBrk="1" fontAlgn="auto" latinLnBrk="0" hangingPunct="1">
+              <a:lnSpc>
+                <a:spcPct val="100000"/>
+              </a:lnSpc>
+              <a:spcBef>
+                <a:spcPts val="0"/>
+              </a:spcBef>
+              <a:spcAft>
+                <a:spcPts val="0"/>
+              </a:spcAft>
+              <a:buClrTx/>
+              <a:buSzTx/>
+              <a:buFontTx/>
+              <a:buNone/>
+              <a:tabLst/>
+              <a:defRPr/>
+            </a:pPr>
+            <a:endParaRPr lang="en-US" b="0" dirty="0">
+              <a:solidFill>
+                <a:srgbClr val="D4D4D4"/>
+              </a:solidFill>
+              <a:effectLst/>
+              <a:latin typeface="Consolas" panose="020B0609020204030204" pitchFamily="49" charset="0"/>
+            </a:endParaRPr>
+          </a:p>
+          <a:p>
+            <a:pPr marL="0" marR="0" lvl="0" indent="0" algn="l" defTabSz="914400" rtl="0" eaLnBrk="1" fontAlgn="auto" latinLnBrk="0" hangingPunct="1">
+              <a:lnSpc>
+                <a:spcPct val="100000"/>
+              </a:lnSpc>
+              <a:spcBef>
+                <a:spcPts val="0"/>
+              </a:spcBef>
+              <a:spcAft>
+                <a:spcPts val="0"/>
+              </a:spcAft>
+              <a:buClrTx/>
+              <a:buSzTx/>
+              <a:buFontTx/>
+              <a:buNone/>
+              <a:tabLst/>
+              <a:defRPr/>
+            </a:pPr>
+            <a:r>
+              <a:rPr lang="hr-HR" b="0" dirty="0">
+                <a:solidFill>
+                  <a:srgbClr val="D4D4D4"/>
+                </a:solidFill>
+                <a:effectLst/>
+                <a:latin typeface="Consolas" panose="020B0609020204030204" pitchFamily="49" charset="0"/>
+              </a:rPr>
+              <a:t>debugger;</a:t>
+            </a:r>
+            <a:endParaRPr lang="en-US" b="0" dirty="0">
+              <a:solidFill>
+                <a:srgbClr val="D4D4D4"/>
+              </a:solidFill>
+              <a:effectLst/>
+              <a:latin typeface="Consolas" panose="020B0609020204030204" pitchFamily="49" charset="0"/>
+            </a:endParaRPr>
+          </a:p>
+          <a:p>
+            <a:pPr marL="0" marR="0" lvl="0" indent="0" algn="l" defTabSz="914400" rtl="0" eaLnBrk="1" fontAlgn="auto" latinLnBrk="0" hangingPunct="1">
+              <a:lnSpc>
+                <a:spcPct val="100000"/>
+              </a:lnSpc>
+              <a:spcBef>
+                <a:spcPts val="0"/>
+              </a:spcBef>
+              <a:spcAft>
+                <a:spcPts val="0"/>
+              </a:spcAft>
+              <a:buClrTx/>
+              <a:buSzTx/>
+              <a:buFontTx/>
+              <a:buNone/>
+              <a:tabLst/>
+              <a:defRPr/>
+            </a:pPr>
+            <a:r>
+              <a:rPr lang="hr-HR" b="0" dirty="0">
+                <a:solidFill>
+                  <a:srgbClr val="D4D4D4"/>
+                </a:solidFill>
+                <a:effectLst/>
+                <a:latin typeface="Consolas" panose="020B0609020204030204" pitchFamily="49" charset="0"/>
+              </a:rPr>
+              <a:t>calculator(3, 4, multiply);</a:t>
+            </a:r>
+            <a:endParaRPr lang="hr-HR" dirty="0"/>
+          </a:p>
+        </p:txBody>
+      </p:sp>
+      <p:sp>
+        <p:nvSpPr>
+          <p:cNvPr id="4" name="Slide Number Placeholder 3">
+            <a:extLst>
+              <a:ext uri="{FF2B5EF4-FFF2-40B4-BE49-F238E27FC236}">
+                <a16:creationId xmlns:a16="http://schemas.microsoft.com/office/drawing/2014/main" id="{13414089-3B80-035D-3157-D13A2F019BA6}"/>
+              </a:ext>
+            </a:extLst>
+          </p:cNvPr>
+          <p:cNvSpPr>
+            <a:spLocks noGrp="1"/>
+          </p:cNvSpPr>
+          <p:nvPr>
+            <p:ph type="sldNum" sz="quarter" idx="5"/>
+          </p:nvPr>
+        </p:nvSpPr>
+        <p:spPr/>
+        <p:txBody>
+          <a:bodyPr/>
+          <a:lstStyle/>
+          <a:p>
+            <a:fld id="{343B951A-A665-1949-AEDB-B62DC9BE7F13}" type="slidenum">
+              <a:rPr lang="en-US" smtClean="0"/>
+              <a:t>42</a:t>
+            </a:fld>
+            <a:endParaRPr lang="en-US"/>
+          </a:p>
+        </p:txBody>
+      </p:sp>
+    </p:spTree>
+    <p:extLst>
+      <p:ext uri="{BB962C8B-B14F-4D97-AF65-F5344CB8AC3E}">
+        <p14:creationId xmlns:p14="http://schemas.microsoft.com/office/powerpoint/2010/main" val="102074521"/>
+      </p:ext>
+    </p:extLst>
+  </p:cSld>
+  <p:clrMapOvr>
+    <a:masterClrMapping/>
+  </p:clrMapOvr>
+</p:notes>
+</file>
+
+<file path=ppt/notesSlides/notesSlide42.xml><?xml version="1.0" encoding="utf-8"?>
+<p:notes xmlns:a="http://schemas.openxmlformats.org/drawingml/2006/main" xmlns:r="http://schemas.openxmlformats.org/officeDocument/2006/relationships" xmlns:p="http://schemas.openxmlformats.org/presentationml/2006/main">
+  <p:cSld>
+    <p:spTree>
+      <p:nvGrpSpPr>
+        <p:cNvPr id="1" name="">
+          <a:extLst>
+            <a:ext uri="{FF2B5EF4-FFF2-40B4-BE49-F238E27FC236}">
+              <a16:creationId xmlns:a16="http://schemas.microsoft.com/office/drawing/2014/main" id="{DEDC165C-A2CE-84FC-70AB-ED016677C57B}"/>
+            </a:ext>
+          </a:extLst>
+        </p:cNvPr>
+        <p:cNvGrpSpPr/>
+        <p:nvPr/>
+      </p:nvGrpSpPr>
+      <p:grpSpPr>
+        <a:xfrm>
+          <a:off x="0" y="0"/>
+          <a:ext cx="0" cy="0"/>
+          <a:chOff x="0" y="0"/>
+          <a:chExt cx="0" cy="0"/>
+        </a:xfrm>
+      </p:grpSpPr>
+      <p:sp>
+        <p:nvSpPr>
+          <p:cNvPr id="2" name="Slide Image Placeholder 1">
+            <a:extLst>
+              <a:ext uri="{FF2B5EF4-FFF2-40B4-BE49-F238E27FC236}">
+                <a16:creationId xmlns:a16="http://schemas.microsoft.com/office/drawing/2014/main" id="{6D46011B-E807-BCBF-9EE3-D94430630C5A}"/>
+              </a:ext>
+            </a:extLst>
+          </p:cNvPr>
+          <p:cNvSpPr>
+            <a:spLocks noGrp="1" noRot="1" noChangeAspect="1"/>
+          </p:cNvSpPr>
+          <p:nvPr>
+            <p:ph type="sldImg"/>
+          </p:nvPr>
+        </p:nvSpPr>
+        <p:spPr/>
+      </p:sp>
+      <p:sp>
+        <p:nvSpPr>
+          <p:cNvPr id="3" name="Notes Placeholder 2">
+            <a:extLst>
+              <a:ext uri="{FF2B5EF4-FFF2-40B4-BE49-F238E27FC236}">
+                <a16:creationId xmlns:a16="http://schemas.microsoft.com/office/drawing/2014/main" id="{EFCF09F0-1C2E-1906-9D46-7D1F86BF05FE}"/>
+              </a:ext>
+            </a:extLst>
+          </p:cNvPr>
+          <p:cNvSpPr>
+            <a:spLocks noGrp="1"/>
+          </p:cNvSpPr>
+          <p:nvPr>
+            <p:ph type="body" idx="1"/>
+          </p:nvPr>
+        </p:nvSpPr>
+        <p:spPr/>
+        <p:txBody>
+          <a:bodyPr/>
+          <a:lstStyle/>
+          <a:p>
+            <a:pPr marL="0" marR="0" lvl="0" indent="0" algn="l" defTabSz="914400" rtl="0" eaLnBrk="1" fontAlgn="auto" latinLnBrk="0" hangingPunct="1">
+              <a:lnSpc>
+                <a:spcPct val="100000"/>
+              </a:lnSpc>
+              <a:spcBef>
+                <a:spcPts val="0"/>
+              </a:spcBef>
+              <a:spcAft>
+                <a:spcPts val="0"/>
+              </a:spcAft>
+              <a:buClrTx/>
+              <a:buSzTx/>
+              <a:buFontTx/>
+              <a:buNone/>
+              <a:tabLst/>
+              <a:defRPr/>
+            </a:pPr>
+            <a:r>
+              <a:rPr lang="en-US" b="0" dirty="0">
+                <a:solidFill>
+                  <a:srgbClr val="D4D4D4"/>
+                </a:solidFill>
+                <a:effectLst/>
+                <a:latin typeface="Consolas" panose="020B0609020204030204" pitchFamily="49" charset="0"/>
+              </a:rPr>
+              <a:t>POKAZI IM DEBUGGER U CHROMU</a:t>
+            </a:r>
+          </a:p>
+          <a:p>
+            <a:pPr marL="0" marR="0" lvl="0" indent="0" algn="l" defTabSz="914400" rtl="0" eaLnBrk="1" fontAlgn="auto" latinLnBrk="0" hangingPunct="1">
+              <a:lnSpc>
+                <a:spcPct val="100000"/>
+              </a:lnSpc>
+              <a:spcBef>
+                <a:spcPts val="0"/>
+              </a:spcBef>
+              <a:spcAft>
+                <a:spcPts val="0"/>
+              </a:spcAft>
+              <a:buClrTx/>
+              <a:buSzTx/>
+              <a:buFontTx/>
+              <a:buNone/>
+              <a:tabLst/>
+              <a:defRPr/>
+            </a:pPr>
+            <a:endParaRPr lang="en-US" b="0" dirty="0">
+              <a:solidFill>
+                <a:srgbClr val="D4D4D4"/>
+              </a:solidFill>
+              <a:effectLst/>
+              <a:latin typeface="Consolas" panose="020B0609020204030204" pitchFamily="49" charset="0"/>
+            </a:endParaRPr>
+          </a:p>
+          <a:p>
+            <a:pPr marL="0" marR="0" lvl="0" indent="0" algn="l" defTabSz="914400" rtl="0" eaLnBrk="1" fontAlgn="auto" latinLnBrk="0" hangingPunct="1">
+              <a:lnSpc>
+                <a:spcPct val="100000"/>
+              </a:lnSpc>
+              <a:spcBef>
+                <a:spcPts val="0"/>
+              </a:spcBef>
+              <a:spcAft>
+                <a:spcPts val="0"/>
+              </a:spcAft>
+              <a:buClrTx/>
+              <a:buSzTx/>
+              <a:buFontTx/>
+              <a:buNone/>
+              <a:tabLst/>
+              <a:defRPr/>
+            </a:pPr>
+            <a:r>
+              <a:rPr lang="hr-HR" b="0" dirty="0">
+                <a:solidFill>
+                  <a:srgbClr val="D4D4D4"/>
+                </a:solidFill>
+                <a:effectLst/>
+                <a:latin typeface="Consolas" panose="020B0609020204030204" pitchFamily="49" charset="0"/>
+              </a:rPr>
+              <a:t>debugger;</a:t>
+            </a:r>
+            <a:endParaRPr lang="en-US" b="0" dirty="0">
+              <a:solidFill>
+                <a:srgbClr val="D4D4D4"/>
+              </a:solidFill>
+              <a:effectLst/>
+              <a:latin typeface="Consolas" panose="020B0609020204030204" pitchFamily="49" charset="0"/>
+            </a:endParaRPr>
+          </a:p>
+          <a:p>
+            <a:pPr marL="0" marR="0" lvl="0" indent="0" algn="l" defTabSz="914400" rtl="0" eaLnBrk="1" fontAlgn="auto" latinLnBrk="0" hangingPunct="1">
+              <a:lnSpc>
+                <a:spcPct val="100000"/>
+              </a:lnSpc>
+              <a:spcBef>
+                <a:spcPts val="0"/>
+              </a:spcBef>
+              <a:spcAft>
+                <a:spcPts val="0"/>
+              </a:spcAft>
+              <a:buClrTx/>
+              <a:buSzTx/>
+              <a:buFontTx/>
+              <a:buNone/>
+              <a:tabLst/>
+              <a:defRPr/>
+            </a:pPr>
+            <a:r>
+              <a:rPr lang="hr-HR" b="0" dirty="0">
+                <a:solidFill>
+                  <a:srgbClr val="D4D4D4"/>
+                </a:solidFill>
+                <a:effectLst/>
+                <a:latin typeface="Consolas" panose="020B0609020204030204" pitchFamily="49" charset="0"/>
+              </a:rPr>
+              <a:t>calculator(3, 4, multiply);</a:t>
+            </a:r>
+            <a:endParaRPr lang="hr-HR" dirty="0"/>
+          </a:p>
+        </p:txBody>
+      </p:sp>
+      <p:sp>
+        <p:nvSpPr>
+          <p:cNvPr id="4" name="Slide Number Placeholder 3">
+            <a:extLst>
+              <a:ext uri="{FF2B5EF4-FFF2-40B4-BE49-F238E27FC236}">
+                <a16:creationId xmlns:a16="http://schemas.microsoft.com/office/drawing/2014/main" id="{D2C74BA7-B88F-4C8D-9BBD-EC09BE878EF4}"/>
+              </a:ext>
+            </a:extLst>
+          </p:cNvPr>
+          <p:cNvSpPr>
+            <a:spLocks noGrp="1"/>
+          </p:cNvSpPr>
+          <p:nvPr>
+            <p:ph type="sldNum" sz="quarter" idx="5"/>
+          </p:nvPr>
+        </p:nvSpPr>
+        <p:spPr/>
+        <p:txBody>
+          <a:bodyPr/>
+          <a:lstStyle/>
+          <a:p>
+            <a:fld id="{343B951A-A665-1949-AEDB-B62DC9BE7F13}" type="slidenum">
+              <a:rPr lang="en-US" smtClean="0"/>
+              <a:t>43</a:t>
+            </a:fld>
+            <a:endParaRPr lang="en-US"/>
+          </a:p>
+        </p:txBody>
+      </p:sp>
+    </p:spTree>
+    <p:extLst>
+      <p:ext uri="{BB962C8B-B14F-4D97-AF65-F5344CB8AC3E}">
+        <p14:creationId xmlns:p14="http://schemas.microsoft.com/office/powerpoint/2010/main" val="4195074031"/>
+      </p:ext>
+    </p:extLst>
+  </p:cSld>
+  <p:clrMapOvr>
+    <a:masterClrMapping/>
+  </p:clrMapOvr>
+</p:notes>
+</file>
+
+<file path=ppt/notesSlides/notesSlide43.xml><?xml version="1.0" encoding="utf-8"?>
+<p:notes xmlns:a="http://schemas.openxmlformats.org/drawingml/2006/main" xmlns:r="http://schemas.openxmlformats.org/officeDocument/2006/relationships" xmlns:p="http://schemas.openxmlformats.org/presentationml/2006/main">
+  <p:cSld>
+    <p:spTree>
+      <p:nvGrpSpPr>
+        <p:cNvPr id="1" name="">
+          <a:extLst>
+            <a:ext uri="{FF2B5EF4-FFF2-40B4-BE49-F238E27FC236}">
+              <a16:creationId xmlns:a16="http://schemas.microsoft.com/office/drawing/2014/main" id="{7F6BE88C-8523-78F5-4C6B-CCD5A04EA8A8}"/>
+            </a:ext>
+          </a:extLst>
+        </p:cNvPr>
+        <p:cNvGrpSpPr/>
+        <p:nvPr/>
+      </p:nvGrpSpPr>
+      <p:grpSpPr>
+        <a:xfrm>
+          <a:off x="0" y="0"/>
+          <a:ext cx="0" cy="0"/>
+          <a:chOff x="0" y="0"/>
+          <a:chExt cx="0" cy="0"/>
+        </a:xfrm>
+      </p:grpSpPr>
+      <p:sp>
+        <p:nvSpPr>
+          <p:cNvPr id="2" name="Slide Image Placeholder 1">
+            <a:extLst>
+              <a:ext uri="{FF2B5EF4-FFF2-40B4-BE49-F238E27FC236}">
+                <a16:creationId xmlns:a16="http://schemas.microsoft.com/office/drawing/2014/main" id="{8FC8C605-736E-780A-F72D-60782922B9C9}"/>
+              </a:ext>
+            </a:extLst>
+          </p:cNvPr>
+          <p:cNvSpPr>
+            <a:spLocks noGrp="1" noRot="1" noChangeAspect="1"/>
+          </p:cNvSpPr>
+          <p:nvPr>
+            <p:ph type="sldImg"/>
+          </p:nvPr>
+        </p:nvSpPr>
+        <p:spPr/>
+      </p:sp>
+      <p:sp>
+        <p:nvSpPr>
+          <p:cNvPr id="3" name="Notes Placeholder 2">
+            <a:extLst>
+              <a:ext uri="{FF2B5EF4-FFF2-40B4-BE49-F238E27FC236}">
+                <a16:creationId xmlns:a16="http://schemas.microsoft.com/office/drawing/2014/main" id="{85833436-71BF-DEB5-F1B2-C2EB1883CB57}"/>
+              </a:ext>
+            </a:extLst>
+          </p:cNvPr>
+          <p:cNvSpPr>
+            <a:spLocks noGrp="1"/>
+          </p:cNvSpPr>
+          <p:nvPr>
+            <p:ph type="body" idx="1"/>
+          </p:nvPr>
+        </p:nvSpPr>
+        <p:spPr/>
+        <p:txBody>
+          <a:bodyPr/>
+          <a:lstStyle/>
+          <a:p>
+            <a:endParaRPr lang="hr-HR" dirty="0"/>
+          </a:p>
+        </p:txBody>
+      </p:sp>
+      <p:sp>
+        <p:nvSpPr>
+          <p:cNvPr id="4" name="Slide Number Placeholder 3">
+            <a:extLst>
+              <a:ext uri="{FF2B5EF4-FFF2-40B4-BE49-F238E27FC236}">
+                <a16:creationId xmlns:a16="http://schemas.microsoft.com/office/drawing/2014/main" id="{568DDB8B-F046-583F-B293-197EDAE8DB35}"/>
+              </a:ext>
+            </a:extLst>
+          </p:cNvPr>
+          <p:cNvSpPr>
+            <a:spLocks noGrp="1"/>
+          </p:cNvSpPr>
+          <p:nvPr>
+            <p:ph type="sldNum" sz="quarter" idx="5"/>
+          </p:nvPr>
+        </p:nvSpPr>
+        <p:spPr/>
+        <p:txBody>
+          <a:bodyPr/>
+          <a:lstStyle/>
+          <a:p>
+            <a:fld id="{343B951A-A665-1949-AEDB-B62DC9BE7F13}" type="slidenum">
+              <a:rPr lang="en-US" smtClean="0"/>
+              <a:t>44</a:t>
+            </a:fld>
+            <a:endParaRPr lang="en-US"/>
+          </a:p>
+        </p:txBody>
+      </p:sp>
+    </p:spTree>
+    <p:extLst>
+      <p:ext uri="{BB962C8B-B14F-4D97-AF65-F5344CB8AC3E}">
+        <p14:creationId xmlns:p14="http://schemas.microsoft.com/office/powerpoint/2010/main" val="2941608402"/>
       </p:ext>
     </p:extLst>
   </p:cSld>
@@ -5459,7 +6819,7 @@
                 <a:ea typeface="Open Sans" panose="020B0606030504020204" pitchFamily="34" charset="0"/>
                 <a:cs typeface="Open Sans" panose="020B0606030504020204" pitchFamily="34" charset="0"/>
               </a:rPr>
-              <a:t>14/05/2025</a:t>
+              <a:t>15/05/2025</a:t>
             </a:fld>
             <a:endParaRPr lang="en-GB" sz="1800" b="0" i="0" kern="1200" dirty="0">
               <a:solidFill>
@@ -6204,7 +7564,7 @@
                 <a:ea typeface="Open Sans" panose="020B0606030504020204" pitchFamily="34" charset="0"/>
                 <a:cs typeface="Open Sans" panose="020B0606030504020204" pitchFamily="34" charset="0"/>
               </a:rPr>
-              <a:t>14/05/2025</a:t>
+              <a:t>15/05/2025</a:t>
             </a:fld>
             <a:endParaRPr lang="en-GB" sz="1800" b="0" i="0" kern="1200" dirty="0">
               <a:solidFill>
@@ -6727,7 +8087,7 @@
                 <a:ea typeface="Open Sans" panose="020B0606030504020204" pitchFamily="34" charset="0"/>
                 <a:cs typeface="Open Sans" panose="020B0606030504020204" pitchFamily="34" charset="0"/>
               </a:rPr>
-              <a:t>14/05/2025</a:t>
+              <a:t>15/05/2025</a:t>
             </a:fld>
             <a:endParaRPr lang="en-GB" sz="1800" b="0" i="0" kern="1200" dirty="0">
               <a:solidFill>
@@ -7693,7 +9053,7 @@
                 <a:ea typeface="Open Sans" panose="020B0606030504020204" pitchFamily="34" charset="0"/>
                 <a:cs typeface="Open Sans" panose="020B0606030504020204" pitchFamily="34" charset="0"/>
               </a:rPr>
-              <a:t>14/05/2025</a:t>
+              <a:t>15/05/2025</a:t>
             </a:fld>
             <a:endParaRPr lang="en-GB" sz="1800" b="0" i="0" kern="1200" dirty="0">
               <a:solidFill>
@@ -8132,7 +9492,7 @@
                 <a:ea typeface="Open Sans" panose="020B0606030504020204" pitchFamily="34" charset="0"/>
                 <a:cs typeface="Open Sans" panose="020B0606030504020204" pitchFamily="34" charset="0"/>
               </a:rPr>
-              <a:t>14/05/2025</a:t>
+              <a:t>15/05/2025</a:t>
             </a:fld>
             <a:endParaRPr lang="en-GB" sz="1800" b="0" i="0" kern="1200" dirty="0">
               <a:solidFill>
@@ -9902,7 +11262,7 @@
                 <a:ea typeface="Open Sans" pitchFamily="2" charset="0"/>
                 <a:cs typeface="Open Sans" pitchFamily="2" charset="0"/>
               </a:rPr>
-              <a:t>14/05/2025</a:t>
+              <a:t>15/05/2025</a:t>
             </a:fld>
             <a:endParaRPr lang="en-GB" sz="1800" b="0" i="0" kern="1200" dirty="0">
               <a:solidFill>
@@ -11652,7 +13012,7 @@
                 <a:ea typeface="Open Sans" pitchFamily="2" charset="0"/>
                 <a:cs typeface="Open Sans" pitchFamily="2" charset="0"/>
               </a:rPr>
-              <a:t>14/05/2025</a:t>
+              <a:t>15/05/2025</a:t>
             </a:fld>
             <a:endParaRPr lang="en-GB" sz="1800" b="0" i="0" kern="1200" dirty="0">
               <a:solidFill>
@@ -12169,7 +13529,7 @@
                 <a:ea typeface="Open Sans" panose="020B0606030504020204" pitchFamily="34" charset="0"/>
                 <a:cs typeface="Open Sans" panose="020B0606030504020204" pitchFamily="34" charset="0"/>
               </a:rPr>
-              <a:t>14/05/2025</a:t>
+              <a:t>15/05/2025</a:t>
             </a:fld>
             <a:endParaRPr lang="en-GB" sz="1800" b="0" i="0" kern="1200" dirty="0">
               <a:solidFill>
@@ -12766,7 +14126,7 @@
                 <a:ea typeface="Open Sans" pitchFamily="2" charset="0"/>
                 <a:cs typeface="Open Sans" pitchFamily="2" charset="0"/>
               </a:rPr>
-              <a:t>14/05/2025</a:t>
+              <a:t>15/05/2025</a:t>
             </a:fld>
             <a:endParaRPr lang="en-GB" sz="1800" b="0" i="0" kern="1200" dirty="0">
               <a:solidFill>
@@ -13306,7 +14666,7 @@
                 <a:ea typeface="Open Sans" panose="020B0606030504020204" pitchFamily="34" charset="0"/>
                 <a:cs typeface="Open Sans" panose="020B0606030504020204" pitchFamily="34" charset="0"/>
               </a:rPr>
-              <a:t>14/05/2025</a:t>
+              <a:t>15/05/2025</a:t>
             </a:fld>
             <a:endParaRPr lang="en-GB" sz="1800" b="0" i="0" kern="1200" dirty="0">
               <a:solidFill>
@@ -14007,7 +15367,7 @@
                 <a:ea typeface="Open Sans" panose="020B0606030504020204" pitchFamily="34" charset="0"/>
                 <a:cs typeface="Open Sans" panose="020B0606030504020204" pitchFamily="34" charset="0"/>
               </a:rPr>
-              <a:t>14/05/2025</a:t>
+              <a:t>15/05/2025</a:t>
             </a:fld>
             <a:endParaRPr lang="en-GB" sz="1800" b="0" i="0" kern="1200" dirty="0">
               <a:solidFill>
@@ -14370,7 +15730,7 @@
                 <a:ea typeface="Open Sans" pitchFamily="2" charset="0"/>
                 <a:cs typeface="Open Sans" pitchFamily="2" charset="0"/>
               </a:rPr>
-              <a:t>14/05/2025</a:t>
+              <a:t>15/05/2025</a:t>
             </a:fld>
             <a:endParaRPr lang="en-GB" sz="1800" b="0" i="0" kern="1200" dirty="0">
               <a:solidFill>
@@ -14765,7 +16125,7 @@
                 <a:ea typeface="Open Sans" pitchFamily="2" charset="0"/>
                 <a:cs typeface="Open Sans" pitchFamily="2" charset="0"/>
               </a:rPr>
-              <a:t>14/05/2025</a:t>
+              <a:t>15/05/2025</a:t>
             </a:fld>
             <a:endParaRPr lang="en-GB" sz="1800" b="0" i="0" kern="1200" dirty="0">
               <a:solidFill>
@@ -26076,7 +27436,7 @@
         <p:spPr>
           <a:xfrm>
             <a:off x="1138047" y="4858223"/>
-            <a:ext cx="8884465" cy="584775"/>
+            <a:ext cx="8884465" cy="1077218"/>
           </a:xfrm>
           <a:prstGeom prst="rect">
             <a:avLst/>
@@ -26091,80 +27451,10 @@
           <a:p>
             <a:r>
               <a:rPr lang="hr-HR" sz="1600" dirty="0"/>
-              <a:t>💡</a:t>
-            </a:r>
-            <a:r>
-              <a:rPr lang="en-US" sz="1600" dirty="0"/>
-              <a:t>Event listeners </a:t>
-            </a:r>
-            <a:r>
-              <a:rPr lang="en-US" sz="1600" dirty="0" err="1"/>
-              <a:t>su</a:t>
-            </a:r>
-            <a:r>
-              <a:rPr lang="en-US" sz="1600" dirty="0"/>
-              <a:t> </a:t>
-            </a:r>
-            <a:r>
-              <a:rPr lang="en-US" sz="1600" dirty="0" err="1"/>
-              <a:t>glavna</a:t>
-            </a:r>
-            <a:r>
-              <a:rPr lang="en-US" sz="1600" dirty="0"/>
-              <a:t> </a:t>
-            </a:r>
-            <a:r>
-              <a:rPr lang="en-US" sz="1600" dirty="0" err="1"/>
-              <a:t>komponenta</a:t>
-            </a:r>
-            <a:r>
-              <a:rPr lang="en-US" sz="1600" dirty="0"/>
-              <a:t> event driven </a:t>
-            </a:r>
-            <a:r>
-              <a:rPr lang="en-US" sz="1600" dirty="0" err="1"/>
-              <a:t>developmenta</a:t>
-            </a:r>
-            <a:r>
-              <a:rPr lang="en-US" sz="1600" dirty="0"/>
-              <a:t>. </a:t>
-            </a:r>
-            <a:r>
-              <a:rPr lang="en-US" sz="1600" dirty="0" err="1"/>
-              <a:t>Omogucuje</a:t>
-            </a:r>
-            <a:r>
-              <a:rPr lang="en-US" sz="1600" dirty="0"/>
-              <a:t> </a:t>
-            </a:r>
-            <a:r>
-              <a:rPr lang="en-US" sz="1600" dirty="0" err="1"/>
-              <a:t>egzekuciju</a:t>
-            </a:r>
-            <a:r>
-              <a:rPr lang="en-US" sz="1600" dirty="0"/>
-              <a:t> </a:t>
-            </a:r>
-            <a:r>
-              <a:rPr lang="en-US" sz="1600" dirty="0" err="1"/>
-              <a:t>koda</a:t>
-            </a:r>
-            <a:r>
-              <a:rPr lang="en-US" sz="1600" dirty="0"/>
-              <a:t> </a:t>
-            </a:r>
-            <a:r>
-              <a:rPr lang="en-US" sz="1600" dirty="0" err="1"/>
-              <a:t>nakon</a:t>
-            </a:r>
-            <a:r>
-              <a:rPr lang="en-US" sz="1600" dirty="0"/>
-              <a:t> </a:t>
-            </a:r>
-            <a:r>
-              <a:rPr lang="en-US" sz="1600" dirty="0" err="1"/>
-              <a:t>eventa</a:t>
-            </a:r>
+              <a:t>💡Event listeneri su temeljni dio izgradnje interaktivnih web aplikacija. Oni nam omogućuju da uhvatimo korisničke interakcije, poput klikova ili pritisaka tipki, i na njih reagiramo dinamički.</a:t>
+            </a:r>
+          </a:p>
+          <a:p>
             <a:r>
               <a:rPr lang="en-US" sz="1600" dirty="0"/>
               <a:t>.</a:t>
@@ -26223,7 +27513,7 @@
         <p:cNvPr id="1" name="">
           <a:extLst>
             <a:ext uri="{FF2B5EF4-FFF2-40B4-BE49-F238E27FC236}">
-              <a16:creationId xmlns:a16="http://schemas.microsoft.com/office/drawing/2014/main" id="{7D4E8A6A-23FC-2689-A644-619B6BC19CA6}"/>
+              <a16:creationId xmlns:a16="http://schemas.microsoft.com/office/drawing/2014/main" id="{18935ED6-5D94-5F0E-BDB9-C1056E7EEF38}"/>
             </a:ext>
           </a:extLst>
         </p:cNvPr>
@@ -26243,7 +27533,7 @@
           <p:cNvPr id="2" name="Title 1">
             <a:extLst>
               <a:ext uri="{FF2B5EF4-FFF2-40B4-BE49-F238E27FC236}">
-                <a16:creationId xmlns:a16="http://schemas.microsoft.com/office/drawing/2014/main" id="{109CA89D-2C53-6510-7179-FDBE6FC9CCB0}"/>
+                <a16:creationId xmlns:a16="http://schemas.microsoft.com/office/drawing/2014/main" id="{CC9744EA-9F7E-B19E-12A4-30452F7252AB}"/>
               </a:ext>
             </a:extLst>
           </p:cNvPr>
@@ -26280,7 +27570,7 @@
           <p:cNvPr id="6" name="Text Placeholder 5">
             <a:extLst>
               <a:ext uri="{FF2B5EF4-FFF2-40B4-BE49-F238E27FC236}">
-                <a16:creationId xmlns:a16="http://schemas.microsoft.com/office/drawing/2014/main" id="{ED910D2B-7A28-6B03-45F9-E0AE69B933AC}"/>
+                <a16:creationId xmlns:a16="http://schemas.microsoft.com/office/drawing/2014/main" id="{E303F1BC-28EF-5D4A-9731-F2D85CDD42B3}"/>
               </a:ext>
             </a:extLst>
           </p:cNvPr>
@@ -26294,7 +27584,7 @@
         <p:spPr/>
         <p:txBody>
           <a:bodyPr>
-            <a:normAutofit fontScale="85000" lnSpcReduction="20000"/>
+            <a:normAutofit/>
           </a:bodyPr>
           <a:lstStyle/>
           <a:p>
@@ -26308,15 +27598,7 @@
             </a:r>
             <a:r>
               <a:rPr lang="en-US" dirty="0" err="1"/>
-              <a:t>Preuzmite</a:t>
-            </a:r>
-            <a:r>
-              <a:rPr lang="en-US" dirty="0"/>
-              <a:t> .zip </a:t>
-            </a:r>
-            <a:r>
-              <a:rPr lang="en-US" dirty="0" err="1"/>
-              <a:t>fajl</a:t>
+              <a:t>Replicirajte</a:t>
             </a:r>
             <a:r>
               <a:rPr lang="en-US" dirty="0"/>
@@ -26324,7 +27606,7 @@
             </a:r>
             <a:r>
               <a:rPr lang="en-US" dirty="0" err="1"/>
-              <a:t>sa</a:t>
+              <a:t>sajt</a:t>
             </a:r>
             <a:r>
               <a:rPr lang="en-US" dirty="0"/>
@@ -26332,7 +27614,7 @@
             </a:r>
             <a:r>
               <a:rPr lang="en-US" dirty="0" err="1"/>
-              <a:t>osnovnim</a:t>
+              <a:t>sa</a:t>
             </a:r>
             <a:r>
               <a:rPr lang="en-US" dirty="0"/>
@@ -26340,23 +27622,7 @@
             </a:r>
             <a:r>
               <a:rPr lang="en-US" dirty="0" err="1"/>
-              <a:t>skeletonom</a:t>
-            </a:r>
-            <a:r>
-              <a:rPr lang="en-US" dirty="0"/>
-              <a:t> </a:t>
-            </a:r>
-            <a:r>
-              <a:rPr lang="en-US" dirty="0" err="1"/>
-              <a:t>websajta</a:t>
-            </a:r>
-            <a:r>
-              <a:rPr lang="en-US" dirty="0"/>
-              <a:t> za casino </a:t>
-            </a:r>
-            <a:r>
-              <a:rPr lang="en-US" dirty="0" err="1"/>
-              <a:t>igru</a:t>
+              <a:t>slike</a:t>
             </a:r>
             <a:endParaRPr lang="en-US" dirty="0"/>
           </a:p>
@@ -26367,11 +27633,27 @@
             </a:pPr>
             <a:r>
               <a:rPr lang="en-US" dirty="0"/>
-              <a:t>- Na </a:t>
+              <a:t>- Kada se </a:t>
             </a:r>
             <a:r>
               <a:rPr lang="en-US" dirty="0" err="1"/>
-              <a:t>vrhu</a:t>
+              <a:t>unese</a:t>
+            </a:r>
+            <a:r>
+              <a:rPr lang="en-US" dirty="0"/>
+              <a:t> text u input field, </a:t>
+            </a:r>
+            <a:r>
+              <a:rPr lang="en-US" dirty="0" err="1"/>
+              <a:t>kada</a:t>
+            </a:r>
+            <a:r>
+              <a:rPr lang="en-US" dirty="0"/>
+              <a:t> se </a:t>
+            </a:r>
+            <a:r>
+              <a:rPr lang="en-US" dirty="0" err="1"/>
+              <a:t>klikne</a:t>
             </a:r>
             <a:r>
               <a:rPr lang="en-US" dirty="0"/>
@@ -26379,300 +27661,25 @@
             </a:r>
             <a:r>
               <a:rPr lang="en-US" dirty="0" err="1"/>
-              <a:t>stranice</a:t>
+              <a:t>na</a:t>
             </a:r>
             <a:r>
               <a:rPr lang="en-US" dirty="0"/>
-              <a:t> h1 </a:t>
+              <a:t> button add, item se </a:t>
             </a:r>
             <a:r>
               <a:rPr lang="en-US" dirty="0" err="1"/>
-              <a:t>naslov</a:t>
+              <a:t>dodaje</a:t>
             </a:r>
             <a:r>
               <a:rPr lang="en-US" dirty="0"/>
-              <a:t>: “Refresh Me”. </a:t>
-            </a:r>
-            <a:r>
-              <a:rPr lang="en-US" b="1" dirty="0"/>
-              <a:t>Font-family - Lobster</a:t>
-            </a:r>
-          </a:p>
-          <a:p>
-            <a:pPr marL="285750" indent="-285750">
-              <a:buFontTx/>
-              <a:buChar char="-"/>
-            </a:pPr>
-            <a:r>
-              <a:rPr lang="en-US" dirty="0"/>
-              <a:t>- </a:t>
+              <a:t> u </a:t>
             </a:r>
             <a:r>
               <a:rPr lang="en-US" dirty="0" err="1"/>
-              <a:t>Ispod</a:t>
-            </a:r>
-            <a:r>
-              <a:rPr lang="en-US" dirty="0"/>
-              <a:t> </a:t>
-            </a:r>
-            <a:r>
-              <a:rPr lang="en-US" dirty="0" err="1"/>
-              <a:t>naslova</a:t>
-            </a:r>
-            <a:r>
-              <a:rPr lang="en-US" dirty="0"/>
-              <a:t> </a:t>
-            </a:r>
-            <a:r>
-              <a:rPr lang="en-US" dirty="0" err="1"/>
-              <a:t>dva</a:t>
-            </a:r>
-            <a:r>
-              <a:rPr lang="en-US" dirty="0"/>
-              <a:t> </a:t>
-            </a:r>
-            <a:r>
-              <a:rPr lang="en-US" dirty="0" err="1"/>
-              <a:t>odjeljka</a:t>
-            </a:r>
-            <a:r>
-              <a:rPr lang="en-US" dirty="0"/>
-              <a:t>: “Player 1” </a:t>
-            </a:r>
-            <a:r>
-              <a:rPr lang="en-US" dirty="0" err="1"/>
-              <a:t>i</a:t>
-            </a:r>
-            <a:r>
-              <a:rPr lang="en-US" dirty="0"/>
-              <a:t> “Player 2”, </a:t>
-            </a:r>
-            <a:r>
-              <a:rPr lang="en-US" dirty="0" err="1"/>
-              <a:t>svaki</a:t>
-            </a:r>
-            <a:r>
-              <a:rPr lang="en-US" dirty="0"/>
-              <a:t> </a:t>
-            </a:r>
-            <a:r>
-              <a:rPr lang="en-US" dirty="0" err="1"/>
-              <a:t>sa</a:t>
-            </a:r>
-            <a:r>
-              <a:rPr lang="en-US" dirty="0"/>
-              <a:t> </a:t>
-            </a:r>
-            <a:r>
-              <a:rPr lang="en-US" dirty="0" err="1"/>
-              <a:t>slikom</a:t>
-            </a:r>
-            <a:r>
-              <a:rPr lang="en-US" dirty="0"/>
-              <a:t> </a:t>
-            </a:r>
-            <a:r>
-              <a:rPr lang="en-US" dirty="0" err="1"/>
-              <a:t>kocke</a:t>
-            </a:r>
-            <a:r>
-              <a:rPr lang="en-US" dirty="0"/>
-              <a:t>. </a:t>
-            </a:r>
-            <a:r>
-              <a:rPr lang="en-US" b="1" dirty="0"/>
-              <a:t>font-family Indie flower</a:t>
-            </a:r>
-          </a:p>
-          <a:p>
-            <a:pPr marL="285750" indent="-285750">
-              <a:buFontTx/>
-              <a:buChar char="-"/>
-            </a:pPr>
-            <a:r>
-              <a:rPr lang="en-US" b="1" dirty="0"/>
-              <a:t>- </a:t>
-            </a:r>
-            <a:r>
-              <a:rPr lang="en-US" dirty="0"/>
-              <a:t>Footer</a:t>
-            </a:r>
-            <a:r>
-              <a:rPr lang="en-US" b="1" dirty="0"/>
-              <a:t> font-family Indie flower</a:t>
-            </a:r>
-          </a:p>
-          <a:p>
-            <a:pPr marL="285750" indent="-285750">
-              <a:buFontTx/>
-              <a:buChar char="-"/>
-            </a:pPr>
-            <a:r>
-              <a:rPr lang="en-US" dirty="0"/>
-              <a:t>- Pri </a:t>
-            </a:r>
-            <a:r>
-              <a:rPr lang="en-US" dirty="0" err="1"/>
-              <a:t>svakom</a:t>
-            </a:r>
-            <a:r>
-              <a:rPr lang="en-US" dirty="0"/>
-              <a:t> </a:t>
-            </a:r>
-            <a:r>
-              <a:rPr lang="en-US" dirty="0" err="1"/>
-              <a:t>osvježavanju</a:t>
-            </a:r>
-            <a:r>
-              <a:rPr lang="en-US" dirty="0"/>
-              <a:t> </a:t>
-            </a:r>
-            <a:r>
-              <a:rPr lang="en-US" dirty="0" err="1"/>
-              <a:t>stranice</a:t>
-            </a:r>
-            <a:r>
-              <a:rPr lang="en-US" dirty="0"/>
-              <a:t> (reload) </a:t>
-            </a:r>
-            <a:r>
-              <a:rPr lang="en-US" dirty="0" err="1"/>
-              <a:t>kocke</a:t>
-            </a:r>
-            <a:r>
-              <a:rPr lang="en-US" dirty="0"/>
-              <a:t> se </a:t>
-            </a:r>
-            <a:r>
-              <a:rPr lang="en-US" dirty="0" err="1"/>
-              <a:t>nasumično</a:t>
-            </a:r>
-            <a:r>
-              <a:rPr lang="en-US" dirty="0"/>
-              <a:t> “</a:t>
-            </a:r>
-            <a:r>
-              <a:rPr lang="en-US" dirty="0" err="1"/>
-              <a:t>bacaju</a:t>
-            </a:r>
-            <a:r>
-              <a:rPr lang="en-US" dirty="0"/>
-              <a:t>” – </a:t>
-            </a:r>
-            <a:r>
-              <a:rPr lang="en-US" dirty="0" err="1"/>
-              <a:t>mijenjaju</a:t>
-            </a:r>
-            <a:r>
-              <a:rPr lang="en-US" dirty="0"/>
-              <a:t> se </a:t>
-            </a:r>
-            <a:r>
-              <a:rPr lang="en-US" dirty="0" err="1"/>
-              <a:t>njihove</a:t>
-            </a:r>
-            <a:r>
-              <a:rPr lang="en-US" dirty="0"/>
-              <a:t> </a:t>
-            </a:r>
-            <a:r>
-              <a:rPr lang="en-US" dirty="0" err="1"/>
-              <a:t>vrijednosti</a:t>
-            </a:r>
-            <a:r>
-              <a:rPr lang="en-US" dirty="0"/>
-              <a:t> (1–6).</a:t>
-            </a:r>
-          </a:p>
-          <a:p>
-            <a:pPr marL="285750" indent="-285750">
-              <a:buFontTx/>
-              <a:buChar char="-"/>
-            </a:pPr>
-            <a:r>
-              <a:rPr lang="en-US" dirty="0"/>
-              <a:t>- Na </a:t>
-            </a:r>
-            <a:r>
-              <a:rPr lang="en-US" dirty="0" err="1"/>
-              <a:t>temelju</a:t>
-            </a:r>
-            <a:r>
-              <a:rPr lang="en-US" dirty="0"/>
-              <a:t> </a:t>
-            </a:r>
-            <a:r>
-              <a:rPr lang="en-US" dirty="0" err="1"/>
-              <a:t>većeg</a:t>
-            </a:r>
-            <a:r>
-              <a:rPr lang="en-US" dirty="0"/>
-              <a:t> </a:t>
-            </a:r>
-            <a:r>
-              <a:rPr lang="en-US" dirty="0" err="1"/>
-              <a:t>broja</a:t>
-            </a:r>
-            <a:r>
-              <a:rPr lang="en-US" dirty="0"/>
-              <a:t> </a:t>
-            </a:r>
-            <a:r>
-              <a:rPr lang="en-US" dirty="0" err="1"/>
-              <a:t>na</a:t>
-            </a:r>
-            <a:r>
-              <a:rPr lang="en-US" dirty="0"/>
-              <a:t> </a:t>
-            </a:r>
-            <a:r>
-              <a:rPr lang="en-US" dirty="0" err="1"/>
-              <a:t>kocki</a:t>
-            </a:r>
-            <a:r>
-              <a:rPr lang="en-US" dirty="0"/>
-              <a:t> </a:t>
-            </a:r>
-            <a:r>
-              <a:rPr lang="en-US" dirty="0" err="1"/>
-              <a:t>stranica</a:t>
-            </a:r>
-            <a:r>
-              <a:rPr lang="en-US" dirty="0"/>
-              <a:t> </a:t>
-            </a:r>
-            <a:r>
-              <a:rPr lang="en-US" dirty="0" err="1"/>
-              <a:t>ispisuje</a:t>
-            </a:r>
-            <a:r>
-              <a:rPr lang="en-US" dirty="0"/>
-              <a:t> </a:t>
-            </a:r>
-            <a:r>
-              <a:rPr lang="en-US" dirty="0" err="1"/>
-              <a:t>pobjednika</a:t>
-            </a:r>
-            <a:r>
-              <a:rPr lang="en-US" dirty="0"/>
-              <a:t> (“Player 1 Wins!”, “Player 2 Wins!” </a:t>
-            </a:r>
-            <a:r>
-              <a:rPr lang="en-US" dirty="0" err="1"/>
-              <a:t>ili</a:t>
-            </a:r>
-            <a:r>
-              <a:rPr lang="en-US" dirty="0"/>
-              <a:t> </a:t>
-            </a:r>
-            <a:r>
-              <a:rPr lang="en-US" dirty="0" err="1"/>
-              <a:t>neriješeno</a:t>
-            </a:r>
-            <a:r>
-              <a:rPr lang="en-US" dirty="0"/>
-              <a:t>).</a:t>
-            </a:r>
+              <a:t>listu</a:t>
+            </a:r>
+            <a:endParaRPr lang="en-US" dirty="0"/>
           </a:p>
           <a:p>
             <a:pPr marL="285750" indent="-285750">
@@ -26685,10 +27692,10 @@
       </p:sp>
       <p:pic>
         <p:nvPicPr>
-          <p:cNvPr id="8" name="Picture 7">
-            <a:extLst>
-              <a:ext uri="{FF2B5EF4-FFF2-40B4-BE49-F238E27FC236}">
-                <a16:creationId xmlns:a16="http://schemas.microsoft.com/office/drawing/2014/main" id="{9D4F1ADC-CA49-30F5-6FE7-FBE51DE46BAE}"/>
+          <p:cNvPr id="4" name="Picture 3">
+            <a:extLst>
+              <a:ext uri="{FF2B5EF4-FFF2-40B4-BE49-F238E27FC236}">
+                <a16:creationId xmlns:a16="http://schemas.microsoft.com/office/drawing/2014/main" id="{82F0F5F7-23F1-88C2-5C1B-9EBA33464507}"/>
               </a:ext>
             </a:extLst>
           </p:cNvPr>
@@ -26705,8 +27712,8 @@
         </p:blipFill>
         <p:spPr>
           <a:xfrm>
-            <a:off x="6229962" y="437378"/>
-            <a:ext cx="5196322" cy="5706944"/>
+            <a:off x="6425184" y="2274531"/>
+            <a:ext cx="3657600" cy="1533525"/>
           </a:xfrm>
           <a:prstGeom prst="rect">
             <a:avLst/>
@@ -26716,7 +27723,7 @@
     </p:spTree>
     <p:extLst>
       <p:ext uri="{BB962C8B-B14F-4D97-AF65-F5344CB8AC3E}">
-        <p14:creationId xmlns:p14="http://schemas.microsoft.com/office/powerpoint/2010/main" val="1105035701"/>
+        <p14:creationId xmlns:p14="http://schemas.microsoft.com/office/powerpoint/2010/main" val="4235414391"/>
       </p:ext>
     </p:extLst>
   </p:cSld>
@@ -26734,7 +27741,7 @@
         <p:cNvPr id="1" name="">
           <a:extLst>
             <a:ext uri="{FF2B5EF4-FFF2-40B4-BE49-F238E27FC236}">
-              <a16:creationId xmlns:a16="http://schemas.microsoft.com/office/drawing/2014/main" id="{18935ED6-5D94-5F0E-BDB9-C1056E7EEF38}"/>
+              <a16:creationId xmlns:a16="http://schemas.microsoft.com/office/drawing/2014/main" id="{C973B451-2E27-A1F0-C0EF-07E399ADF1ED}"/>
             </a:ext>
           </a:extLst>
         </p:cNvPr>
@@ -26751,75 +27758,62 @@
       </p:grpSpPr>
       <p:sp>
         <p:nvSpPr>
-          <p:cNvPr id="2" name="Title 1">
-            <a:extLst>
-              <a:ext uri="{FF2B5EF4-FFF2-40B4-BE49-F238E27FC236}">
-                <a16:creationId xmlns:a16="http://schemas.microsoft.com/office/drawing/2014/main" id="{CC9744EA-9F7E-B19E-12A4-30452F7252AB}"/>
-              </a:ext>
-            </a:extLst>
-          </p:cNvPr>
-          <p:cNvSpPr>
-            <a:spLocks noGrp="1"/>
+          <p:cNvPr id="4" name="Title 1">
+            <a:extLst>
+              <a:ext uri="{FF2B5EF4-FFF2-40B4-BE49-F238E27FC236}">
+                <a16:creationId xmlns:a16="http://schemas.microsoft.com/office/drawing/2014/main" id="{85473EB7-915F-9CBC-5F39-C909D90E3089}"/>
+              </a:ext>
+            </a:extLst>
+          </p:cNvPr>
+          <p:cNvSpPr txBox="1">
+            <a:spLocks/>
           </p:cNvSpPr>
-          <p:nvPr>
-            <p:ph type="title"/>
-          </p:nvPr>
-        </p:nvSpPr>
-        <p:spPr/>
-        <p:txBody>
-          <a:bodyPr/>
-          <a:lstStyle/>
-          <a:p>
-            <a:r>
-              <a:rPr lang="en-US" dirty="0"/>
-              <a:t>VJE</a:t>
-            </a:r>
-            <a:r>
-              <a:rPr lang="hr-HR" dirty="0"/>
-              <a:t>ž</a:t>
-            </a:r>
-            <a:r>
-              <a:rPr lang="en-US" dirty="0" err="1"/>
-              <a:t>ba</a:t>
-            </a:r>
-            <a:endParaRPr lang="hr-HR" dirty="0"/>
-          </a:p>
-        </p:txBody>
-      </p:sp>
-      <p:sp>
-        <p:nvSpPr>
-          <p:cNvPr id="6" name="Text Placeholder 5">
-            <a:extLst>
-              <a:ext uri="{FF2B5EF4-FFF2-40B4-BE49-F238E27FC236}">
-                <a16:creationId xmlns:a16="http://schemas.microsoft.com/office/drawing/2014/main" id="{E303F1BC-28EF-5D4A-9731-F2D85CDD42B3}"/>
-              </a:ext>
-            </a:extLst>
-          </p:cNvPr>
-          <p:cNvSpPr>
-            <a:spLocks noGrp="1"/>
-          </p:cNvSpPr>
-          <p:nvPr>
-            <p:ph type="body" sz="half" idx="2"/>
-          </p:nvPr>
-        </p:nvSpPr>
-        <p:spPr/>
-        <p:txBody>
-          <a:bodyPr>
+          <p:nvPr/>
+        </p:nvSpPr>
+        <p:spPr>
+          <a:xfrm>
+            <a:off x="990600" y="383056"/>
+            <a:ext cx="10515600" cy="853976"/>
+          </a:xfrm>
+          <a:prstGeom prst="rect">
+            <a:avLst/>
+          </a:prstGeom>
+        </p:spPr>
+        <p:txBody>
+          <a:bodyPr vert="horz" lIns="91440" tIns="45720" rIns="91440" bIns="45720" rtlCol="0" anchor="ctr">
             <a:normAutofit/>
           </a:bodyPr>
-          <a:lstStyle/>
-          <a:p>
-            <a:pPr marL="285750" indent="-285750">
-              <a:buFontTx/>
-              <a:buChar char="-"/>
-            </a:pPr>
+          <a:lstStyle>
+            <a:lvl1pPr algn="l" defTabSz="914400" rtl="0" eaLnBrk="1" latinLnBrk="0" hangingPunct="1">
+              <a:lnSpc>
+                <a:spcPct val="90000"/>
+              </a:lnSpc>
+              <a:spcBef>
+                <a:spcPct val="0"/>
+              </a:spcBef>
+              <a:buNone/>
+              <a:defRPr sz="3600" b="1" i="0" kern="1200" cap="all" baseline="0">
+                <a:solidFill>
+                  <a:schemeClr val="tx2"/>
+                </a:solidFill>
+                <a:latin typeface="+mj-lt"/>
+                <a:ea typeface="Open Sans Semibold" panose="020B0606030504020204" pitchFamily="34" charset="0"/>
+                <a:cs typeface="Open Sans Semibold" panose="020B0606030504020204" pitchFamily="34" charset="0"/>
+              </a:defRPr>
+            </a:lvl1pPr>
+          </a:lstStyle>
+          <a:p>
+            <a:r>
+              <a:rPr lang="hr-HR" dirty="0"/>
+              <a:t>JavaScript</a:t>
+            </a:r>
             <a:r>
               <a:rPr lang="en-US" dirty="0"/>
-              <a:t>- </a:t>
+              <a:t> – </a:t>
             </a:r>
             <a:r>
               <a:rPr lang="en-US" dirty="0" err="1"/>
-              <a:t>Replicirajte</a:t>
+              <a:t>FUNkcije</a:t>
             </a:r>
             <a:r>
               <a:rPr lang="en-US" dirty="0"/>
@@ -26827,7 +27821,7 @@
             </a:r>
             <a:r>
               <a:rPr lang="en-US" dirty="0" err="1"/>
-              <a:t>sajt</a:t>
+              <a:t>kao</a:t>
             </a:r>
             <a:r>
               <a:rPr lang="en-US" dirty="0"/>
@@ -26835,88 +27829,61 @@
             </a:r>
             <a:r>
               <a:rPr lang="en-US" dirty="0" err="1"/>
-              <a:t>sa</a:t>
-            </a:r>
-            <a:r>
-              <a:rPr lang="en-US" dirty="0"/>
-              <a:t> </a:t>
-            </a:r>
-            <a:r>
-              <a:rPr lang="en-US" dirty="0" err="1"/>
-              <a:t>slike</a:t>
-            </a:r>
-            <a:endParaRPr lang="en-US" dirty="0"/>
-          </a:p>
-          <a:p>
-            <a:pPr marL="285750" indent="-285750">
-              <a:buFontTx/>
-              <a:buChar char="-"/>
-            </a:pPr>
-            <a:r>
-              <a:rPr lang="en-US" dirty="0"/>
-              <a:t>- Kada se </a:t>
-            </a:r>
-            <a:r>
-              <a:rPr lang="en-US" dirty="0" err="1"/>
-              <a:t>unese</a:t>
-            </a:r>
-            <a:r>
-              <a:rPr lang="en-US" dirty="0"/>
-              <a:t> text u input field, </a:t>
-            </a:r>
-            <a:r>
-              <a:rPr lang="en-US" dirty="0" err="1"/>
-              <a:t>kada</a:t>
-            </a:r>
-            <a:r>
-              <a:rPr lang="en-US" dirty="0"/>
-              <a:t> se </a:t>
-            </a:r>
-            <a:r>
-              <a:rPr lang="en-US" dirty="0" err="1"/>
-              <a:t>klikne</a:t>
-            </a:r>
-            <a:r>
-              <a:rPr lang="en-US" dirty="0"/>
-              <a:t> </a:t>
-            </a:r>
-            <a:r>
-              <a:rPr lang="en-US" dirty="0" err="1"/>
-              <a:t>na</a:t>
-            </a:r>
-            <a:r>
-              <a:rPr lang="en-US" dirty="0"/>
-              <a:t> button add, item se </a:t>
-            </a:r>
-            <a:r>
-              <a:rPr lang="en-US" dirty="0" err="1"/>
-              <a:t>dodaje</a:t>
-            </a:r>
-            <a:r>
-              <a:rPr lang="en-US" dirty="0"/>
-              <a:t> u </a:t>
-            </a:r>
-            <a:r>
-              <a:rPr lang="en-US" dirty="0" err="1"/>
-              <a:t>listu</a:t>
-            </a:r>
-            <a:endParaRPr lang="en-US" dirty="0"/>
-          </a:p>
-          <a:p>
-            <a:pPr marL="285750" indent="-285750">
-              <a:buFontTx/>
-              <a:buChar char="-"/>
-            </a:pPr>
+              <a:t>argumenti</a:t>
+            </a:r>
             <a:endParaRPr lang="hr-HR" dirty="0"/>
+          </a:p>
+        </p:txBody>
+      </p:sp>
+      <p:sp>
+        <p:nvSpPr>
+          <p:cNvPr id="17" name="TextBox 16">
+            <a:extLst>
+              <a:ext uri="{FF2B5EF4-FFF2-40B4-BE49-F238E27FC236}">
+                <a16:creationId xmlns:a16="http://schemas.microsoft.com/office/drawing/2014/main" id="{B81CE087-A6BF-22D0-48B3-3805954FE688}"/>
+              </a:ext>
+            </a:extLst>
+          </p:cNvPr>
+          <p:cNvSpPr txBox="1"/>
+          <p:nvPr/>
+        </p:nvSpPr>
+        <p:spPr>
+          <a:xfrm>
+            <a:off x="1138047" y="4858223"/>
+            <a:ext cx="8884465" cy="830997"/>
+          </a:xfrm>
+          <a:prstGeom prst="rect">
+            <a:avLst/>
+          </a:prstGeom>
+          <a:noFill/>
+        </p:spPr>
+        <p:txBody>
+          <a:bodyPr wrap="square">
+            <a:spAutoFit/>
+          </a:bodyPr>
+          <a:lstStyle/>
+          <a:p>
+            <a:r>
+              <a:rPr lang="hr-HR" sz="1600" dirty="0"/>
+              <a:t>💡JavaScript nam omogućuje da proslijedimo funkcije kao parametre drugim funkcijama. To su </a:t>
+            </a:r>
+            <a:r>
+              <a:rPr lang="hr-HR" sz="1600" b="1" dirty="0"/>
+              <a:t>funkcije višeg reda</a:t>
+            </a:r>
+            <a:endParaRPr lang="hr-HR" sz="1600" dirty="0"/>
+          </a:p>
+          <a:p>
+            <a:endParaRPr lang="en-US" sz="1600" dirty="0"/>
           </a:p>
         </p:txBody>
       </p:sp>
       <p:pic>
         <p:nvPicPr>
-          <p:cNvPr id="4" name="Picture 3">
-            <a:extLst>
-              <a:ext uri="{FF2B5EF4-FFF2-40B4-BE49-F238E27FC236}">
-                <a16:creationId xmlns:a16="http://schemas.microsoft.com/office/drawing/2014/main" id="{82F0F5F7-23F1-88C2-5C1B-9EBA33464507}"/>
+          <p:cNvPr id="5" name="Picture 4">
+            <a:extLst>
+              <a:ext uri="{FF2B5EF4-FFF2-40B4-BE49-F238E27FC236}">
+                <a16:creationId xmlns:a16="http://schemas.microsoft.com/office/drawing/2014/main" id="{D5405EC2-6F8F-AC74-9172-CF806AC16432}"/>
               </a:ext>
             </a:extLst>
           </p:cNvPr>
@@ -26933,8 +27900,8 @@
         </p:blipFill>
         <p:spPr>
           <a:xfrm>
-            <a:off x="6425184" y="2274531"/>
-            <a:ext cx="3657600" cy="1533525"/>
+            <a:off x="1138047" y="1415002"/>
+            <a:ext cx="5245827" cy="3160852"/>
           </a:xfrm>
           <a:prstGeom prst="rect">
             <a:avLst/>
@@ -26944,7 +27911,692 @@
     </p:spTree>
     <p:extLst>
       <p:ext uri="{BB962C8B-B14F-4D97-AF65-F5344CB8AC3E}">
-        <p14:creationId xmlns:p14="http://schemas.microsoft.com/office/powerpoint/2010/main" val="4235414391"/>
+        <p14:creationId xmlns:p14="http://schemas.microsoft.com/office/powerpoint/2010/main" val="3256311452"/>
+      </p:ext>
+    </p:extLst>
+  </p:cSld>
+  <p:clrMapOvr>
+    <a:masterClrMapping/>
+  </p:clrMapOvr>
+</p:sld>
+</file>
+
+<file path=ppt/slides/slide38.xml><?xml version="1.0" encoding="utf-8"?>
+<p:sld xmlns:a="http://schemas.openxmlformats.org/drawingml/2006/main" xmlns:r="http://schemas.openxmlformats.org/officeDocument/2006/relationships" xmlns:p="http://schemas.openxmlformats.org/presentationml/2006/main">
+  <p:cSld>
+    <p:spTree>
+      <p:nvGrpSpPr>
+        <p:cNvPr id="1" name="">
+          <a:extLst>
+            <a:ext uri="{FF2B5EF4-FFF2-40B4-BE49-F238E27FC236}">
+              <a16:creationId xmlns:a16="http://schemas.microsoft.com/office/drawing/2014/main" id="{7D4E8A6A-23FC-2689-A644-619B6BC19CA6}"/>
+            </a:ext>
+          </a:extLst>
+        </p:cNvPr>
+        <p:cNvGrpSpPr/>
+        <p:nvPr/>
+      </p:nvGrpSpPr>
+      <p:grpSpPr>
+        <a:xfrm>
+          <a:off x="0" y="0"/>
+          <a:ext cx="0" cy="0"/>
+          <a:chOff x="0" y="0"/>
+          <a:chExt cx="0" cy="0"/>
+        </a:xfrm>
+      </p:grpSpPr>
+      <p:sp>
+        <p:nvSpPr>
+          <p:cNvPr id="2" name="Title 1">
+            <a:extLst>
+              <a:ext uri="{FF2B5EF4-FFF2-40B4-BE49-F238E27FC236}">
+                <a16:creationId xmlns:a16="http://schemas.microsoft.com/office/drawing/2014/main" id="{109CA89D-2C53-6510-7179-FDBE6FC9CCB0}"/>
+              </a:ext>
+            </a:extLst>
+          </p:cNvPr>
+          <p:cNvSpPr>
+            <a:spLocks noGrp="1"/>
+          </p:cNvSpPr>
+          <p:nvPr>
+            <p:ph type="title"/>
+          </p:nvPr>
+        </p:nvSpPr>
+        <p:spPr/>
+        <p:txBody>
+          <a:bodyPr/>
+          <a:lstStyle/>
+          <a:p>
+            <a:r>
+              <a:rPr lang="en-US" dirty="0"/>
+              <a:t>VJE</a:t>
+            </a:r>
+            <a:r>
+              <a:rPr lang="hr-HR" dirty="0"/>
+              <a:t>ž</a:t>
+            </a:r>
+            <a:r>
+              <a:rPr lang="en-US" dirty="0" err="1"/>
+              <a:t>ba</a:t>
+            </a:r>
+            <a:endParaRPr lang="hr-HR" dirty="0"/>
+          </a:p>
+        </p:txBody>
+      </p:sp>
+      <p:sp>
+        <p:nvSpPr>
+          <p:cNvPr id="6" name="Text Placeholder 5">
+            <a:extLst>
+              <a:ext uri="{FF2B5EF4-FFF2-40B4-BE49-F238E27FC236}">
+                <a16:creationId xmlns:a16="http://schemas.microsoft.com/office/drawing/2014/main" id="{ED910D2B-7A28-6B03-45F9-E0AE69B933AC}"/>
+              </a:ext>
+            </a:extLst>
+          </p:cNvPr>
+          <p:cNvSpPr>
+            <a:spLocks noGrp="1"/>
+          </p:cNvSpPr>
+          <p:nvPr>
+            <p:ph type="body" sz="half" idx="2"/>
+          </p:nvPr>
+        </p:nvSpPr>
+        <p:spPr/>
+        <p:txBody>
+          <a:bodyPr>
+            <a:normAutofit fontScale="85000" lnSpcReduction="20000"/>
+          </a:bodyPr>
+          <a:lstStyle/>
+          <a:p>
+            <a:pPr marL="285750" indent="-285750">
+              <a:buFontTx/>
+              <a:buChar char="-"/>
+            </a:pPr>
+            <a:r>
+              <a:rPr lang="en-US" dirty="0"/>
+              <a:t>- </a:t>
+            </a:r>
+            <a:r>
+              <a:rPr lang="en-US" dirty="0" err="1"/>
+              <a:t>Preuzmite</a:t>
+            </a:r>
+            <a:r>
+              <a:rPr lang="en-US" dirty="0"/>
+              <a:t> .zip </a:t>
+            </a:r>
+            <a:r>
+              <a:rPr lang="en-US" dirty="0" err="1"/>
+              <a:t>fajl</a:t>
+            </a:r>
+            <a:r>
+              <a:rPr lang="en-US" dirty="0"/>
+              <a:t> </a:t>
+            </a:r>
+            <a:r>
+              <a:rPr lang="en-US" dirty="0" err="1"/>
+              <a:t>sa</a:t>
+            </a:r>
+            <a:r>
+              <a:rPr lang="en-US" dirty="0"/>
+              <a:t> </a:t>
+            </a:r>
+            <a:r>
+              <a:rPr lang="en-US" dirty="0" err="1"/>
+              <a:t>osnovnim</a:t>
+            </a:r>
+            <a:r>
+              <a:rPr lang="en-US" dirty="0"/>
+              <a:t> </a:t>
+            </a:r>
+            <a:r>
+              <a:rPr lang="en-US" dirty="0" err="1"/>
+              <a:t>skeletonom</a:t>
+            </a:r>
+            <a:r>
+              <a:rPr lang="en-US" dirty="0"/>
+              <a:t> </a:t>
+            </a:r>
+            <a:r>
+              <a:rPr lang="en-US" dirty="0" err="1"/>
+              <a:t>websajta</a:t>
+            </a:r>
+            <a:r>
+              <a:rPr lang="en-US" dirty="0"/>
+              <a:t> za casino </a:t>
+            </a:r>
+            <a:r>
+              <a:rPr lang="en-US" dirty="0" err="1"/>
+              <a:t>igru</a:t>
+            </a:r>
+            <a:endParaRPr lang="en-US" dirty="0"/>
+          </a:p>
+          <a:p>
+            <a:pPr marL="285750" indent="-285750">
+              <a:buFontTx/>
+              <a:buChar char="-"/>
+            </a:pPr>
+            <a:r>
+              <a:rPr lang="en-US" dirty="0"/>
+              <a:t>- Na </a:t>
+            </a:r>
+            <a:r>
+              <a:rPr lang="en-US" dirty="0" err="1"/>
+              <a:t>vrhu</a:t>
+            </a:r>
+            <a:r>
+              <a:rPr lang="en-US" dirty="0"/>
+              <a:t> </a:t>
+            </a:r>
+            <a:r>
+              <a:rPr lang="en-US" dirty="0" err="1"/>
+              <a:t>stranice</a:t>
+            </a:r>
+            <a:r>
+              <a:rPr lang="en-US" dirty="0"/>
+              <a:t> h1 </a:t>
+            </a:r>
+            <a:r>
+              <a:rPr lang="en-US" dirty="0" err="1"/>
+              <a:t>naslov</a:t>
+            </a:r>
+            <a:r>
+              <a:rPr lang="en-US" dirty="0"/>
+              <a:t>: “Refresh Me”. </a:t>
+            </a:r>
+            <a:r>
+              <a:rPr lang="en-US" b="1" dirty="0"/>
+              <a:t>Font-family - Lobster</a:t>
+            </a:r>
+          </a:p>
+          <a:p>
+            <a:pPr marL="285750" indent="-285750">
+              <a:buFontTx/>
+              <a:buChar char="-"/>
+            </a:pPr>
+            <a:r>
+              <a:rPr lang="en-US" dirty="0"/>
+              <a:t>- </a:t>
+            </a:r>
+            <a:r>
+              <a:rPr lang="en-US" dirty="0" err="1"/>
+              <a:t>Ispod</a:t>
+            </a:r>
+            <a:r>
+              <a:rPr lang="en-US" dirty="0"/>
+              <a:t> </a:t>
+            </a:r>
+            <a:r>
+              <a:rPr lang="en-US" dirty="0" err="1"/>
+              <a:t>naslova</a:t>
+            </a:r>
+            <a:r>
+              <a:rPr lang="en-US" dirty="0"/>
+              <a:t> </a:t>
+            </a:r>
+            <a:r>
+              <a:rPr lang="en-US" dirty="0" err="1"/>
+              <a:t>dva</a:t>
+            </a:r>
+            <a:r>
+              <a:rPr lang="en-US" dirty="0"/>
+              <a:t> </a:t>
+            </a:r>
+            <a:r>
+              <a:rPr lang="en-US" dirty="0" err="1"/>
+              <a:t>odjeljka</a:t>
+            </a:r>
+            <a:r>
+              <a:rPr lang="en-US" dirty="0"/>
+              <a:t>: “Player 1” </a:t>
+            </a:r>
+            <a:r>
+              <a:rPr lang="en-US" dirty="0" err="1"/>
+              <a:t>i</a:t>
+            </a:r>
+            <a:r>
+              <a:rPr lang="en-US" dirty="0"/>
+              <a:t> “Player 2”, </a:t>
+            </a:r>
+            <a:r>
+              <a:rPr lang="en-US" dirty="0" err="1"/>
+              <a:t>svaki</a:t>
+            </a:r>
+            <a:r>
+              <a:rPr lang="en-US" dirty="0"/>
+              <a:t> </a:t>
+            </a:r>
+            <a:r>
+              <a:rPr lang="en-US" dirty="0" err="1"/>
+              <a:t>sa</a:t>
+            </a:r>
+            <a:r>
+              <a:rPr lang="en-US" dirty="0"/>
+              <a:t> </a:t>
+            </a:r>
+            <a:r>
+              <a:rPr lang="en-US" dirty="0" err="1"/>
+              <a:t>slikom</a:t>
+            </a:r>
+            <a:r>
+              <a:rPr lang="en-US" dirty="0"/>
+              <a:t> </a:t>
+            </a:r>
+            <a:r>
+              <a:rPr lang="en-US" dirty="0" err="1"/>
+              <a:t>kocke</a:t>
+            </a:r>
+            <a:r>
+              <a:rPr lang="en-US" dirty="0"/>
+              <a:t>. </a:t>
+            </a:r>
+            <a:r>
+              <a:rPr lang="en-US" b="1" dirty="0"/>
+              <a:t>font-family Indie flower</a:t>
+            </a:r>
+          </a:p>
+          <a:p>
+            <a:pPr marL="285750" indent="-285750">
+              <a:buFontTx/>
+              <a:buChar char="-"/>
+            </a:pPr>
+            <a:r>
+              <a:rPr lang="en-US" b="1" dirty="0"/>
+              <a:t>- </a:t>
+            </a:r>
+            <a:r>
+              <a:rPr lang="en-US" dirty="0"/>
+              <a:t>Footer</a:t>
+            </a:r>
+            <a:r>
+              <a:rPr lang="en-US" b="1" dirty="0"/>
+              <a:t> font-family Indie flower</a:t>
+            </a:r>
+          </a:p>
+          <a:p>
+            <a:pPr marL="285750" indent="-285750">
+              <a:buFontTx/>
+              <a:buChar char="-"/>
+            </a:pPr>
+            <a:r>
+              <a:rPr lang="en-US" dirty="0"/>
+              <a:t>- Pri </a:t>
+            </a:r>
+            <a:r>
+              <a:rPr lang="en-US" dirty="0" err="1"/>
+              <a:t>svakom</a:t>
+            </a:r>
+            <a:r>
+              <a:rPr lang="en-US" dirty="0"/>
+              <a:t> </a:t>
+            </a:r>
+            <a:r>
+              <a:rPr lang="en-US" dirty="0" err="1"/>
+              <a:t>osvježavanju</a:t>
+            </a:r>
+            <a:r>
+              <a:rPr lang="en-US" dirty="0"/>
+              <a:t> </a:t>
+            </a:r>
+            <a:r>
+              <a:rPr lang="en-US" dirty="0" err="1"/>
+              <a:t>stranice</a:t>
+            </a:r>
+            <a:r>
+              <a:rPr lang="en-US" dirty="0"/>
+              <a:t> (reload) </a:t>
+            </a:r>
+            <a:r>
+              <a:rPr lang="en-US" dirty="0" err="1"/>
+              <a:t>kocke</a:t>
+            </a:r>
+            <a:r>
+              <a:rPr lang="en-US" dirty="0"/>
+              <a:t> se </a:t>
+            </a:r>
+            <a:r>
+              <a:rPr lang="en-US" dirty="0" err="1"/>
+              <a:t>nasumično</a:t>
+            </a:r>
+            <a:r>
+              <a:rPr lang="en-US" dirty="0"/>
+              <a:t> “</a:t>
+            </a:r>
+            <a:r>
+              <a:rPr lang="en-US" dirty="0" err="1"/>
+              <a:t>bacaju</a:t>
+            </a:r>
+            <a:r>
+              <a:rPr lang="en-US" dirty="0"/>
+              <a:t>” – </a:t>
+            </a:r>
+            <a:r>
+              <a:rPr lang="en-US" dirty="0" err="1"/>
+              <a:t>mijenjaju</a:t>
+            </a:r>
+            <a:r>
+              <a:rPr lang="en-US" dirty="0"/>
+              <a:t> se </a:t>
+            </a:r>
+            <a:r>
+              <a:rPr lang="en-US" dirty="0" err="1"/>
+              <a:t>njihove</a:t>
+            </a:r>
+            <a:r>
+              <a:rPr lang="en-US" dirty="0"/>
+              <a:t> </a:t>
+            </a:r>
+            <a:r>
+              <a:rPr lang="en-US" dirty="0" err="1"/>
+              <a:t>vrijednosti</a:t>
+            </a:r>
+            <a:r>
+              <a:rPr lang="en-US" dirty="0"/>
+              <a:t> (1–6).</a:t>
+            </a:r>
+          </a:p>
+          <a:p>
+            <a:pPr marL="285750" indent="-285750">
+              <a:buFontTx/>
+              <a:buChar char="-"/>
+            </a:pPr>
+            <a:r>
+              <a:rPr lang="en-US" dirty="0"/>
+              <a:t>- Na </a:t>
+            </a:r>
+            <a:r>
+              <a:rPr lang="en-US" dirty="0" err="1"/>
+              <a:t>temelju</a:t>
+            </a:r>
+            <a:r>
+              <a:rPr lang="en-US" dirty="0"/>
+              <a:t> </a:t>
+            </a:r>
+            <a:r>
+              <a:rPr lang="en-US" dirty="0" err="1"/>
+              <a:t>većeg</a:t>
+            </a:r>
+            <a:r>
+              <a:rPr lang="en-US" dirty="0"/>
+              <a:t> </a:t>
+            </a:r>
+            <a:r>
+              <a:rPr lang="en-US" dirty="0" err="1"/>
+              <a:t>broja</a:t>
+            </a:r>
+            <a:r>
+              <a:rPr lang="en-US" dirty="0"/>
+              <a:t> </a:t>
+            </a:r>
+            <a:r>
+              <a:rPr lang="en-US" dirty="0" err="1"/>
+              <a:t>na</a:t>
+            </a:r>
+            <a:r>
+              <a:rPr lang="en-US" dirty="0"/>
+              <a:t> </a:t>
+            </a:r>
+            <a:r>
+              <a:rPr lang="en-US" dirty="0" err="1"/>
+              <a:t>kocki</a:t>
+            </a:r>
+            <a:r>
+              <a:rPr lang="en-US" dirty="0"/>
+              <a:t> </a:t>
+            </a:r>
+            <a:r>
+              <a:rPr lang="en-US" dirty="0" err="1"/>
+              <a:t>stranica</a:t>
+            </a:r>
+            <a:r>
+              <a:rPr lang="en-US" dirty="0"/>
+              <a:t> </a:t>
+            </a:r>
+            <a:r>
+              <a:rPr lang="en-US" dirty="0" err="1"/>
+              <a:t>ispisuje</a:t>
+            </a:r>
+            <a:r>
+              <a:rPr lang="en-US" dirty="0"/>
+              <a:t> </a:t>
+            </a:r>
+            <a:r>
+              <a:rPr lang="en-US" dirty="0" err="1"/>
+              <a:t>pobjednika</a:t>
+            </a:r>
+            <a:r>
+              <a:rPr lang="en-US" dirty="0"/>
+              <a:t> (“Player 1 Wins!”, “Player 2 Wins!” </a:t>
+            </a:r>
+            <a:r>
+              <a:rPr lang="en-US" dirty="0" err="1"/>
+              <a:t>ili</a:t>
+            </a:r>
+            <a:r>
+              <a:rPr lang="en-US" dirty="0"/>
+              <a:t> </a:t>
+            </a:r>
+            <a:r>
+              <a:rPr lang="en-US" dirty="0" err="1"/>
+              <a:t>neriješeno</a:t>
+            </a:r>
+            <a:r>
+              <a:rPr lang="en-US" dirty="0"/>
+              <a:t>).</a:t>
+            </a:r>
+          </a:p>
+          <a:p>
+            <a:pPr marL="285750" indent="-285750">
+              <a:buFontTx/>
+              <a:buChar char="-"/>
+            </a:pPr>
+            <a:endParaRPr lang="hr-HR" dirty="0"/>
+          </a:p>
+        </p:txBody>
+      </p:sp>
+      <p:pic>
+        <p:nvPicPr>
+          <p:cNvPr id="8" name="Picture 7">
+            <a:extLst>
+              <a:ext uri="{FF2B5EF4-FFF2-40B4-BE49-F238E27FC236}">
+                <a16:creationId xmlns:a16="http://schemas.microsoft.com/office/drawing/2014/main" id="{9D4F1ADC-CA49-30F5-6FE7-FBE51DE46BAE}"/>
+              </a:ext>
+            </a:extLst>
+          </p:cNvPr>
+          <p:cNvPicPr>
+            <a:picLocks noChangeAspect="1"/>
+          </p:cNvPicPr>
+          <p:nvPr/>
+        </p:nvPicPr>
+        <p:blipFill>
+          <a:blip r:embed="rId3"/>
+          <a:stretch>
+            <a:fillRect/>
+          </a:stretch>
+        </p:blipFill>
+        <p:spPr>
+          <a:xfrm>
+            <a:off x="6229962" y="437378"/>
+            <a:ext cx="5196322" cy="5706944"/>
+          </a:xfrm>
+          <a:prstGeom prst="rect">
+            <a:avLst/>
+          </a:prstGeom>
+        </p:spPr>
+      </p:pic>
+    </p:spTree>
+    <p:extLst>
+      <p:ext uri="{BB962C8B-B14F-4D97-AF65-F5344CB8AC3E}">
+        <p14:creationId xmlns:p14="http://schemas.microsoft.com/office/powerpoint/2010/main" val="1105035701"/>
+      </p:ext>
+    </p:extLst>
+  </p:cSld>
+  <p:clrMapOvr>
+    <a:masterClrMapping/>
+  </p:clrMapOvr>
+</p:sld>
+</file>
+
+<file path=ppt/slides/slide39.xml><?xml version="1.0" encoding="utf-8"?>
+<p:sld xmlns:a="http://schemas.openxmlformats.org/drawingml/2006/main" xmlns:r="http://schemas.openxmlformats.org/officeDocument/2006/relationships" xmlns:p="http://schemas.openxmlformats.org/presentationml/2006/main">
+  <p:cSld>
+    <p:spTree>
+      <p:nvGrpSpPr>
+        <p:cNvPr id="1" name="">
+          <a:extLst>
+            <a:ext uri="{FF2B5EF4-FFF2-40B4-BE49-F238E27FC236}">
+              <a16:creationId xmlns:a16="http://schemas.microsoft.com/office/drawing/2014/main" id="{855F9653-842A-93E0-047E-5BB417F6BE28}"/>
+            </a:ext>
+          </a:extLst>
+        </p:cNvPr>
+        <p:cNvGrpSpPr/>
+        <p:nvPr/>
+      </p:nvGrpSpPr>
+      <p:grpSpPr>
+        <a:xfrm>
+          <a:off x="0" y="0"/>
+          <a:ext cx="0" cy="0"/>
+          <a:chOff x="0" y="0"/>
+          <a:chExt cx="0" cy="0"/>
+        </a:xfrm>
+      </p:grpSpPr>
+      <p:sp>
+        <p:nvSpPr>
+          <p:cNvPr id="4" name="Title 1">
+            <a:extLst>
+              <a:ext uri="{FF2B5EF4-FFF2-40B4-BE49-F238E27FC236}">
+                <a16:creationId xmlns:a16="http://schemas.microsoft.com/office/drawing/2014/main" id="{21C44265-70D7-1A53-41E4-8E8DDDCC79B7}"/>
+              </a:ext>
+            </a:extLst>
+          </p:cNvPr>
+          <p:cNvSpPr txBox="1">
+            <a:spLocks/>
+          </p:cNvSpPr>
+          <p:nvPr/>
+        </p:nvSpPr>
+        <p:spPr>
+          <a:xfrm>
+            <a:off x="990600" y="383056"/>
+            <a:ext cx="10515600" cy="853976"/>
+          </a:xfrm>
+          <a:prstGeom prst="rect">
+            <a:avLst/>
+          </a:prstGeom>
+        </p:spPr>
+        <p:txBody>
+          <a:bodyPr vert="horz" lIns="91440" tIns="45720" rIns="91440" bIns="45720" rtlCol="0" anchor="ctr">
+            <a:normAutofit/>
+          </a:bodyPr>
+          <a:lstStyle>
+            <a:lvl1pPr algn="l" defTabSz="914400" rtl="0" eaLnBrk="1" latinLnBrk="0" hangingPunct="1">
+              <a:lnSpc>
+                <a:spcPct val="90000"/>
+              </a:lnSpc>
+              <a:spcBef>
+                <a:spcPct val="0"/>
+              </a:spcBef>
+              <a:buNone/>
+              <a:defRPr sz="3600" b="1" i="0" kern="1200" cap="all" baseline="0">
+                <a:solidFill>
+                  <a:schemeClr val="tx2"/>
+                </a:solidFill>
+                <a:latin typeface="+mj-lt"/>
+                <a:ea typeface="Open Sans Semibold" panose="020B0606030504020204" pitchFamily="34" charset="0"/>
+                <a:cs typeface="Open Sans Semibold" panose="020B0606030504020204" pitchFamily="34" charset="0"/>
+              </a:defRPr>
+            </a:lvl1pPr>
+          </a:lstStyle>
+          <a:p>
+            <a:r>
+              <a:rPr lang="hr-HR" dirty="0"/>
+              <a:t>JavaScript</a:t>
+            </a:r>
+            <a:r>
+              <a:rPr lang="en-US" dirty="0"/>
+              <a:t> – OBJEKTI</a:t>
+            </a:r>
+            <a:endParaRPr lang="hr-HR" dirty="0"/>
+          </a:p>
+        </p:txBody>
+      </p:sp>
+      <p:sp>
+        <p:nvSpPr>
+          <p:cNvPr id="17" name="TextBox 16">
+            <a:extLst>
+              <a:ext uri="{FF2B5EF4-FFF2-40B4-BE49-F238E27FC236}">
+                <a16:creationId xmlns:a16="http://schemas.microsoft.com/office/drawing/2014/main" id="{675C03D2-F72B-646C-65E4-3C2892DAC869}"/>
+              </a:ext>
+            </a:extLst>
+          </p:cNvPr>
+          <p:cNvSpPr txBox="1"/>
+          <p:nvPr/>
+        </p:nvSpPr>
+        <p:spPr>
+          <a:xfrm>
+            <a:off x="1138047" y="4858223"/>
+            <a:ext cx="8884465" cy="1323439"/>
+          </a:xfrm>
+          <a:prstGeom prst="rect">
+            <a:avLst/>
+          </a:prstGeom>
+          <a:noFill/>
+        </p:spPr>
+        <p:txBody>
+          <a:bodyPr wrap="square">
+            <a:spAutoFit/>
+          </a:bodyPr>
+          <a:lstStyle/>
+          <a:p>
+            <a:r>
+              <a:rPr lang="hr-HR" sz="1600" dirty="0"/>
+              <a:t>💡</a:t>
+            </a:r>
+            <a:r>
+              <a:rPr lang="hr-HR" sz="1600" b="1" dirty="0"/>
+              <a:t>Objekt</a:t>
+            </a:r>
+            <a:r>
+              <a:rPr lang="hr-HR" sz="1600" dirty="0"/>
+              <a:t> je kolekcija povezanih podataka i funkcija (poznatih kao atributi i metode) koje predstavljaju stvarni entitet ili koncept. Objekti nam omogućuju logičko grupiranje podataka i interakciju s njima na organiziran način</a:t>
+            </a:r>
+          </a:p>
+          <a:p>
+            <a:endParaRPr lang="hr-HR" sz="1600" dirty="0"/>
+          </a:p>
+          <a:p>
+            <a:endParaRPr lang="en-US" sz="1600" dirty="0"/>
+          </a:p>
+        </p:txBody>
+      </p:sp>
+      <p:pic>
+        <p:nvPicPr>
+          <p:cNvPr id="3" name="Picture 2">
+            <a:extLst>
+              <a:ext uri="{FF2B5EF4-FFF2-40B4-BE49-F238E27FC236}">
+                <a16:creationId xmlns:a16="http://schemas.microsoft.com/office/drawing/2014/main" id="{8F9416C7-90E6-5C0D-36F5-11206DE0FF49}"/>
+              </a:ext>
+            </a:extLst>
+          </p:cNvPr>
+          <p:cNvPicPr>
+            <a:picLocks noChangeAspect="1"/>
+          </p:cNvPicPr>
+          <p:nvPr/>
+        </p:nvPicPr>
+        <p:blipFill>
+          <a:blip r:embed="rId3"/>
+          <a:stretch>
+            <a:fillRect/>
+          </a:stretch>
+        </p:blipFill>
+        <p:spPr>
+          <a:xfrm>
+            <a:off x="1208037" y="1585569"/>
+            <a:ext cx="5134242" cy="2657132"/>
+          </a:xfrm>
+          <a:prstGeom prst="rect">
+            <a:avLst/>
+          </a:prstGeom>
+        </p:spPr>
+      </p:pic>
+    </p:spTree>
+    <p:extLst>
+      <p:ext uri="{BB962C8B-B14F-4D97-AF65-F5344CB8AC3E}">
+        <p14:creationId xmlns:p14="http://schemas.microsoft.com/office/powerpoint/2010/main" val="2146691900"/>
       </p:ext>
     </p:extLst>
   </p:cSld>
@@ -27348,6 +29000,1373 @@
     <p:extLst>
       <p:ext uri="{BB962C8B-B14F-4D97-AF65-F5344CB8AC3E}">
         <p14:creationId xmlns:p14="http://schemas.microsoft.com/office/powerpoint/2010/main" val="3706178164"/>
+      </p:ext>
+    </p:extLst>
+  </p:cSld>
+  <p:clrMapOvr>
+    <a:masterClrMapping/>
+  </p:clrMapOvr>
+</p:sld>
+</file>
+
+<file path=ppt/slides/slide40.xml><?xml version="1.0" encoding="utf-8"?>
+<p:sld xmlns:a="http://schemas.openxmlformats.org/drawingml/2006/main" xmlns:r="http://schemas.openxmlformats.org/officeDocument/2006/relationships" xmlns:p="http://schemas.openxmlformats.org/presentationml/2006/main">
+  <p:cSld>
+    <p:spTree>
+      <p:nvGrpSpPr>
+        <p:cNvPr id="1" name="">
+          <a:extLst>
+            <a:ext uri="{FF2B5EF4-FFF2-40B4-BE49-F238E27FC236}">
+              <a16:creationId xmlns:a16="http://schemas.microsoft.com/office/drawing/2014/main" id="{1B78A20A-B519-801B-A6D8-E3AFBA835663}"/>
+            </a:ext>
+          </a:extLst>
+        </p:cNvPr>
+        <p:cNvGrpSpPr/>
+        <p:nvPr/>
+      </p:nvGrpSpPr>
+      <p:grpSpPr>
+        <a:xfrm>
+          <a:off x="0" y="0"/>
+          <a:ext cx="0" cy="0"/>
+          <a:chOff x="0" y="0"/>
+          <a:chExt cx="0" cy="0"/>
+        </a:xfrm>
+      </p:grpSpPr>
+      <p:sp>
+        <p:nvSpPr>
+          <p:cNvPr id="2" name="Title 1">
+            <a:extLst>
+              <a:ext uri="{FF2B5EF4-FFF2-40B4-BE49-F238E27FC236}">
+                <a16:creationId xmlns:a16="http://schemas.microsoft.com/office/drawing/2014/main" id="{37976275-8EE2-5886-DE98-32B759C4FA7B}"/>
+              </a:ext>
+            </a:extLst>
+          </p:cNvPr>
+          <p:cNvSpPr>
+            <a:spLocks noGrp="1"/>
+          </p:cNvSpPr>
+          <p:nvPr>
+            <p:ph type="title"/>
+          </p:nvPr>
+        </p:nvSpPr>
+        <p:spPr/>
+        <p:txBody>
+          <a:bodyPr/>
+          <a:lstStyle/>
+          <a:p>
+            <a:r>
+              <a:rPr lang="en-US" dirty="0"/>
+              <a:t>VJE</a:t>
+            </a:r>
+            <a:r>
+              <a:rPr lang="hr-HR" dirty="0"/>
+              <a:t>ž</a:t>
+            </a:r>
+            <a:r>
+              <a:rPr lang="en-US" dirty="0" err="1"/>
+              <a:t>ba</a:t>
+            </a:r>
+            <a:endParaRPr lang="hr-HR" dirty="0"/>
+          </a:p>
+        </p:txBody>
+      </p:sp>
+      <p:sp>
+        <p:nvSpPr>
+          <p:cNvPr id="6" name="Text Placeholder 5">
+            <a:extLst>
+              <a:ext uri="{FF2B5EF4-FFF2-40B4-BE49-F238E27FC236}">
+                <a16:creationId xmlns:a16="http://schemas.microsoft.com/office/drawing/2014/main" id="{E727C5E7-18F3-5A4D-EB1B-BC9E984EC235}"/>
+              </a:ext>
+            </a:extLst>
+          </p:cNvPr>
+          <p:cNvSpPr>
+            <a:spLocks noGrp="1"/>
+          </p:cNvSpPr>
+          <p:nvPr>
+            <p:ph type="body" sz="half" idx="2"/>
+          </p:nvPr>
+        </p:nvSpPr>
+        <p:spPr/>
+        <p:txBody>
+          <a:bodyPr>
+            <a:normAutofit/>
+          </a:bodyPr>
+          <a:lstStyle/>
+          <a:p>
+            <a:pPr marL="285750" indent="-285750">
+              <a:buFontTx/>
+              <a:buChar char="-"/>
+            </a:pPr>
+            <a:r>
+              <a:rPr lang="en-US" dirty="0"/>
+              <a:t>- </a:t>
+            </a:r>
+            <a:r>
+              <a:rPr lang="en-US" dirty="0" err="1"/>
+              <a:t>Replicirajte</a:t>
+            </a:r>
+            <a:r>
+              <a:rPr lang="en-US" dirty="0"/>
+              <a:t> </a:t>
+            </a:r>
+            <a:r>
+              <a:rPr lang="en-US" dirty="0" err="1"/>
+              <a:t>sajt</a:t>
+            </a:r>
+            <a:r>
+              <a:rPr lang="en-US" dirty="0"/>
+              <a:t> </a:t>
+            </a:r>
+            <a:r>
+              <a:rPr lang="en-US" dirty="0" err="1"/>
+              <a:t>sa</a:t>
+            </a:r>
+            <a:r>
+              <a:rPr lang="en-US" dirty="0"/>
+              <a:t> </a:t>
+            </a:r>
+            <a:r>
+              <a:rPr lang="en-US" dirty="0" err="1"/>
+              <a:t>slike</a:t>
+            </a:r>
+            <a:endParaRPr lang="en-US" dirty="0"/>
+          </a:p>
+          <a:p>
+            <a:pPr marL="285750" indent="-285750">
+              <a:buFontTx/>
+              <a:buChar char="-"/>
+            </a:pPr>
+            <a:r>
+              <a:rPr lang="en-US" dirty="0"/>
+              <a:t>- Kada se </a:t>
+            </a:r>
+            <a:r>
+              <a:rPr lang="en-US" dirty="0" err="1"/>
+              <a:t>unese</a:t>
+            </a:r>
+            <a:r>
+              <a:rPr lang="en-US" dirty="0"/>
+              <a:t> text u input field, </a:t>
+            </a:r>
+            <a:r>
+              <a:rPr lang="en-US" dirty="0" err="1"/>
+              <a:t>kada</a:t>
+            </a:r>
+            <a:r>
+              <a:rPr lang="en-US" dirty="0"/>
+              <a:t> se </a:t>
+            </a:r>
+            <a:r>
+              <a:rPr lang="en-US" dirty="0" err="1"/>
+              <a:t>klikne</a:t>
+            </a:r>
+            <a:r>
+              <a:rPr lang="en-US" dirty="0"/>
+              <a:t> </a:t>
+            </a:r>
+            <a:r>
+              <a:rPr lang="en-US" dirty="0" err="1"/>
+              <a:t>na</a:t>
+            </a:r>
+            <a:r>
+              <a:rPr lang="en-US" dirty="0"/>
+              <a:t> button add, item se </a:t>
+            </a:r>
+            <a:r>
+              <a:rPr lang="en-US" dirty="0" err="1"/>
+              <a:t>dodaje</a:t>
+            </a:r>
+            <a:r>
+              <a:rPr lang="en-US" dirty="0"/>
+              <a:t> u </a:t>
+            </a:r>
+            <a:r>
+              <a:rPr lang="en-US" dirty="0" err="1"/>
+              <a:t>listu</a:t>
+            </a:r>
+            <a:endParaRPr lang="en-US" dirty="0"/>
+          </a:p>
+          <a:p>
+            <a:pPr marL="285750" indent="-285750">
+              <a:buFontTx/>
+              <a:buChar char="-"/>
+            </a:pPr>
+            <a:endParaRPr lang="hr-HR" dirty="0"/>
+          </a:p>
+        </p:txBody>
+      </p:sp>
+      <p:sp>
+        <p:nvSpPr>
+          <p:cNvPr id="7" name="TextBox 6">
+            <a:extLst>
+              <a:ext uri="{FF2B5EF4-FFF2-40B4-BE49-F238E27FC236}">
+                <a16:creationId xmlns:a16="http://schemas.microsoft.com/office/drawing/2014/main" id="{447C0F3A-8D60-4CA2-0AA7-7B640512FF77}"/>
+              </a:ext>
+            </a:extLst>
+          </p:cNvPr>
+          <p:cNvSpPr txBox="1"/>
+          <p:nvPr/>
+        </p:nvSpPr>
+        <p:spPr>
+          <a:xfrm>
+            <a:off x="5996635" y="1488094"/>
+            <a:ext cx="6097218" cy="3139321"/>
+          </a:xfrm>
+          <a:prstGeom prst="rect">
+            <a:avLst/>
+          </a:prstGeom>
+          <a:noFill/>
+        </p:spPr>
+        <p:txBody>
+          <a:bodyPr wrap="square">
+            <a:spAutoFit/>
+          </a:bodyPr>
+          <a:lstStyle/>
+          <a:p>
+            <a:r>
+              <a:rPr lang="hr-HR" dirty="0"/>
+              <a:t>Kreiraj konstruktor pod nazivom Car koji će imati sljedeća svojstva:</a:t>
+            </a:r>
+          </a:p>
+          <a:p>
+            <a:endParaRPr lang="hr-HR" dirty="0"/>
+          </a:p>
+          <a:p>
+            <a:r>
+              <a:rPr lang="hr-HR" b="1" dirty="0"/>
+              <a:t>brand</a:t>
+            </a:r>
+            <a:r>
+              <a:rPr lang="hr-HR" dirty="0"/>
+              <a:t> - marka automobila (npr. "Toyota")</a:t>
+            </a:r>
+          </a:p>
+          <a:p>
+            <a:endParaRPr lang="hr-HR" dirty="0"/>
+          </a:p>
+          <a:p>
+            <a:r>
+              <a:rPr lang="hr-HR" b="1" dirty="0"/>
+              <a:t>model</a:t>
+            </a:r>
+            <a:r>
+              <a:rPr lang="hr-HR" dirty="0"/>
+              <a:t> - model automobila (npr. "Corolla")</a:t>
+            </a:r>
+          </a:p>
+          <a:p>
+            <a:endParaRPr lang="hr-HR" dirty="0"/>
+          </a:p>
+          <a:p>
+            <a:r>
+              <a:rPr lang="hr-HR" b="1" dirty="0"/>
+              <a:t>year</a:t>
+            </a:r>
+            <a:r>
+              <a:rPr lang="hr-HR" dirty="0"/>
+              <a:t> - godina proizvodnje (npr. 2022)</a:t>
+            </a:r>
+          </a:p>
+          <a:p>
+            <a:endParaRPr lang="hr-HR" dirty="0"/>
+          </a:p>
+          <a:p>
+            <a:r>
+              <a:rPr lang="hr-HR" dirty="0"/>
+              <a:t>Također, unutar konstruktora dodaj metodu pod nazivom </a:t>
+            </a:r>
+            <a:r>
+              <a:rPr lang="hr-HR" b="1" dirty="0"/>
+              <a:t>getCarInfo</a:t>
+            </a:r>
+            <a:r>
+              <a:rPr lang="hr-HR" dirty="0"/>
+              <a:t> koja će ispisivati rečenicu:</a:t>
+            </a:r>
+          </a:p>
+        </p:txBody>
+      </p:sp>
+      <p:pic>
+        <p:nvPicPr>
+          <p:cNvPr id="9" name="Picture 8">
+            <a:extLst>
+              <a:ext uri="{FF2B5EF4-FFF2-40B4-BE49-F238E27FC236}">
+                <a16:creationId xmlns:a16="http://schemas.microsoft.com/office/drawing/2014/main" id="{676435A2-02DF-A5FD-59E5-C77C8775AB63}"/>
+              </a:ext>
+            </a:extLst>
+          </p:cNvPr>
+          <p:cNvPicPr>
+            <a:picLocks noChangeAspect="1"/>
+          </p:cNvPicPr>
+          <p:nvPr/>
+        </p:nvPicPr>
+        <p:blipFill>
+          <a:blip r:embed="rId3"/>
+          <a:stretch>
+            <a:fillRect/>
+          </a:stretch>
+        </p:blipFill>
+        <p:spPr>
+          <a:xfrm>
+            <a:off x="6738099" y="4838509"/>
+            <a:ext cx="4333875" cy="619125"/>
+          </a:xfrm>
+          <a:prstGeom prst="rect">
+            <a:avLst/>
+          </a:prstGeom>
+        </p:spPr>
+      </p:pic>
+    </p:spTree>
+    <p:extLst>
+      <p:ext uri="{BB962C8B-B14F-4D97-AF65-F5344CB8AC3E}">
+        <p14:creationId xmlns:p14="http://schemas.microsoft.com/office/powerpoint/2010/main" val="2100140019"/>
+      </p:ext>
+    </p:extLst>
+  </p:cSld>
+  <p:clrMapOvr>
+    <a:masterClrMapping/>
+  </p:clrMapOvr>
+</p:sld>
+</file>
+
+<file path=ppt/slides/slide41.xml><?xml version="1.0" encoding="utf-8"?>
+<p:sld xmlns:a="http://schemas.openxmlformats.org/drawingml/2006/main" xmlns:r="http://schemas.openxmlformats.org/officeDocument/2006/relationships" xmlns:p="http://schemas.openxmlformats.org/presentationml/2006/main">
+  <p:cSld>
+    <p:spTree>
+      <p:nvGrpSpPr>
+        <p:cNvPr id="1" name="">
+          <a:extLst>
+            <a:ext uri="{FF2B5EF4-FFF2-40B4-BE49-F238E27FC236}">
+              <a16:creationId xmlns:a16="http://schemas.microsoft.com/office/drawing/2014/main" id="{289444A8-00C3-EA4E-6860-5BFC5DAB6ED8}"/>
+            </a:ext>
+          </a:extLst>
+        </p:cNvPr>
+        <p:cNvGrpSpPr/>
+        <p:nvPr/>
+      </p:nvGrpSpPr>
+      <p:grpSpPr>
+        <a:xfrm>
+          <a:off x="0" y="0"/>
+          <a:ext cx="0" cy="0"/>
+          <a:chOff x="0" y="0"/>
+          <a:chExt cx="0" cy="0"/>
+        </a:xfrm>
+      </p:grpSpPr>
+      <p:sp>
+        <p:nvSpPr>
+          <p:cNvPr id="4" name="Title 1">
+            <a:extLst>
+              <a:ext uri="{FF2B5EF4-FFF2-40B4-BE49-F238E27FC236}">
+                <a16:creationId xmlns:a16="http://schemas.microsoft.com/office/drawing/2014/main" id="{60D65077-7343-53A3-B4E1-A9D4FA87A5AD}"/>
+              </a:ext>
+            </a:extLst>
+          </p:cNvPr>
+          <p:cNvSpPr txBox="1">
+            <a:spLocks/>
+          </p:cNvSpPr>
+          <p:nvPr/>
+        </p:nvSpPr>
+        <p:spPr>
+          <a:xfrm>
+            <a:off x="990600" y="383056"/>
+            <a:ext cx="10515600" cy="853976"/>
+          </a:xfrm>
+          <a:prstGeom prst="rect">
+            <a:avLst/>
+          </a:prstGeom>
+        </p:spPr>
+        <p:txBody>
+          <a:bodyPr vert="horz" lIns="91440" tIns="45720" rIns="91440" bIns="45720" rtlCol="0" anchor="ctr">
+            <a:normAutofit/>
+          </a:bodyPr>
+          <a:lstStyle>
+            <a:lvl1pPr algn="l" defTabSz="914400" rtl="0" eaLnBrk="1" latinLnBrk="0" hangingPunct="1">
+              <a:lnSpc>
+                <a:spcPct val="90000"/>
+              </a:lnSpc>
+              <a:spcBef>
+                <a:spcPct val="0"/>
+              </a:spcBef>
+              <a:buNone/>
+              <a:defRPr sz="3600" b="1" i="0" kern="1200" cap="all" baseline="0">
+                <a:solidFill>
+                  <a:schemeClr val="tx2"/>
+                </a:solidFill>
+                <a:latin typeface="+mj-lt"/>
+                <a:ea typeface="Open Sans Semibold" panose="020B0606030504020204" pitchFamily="34" charset="0"/>
+                <a:cs typeface="Open Sans Semibold" panose="020B0606030504020204" pitchFamily="34" charset="0"/>
+              </a:defRPr>
+            </a:lvl1pPr>
+          </a:lstStyle>
+          <a:p>
+            <a:r>
+              <a:rPr lang="hr-HR" dirty="0"/>
+              <a:t>JavaScript</a:t>
+            </a:r>
+            <a:r>
+              <a:rPr lang="en-US" dirty="0"/>
+              <a:t> – CALLBACK</a:t>
+            </a:r>
+            <a:endParaRPr lang="hr-HR" dirty="0"/>
+          </a:p>
+        </p:txBody>
+      </p:sp>
+      <p:sp>
+        <p:nvSpPr>
+          <p:cNvPr id="17" name="TextBox 16">
+            <a:extLst>
+              <a:ext uri="{FF2B5EF4-FFF2-40B4-BE49-F238E27FC236}">
+                <a16:creationId xmlns:a16="http://schemas.microsoft.com/office/drawing/2014/main" id="{5978D45D-EF35-CD7D-C57F-590E0570F820}"/>
+              </a:ext>
+            </a:extLst>
+          </p:cNvPr>
+          <p:cNvSpPr txBox="1"/>
+          <p:nvPr/>
+        </p:nvSpPr>
+        <p:spPr>
+          <a:xfrm>
+            <a:off x="990600" y="3731682"/>
+            <a:ext cx="8884465" cy="2554545"/>
+          </a:xfrm>
+          <a:prstGeom prst="rect">
+            <a:avLst/>
+          </a:prstGeom>
+          <a:noFill/>
+        </p:spPr>
+        <p:txBody>
+          <a:bodyPr wrap="square">
+            <a:spAutoFit/>
+          </a:bodyPr>
+          <a:lstStyle/>
+          <a:p>
+            <a:pPr>
+              <a:buNone/>
+            </a:pPr>
+            <a:r>
+              <a:rPr lang="hr-HR" sz="1600" dirty="0"/>
+              <a:t>💡</a:t>
+            </a:r>
+            <a:r>
+              <a:rPr lang="hr-HR" sz="1600" b="1" dirty="0"/>
+              <a:t>Callback funkcija</a:t>
+            </a:r>
+            <a:r>
+              <a:rPr lang="hr-HR" sz="1600" dirty="0"/>
+              <a:t> je funkcija koja se prosljeđuje kao argument drugoj funkciji. Ona se zatim izvršava nakon što glavna funkcija završi svoje izvršavanje. Callback funkcije se često koriste za zadatke koji zahtijevaju neko vrijeme da se dovrše, kao što su:</a:t>
+            </a:r>
+            <a:endParaRPr lang="en-US" sz="1600" dirty="0"/>
+          </a:p>
+          <a:p>
+            <a:pPr>
+              <a:buNone/>
+            </a:pPr>
+            <a:endParaRPr lang="hr-HR" sz="1600" dirty="0"/>
+          </a:p>
+          <a:p>
+            <a:pPr>
+              <a:buFont typeface="Arial" panose="020B0604020202020204" pitchFamily="34" charset="0"/>
+              <a:buChar char="•"/>
+            </a:pPr>
+            <a:r>
+              <a:rPr lang="hr-HR" sz="1600" b="1" dirty="0"/>
+              <a:t>Rukovanje događajima</a:t>
+            </a:r>
+            <a:r>
+              <a:rPr lang="hr-HR" sz="1600" dirty="0"/>
+              <a:t> (npr. klik na gumb)</a:t>
+            </a:r>
+          </a:p>
+          <a:p>
+            <a:pPr>
+              <a:buFont typeface="Arial" panose="020B0604020202020204" pitchFamily="34" charset="0"/>
+              <a:buChar char="•"/>
+            </a:pPr>
+            <a:r>
+              <a:rPr lang="hr-HR" sz="1600" b="1" dirty="0"/>
+              <a:t>Asinkrone operacije</a:t>
+            </a:r>
+            <a:r>
+              <a:rPr lang="hr-HR" sz="1600" dirty="0"/>
+              <a:t> (npr. slanje API zahtjeva)</a:t>
+            </a:r>
+          </a:p>
+          <a:p>
+            <a:pPr>
+              <a:buFont typeface="Arial" panose="020B0604020202020204" pitchFamily="34" charset="0"/>
+              <a:buChar char="•"/>
+            </a:pPr>
+            <a:r>
+              <a:rPr lang="hr-HR" sz="1600" b="1" dirty="0"/>
+              <a:t>Tajmeri</a:t>
+            </a:r>
+            <a:endParaRPr lang="hr-HR" sz="1600" dirty="0"/>
+          </a:p>
+          <a:p>
+            <a:endParaRPr lang="hr-HR" sz="1600" dirty="0"/>
+          </a:p>
+          <a:p>
+            <a:endParaRPr lang="hr-HR" sz="1600" dirty="0"/>
+          </a:p>
+          <a:p>
+            <a:endParaRPr lang="en-US" sz="1600" dirty="0"/>
+          </a:p>
+        </p:txBody>
+      </p:sp>
+      <p:pic>
+        <p:nvPicPr>
+          <p:cNvPr id="5" name="Picture 4">
+            <a:extLst>
+              <a:ext uri="{FF2B5EF4-FFF2-40B4-BE49-F238E27FC236}">
+                <a16:creationId xmlns:a16="http://schemas.microsoft.com/office/drawing/2014/main" id="{FE2D95DB-8AC4-E168-BAB3-F3F327F8177C}"/>
+              </a:ext>
+            </a:extLst>
+          </p:cNvPr>
+          <p:cNvPicPr>
+            <a:picLocks noChangeAspect="1"/>
+          </p:cNvPicPr>
+          <p:nvPr/>
+        </p:nvPicPr>
+        <p:blipFill>
+          <a:blip r:embed="rId3"/>
+          <a:stretch>
+            <a:fillRect/>
+          </a:stretch>
+        </p:blipFill>
+        <p:spPr>
+          <a:xfrm>
+            <a:off x="1090879" y="1237032"/>
+            <a:ext cx="2840747" cy="2405939"/>
+          </a:xfrm>
+          <a:prstGeom prst="rect">
+            <a:avLst/>
+          </a:prstGeom>
+        </p:spPr>
+      </p:pic>
+    </p:spTree>
+    <p:extLst>
+      <p:ext uri="{BB962C8B-B14F-4D97-AF65-F5344CB8AC3E}">
+        <p14:creationId xmlns:p14="http://schemas.microsoft.com/office/powerpoint/2010/main" val="1388974038"/>
+      </p:ext>
+    </p:extLst>
+  </p:cSld>
+  <p:clrMapOvr>
+    <a:masterClrMapping/>
+  </p:clrMapOvr>
+</p:sld>
+</file>
+
+<file path=ppt/slides/slide42.xml><?xml version="1.0" encoding="utf-8"?>
+<p:sld xmlns:a="http://schemas.openxmlformats.org/drawingml/2006/main" xmlns:r="http://schemas.openxmlformats.org/officeDocument/2006/relationships" xmlns:p="http://schemas.openxmlformats.org/presentationml/2006/main">
+  <p:cSld>
+    <p:spTree>
+      <p:nvGrpSpPr>
+        <p:cNvPr id="1" name="">
+          <a:extLst>
+            <a:ext uri="{FF2B5EF4-FFF2-40B4-BE49-F238E27FC236}">
+              <a16:creationId xmlns:a16="http://schemas.microsoft.com/office/drawing/2014/main" id="{05E477FF-8A22-A62D-0B9D-B3AF563DCFC9}"/>
+            </a:ext>
+          </a:extLst>
+        </p:cNvPr>
+        <p:cNvGrpSpPr/>
+        <p:nvPr/>
+      </p:nvGrpSpPr>
+      <p:grpSpPr>
+        <a:xfrm>
+          <a:off x="0" y="0"/>
+          <a:ext cx="0" cy="0"/>
+          <a:chOff x="0" y="0"/>
+          <a:chExt cx="0" cy="0"/>
+        </a:xfrm>
+      </p:grpSpPr>
+      <p:sp>
+        <p:nvSpPr>
+          <p:cNvPr id="4" name="Title 1">
+            <a:extLst>
+              <a:ext uri="{FF2B5EF4-FFF2-40B4-BE49-F238E27FC236}">
+                <a16:creationId xmlns:a16="http://schemas.microsoft.com/office/drawing/2014/main" id="{96D63BC1-D475-2060-CACC-7E4A0FD2E2D5}"/>
+              </a:ext>
+            </a:extLst>
+          </p:cNvPr>
+          <p:cNvSpPr txBox="1">
+            <a:spLocks/>
+          </p:cNvSpPr>
+          <p:nvPr/>
+        </p:nvSpPr>
+        <p:spPr>
+          <a:xfrm>
+            <a:off x="990600" y="383056"/>
+            <a:ext cx="10515600" cy="853976"/>
+          </a:xfrm>
+          <a:prstGeom prst="rect">
+            <a:avLst/>
+          </a:prstGeom>
+        </p:spPr>
+        <p:txBody>
+          <a:bodyPr vert="horz" lIns="91440" tIns="45720" rIns="91440" bIns="45720" rtlCol="0" anchor="ctr">
+            <a:normAutofit/>
+          </a:bodyPr>
+          <a:lstStyle>
+            <a:lvl1pPr algn="l" defTabSz="914400" rtl="0" eaLnBrk="1" latinLnBrk="0" hangingPunct="1">
+              <a:lnSpc>
+                <a:spcPct val="90000"/>
+              </a:lnSpc>
+              <a:spcBef>
+                <a:spcPct val="0"/>
+              </a:spcBef>
+              <a:buNone/>
+              <a:defRPr sz="3600" b="1" i="0" kern="1200" cap="all" baseline="0">
+                <a:solidFill>
+                  <a:schemeClr val="tx2"/>
+                </a:solidFill>
+                <a:latin typeface="+mj-lt"/>
+                <a:ea typeface="Open Sans Semibold" panose="020B0606030504020204" pitchFamily="34" charset="0"/>
+                <a:cs typeface="Open Sans Semibold" panose="020B0606030504020204" pitchFamily="34" charset="0"/>
+              </a:defRPr>
+            </a:lvl1pPr>
+          </a:lstStyle>
+          <a:p>
+            <a:r>
+              <a:rPr lang="hr-HR" dirty="0"/>
+              <a:t>JavaScript</a:t>
+            </a:r>
+            <a:r>
+              <a:rPr lang="en-US" dirty="0"/>
+              <a:t> – CALLBACK</a:t>
+            </a:r>
+            <a:endParaRPr lang="hr-HR" dirty="0"/>
+          </a:p>
+        </p:txBody>
+      </p:sp>
+      <p:sp>
+        <p:nvSpPr>
+          <p:cNvPr id="17" name="TextBox 16">
+            <a:extLst>
+              <a:ext uri="{FF2B5EF4-FFF2-40B4-BE49-F238E27FC236}">
+                <a16:creationId xmlns:a16="http://schemas.microsoft.com/office/drawing/2014/main" id="{29F1BAFE-2092-AEF1-67EF-59CE5B84BD1C}"/>
+              </a:ext>
+            </a:extLst>
+          </p:cNvPr>
+          <p:cNvSpPr txBox="1"/>
+          <p:nvPr/>
+        </p:nvSpPr>
+        <p:spPr>
+          <a:xfrm>
+            <a:off x="957072" y="4134018"/>
+            <a:ext cx="8884465" cy="2062103"/>
+          </a:xfrm>
+          <a:prstGeom prst="rect">
+            <a:avLst/>
+          </a:prstGeom>
+          <a:noFill/>
+        </p:spPr>
+        <p:txBody>
+          <a:bodyPr wrap="square">
+            <a:spAutoFit/>
+          </a:bodyPr>
+          <a:lstStyle/>
+          <a:p>
+            <a:pPr>
+              <a:buNone/>
+            </a:pPr>
+            <a:r>
+              <a:rPr lang="hr-HR" sz="1600" dirty="0"/>
+              <a:t>💡</a:t>
+            </a:r>
+            <a:r>
+              <a:rPr lang="hr-HR" sz="1600" b="1" dirty="0"/>
+              <a:t>Problemi s Callback funkcijama</a:t>
+            </a:r>
+          </a:p>
+          <a:p>
+            <a:pPr>
+              <a:buNone/>
+            </a:pPr>
+            <a:r>
+              <a:rPr lang="hr-HR" sz="1600" dirty="0"/>
+              <a:t>Iako su callback funkcije moćne, mogu dovesti do problema kao što su:</a:t>
+            </a:r>
+          </a:p>
+          <a:p>
+            <a:pPr>
+              <a:buFont typeface="Arial" panose="020B0604020202020204" pitchFamily="34" charset="0"/>
+              <a:buChar char="•"/>
+            </a:pPr>
+            <a:r>
+              <a:rPr lang="hr-HR" sz="1600" b="1" dirty="0"/>
+              <a:t>Callback Hell</a:t>
+            </a:r>
+            <a:r>
+              <a:rPr lang="hr-HR" sz="1600" dirty="0"/>
+              <a:t>: Ugniježđene callback funkcije koje su teške za čitanje i održavanje.</a:t>
+            </a:r>
+          </a:p>
+          <a:p>
+            <a:pPr>
+              <a:buFont typeface="Arial" panose="020B0604020202020204" pitchFamily="34" charset="0"/>
+              <a:buChar char="•"/>
+            </a:pPr>
+            <a:r>
+              <a:rPr lang="hr-HR" sz="1600" b="1" dirty="0"/>
+              <a:t>Rukovanje greškama</a:t>
+            </a:r>
+            <a:r>
+              <a:rPr lang="hr-HR" sz="1600" dirty="0"/>
+              <a:t>: Ispravno upravljanje greškama može biti komplicirano.</a:t>
+            </a:r>
+          </a:p>
+          <a:p>
+            <a:pPr>
+              <a:buFont typeface="Arial" panose="020B0604020202020204" pitchFamily="34" charset="0"/>
+              <a:buChar char="•"/>
+            </a:pPr>
+            <a:r>
+              <a:rPr lang="hr-HR" sz="1600" b="1" dirty="0"/>
+              <a:t>Nedostatak jasnoće</a:t>
+            </a:r>
+            <a:r>
+              <a:rPr lang="hr-HR" sz="1600" dirty="0"/>
+              <a:t>: Kod može postati zbunjujući kada se lanci callback funkcija previše umnože.</a:t>
+            </a:r>
+          </a:p>
+          <a:p>
+            <a:endParaRPr lang="hr-HR" sz="1600" dirty="0"/>
+          </a:p>
+          <a:p>
+            <a:endParaRPr lang="en-US" sz="1600" dirty="0"/>
+          </a:p>
+        </p:txBody>
+      </p:sp>
+      <p:pic>
+        <p:nvPicPr>
+          <p:cNvPr id="7" name="Picture 6">
+            <a:extLst>
+              <a:ext uri="{FF2B5EF4-FFF2-40B4-BE49-F238E27FC236}">
+                <a16:creationId xmlns:a16="http://schemas.microsoft.com/office/drawing/2014/main" id="{16707F3D-A206-6280-667C-6D50FB351E5A}"/>
+              </a:ext>
+            </a:extLst>
+          </p:cNvPr>
+          <p:cNvPicPr>
+            <a:picLocks noChangeAspect="1"/>
+          </p:cNvPicPr>
+          <p:nvPr/>
+        </p:nvPicPr>
+        <p:blipFill>
+          <a:blip r:embed="rId3"/>
+          <a:stretch>
+            <a:fillRect/>
+          </a:stretch>
+        </p:blipFill>
+        <p:spPr>
+          <a:xfrm>
+            <a:off x="1110730" y="1900851"/>
+            <a:ext cx="3632890" cy="1646262"/>
+          </a:xfrm>
+          <a:prstGeom prst="rect">
+            <a:avLst/>
+          </a:prstGeom>
+        </p:spPr>
+      </p:pic>
+      <p:sp>
+        <p:nvSpPr>
+          <p:cNvPr id="8" name="Title 1">
+            <a:extLst>
+              <a:ext uri="{FF2B5EF4-FFF2-40B4-BE49-F238E27FC236}">
+                <a16:creationId xmlns:a16="http://schemas.microsoft.com/office/drawing/2014/main" id="{89CC9312-946A-134A-84F8-DC90C24207AD}"/>
+              </a:ext>
+            </a:extLst>
+          </p:cNvPr>
+          <p:cNvSpPr txBox="1">
+            <a:spLocks/>
+          </p:cNvSpPr>
+          <p:nvPr/>
+        </p:nvSpPr>
+        <p:spPr>
+          <a:xfrm>
+            <a:off x="1006924" y="1046875"/>
+            <a:ext cx="5328139" cy="853976"/>
+          </a:xfrm>
+          <a:prstGeom prst="rect">
+            <a:avLst/>
+          </a:prstGeom>
+        </p:spPr>
+        <p:txBody>
+          <a:bodyPr vert="horz" lIns="91440" tIns="45720" rIns="91440" bIns="45720" rtlCol="0" anchor="ctr">
+            <a:normAutofit/>
+          </a:bodyPr>
+          <a:lstStyle>
+            <a:lvl1pPr algn="l" defTabSz="914400" rtl="0" eaLnBrk="1" latinLnBrk="0" hangingPunct="1">
+              <a:lnSpc>
+                <a:spcPct val="90000"/>
+              </a:lnSpc>
+              <a:spcBef>
+                <a:spcPct val="0"/>
+              </a:spcBef>
+              <a:buNone/>
+              <a:defRPr sz="3600" b="1" i="0" kern="1200" cap="all" baseline="0">
+                <a:solidFill>
+                  <a:schemeClr val="tx2"/>
+                </a:solidFill>
+                <a:latin typeface="+mj-lt"/>
+                <a:ea typeface="Open Sans Semibold" panose="020B0606030504020204" pitchFamily="34" charset="0"/>
+                <a:cs typeface="Open Sans Semibold" panose="020B0606030504020204" pitchFamily="34" charset="0"/>
+              </a:defRPr>
+            </a:lvl1pPr>
+          </a:lstStyle>
+          <a:p>
+            <a:r>
+              <a:rPr lang="en-US" sz="1600" dirty="0"/>
+              <a:t>Callback hell</a:t>
+            </a:r>
+            <a:endParaRPr lang="hr-HR" sz="1600" dirty="0">
+              <a:solidFill>
+                <a:schemeClr val="accent3"/>
+              </a:solidFill>
+            </a:endParaRPr>
+          </a:p>
+        </p:txBody>
+      </p:sp>
+    </p:spTree>
+    <p:extLst>
+      <p:ext uri="{BB962C8B-B14F-4D97-AF65-F5344CB8AC3E}">
+        <p14:creationId xmlns:p14="http://schemas.microsoft.com/office/powerpoint/2010/main" val="2540727591"/>
+      </p:ext>
+    </p:extLst>
+  </p:cSld>
+  <p:clrMapOvr>
+    <a:masterClrMapping/>
+  </p:clrMapOvr>
+</p:sld>
+</file>
+
+<file path=ppt/slides/slide43.xml><?xml version="1.0" encoding="utf-8"?>
+<p:sld xmlns:a="http://schemas.openxmlformats.org/drawingml/2006/main" xmlns:r="http://schemas.openxmlformats.org/officeDocument/2006/relationships" xmlns:p="http://schemas.openxmlformats.org/presentationml/2006/main">
+  <p:cSld>
+    <p:spTree>
+      <p:nvGrpSpPr>
+        <p:cNvPr id="1" name="">
+          <a:extLst>
+            <a:ext uri="{FF2B5EF4-FFF2-40B4-BE49-F238E27FC236}">
+              <a16:creationId xmlns:a16="http://schemas.microsoft.com/office/drawing/2014/main" id="{BCA5A3F6-6EDD-0CC7-395D-1F33FF9006A6}"/>
+            </a:ext>
+          </a:extLst>
+        </p:cNvPr>
+        <p:cNvGrpSpPr/>
+        <p:nvPr/>
+      </p:nvGrpSpPr>
+      <p:grpSpPr>
+        <a:xfrm>
+          <a:off x="0" y="0"/>
+          <a:ext cx="0" cy="0"/>
+          <a:chOff x="0" y="0"/>
+          <a:chExt cx="0" cy="0"/>
+        </a:xfrm>
+      </p:grpSpPr>
+      <p:sp>
+        <p:nvSpPr>
+          <p:cNvPr id="4" name="Title 1">
+            <a:extLst>
+              <a:ext uri="{FF2B5EF4-FFF2-40B4-BE49-F238E27FC236}">
+                <a16:creationId xmlns:a16="http://schemas.microsoft.com/office/drawing/2014/main" id="{F7ED68D4-6658-40A1-524D-C545769D16A1}"/>
+              </a:ext>
+            </a:extLst>
+          </p:cNvPr>
+          <p:cNvSpPr txBox="1">
+            <a:spLocks/>
+          </p:cNvSpPr>
+          <p:nvPr/>
+        </p:nvSpPr>
+        <p:spPr>
+          <a:xfrm>
+            <a:off x="990600" y="383056"/>
+            <a:ext cx="10515600" cy="853976"/>
+          </a:xfrm>
+          <a:prstGeom prst="rect">
+            <a:avLst/>
+          </a:prstGeom>
+        </p:spPr>
+        <p:txBody>
+          <a:bodyPr vert="horz" lIns="91440" tIns="45720" rIns="91440" bIns="45720" rtlCol="0" anchor="ctr">
+            <a:normAutofit/>
+          </a:bodyPr>
+          <a:lstStyle>
+            <a:lvl1pPr algn="l" defTabSz="914400" rtl="0" eaLnBrk="1" latinLnBrk="0" hangingPunct="1">
+              <a:lnSpc>
+                <a:spcPct val="90000"/>
+              </a:lnSpc>
+              <a:spcBef>
+                <a:spcPct val="0"/>
+              </a:spcBef>
+              <a:buNone/>
+              <a:defRPr sz="3600" b="1" i="0" kern="1200" cap="all" baseline="0">
+                <a:solidFill>
+                  <a:schemeClr val="tx2"/>
+                </a:solidFill>
+                <a:latin typeface="+mj-lt"/>
+                <a:ea typeface="Open Sans Semibold" panose="020B0606030504020204" pitchFamily="34" charset="0"/>
+                <a:cs typeface="Open Sans Semibold" panose="020B0606030504020204" pitchFamily="34" charset="0"/>
+              </a:defRPr>
+            </a:lvl1pPr>
+          </a:lstStyle>
+          <a:p>
+            <a:r>
+              <a:rPr lang="hr-HR" dirty="0"/>
+              <a:t>JavaScript</a:t>
+            </a:r>
+            <a:r>
+              <a:rPr lang="en-US" dirty="0"/>
+              <a:t> – CALLBACK</a:t>
+            </a:r>
+            <a:endParaRPr lang="hr-HR" dirty="0"/>
+          </a:p>
+        </p:txBody>
+      </p:sp>
+      <p:sp>
+        <p:nvSpPr>
+          <p:cNvPr id="17" name="TextBox 16">
+            <a:extLst>
+              <a:ext uri="{FF2B5EF4-FFF2-40B4-BE49-F238E27FC236}">
+                <a16:creationId xmlns:a16="http://schemas.microsoft.com/office/drawing/2014/main" id="{5BDBC148-039F-774E-F18C-80F1979C5BD0}"/>
+              </a:ext>
+            </a:extLst>
+          </p:cNvPr>
+          <p:cNvSpPr txBox="1"/>
+          <p:nvPr/>
+        </p:nvSpPr>
+        <p:spPr>
+          <a:xfrm>
+            <a:off x="957072" y="4733864"/>
+            <a:ext cx="8884465" cy="830997"/>
+          </a:xfrm>
+          <a:prstGeom prst="rect">
+            <a:avLst/>
+          </a:prstGeom>
+          <a:noFill/>
+        </p:spPr>
+        <p:txBody>
+          <a:bodyPr wrap="square">
+            <a:spAutoFit/>
+          </a:bodyPr>
+          <a:lstStyle/>
+          <a:p>
+            <a:pPr>
+              <a:buNone/>
+            </a:pPr>
+            <a:r>
+              <a:rPr lang="hr-HR" sz="1600" dirty="0"/>
+              <a:t>💡Moderni JavaScript koristi </a:t>
+            </a:r>
+            <a:r>
+              <a:rPr lang="hr-HR" sz="1600" b="1" dirty="0"/>
+              <a:t>Promises</a:t>
+            </a:r>
+            <a:r>
+              <a:rPr lang="hr-HR" sz="1600" dirty="0"/>
+              <a:t> i </a:t>
+            </a:r>
+            <a:r>
+              <a:rPr lang="hr-HR" sz="1600" b="1" dirty="0"/>
+              <a:t>Async/Await</a:t>
+            </a:r>
+            <a:r>
+              <a:rPr lang="hr-HR" sz="1600" dirty="0"/>
+              <a:t> za upravljanje asinkronim kodom na čišći način</a:t>
+            </a:r>
+          </a:p>
+          <a:p>
+            <a:endParaRPr lang="en-US" sz="1600" dirty="0"/>
+          </a:p>
+        </p:txBody>
+      </p:sp>
+      <p:sp>
+        <p:nvSpPr>
+          <p:cNvPr id="8" name="Title 1">
+            <a:extLst>
+              <a:ext uri="{FF2B5EF4-FFF2-40B4-BE49-F238E27FC236}">
+                <a16:creationId xmlns:a16="http://schemas.microsoft.com/office/drawing/2014/main" id="{AE372757-B113-2883-37DE-869D387D7298}"/>
+              </a:ext>
+            </a:extLst>
+          </p:cNvPr>
+          <p:cNvSpPr txBox="1">
+            <a:spLocks/>
+          </p:cNvSpPr>
+          <p:nvPr/>
+        </p:nvSpPr>
+        <p:spPr>
+          <a:xfrm>
+            <a:off x="1006924" y="1046875"/>
+            <a:ext cx="5328139" cy="853976"/>
+          </a:xfrm>
+          <a:prstGeom prst="rect">
+            <a:avLst/>
+          </a:prstGeom>
+        </p:spPr>
+        <p:txBody>
+          <a:bodyPr vert="horz" lIns="91440" tIns="45720" rIns="91440" bIns="45720" rtlCol="0" anchor="ctr">
+            <a:normAutofit/>
+          </a:bodyPr>
+          <a:lstStyle>
+            <a:lvl1pPr algn="l" defTabSz="914400" rtl="0" eaLnBrk="1" latinLnBrk="0" hangingPunct="1">
+              <a:lnSpc>
+                <a:spcPct val="90000"/>
+              </a:lnSpc>
+              <a:spcBef>
+                <a:spcPct val="0"/>
+              </a:spcBef>
+              <a:buNone/>
+              <a:defRPr sz="3600" b="1" i="0" kern="1200" cap="all" baseline="0">
+                <a:solidFill>
+                  <a:schemeClr val="tx2"/>
+                </a:solidFill>
+                <a:latin typeface="+mj-lt"/>
+                <a:ea typeface="Open Sans Semibold" panose="020B0606030504020204" pitchFamily="34" charset="0"/>
+                <a:cs typeface="Open Sans Semibold" panose="020B0606030504020204" pitchFamily="34" charset="0"/>
+              </a:defRPr>
+            </a:lvl1pPr>
+          </a:lstStyle>
+          <a:p>
+            <a:r>
+              <a:rPr lang="en-US" sz="1600" dirty="0">
+                <a:solidFill>
+                  <a:schemeClr val="accent3"/>
+                </a:solidFill>
+              </a:rPr>
+              <a:t>PROMISES</a:t>
+            </a:r>
+            <a:endParaRPr lang="hr-HR" sz="1600" dirty="0">
+              <a:solidFill>
+                <a:schemeClr val="accent3"/>
+              </a:solidFill>
+            </a:endParaRPr>
+          </a:p>
+        </p:txBody>
+      </p:sp>
+      <p:pic>
+        <p:nvPicPr>
+          <p:cNvPr id="3" name="Picture 2">
+            <a:extLst>
+              <a:ext uri="{FF2B5EF4-FFF2-40B4-BE49-F238E27FC236}">
+                <a16:creationId xmlns:a16="http://schemas.microsoft.com/office/drawing/2014/main" id="{A9D3DB85-C503-42FC-1631-C3DB7D7F9990}"/>
+              </a:ext>
+            </a:extLst>
+          </p:cNvPr>
+          <p:cNvPicPr>
+            <a:picLocks noChangeAspect="1"/>
+          </p:cNvPicPr>
+          <p:nvPr/>
+        </p:nvPicPr>
+        <p:blipFill>
+          <a:blip r:embed="rId3"/>
+          <a:stretch>
+            <a:fillRect/>
+          </a:stretch>
+        </p:blipFill>
+        <p:spPr>
+          <a:xfrm>
+            <a:off x="1142924" y="2013928"/>
+            <a:ext cx="5429250" cy="1762125"/>
+          </a:xfrm>
+          <a:prstGeom prst="rect">
+            <a:avLst/>
+          </a:prstGeom>
+        </p:spPr>
+      </p:pic>
+      <p:pic>
+        <p:nvPicPr>
+          <p:cNvPr id="6" name="Picture 5">
+            <a:extLst>
+              <a:ext uri="{FF2B5EF4-FFF2-40B4-BE49-F238E27FC236}">
+                <a16:creationId xmlns:a16="http://schemas.microsoft.com/office/drawing/2014/main" id="{E7ECDB34-4F29-2520-F5F6-01E2AC26235F}"/>
+              </a:ext>
+            </a:extLst>
+          </p:cNvPr>
+          <p:cNvPicPr>
+            <a:picLocks noChangeAspect="1"/>
+          </p:cNvPicPr>
+          <p:nvPr/>
+        </p:nvPicPr>
+        <p:blipFill>
+          <a:blip r:embed="rId4"/>
+          <a:stretch>
+            <a:fillRect/>
+          </a:stretch>
+        </p:blipFill>
+        <p:spPr>
+          <a:xfrm>
+            <a:off x="7324763" y="1378460"/>
+            <a:ext cx="4277145" cy="2691585"/>
+          </a:xfrm>
+          <a:prstGeom prst="rect">
+            <a:avLst/>
+          </a:prstGeom>
+        </p:spPr>
+      </p:pic>
+      <p:sp>
+        <p:nvSpPr>
+          <p:cNvPr id="9" name="Title 1">
+            <a:extLst>
+              <a:ext uri="{FF2B5EF4-FFF2-40B4-BE49-F238E27FC236}">
+                <a16:creationId xmlns:a16="http://schemas.microsoft.com/office/drawing/2014/main" id="{00A383F4-2B62-F067-22D6-D2420EE8FC31}"/>
+              </a:ext>
+            </a:extLst>
+          </p:cNvPr>
+          <p:cNvSpPr txBox="1">
+            <a:spLocks/>
+          </p:cNvSpPr>
+          <p:nvPr/>
+        </p:nvSpPr>
+        <p:spPr>
+          <a:xfrm>
+            <a:off x="7324763" y="461406"/>
+            <a:ext cx="1498887" cy="853976"/>
+          </a:xfrm>
+          <a:prstGeom prst="rect">
+            <a:avLst/>
+          </a:prstGeom>
+        </p:spPr>
+        <p:txBody>
+          <a:bodyPr vert="horz" lIns="91440" tIns="45720" rIns="91440" bIns="45720" rtlCol="0" anchor="ctr">
+            <a:normAutofit/>
+          </a:bodyPr>
+          <a:lstStyle>
+            <a:lvl1pPr algn="l" defTabSz="914400" rtl="0" eaLnBrk="1" latinLnBrk="0" hangingPunct="1">
+              <a:lnSpc>
+                <a:spcPct val="90000"/>
+              </a:lnSpc>
+              <a:spcBef>
+                <a:spcPct val="0"/>
+              </a:spcBef>
+              <a:buNone/>
+              <a:defRPr sz="3600" b="1" i="0" kern="1200" cap="all" baseline="0">
+                <a:solidFill>
+                  <a:schemeClr val="tx2"/>
+                </a:solidFill>
+                <a:latin typeface="+mj-lt"/>
+                <a:ea typeface="Open Sans Semibold" panose="020B0606030504020204" pitchFamily="34" charset="0"/>
+                <a:cs typeface="Open Sans Semibold" panose="020B0606030504020204" pitchFamily="34" charset="0"/>
+              </a:defRPr>
+            </a:lvl1pPr>
+          </a:lstStyle>
+          <a:p>
+            <a:r>
+              <a:rPr lang="en-US" sz="1600" dirty="0">
+                <a:solidFill>
+                  <a:schemeClr val="accent3"/>
+                </a:solidFill>
+              </a:rPr>
+              <a:t>ASYNC/WAIT</a:t>
+            </a:r>
+            <a:endParaRPr lang="hr-HR" sz="1600" dirty="0">
+              <a:solidFill>
+                <a:schemeClr val="accent3"/>
+              </a:solidFill>
+            </a:endParaRPr>
+          </a:p>
+        </p:txBody>
+      </p:sp>
+    </p:spTree>
+    <p:extLst>
+      <p:ext uri="{BB962C8B-B14F-4D97-AF65-F5344CB8AC3E}">
+        <p14:creationId xmlns:p14="http://schemas.microsoft.com/office/powerpoint/2010/main" val="2581392574"/>
+      </p:ext>
+    </p:extLst>
+  </p:cSld>
+  <p:clrMapOvr>
+    <a:masterClrMapping/>
+  </p:clrMapOvr>
+</p:sld>
+</file>
+
+<file path=ppt/slides/slide44.xml><?xml version="1.0" encoding="utf-8"?>
+<p:sld xmlns:a="http://schemas.openxmlformats.org/drawingml/2006/main" xmlns:r="http://schemas.openxmlformats.org/officeDocument/2006/relationships" xmlns:p="http://schemas.openxmlformats.org/presentationml/2006/main">
+  <p:cSld>
+    <p:spTree>
+      <p:nvGrpSpPr>
+        <p:cNvPr id="1" name="">
+          <a:extLst>
+            <a:ext uri="{FF2B5EF4-FFF2-40B4-BE49-F238E27FC236}">
+              <a16:creationId xmlns:a16="http://schemas.microsoft.com/office/drawing/2014/main" id="{FD550001-6323-C04D-B94E-989681058B6D}"/>
+            </a:ext>
+          </a:extLst>
+        </p:cNvPr>
+        <p:cNvGrpSpPr/>
+        <p:nvPr/>
+      </p:nvGrpSpPr>
+      <p:grpSpPr>
+        <a:xfrm>
+          <a:off x="0" y="0"/>
+          <a:ext cx="0" cy="0"/>
+          <a:chOff x="0" y="0"/>
+          <a:chExt cx="0" cy="0"/>
+        </a:xfrm>
+      </p:grpSpPr>
+      <p:sp>
+        <p:nvSpPr>
+          <p:cNvPr id="2" name="Title 1">
+            <a:extLst>
+              <a:ext uri="{FF2B5EF4-FFF2-40B4-BE49-F238E27FC236}">
+                <a16:creationId xmlns:a16="http://schemas.microsoft.com/office/drawing/2014/main" id="{7D9E60B3-087E-8F44-34AE-D1F440919FC9}"/>
+              </a:ext>
+            </a:extLst>
+          </p:cNvPr>
+          <p:cNvSpPr>
+            <a:spLocks noGrp="1"/>
+          </p:cNvSpPr>
+          <p:nvPr>
+            <p:ph type="title"/>
+          </p:nvPr>
+        </p:nvSpPr>
+        <p:spPr/>
+        <p:txBody>
+          <a:bodyPr/>
+          <a:lstStyle/>
+          <a:p>
+            <a:r>
+              <a:rPr lang="en-US" dirty="0"/>
+              <a:t>VJE</a:t>
+            </a:r>
+            <a:r>
+              <a:rPr lang="hr-HR" dirty="0"/>
+              <a:t>ž</a:t>
+            </a:r>
+            <a:r>
+              <a:rPr lang="en-US" dirty="0" err="1"/>
+              <a:t>ba</a:t>
+            </a:r>
+            <a:endParaRPr lang="hr-HR" dirty="0"/>
+          </a:p>
+        </p:txBody>
+      </p:sp>
+      <p:sp>
+        <p:nvSpPr>
+          <p:cNvPr id="6" name="Text Placeholder 5">
+            <a:extLst>
+              <a:ext uri="{FF2B5EF4-FFF2-40B4-BE49-F238E27FC236}">
+                <a16:creationId xmlns:a16="http://schemas.microsoft.com/office/drawing/2014/main" id="{7B9A6273-A3A0-0077-707B-FB360A76040F}"/>
+              </a:ext>
+            </a:extLst>
+          </p:cNvPr>
+          <p:cNvSpPr>
+            <a:spLocks noGrp="1"/>
+          </p:cNvSpPr>
+          <p:nvPr>
+            <p:ph type="body" sz="half" idx="2"/>
+          </p:nvPr>
+        </p:nvSpPr>
+        <p:spPr/>
+        <p:txBody>
+          <a:bodyPr>
+            <a:normAutofit/>
+          </a:bodyPr>
+          <a:lstStyle/>
+          <a:p>
+            <a:pPr>
+              <a:buNone/>
+            </a:pPr>
+            <a:r>
+              <a:rPr lang="en-US" dirty="0"/>
+              <a:t>- </a:t>
+            </a:r>
+            <a:r>
+              <a:rPr lang="hr-HR" dirty="0"/>
+              <a:t>Napraviti jednostavnu TODO listu koja ima sljedeće funkcionalnosti:</a:t>
+            </a:r>
+          </a:p>
+          <a:p>
+            <a:r>
+              <a:rPr lang="en-US" dirty="0"/>
+              <a:t>- </a:t>
+            </a:r>
+            <a:r>
+              <a:rPr lang="hr-HR" dirty="0"/>
+              <a:t>Dodavanje zadataka u listu.</a:t>
+            </a:r>
+          </a:p>
+          <a:p>
+            <a:r>
+              <a:rPr lang="en-US" dirty="0"/>
+              <a:t>- </a:t>
+            </a:r>
+            <a:r>
+              <a:rPr lang="hr-HR" dirty="0"/>
+              <a:t>Brisanje zadataka iz liste.</a:t>
+            </a:r>
+          </a:p>
+          <a:p>
+            <a:r>
+              <a:rPr lang="en-US" dirty="0"/>
+              <a:t>- </a:t>
+            </a:r>
+            <a:r>
+              <a:rPr lang="hr-HR" dirty="0"/>
+              <a:t>Označavanje zadataka kao "Završeno“</a:t>
+            </a:r>
+            <a:r>
+              <a:rPr lang="en-US" dirty="0"/>
+              <a:t> (</a:t>
+            </a:r>
+            <a:r>
+              <a:rPr lang="en-US" dirty="0" err="1"/>
+              <a:t>klikokm</a:t>
+            </a:r>
+            <a:r>
+              <a:rPr lang="en-US" dirty="0"/>
+              <a:t> </a:t>
+            </a:r>
+            <a:r>
+              <a:rPr lang="en-US" dirty="0" err="1"/>
+              <a:t>na</a:t>
+            </a:r>
+            <a:r>
+              <a:rPr lang="en-US" dirty="0"/>
+              <a:t> task)</a:t>
+            </a:r>
+            <a:r>
+              <a:rPr lang="hr-HR" dirty="0"/>
+              <a:t>.</a:t>
+            </a:r>
+          </a:p>
+          <a:p>
+            <a:pPr marL="285750" indent="-285750">
+              <a:buFontTx/>
+              <a:buChar char="-"/>
+            </a:pPr>
+            <a:endParaRPr lang="hr-HR" dirty="0"/>
+          </a:p>
+        </p:txBody>
+      </p:sp>
+      <p:pic>
+        <p:nvPicPr>
+          <p:cNvPr id="8" name="Picture 7">
+            <a:extLst>
+              <a:ext uri="{FF2B5EF4-FFF2-40B4-BE49-F238E27FC236}">
+                <a16:creationId xmlns:a16="http://schemas.microsoft.com/office/drawing/2014/main" id="{2773013D-0DA9-171B-C919-3C8A68007D31}"/>
+              </a:ext>
+            </a:extLst>
+          </p:cNvPr>
+          <p:cNvPicPr>
+            <a:picLocks noChangeAspect="1"/>
+          </p:cNvPicPr>
+          <p:nvPr/>
+        </p:nvPicPr>
+        <p:blipFill>
+          <a:blip r:embed="rId3"/>
+          <a:stretch>
+            <a:fillRect/>
+          </a:stretch>
+        </p:blipFill>
+        <p:spPr>
+          <a:xfrm>
+            <a:off x="5980634" y="841247"/>
+            <a:ext cx="5190337" cy="4643247"/>
+          </a:xfrm>
+          <a:prstGeom prst="rect">
+            <a:avLst/>
+          </a:prstGeom>
+        </p:spPr>
+      </p:pic>
+    </p:spTree>
+    <p:extLst>
+      <p:ext uri="{BB962C8B-B14F-4D97-AF65-F5344CB8AC3E}">
+        <p14:creationId xmlns:p14="http://schemas.microsoft.com/office/powerpoint/2010/main" val="314117998"/>
       </p:ext>
     </p:extLst>
   </p:cSld>
@@ -30245,14 +33264,12 @@
 </file>
 
 <file path=customXml/item1.xml><?xml version="1.0" encoding="utf-8"?>
-<p:properties xmlns:p="http://schemas.microsoft.com/office/2006/metadata/properties" xmlns:xsi="http://www.w3.org/2001/XMLSchema-instance" xmlns:pc="http://schemas.microsoft.com/office/infopath/2007/PartnerControls">
-  <documentManagement>
-    <lcf76f155ced4ddcb4097134ff3c332f xmlns="40806f44-bc4a-4ea4-b660-c6da93f8f179">
-      <Terms xmlns="http://schemas.microsoft.com/office/infopath/2007/PartnerControls"/>
-    </lcf76f155ced4ddcb4097134ff3c332f>
-    <TaxCatchAll xmlns="758d0d8f-b783-4c78-ab73-9740c97b97cf" xsi:nil="true"/>
-  </documentManagement>
-</p:properties>
+<?mso-contentType ?>
+<FormTemplates xmlns="http://schemas.microsoft.com/sharepoint/v3/contenttype/forms">
+  <Display>DocumentLibraryForm</Display>
+  <Edit>DocumentLibraryForm</Edit>
+  <New>DocumentLibraryForm</New>
+</FormTemplates>
 </file>
 
 <file path=customXml/item2.xml><?xml version="1.0" encoding="utf-8"?>
@@ -30473,27 +33490,20 @@
 </file>
 
 <file path=customXml/item3.xml><?xml version="1.0" encoding="utf-8"?>
-<?mso-contentType ?>
-<FormTemplates xmlns="http://schemas.microsoft.com/sharepoint/v3/contenttype/forms">
-  <Display>DocumentLibraryForm</Display>
-  <Edit>DocumentLibraryForm</Edit>
-  <New>DocumentLibraryForm</New>
-</FormTemplates>
+<p:properties xmlns:p="http://schemas.microsoft.com/office/2006/metadata/properties" xmlns:xsi="http://www.w3.org/2001/XMLSchema-instance" xmlns:pc="http://schemas.microsoft.com/office/infopath/2007/PartnerControls">
+  <documentManagement>
+    <lcf76f155ced4ddcb4097134ff3c332f xmlns="40806f44-bc4a-4ea4-b660-c6da93f8f179">
+      <Terms xmlns="http://schemas.microsoft.com/office/infopath/2007/PartnerControls"/>
+    </lcf76f155ced4ddcb4097134ff3c332f>
+    <TaxCatchAll xmlns="758d0d8f-b783-4c78-ab73-9740c97b97cf" xsi:nil="true"/>
+  </documentManagement>
+</p:properties>
 </file>
 
 <file path=customXml/itemProps1.xml><?xml version="1.0" encoding="utf-8"?>
-<ds:datastoreItem xmlns:ds="http://schemas.openxmlformats.org/officeDocument/2006/customXml" ds:itemID="{61E72F81-8533-461E-8E71-A6D77294CFEF}">
+<ds:datastoreItem xmlns:ds="http://schemas.openxmlformats.org/officeDocument/2006/customXml" ds:itemID="{46915D30-CAA6-465E-907F-1770D4E3B01D}">
   <ds:schemaRefs>
-    <ds:schemaRef ds:uri="http://purl.org/dc/elements/1.1/"/>
-    <ds:schemaRef ds:uri="http://www.w3.org/XML/1998/namespace"/>
-    <ds:schemaRef ds:uri="http://purl.org/dc/terms/"/>
-    <ds:schemaRef ds:uri="http://schemas.microsoft.com/office/2006/documentManagement/types"/>
-    <ds:schemaRef ds:uri="40806f44-bc4a-4ea4-b660-c6da93f8f179"/>
-    <ds:schemaRef ds:uri="http://schemas.openxmlformats.org/package/2006/metadata/core-properties"/>
-    <ds:schemaRef ds:uri="http://purl.org/dc/dcmitype/"/>
-    <ds:schemaRef ds:uri="http://schemas.microsoft.com/office/infopath/2007/PartnerControls"/>
-    <ds:schemaRef ds:uri="758d0d8f-b783-4c78-ab73-9740c97b97cf"/>
-    <ds:schemaRef ds:uri="http://schemas.microsoft.com/office/2006/metadata/properties"/>
+    <ds:schemaRef ds:uri="http://schemas.microsoft.com/sharepoint/v3/contenttype/forms"/>
   </ds:schemaRefs>
 </ds:datastoreItem>
 </file>
@@ -30518,9 +33528,18 @@
 </file>
 
 <file path=customXml/itemProps3.xml><?xml version="1.0" encoding="utf-8"?>
-<ds:datastoreItem xmlns:ds="http://schemas.openxmlformats.org/officeDocument/2006/customXml" ds:itemID="{46915D30-CAA6-465E-907F-1770D4E3B01D}">
+<ds:datastoreItem xmlns:ds="http://schemas.openxmlformats.org/officeDocument/2006/customXml" ds:itemID="{61E72F81-8533-461E-8E71-A6D77294CFEF}">
   <ds:schemaRefs>
-    <ds:schemaRef ds:uri="http://schemas.microsoft.com/sharepoint/v3/contenttype/forms"/>
+    <ds:schemaRef ds:uri="http://purl.org/dc/elements/1.1/"/>
+    <ds:schemaRef ds:uri="http://www.w3.org/XML/1998/namespace"/>
+    <ds:schemaRef ds:uri="http://purl.org/dc/terms/"/>
+    <ds:schemaRef ds:uri="http://schemas.microsoft.com/office/2006/documentManagement/types"/>
+    <ds:schemaRef ds:uri="40806f44-bc4a-4ea4-b660-c6da93f8f179"/>
+    <ds:schemaRef ds:uri="http://schemas.openxmlformats.org/package/2006/metadata/core-properties"/>
+    <ds:schemaRef ds:uri="http://purl.org/dc/dcmitype/"/>
+    <ds:schemaRef ds:uri="http://schemas.microsoft.com/office/infopath/2007/PartnerControls"/>
+    <ds:schemaRef ds:uri="758d0d8f-b783-4c78-ab73-9740c97b97cf"/>
+    <ds:schemaRef ds:uri="http://schemas.microsoft.com/office/2006/metadata/properties"/>
   </ds:schemaRefs>
 </ds:datastoreItem>
 </file>
--- a/Bootcamp/javascript-uvod/javascript-uvod.pptx
+++ b/Bootcamp/javascript-uvod/javascript-uvod.pptx
@@ -4980,6 +4980,94 @@
                 <a:latin typeface="Consolas" panose="020B0609020204030204" pitchFamily="49" charset="0"/>
               </a:rPr>
               <a:t>calculator(3, 4, multiply);</a:t>
+            </a:r>
+            <a:endParaRPr lang="en-US" b="0" dirty="0">
+              <a:solidFill>
+                <a:srgbClr val="D4D4D4"/>
+              </a:solidFill>
+              <a:effectLst/>
+              <a:latin typeface="Consolas" panose="020B0609020204030204" pitchFamily="49" charset="0"/>
+            </a:endParaRPr>
+          </a:p>
+          <a:p>
+            <a:pPr marL="0" marR="0" lvl="0" indent="0" algn="l" defTabSz="914400" rtl="0" eaLnBrk="1" fontAlgn="auto" latinLnBrk="0" hangingPunct="1">
+              <a:lnSpc>
+                <a:spcPct val="100000"/>
+              </a:lnSpc>
+              <a:spcBef>
+                <a:spcPts val="0"/>
+              </a:spcBef>
+              <a:spcAft>
+                <a:spcPts val="0"/>
+              </a:spcAft>
+              <a:buClrTx/>
+              <a:buSzTx/>
+              <a:buFontTx/>
+              <a:buNone/>
+              <a:tabLst/>
+              <a:defRPr/>
+            </a:pPr>
+            <a:endParaRPr lang="en-US" b="0" dirty="0">
+              <a:solidFill>
+                <a:srgbClr val="D4D4D4"/>
+              </a:solidFill>
+              <a:effectLst/>
+              <a:latin typeface="Consolas" panose="020B0609020204030204" pitchFamily="49" charset="0"/>
+            </a:endParaRPr>
+          </a:p>
+          <a:p>
+            <a:pPr marL="0" marR="0" lvl="0" indent="0" algn="l" defTabSz="914400" rtl="0" eaLnBrk="1" fontAlgn="auto" latinLnBrk="0" hangingPunct="1">
+              <a:lnSpc>
+                <a:spcPct val="100000"/>
+              </a:lnSpc>
+              <a:spcBef>
+                <a:spcPts val="0"/>
+              </a:spcBef>
+              <a:spcAft>
+                <a:spcPts val="0"/>
+              </a:spcAft>
+              <a:buClrTx/>
+              <a:buSzTx/>
+              <a:buFontTx/>
+              <a:buNone/>
+              <a:tabLst/>
+              <a:defRPr/>
+            </a:pPr>
+            <a:endParaRPr lang="en-US" b="0" dirty="0">
+              <a:solidFill>
+                <a:srgbClr val="D4D4D4"/>
+              </a:solidFill>
+              <a:effectLst/>
+              <a:latin typeface="Consolas" panose="020B0609020204030204" pitchFamily="49" charset="0"/>
+            </a:endParaRPr>
+          </a:p>
+          <a:p>
+            <a:pPr marL="0" marR="0" lvl="0" indent="0" algn="l" defTabSz="914400" rtl="0" eaLnBrk="1" fontAlgn="auto" latinLnBrk="0" hangingPunct="1">
+              <a:lnSpc>
+                <a:spcPct val="100000"/>
+              </a:lnSpc>
+              <a:spcBef>
+                <a:spcPts val="0"/>
+              </a:spcBef>
+              <a:spcAft>
+                <a:spcPts val="0"/>
+              </a:spcAft>
+              <a:buClrTx/>
+              <a:buSzTx/>
+              <a:buFontTx/>
+              <a:buNone/>
+              <a:tabLst/>
+              <a:defRPr/>
+            </a:pPr>
+            <a:r>
+              <a:rPr lang="en-US" b="0" dirty="0">
+                <a:solidFill>
+                  <a:srgbClr val="D4D4D4"/>
+                </a:solidFill>
+                <a:effectLst/>
+                <a:latin typeface="Consolas" panose="020B0609020204030204" pitchFamily="49" charset="0"/>
+              </a:rPr>
+              <a:t>eve</a:t>
             </a:r>
             <a:endParaRPr lang="hr-HR" dirty="0"/>
           </a:p>
@@ -26922,7 +27010,7 @@
         </p:nvSpPr>
         <p:spPr>
           <a:xfrm>
-            <a:off x="990600" y="383056"/>
+            <a:off x="990600" y="397686"/>
             <a:ext cx="10515600" cy="853976"/>
           </a:xfrm>
           <a:prstGeom prst="rect">
@@ -27378,7 +27466,7 @@
         </p:nvSpPr>
         <p:spPr>
           <a:xfrm>
-            <a:off x="990600" y="383056"/>
+            <a:off x="990600" y="390371"/>
             <a:ext cx="10515600" cy="853976"/>
           </a:xfrm>
           <a:prstGeom prst="rect">
@@ -30039,66 +30127,6 @@
           </a:p>
         </p:txBody>
       </p:sp>
-      <p:pic>
-        <p:nvPicPr>
-          <p:cNvPr id="3" name="Picture 2">
-            <a:extLst>
-              <a:ext uri="{FF2B5EF4-FFF2-40B4-BE49-F238E27FC236}">
-                <a16:creationId xmlns:a16="http://schemas.microsoft.com/office/drawing/2014/main" id="{A9D3DB85-C503-42FC-1631-C3DB7D7F9990}"/>
-              </a:ext>
-            </a:extLst>
-          </p:cNvPr>
-          <p:cNvPicPr>
-            <a:picLocks noChangeAspect="1"/>
-          </p:cNvPicPr>
-          <p:nvPr/>
-        </p:nvPicPr>
-        <p:blipFill>
-          <a:blip r:embed="rId3"/>
-          <a:stretch>
-            <a:fillRect/>
-          </a:stretch>
-        </p:blipFill>
-        <p:spPr>
-          <a:xfrm>
-            <a:off x="1142924" y="2013928"/>
-            <a:ext cx="5429250" cy="1762125"/>
-          </a:xfrm>
-          <a:prstGeom prst="rect">
-            <a:avLst/>
-          </a:prstGeom>
-        </p:spPr>
-      </p:pic>
-      <p:pic>
-        <p:nvPicPr>
-          <p:cNvPr id="6" name="Picture 5">
-            <a:extLst>
-              <a:ext uri="{FF2B5EF4-FFF2-40B4-BE49-F238E27FC236}">
-                <a16:creationId xmlns:a16="http://schemas.microsoft.com/office/drawing/2014/main" id="{E7ECDB34-4F29-2520-F5F6-01E2AC26235F}"/>
-              </a:ext>
-            </a:extLst>
-          </p:cNvPr>
-          <p:cNvPicPr>
-            <a:picLocks noChangeAspect="1"/>
-          </p:cNvPicPr>
-          <p:nvPr/>
-        </p:nvPicPr>
-        <p:blipFill>
-          <a:blip r:embed="rId4"/>
-          <a:stretch>
-            <a:fillRect/>
-          </a:stretch>
-        </p:blipFill>
-        <p:spPr>
-          <a:xfrm>
-            <a:off x="7324763" y="1378460"/>
-            <a:ext cx="4277145" cy="2691585"/>
-          </a:xfrm>
-          <a:prstGeom prst="rect">
-            <a:avLst/>
-          </a:prstGeom>
-        </p:spPr>
-      </p:pic>
       <p:sp>
         <p:nvSpPr>
           <p:cNvPr id="9" name="Title 1">
@@ -33264,6 +33292,17 @@
 </file>
 
 <file path=customXml/item1.xml><?xml version="1.0" encoding="utf-8"?>
+<p:properties xmlns:p="http://schemas.microsoft.com/office/2006/metadata/properties" xmlns:xsi="http://www.w3.org/2001/XMLSchema-instance" xmlns:pc="http://schemas.microsoft.com/office/infopath/2007/PartnerControls">
+  <documentManagement>
+    <lcf76f155ced4ddcb4097134ff3c332f xmlns="40806f44-bc4a-4ea4-b660-c6da93f8f179">
+      <Terms xmlns="http://schemas.microsoft.com/office/infopath/2007/PartnerControls"/>
+    </lcf76f155ced4ddcb4097134ff3c332f>
+    <TaxCatchAll xmlns="758d0d8f-b783-4c78-ab73-9740c97b97cf" xsi:nil="true"/>
+  </documentManagement>
+</p:properties>
+</file>
+
+<file path=customXml/item2.xml><?xml version="1.0" encoding="utf-8"?>
 <?mso-contentType ?>
 <FormTemplates xmlns="http://schemas.microsoft.com/sharepoint/v3/contenttype/forms">
   <Display>DocumentLibraryForm</Display>
@@ -33272,7 +33311,7 @@
 </FormTemplates>
 </file>
 
-<file path=customXml/item2.xml><?xml version="1.0" encoding="utf-8"?>
+<file path=customXml/item3.xml><?xml version="1.0" encoding="utf-8"?>
 <ct:contentTypeSchema xmlns:ct="http://schemas.microsoft.com/office/2006/metadata/contentType" xmlns:ma="http://schemas.microsoft.com/office/2006/metadata/properties/metaAttributes" ct:_="" ma:_="" ma:contentTypeName="Document" ma:contentTypeID="0x010100E4F55D9EF0BF0A44B819E681FCAC00B7" ma:contentTypeVersion="12" ma:contentTypeDescription="Create a new document." ma:contentTypeScope="" ma:versionID="068ce121a7a7a0aebcb89dd601c4f0a2">
   <xsd:schema xmlns:xsd="http://www.w3.org/2001/XMLSchema" xmlns:xs="http://www.w3.org/2001/XMLSchema" xmlns:p="http://schemas.microsoft.com/office/2006/metadata/properties" xmlns:ns2="40806f44-bc4a-4ea4-b660-c6da93f8f179" xmlns:ns3="758d0d8f-b783-4c78-ab73-9740c97b97cf" targetNamespace="http://schemas.microsoft.com/office/2006/metadata/properties" ma:root="true" ma:fieldsID="67c58e6c5c8ea9af0822acd84d25e1a2" ns2:_="" ns3:_="">
     <xsd:import namespace="40806f44-bc4a-4ea4-b660-c6da93f8f179"/>
@@ -33489,18 +33528,24 @@
 </ct:contentTypeSchema>
 </file>
 
-<file path=customXml/item3.xml><?xml version="1.0" encoding="utf-8"?>
-<p:properties xmlns:p="http://schemas.microsoft.com/office/2006/metadata/properties" xmlns:xsi="http://www.w3.org/2001/XMLSchema-instance" xmlns:pc="http://schemas.microsoft.com/office/infopath/2007/PartnerControls">
-  <documentManagement>
-    <lcf76f155ced4ddcb4097134ff3c332f xmlns="40806f44-bc4a-4ea4-b660-c6da93f8f179">
-      <Terms xmlns="http://schemas.microsoft.com/office/infopath/2007/PartnerControls"/>
-    </lcf76f155ced4ddcb4097134ff3c332f>
-    <TaxCatchAll xmlns="758d0d8f-b783-4c78-ab73-9740c97b97cf" xsi:nil="true"/>
-  </documentManagement>
-</p:properties>
+<file path=customXml/itemProps1.xml><?xml version="1.0" encoding="utf-8"?>
+<ds:datastoreItem xmlns:ds="http://schemas.openxmlformats.org/officeDocument/2006/customXml" ds:itemID="{61E72F81-8533-461E-8E71-A6D77294CFEF}">
+  <ds:schemaRefs>
+    <ds:schemaRef ds:uri="http://purl.org/dc/elements/1.1/"/>
+    <ds:schemaRef ds:uri="http://www.w3.org/XML/1998/namespace"/>
+    <ds:schemaRef ds:uri="http://purl.org/dc/terms/"/>
+    <ds:schemaRef ds:uri="http://schemas.microsoft.com/office/2006/documentManagement/types"/>
+    <ds:schemaRef ds:uri="40806f44-bc4a-4ea4-b660-c6da93f8f179"/>
+    <ds:schemaRef ds:uri="http://schemas.openxmlformats.org/package/2006/metadata/core-properties"/>
+    <ds:schemaRef ds:uri="http://purl.org/dc/dcmitype/"/>
+    <ds:schemaRef ds:uri="http://schemas.microsoft.com/office/infopath/2007/PartnerControls"/>
+    <ds:schemaRef ds:uri="758d0d8f-b783-4c78-ab73-9740c97b97cf"/>
+    <ds:schemaRef ds:uri="http://schemas.microsoft.com/office/2006/metadata/properties"/>
+  </ds:schemaRefs>
+</ds:datastoreItem>
 </file>
 
-<file path=customXml/itemProps1.xml><?xml version="1.0" encoding="utf-8"?>
+<file path=customXml/itemProps2.xml><?xml version="1.0" encoding="utf-8"?>
 <ds:datastoreItem xmlns:ds="http://schemas.openxmlformats.org/officeDocument/2006/customXml" ds:itemID="{46915D30-CAA6-465E-907F-1770D4E3B01D}">
   <ds:schemaRefs>
     <ds:schemaRef ds:uri="http://schemas.microsoft.com/sharepoint/v3/contenttype/forms"/>
@@ -33508,7 +33553,7 @@
 </ds:datastoreItem>
 </file>
 
-<file path=customXml/itemProps2.xml><?xml version="1.0" encoding="utf-8"?>
+<file path=customXml/itemProps3.xml><?xml version="1.0" encoding="utf-8"?>
 <ds:datastoreItem xmlns:ds="http://schemas.openxmlformats.org/officeDocument/2006/customXml" ds:itemID="{4E6AED0F-96FF-4C7F-8AC9-672C91BFCDFE}">
   <ds:schemaRefs>
     <ds:schemaRef ds:uri="http://schemas.microsoft.com/office/2006/metadata/contentType"/>
@@ -33525,21 +33570,4 @@
     <ds:schemaRef ds:uri="http://schemas.microsoft.com/internal/obd"/>
   </ds:schemaRefs>
 </ds:datastoreItem>
-</file>
-
-<file path=customXml/itemProps3.xml><?xml version="1.0" encoding="utf-8"?>
-<ds:datastoreItem xmlns:ds="http://schemas.openxmlformats.org/officeDocument/2006/customXml" ds:itemID="{61E72F81-8533-461E-8E71-A6D77294CFEF}">
-  <ds:schemaRefs>
-    <ds:schemaRef ds:uri="http://purl.org/dc/elements/1.1/"/>
-    <ds:schemaRef ds:uri="http://www.w3.org/XML/1998/namespace"/>
-    <ds:schemaRef ds:uri="http://purl.org/dc/terms/"/>
-    <ds:schemaRef ds:uri="http://schemas.microsoft.com/office/2006/documentManagement/types"/>
-    <ds:schemaRef ds:uri="40806f44-bc4a-4ea4-b660-c6da93f8f179"/>
-    <ds:schemaRef ds:uri="http://schemas.openxmlformats.org/package/2006/metadata/core-properties"/>
-    <ds:schemaRef ds:uri="http://purl.org/dc/dcmitype/"/>
-    <ds:schemaRef ds:uri="http://schemas.microsoft.com/office/infopath/2007/PartnerControls"/>
-    <ds:schemaRef ds:uri="758d0d8f-b783-4c78-ab73-9740c97b97cf"/>
-    <ds:schemaRef ds:uri="http://schemas.microsoft.com/office/2006/metadata/properties"/>
-  </ds:schemaRefs>
-</ds:datastoreItem>
 </file>
--- a/Bootcamp/javascript-uvod/javascript-uvod.pptx
+++ b/Bootcamp/javascript-uvod/javascript-uvod.pptx
@@ -5,7 +5,7 @@
     <p:sldMasterId id="2147483648" r:id="rId4"/>
   </p:sldMasterIdLst>
   <p:notesMasterIdLst>
-    <p:notesMasterId r:id="rId49"/>
+    <p:notesMasterId r:id="rId48"/>
   </p:notesMasterIdLst>
   <p:sldIdLst>
     <p:sldId id="282" r:id="rId5"/>
@@ -50,8 +50,7 @@
     <p:sldId id="387" r:id="rId44"/>
     <p:sldId id="388" r:id="rId45"/>
     <p:sldId id="389" r:id="rId46"/>
-    <p:sldId id="390" r:id="rId47"/>
-    <p:sldId id="391" r:id="rId48"/>
+    <p:sldId id="391" r:id="rId47"/>
   </p:sldIdLst>
   <p:sldSz cx="12192000" cy="6858000"/>
   <p:notesSz cx="6858000" cy="9144000"/>
@@ -201,7 +200,6 @@
             <p14:sldId id="387"/>
             <p14:sldId id="388"/>
             <p14:sldId id="389"/>
-            <p14:sldId id="390"/>
             <p14:sldId id="391"/>
           </p14:sldIdLst>
         </p14:section>
@@ -5349,232 +5347,6 @@
         <p:cNvPr id="1" name="">
           <a:extLst>
             <a:ext uri="{FF2B5EF4-FFF2-40B4-BE49-F238E27FC236}">
-              <a16:creationId xmlns:a16="http://schemas.microsoft.com/office/drawing/2014/main" id="{DEDC165C-A2CE-84FC-70AB-ED016677C57B}"/>
-            </a:ext>
-          </a:extLst>
-        </p:cNvPr>
-        <p:cNvGrpSpPr/>
-        <p:nvPr/>
-      </p:nvGrpSpPr>
-      <p:grpSpPr>
-        <a:xfrm>
-          <a:off x="0" y="0"/>
-          <a:ext cx="0" cy="0"/>
-          <a:chOff x="0" y="0"/>
-          <a:chExt cx="0" cy="0"/>
-        </a:xfrm>
-      </p:grpSpPr>
-      <p:sp>
-        <p:nvSpPr>
-          <p:cNvPr id="2" name="Slide Image Placeholder 1">
-            <a:extLst>
-              <a:ext uri="{FF2B5EF4-FFF2-40B4-BE49-F238E27FC236}">
-                <a16:creationId xmlns:a16="http://schemas.microsoft.com/office/drawing/2014/main" id="{6D46011B-E807-BCBF-9EE3-D94430630C5A}"/>
-              </a:ext>
-            </a:extLst>
-          </p:cNvPr>
-          <p:cNvSpPr>
-            <a:spLocks noGrp="1" noRot="1" noChangeAspect="1"/>
-          </p:cNvSpPr>
-          <p:nvPr>
-            <p:ph type="sldImg"/>
-          </p:nvPr>
-        </p:nvSpPr>
-        <p:spPr/>
-      </p:sp>
-      <p:sp>
-        <p:nvSpPr>
-          <p:cNvPr id="3" name="Notes Placeholder 2">
-            <a:extLst>
-              <a:ext uri="{FF2B5EF4-FFF2-40B4-BE49-F238E27FC236}">
-                <a16:creationId xmlns:a16="http://schemas.microsoft.com/office/drawing/2014/main" id="{EFCF09F0-1C2E-1906-9D46-7D1F86BF05FE}"/>
-              </a:ext>
-            </a:extLst>
-          </p:cNvPr>
-          <p:cNvSpPr>
-            <a:spLocks noGrp="1"/>
-          </p:cNvSpPr>
-          <p:nvPr>
-            <p:ph type="body" idx="1"/>
-          </p:nvPr>
-        </p:nvSpPr>
-        <p:spPr/>
-        <p:txBody>
-          <a:bodyPr/>
-          <a:lstStyle/>
-          <a:p>
-            <a:pPr marL="0" marR="0" lvl="0" indent="0" algn="l" defTabSz="914400" rtl="0" eaLnBrk="1" fontAlgn="auto" latinLnBrk="0" hangingPunct="1">
-              <a:lnSpc>
-                <a:spcPct val="100000"/>
-              </a:lnSpc>
-              <a:spcBef>
-                <a:spcPts val="0"/>
-              </a:spcBef>
-              <a:spcAft>
-                <a:spcPts val="0"/>
-              </a:spcAft>
-              <a:buClrTx/>
-              <a:buSzTx/>
-              <a:buFontTx/>
-              <a:buNone/>
-              <a:tabLst/>
-              <a:defRPr/>
-            </a:pPr>
-            <a:r>
-              <a:rPr lang="en-US" b="0" dirty="0">
-                <a:solidFill>
-                  <a:srgbClr val="D4D4D4"/>
-                </a:solidFill>
-                <a:effectLst/>
-                <a:latin typeface="Consolas" panose="020B0609020204030204" pitchFamily="49" charset="0"/>
-              </a:rPr>
-              <a:t>POKAZI IM DEBUGGER U CHROMU</a:t>
-            </a:r>
-          </a:p>
-          <a:p>
-            <a:pPr marL="0" marR="0" lvl="0" indent="0" algn="l" defTabSz="914400" rtl="0" eaLnBrk="1" fontAlgn="auto" latinLnBrk="0" hangingPunct="1">
-              <a:lnSpc>
-                <a:spcPct val="100000"/>
-              </a:lnSpc>
-              <a:spcBef>
-                <a:spcPts val="0"/>
-              </a:spcBef>
-              <a:spcAft>
-                <a:spcPts val="0"/>
-              </a:spcAft>
-              <a:buClrTx/>
-              <a:buSzTx/>
-              <a:buFontTx/>
-              <a:buNone/>
-              <a:tabLst/>
-              <a:defRPr/>
-            </a:pPr>
-            <a:endParaRPr lang="en-US" b="0" dirty="0">
-              <a:solidFill>
-                <a:srgbClr val="D4D4D4"/>
-              </a:solidFill>
-              <a:effectLst/>
-              <a:latin typeface="Consolas" panose="020B0609020204030204" pitchFamily="49" charset="0"/>
-            </a:endParaRPr>
-          </a:p>
-          <a:p>
-            <a:pPr marL="0" marR="0" lvl="0" indent="0" algn="l" defTabSz="914400" rtl="0" eaLnBrk="1" fontAlgn="auto" latinLnBrk="0" hangingPunct="1">
-              <a:lnSpc>
-                <a:spcPct val="100000"/>
-              </a:lnSpc>
-              <a:spcBef>
-                <a:spcPts val="0"/>
-              </a:spcBef>
-              <a:spcAft>
-                <a:spcPts val="0"/>
-              </a:spcAft>
-              <a:buClrTx/>
-              <a:buSzTx/>
-              <a:buFontTx/>
-              <a:buNone/>
-              <a:tabLst/>
-              <a:defRPr/>
-            </a:pPr>
-            <a:r>
-              <a:rPr lang="hr-HR" b="0" dirty="0">
-                <a:solidFill>
-                  <a:srgbClr val="D4D4D4"/>
-                </a:solidFill>
-                <a:effectLst/>
-                <a:latin typeface="Consolas" panose="020B0609020204030204" pitchFamily="49" charset="0"/>
-              </a:rPr>
-              <a:t>debugger;</a:t>
-            </a:r>
-            <a:endParaRPr lang="en-US" b="0" dirty="0">
-              <a:solidFill>
-                <a:srgbClr val="D4D4D4"/>
-              </a:solidFill>
-              <a:effectLst/>
-              <a:latin typeface="Consolas" panose="020B0609020204030204" pitchFamily="49" charset="0"/>
-            </a:endParaRPr>
-          </a:p>
-          <a:p>
-            <a:pPr marL="0" marR="0" lvl="0" indent="0" algn="l" defTabSz="914400" rtl="0" eaLnBrk="1" fontAlgn="auto" latinLnBrk="0" hangingPunct="1">
-              <a:lnSpc>
-                <a:spcPct val="100000"/>
-              </a:lnSpc>
-              <a:spcBef>
-                <a:spcPts val="0"/>
-              </a:spcBef>
-              <a:spcAft>
-                <a:spcPts val="0"/>
-              </a:spcAft>
-              <a:buClrTx/>
-              <a:buSzTx/>
-              <a:buFontTx/>
-              <a:buNone/>
-              <a:tabLst/>
-              <a:defRPr/>
-            </a:pPr>
-            <a:r>
-              <a:rPr lang="hr-HR" b="0" dirty="0">
-                <a:solidFill>
-                  <a:srgbClr val="D4D4D4"/>
-                </a:solidFill>
-                <a:effectLst/>
-                <a:latin typeface="Consolas" panose="020B0609020204030204" pitchFamily="49" charset="0"/>
-              </a:rPr>
-              <a:t>calculator(3, 4, multiply);</a:t>
-            </a:r>
-            <a:endParaRPr lang="hr-HR" dirty="0"/>
-          </a:p>
-        </p:txBody>
-      </p:sp>
-      <p:sp>
-        <p:nvSpPr>
-          <p:cNvPr id="4" name="Slide Number Placeholder 3">
-            <a:extLst>
-              <a:ext uri="{FF2B5EF4-FFF2-40B4-BE49-F238E27FC236}">
-                <a16:creationId xmlns:a16="http://schemas.microsoft.com/office/drawing/2014/main" id="{D2C74BA7-B88F-4C8D-9BBD-EC09BE878EF4}"/>
-              </a:ext>
-            </a:extLst>
-          </p:cNvPr>
-          <p:cNvSpPr>
-            <a:spLocks noGrp="1"/>
-          </p:cNvSpPr>
-          <p:nvPr>
-            <p:ph type="sldNum" sz="quarter" idx="5"/>
-          </p:nvPr>
-        </p:nvSpPr>
-        <p:spPr/>
-        <p:txBody>
-          <a:bodyPr/>
-          <a:lstStyle/>
-          <a:p>
-            <a:fld id="{343B951A-A665-1949-AEDB-B62DC9BE7F13}" type="slidenum">
-              <a:rPr lang="en-US" smtClean="0"/>
-              <a:t>43</a:t>
-            </a:fld>
-            <a:endParaRPr lang="en-US"/>
-          </a:p>
-        </p:txBody>
-      </p:sp>
-    </p:spTree>
-    <p:extLst>
-      <p:ext uri="{BB962C8B-B14F-4D97-AF65-F5344CB8AC3E}">
-        <p14:creationId xmlns:p14="http://schemas.microsoft.com/office/powerpoint/2010/main" val="4195074031"/>
-      </p:ext>
-    </p:extLst>
-  </p:cSld>
-  <p:clrMapOvr>
-    <a:masterClrMapping/>
-  </p:clrMapOvr>
-</p:notes>
-</file>
-
-<file path=ppt/notesSlides/notesSlide43.xml><?xml version="1.0" encoding="utf-8"?>
-<p:notes xmlns:a="http://schemas.openxmlformats.org/drawingml/2006/main" xmlns:r="http://schemas.openxmlformats.org/officeDocument/2006/relationships" xmlns:p="http://schemas.openxmlformats.org/presentationml/2006/main">
-  <p:cSld>
-    <p:spTree>
-      <p:nvGrpSpPr>
-        <p:cNvPr id="1" name="">
-          <a:extLst>
-            <a:ext uri="{FF2B5EF4-FFF2-40B4-BE49-F238E27FC236}">
               <a16:creationId xmlns:a16="http://schemas.microsoft.com/office/drawing/2014/main" id="{7F6BE88C-8523-78F5-4C6B-CCD5A04EA8A8}"/>
             </a:ext>
           </a:extLst>
@@ -5656,7 +5428,7 @@
           <a:p>
             <a:fld id="{343B951A-A665-1949-AEDB-B62DC9BE7F13}" type="slidenum">
               <a:rPr lang="en-US" smtClean="0"/>
-              <a:t>44</a:t>
+              <a:t>43</a:t>
             </a:fld>
             <a:endParaRPr lang="en-US"/>
           </a:p>
@@ -29926,284 +29698,6 @@
 </file>
 
 <file path=ppt/slides/slide43.xml><?xml version="1.0" encoding="utf-8"?>
-<p:sld xmlns:a="http://schemas.openxmlformats.org/drawingml/2006/main" xmlns:r="http://schemas.openxmlformats.org/officeDocument/2006/relationships" xmlns:p="http://schemas.openxmlformats.org/presentationml/2006/main">
-  <p:cSld>
-    <p:spTree>
-      <p:nvGrpSpPr>
-        <p:cNvPr id="1" name="">
-          <a:extLst>
-            <a:ext uri="{FF2B5EF4-FFF2-40B4-BE49-F238E27FC236}">
-              <a16:creationId xmlns:a16="http://schemas.microsoft.com/office/drawing/2014/main" id="{BCA5A3F6-6EDD-0CC7-395D-1F33FF9006A6}"/>
-            </a:ext>
-          </a:extLst>
-        </p:cNvPr>
-        <p:cNvGrpSpPr/>
-        <p:nvPr/>
-      </p:nvGrpSpPr>
-      <p:grpSpPr>
-        <a:xfrm>
-          <a:off x="0" y="0"/>
-          <a:ext cx="0" cy="0"/>
-          <a:chOff x="0" y="0"/>
-          <a:chExt cx="0" cy="0"/>
-        </a:xfrm>
-      </p:grpSpPr>
-      <p:sp>
-        <p:nvSpPr>
-          <p:cNvPr id="4" name="Title 1">
-            <a:extLst>
-              <a:ext uri="{FF2B5EF4-FFF2-40B4-BE49-F238E27FC236}">
-                <a16:creationId xmlns:a16="http://schemas.microsoft.com/office/drawing/2014/main" id="{F7ED68D4-6658-40A1-524D-C545769D16A1}"/>
-              </a:ext>
-            </a:extLst>
-          </p:cNvPr>
-          <p:cNvSpPr txBox="1">
-            <a:spLocks/>
-          </p:cNvSpPr>
-          <p:nvPr/>
-        </p:nvSpPr>
-        <p:spPr>
-          <a:xfrm>
-            <a:off x="990600" y="383056"/>
-            <a:ext cx="10515600" cy="853976"/>
-          </a:xfrm>
-          <a:prstGeom prst="rect">
-            <a:avLst/>
-          </a:prstGeom>
-        </p:spPr>
-        <p:txBody>
-          <a:bodyPr vert="horz" lIns="91440" tIns="45720" rIns="91440" bIns="45720" rtlCol="0" anchor="ctr">
-            <a:normAutofit/>
-          </a:bodyPr>
-          <a:lstStyle>
-            <a:lvl1pPr algn="l" defTabSz="914400" rtl="0" eaLnBrk="1" latinLnBrk="0" hangingPunct="1">
-              <a:lnSpc>
-                <a:spcPct val="90000"/>
-              </a:lnSpc>
-              <a:spcBef>
-                <a:spcPct val="0"/>
-              </a:spcBef>
-              <a:buNone/>
-              <a:defRPr sz="3600" b="1" i="0" kern="1200" cap="all" baseline="0">
-                <a:solidFill>
-                  <a:schemeClr val="tx2"/>
-                </a:solidFill>
-                <a:latin typeface="+mj-lt"/>
-                <a:ea typeface="Open Sans Semibold" panose="020B0606030504020204" pitchFamily="34" charset="0"/>
-                <a:cs typeface="Open Sans Semibold" panose="020B0606030504020204" pitchFamily="34" charset="0"/>
-              </a:defRPr>
-            </a:lvl1pPr>
-          </a:lstStyle>
-          <a:p>
-            <a:r>
-              <a:rPr lang="hr-HR" dirty="0"/>
-              <a:t>JavaScript</a:t>
-            </a:r>
-            <a:r>
-              <a:rPr lang="en-US" dirty="0"/>
-              <a:t> – CALLBACK</a:t>
-            </a:r>
-            <a:endParaRPr lang="hr-HR" dirty="0"/>
-          </a:p>
-        </p:txBody>
-      </p:sp>
-      <p:sp>
-        <p:nvSpPr>
-          <p:cNvPr id="17" name="TextBox 16">
-            <a:extLst>
-              <a:ext uri="{FF2B5EF4-FFF2-40B4-BE49-F238E27FC236}">
-                <a16:creationId xmlns:a16="http://schemas.microsoft.com/office/drawing/2014/main" id="{5BDBC148-039F-774E-F18C-80F1979C5BD0}"/>
-              </a:ext>
-            </a:extLst>
-          </p:cNvPr>
-          <p:cNvSpPr txBox="1"/>
-          <p:nvPr/>
-        </p:nvSpPr>
-        <p:spPr>
-          <a:xfrm>
-            <a:off x="957072" y="4733864"/>
-            <a:ext cx="8884465" cy="830997"/>
-          </a:xfrm>
-          <a:prstGeom prst="rect">
-            <a:avLst/>
-          </a:prstGeom>
-          <a:noFill/>
-        </p:spPr>
-        <p:txBody>
-          <a:bodyPr wrap="square">
-            <a:spAutoFit/>
-          </a:bodyPr>
-          <a:lstStyle/>
-          <a:p>
-            <a:pPr>
-              <a:buNone/>
-            </a:pPr>
-            <a:r>
-              <a:rPr lang="hr-HR" sz="1600" dirty="0"/>
-              <a:t>💡Moderni JavaScript koristi </a:t>
-            </a:r>
-            <a:r>
-              <a:rPr lang="hr-HR" sz="1600" b="1" dirty="0"/>
-              <a:t>Promises</a:t>
-            </a:r>
-            <a:r>
-              <a:rPr lang="hr-HR" sz="1600" dirty="0"/>
-              <a:t> i </a:t>
-            </a:r>
-            <a:r>
-              <a:rPr lang="hr-HR" sz="1600" b="1" dirty="0"/>
-              <a:t>Async/Await</a:t>
-            </a:r>
-            <a:r>
-              <a:rPr lang="hr-HR" sz="1600" dirty="0"/>
-              <a:t> za upravljanje asinkronim kodom na čišći način</a:t>
-            </a:r>
-          </a:p>
-          <a:p>
-            <a:endParaRPr lang="en-US" sz="1600" dirty="0"/>
-          </a:p>
-        </p:txBody>
-      </p:sp>
-      <p:sp>
-        <p:nvSpPr>
-          <p:cNvPr id="8" name="Title 1">
-            <a:extLst>
-              <a:ext uri="{FF2B5EF4-FFF2-40B4-BE49-F238E27FC236}">
-                <a16:creationId xmlns:a16="http://schemas.microsoft.com/office/drawing/2014/main" id="{AE372757-B113-2883-37DE-869D387D7298}"/>
-              </a:ext>
-            </a:extLst>
-          </p:cNvPr>
-          <p:cNvSpPr txBox="1">
-            <a:spLocks/>
-          </p:cNvSpPr>
-          <p:nvPr/>
-        </p:nvSpPr>
-        <p:spPr>
-          <a:xfrm>
-            <a:off x="1006924" y="1046875"/>
-            <a:ext cx="5328139" cy="853976"/>
-          </a:xfrm>
-          <a:prstGeom prst="rect">
-            <a:avLst/>
-          </a:prstGeom>
-        </p:spPr>
-        <p:txBody>
-          <a:bodyPr vert="horz" lIns="91440" tIns="45720" rIns="91440" bIns="45720" rtlCol="0" anchor="ctr">
-            <a:normAutofit/>
-          </a:bodyPr>
-          <a:lstStyle>
-            <a:lvl1pPr algn="l" defTabSz="914400" rtl="0" eaLnBrk="1" latinLnBrk="0" hangingPunct="1">
-              <a:lnSpc>
-                <a:spcPct val="90000"/>
-              </a:lnSpc>
-              <a:spcBef>
-                <a:spcPct val="0"/>
-              </a:spcBef>
-              <a:buNone/>
-              <a:defRPr sz="3600" b="1" i="0" kern="1200" cap="all" baseline="0">
-                <a:solidFill>
-                  <a:schemeClr val="tx2"/>
-                </a:solidFill>
-                <a:latin typeface="+mj-lt"/>
-                <a:ea typeface="Open Sans Semibold" panose="020B0606030504020204" pitchFamily="34" charset="0"/>
-                <a:cs typeface="Open Sans Semibold" panose="020B0606030504020204" pitchFamily="34" charset="0"/>
-              </a:defRPr>
-            </a:lvl1pPr>
-          </a:lstStyle>
-          <a:p>
-            <a:r>
-              <a:rPr lang="en-US" sz="1600" dirty="0">
-                <a:solidFill>
-                  <a:schemeClr val="accent3"/>
-                </a:solidFill>
-              </a:rPr>
-              <a:t>PROMISES</a:t>
-            </a:r>
-            <a:endParaRPr lang="hr-HR" sz="1600" dirty="0">
-              <a:solidFill>
-                <a:schemeClr val="accent3"/>
-              </a:solidFill>
-            </a:endParaRPr>
-          </a:p>
-        </p:txBody>
-      </p:sp>
-      <p:sp>
-        <p:nvSpPr>
-          <p:cNvPr id="9" name="Title 1">
-            <a:extLst>
-              <a:ext uri="{FF2B5EF4-FFF2-40B4-BE49-F238E27FC236}">
-                <a16:creationId xmlns:a16="http://schemas.microsoft.com/office/drawing/2014/main" id="{00A383F4-2B62-F067-22D6-D2420EE8FC31}"/>
-              </a:ext>
-            </a:extLst>
-          </p:cNvPr>
-          <p:cNvSpPr txBox="1">
-            <a:spLocks/>
-          </p:cNvSpPr>
-          <p:nvPr/>
-        </p:nvSpPr>
-        <p:spPr>
-          <a:xfrm>
-            <a:off x="7324763" y="461406"/>
-            <a:ext cx="1498887" cy="853976"/>
-          </a:xfrm>
-          <a:prstGeom prst="rect">
-            <a:avLst/>
-          </a:prstGeom>
-        </p:spPr>
-        <p:txBody>
-          <a:bodyPr vert="horz" lIns="91440" tIns="45720" rIns="91440" bIns="45720" rtlCol="0" anchor="ctr">
-            <a:normAutofit/>
-          </a:bodyPr>
-          <a:lstStyle>
-            <a:lvl1pPr algn="l" defTabSz="914400" rtl="0" eaLnBrk="1" latinLnBrk="0" hangingPunct="1">
-              <a:lnSpc>
-                <a:spcPct val="90000"/>
-              </a:lnSpc>
-              <a:spcBef>
-                <a:spcPct val="0"/>
-              </a:spcBef>
-              <a:buNone/>
-              <a:defRPr sz="3600" b="1" i="0" kern="1200" cap="all" baseline="0">
-                <a:solidFill>
-                  <a:schemeClr val="tx2"/>
-                </a:solidFill>
-                <a:latin typeface="+mj-lt"/>
-                <a:ea typeface="Open Sans Semibold" panose="020B0606030504020204" pitchFamily="34" charset="0"/>
-                <a:cs typeface="Open Sans Semibold" panose="020B0606030504020204" pitchFamily="34" charset="0"/>
-              </a:defRPr>
-            </a:lvl1pPr>
-          </a:lstStyle>
-          <a:p>
-            <a:r>
-              <a:rPr lang="en-US" sz="1600" dirty="0">
-                <a:solidFill>
-                  <a:schemeClr val="accent3"/>
-                </a:solidFill>
-              </a:rPr>
-              <a:t>ASYNC/WAIT</a:t>
-            </a:r>
-            <a:endParaRPr lang="hr-HR" sz="1600" dirty="0">
-              <a:solidFill>
-                <a:schemeClr val="accent3"/>
-              </a:solidFill>
-            </a:endParaRPr>
-          </a:p>
-        </p:txBody>
-      </p:sp>
-    </p:spTree>
-    <p:extLst>
-      <p:ext uri="{BB962C8B-B14F-4D97-AF65-F5344CB8AC3E}">
-        <p14:creationId xmlns:p14="http://schemas.microsoft.com/office/powerpoint/2010/main" val="2581392574"/>
-      </p:ext>
-    </p:extLst>
-  </p:cSld>
-  <p:clrMapOvr>
-    <a:masterClrMapping/>
-  </p:clrMapOvr>
-</p:sld>
-</file>
-
-<file path=ppt/slides/slide44.xml><?xml version="1.0" encoding="utf-8"?>
 <p:sld xmlns:a="http://schemas.openxmlformats.org/drawingml/2006/main" xmlns:r="http://schemas.openxmlformats.org/officeDocument/2006/relationships" xmlns:p="http://schemas.openxmlformats.org/presentationml/2006/main">
   <p:cSld>
     <p:spTree>
@@ -33292,26 +32786,6 @@
 </file>
 
 <file path=customXml/item1.xml><?xml version="1.0" encoding="utf-8"?>
-<p:properties xmlns:p="http://schemas.microsoft.com/office/2006/metadata/properties" xmlns:xsi="http://www.w3.org/2001/XMLSchema-instance" xmlns:pc="http://schemas.microsoft.com/office/infopath/2007/PartnerControls">
-  <documentManagement>
-    <lcf76f155ced4ddcb4097134ff3c332f xmlns="40806f44-bc4a-4ea4-b660-c6da93f8f179">
-      <Terms xmlns="http://schemas.microsoft.com/office/infopath/2007/PartnerControls"/>
-    </lcf76f155ced4ddcb4097134ff3c332f>
-    <TaxCatchAll xmlns="758d0d8f-b783-4c78-ab73-9740c97b97cf" xsi:nil="true"/>
-  </documentManagement>
-</p:properties>
-</file>
-
-<file path=customXml/item2.xml><?xml version="1.0" encoding="utf-8"?>
-<?mso-contentType ?>
-<FormTemplates xmlns="http://schemas.microsoft.com/sharepoint/v3/contenttype/forms">
-  <Display>DocumentLibraryForm</Display>
-  <Edit>DocumentLibraryForm</Edit>
-  <New>DocumentLibraryForm</New>
-</FormTemplates>
-</file>
-
-<file path=customXml/item3.xml><?xml version="1.0" encoding="utf-8"?>
 <ct:contentTypeSchema xmlns:ct="http://schemas.microsoft.com/office/2006/metadata/contentType" xmlns:ma="http://schemas.microsoft.com/office/2006/metadata/properties/metaAttributes" ct:_="" ma:_="" ma:contentTypeName="Document" ma:contentTypeID="0x010100E4F55D9EF0BF0A44B819E681FCAC00B7" ma:contentTypeVersion="12" ma:contentTypeDescription="Create a new document." ma:contentTypeScope="" ma:versionID="068ce121a7a7a0aebcb89dd601c4f0a2">
   <xsd:schema xmlns:xsd="http://www.w3.org/2001/XMLSchema" xmlns:xs="http://www.w3.org/2001/XMLSchema" xmlns:p="http://schemas.microsoft.com/office/2006/metadata/properties" xmlns:ns2="40806f44-bc4a-4ea4-b660-c6da93f8f179" xmlns:ns3="758d0d8f-b783-4c78-ab73-9740c97b97cf" targetNamespace="http://schemas.microsoft.com/office/2006/metadata/properties" ma:root="true" ma:fieldsID="67c58e6c5c8ea9af0822acd84d25e1a2" ns2:_="" ns3:_="">
     <xsd:import namespace="40806f44-bc4a-4ea4-b660-c6da93f8f179"/>
@@ -33528,7 +33002,46 @@
 </ct:contentTypeSchema>
 </file>
 
+<file path=customXml/item2.xml><?xml version="1.0" encoding="utf-8"?>
+<p:properties xmlns:p="http://schemas.microsoft.com/office/2006/metadata/properties" xmlns:xsi="http://www.w3.org/2001/XMLSchema-instance" xmlns:pc="http://schemas.microsoft.com/office/infopath/2007/PartnerControls">
+  <documentManagement>
+    <lcf76f155ced4ddcb4097134ff3c332f xmlns="40806f44-bc4a-4ea4-b660-c6da93f8f179">
+      <Terms xmlns="http://schemas.microsoft.com/office/infopath/2007/PartnerControls"/>
+    </lcf76f155ced4ddcb4097134ff3c332f>
+    <TaxCatchAll xmlns="758d0d8f-b783-4c78-ab73-9740c97b97cf" xsi:nil="true"/>
+  </documentManagement>
+</p:properties>
+</file>
+
+<file path=customXml/item3.xml><?xml version="1.0" encoding="utf-8"?>
+<?mso-contentType ?>
+<FormTemplates xmlns="http://schemas.microsoft.com/sharepoint/v3/contenttype/forms">
+  <Display>DocumentLibraryForm</Display>
+  <Edit>DocumentLibraryForm</Edit>
+  <New>DocumentLibraryForm</New>
+</FormTemplates>
+</file>
+
 <file path=customXml/itemProps1.xml><?xml version="1.0" encoding="utf-8"?>
+<ds:datastoreItem xmlns:ds="http://schemas.openxmlformats.org/officeDocument/2006/customXml" ds:itemID="{4E6AED0F-96FF-4C7F-8AC9-672C91BFCDFE}">
+  <ds:schemaRefs>
+    <ds:schemaRef ds:uri="http://schemas.microsoft.com/office/2006/metadata/contentType"/>
+    <ds:schemaRef ds:uri="http://schemas.microsoft.com/office/2006/metadata/properties/metaAttributes"/>
+    <ds:schemaRef ds:uri="http://www.w3.org/2001/XMLSchema"/>
+    <ds:schemaRef ds:uri="http://schemas.microsoft.com/office/2006/metadata/properties"/>
+    <ds:schemaRef ds:uri="40806f44-bc4a-4ea4-b660-c6da93f8f179"/>
+    <ds:schemaRef ds:uri="758d0d8f-b783-4c78-ab73-9740c97b97cf"/>
+    <ds:schemaRef ds:uri="http://schemas.microsoft.com/office/2006/documentManagement/types"/>
+    <ds:schemaRef ds:uri="http://schemas.microsoft.com/office/infopath/2007/PartnerControls"/>
+    <ds:schemaRef ds:uri="http://schemas.openxmlformats.org/package/2006/metadata/core-properties"/>
+    <ds:schemaRef ds:uri="http://purl.org/dc/elements/1.1/"/>
+    <ds:schemaRef ds:uri="http://purl.org/dc/terms/"/>
+    <ds:schemaRef ds:uri="http://schemas.microsoft.com/internal/obd"/>
+  </ds:schemaRefs>
+</ds:datastoreItem>
+</file>
+
+<file path=customXml/itemProps2.xml><?xml version="1.0" encoding="utf-8"?>
 <ds:datastoreItem xmlns:ds="http://schemas.openxmlformats.org/officeDocument/2006/customXml" ds:itemID="{61E72F81-8533-461E-8E71-A6D77294CFEF}">
   <ds:schemaRefs>
     <ds:schemaRef ds:uri="http://purl.org/dc/elements/1.1/"/>
@@ -33545,29 +33058,10 @@
 </ds:datastoreItem>
 </file>
 
-<file path=customXml/itemProps2.xml><?xml version="1.0" encoding="utf-8"?>
+<file path=customXml/itemProps3.xml><?xml version="1.0" encoding="utf-8"?>
 <ds:datastoreItem xmlns:ds="http://schemas.openxmlformats.org/officeDocument/2006/customXml" ds:itemID="{46915D30-CAA6-465E-907F-1770D4E3B01D}">
   <ds:schemaRefs>
     <ds:schemaRef ds:uri="http://schemas.microsoft.com/sharepoint/v3/contenttype/forms"/>
   </ds:schemaRefs>
 </ds:datastoreItem>
-</file>
-
-<file path=customXml/itemProps3.xml><?xml version="1.0" encoding="utf-8"?>
-<ds:datastoreItem xmlns:ds="http://schemas.openxmlformats.org/officeDocument/2006/customXml" ds:itemID="{4E6AED0F-96FF-4C7F-8AC9-672C91BFCDFE}">
-  <ds:schemaRefs>
-    <ds:schemaRef ds:uri="http://schemas.microsoft.com/office/2006/metadata/contentType"/>
-    <ds:schemaRef ds:uri="http://schemas.microsoft.com/office/2006/metadata/properties/metaAttributes"/>
-    <ds:schemaRef ds:uri="http://www.w3.org/2001/XMLSchema"/>
-    <ds:schemaRef ds:uri="http://schemas.microsoft.com/office/2006/metadata/properties"/>
-    <ds:schemaRef ds:uri="40806f44-bc4a-4ea4-b660-c6da93f8f179"/>
-    <ds:schemaRef ds:uri="758d0d8f-b783-4c78-ab73-9740c97b97cf"/>
-    <ds:schemaRef ds:uri="http://schemas.microsoft.com/office/2006/documentManagement/types"/>
-    <ds:schemaRef ds:uri="http://schemas.microsoft.com/office/infopath/2007/PartnerControls"/>
-    <ds:schemaRef ds:uri="http://schemas.openxmlformats.org/package/2006/metadata/core-properties"/>
-    <ds:schemaRef ds:uri="http://purl.org/dc/elements/1.1/"/>
-    <ds:schemaRef ds:uri="http://purl.org/dc/terms/"/>
-    <ds:schemaRef ds:uri="http://schemas.microsoft.com/internal/obd"/>
-  </ds:schemaRefs>
-</ds:datastoreItem>
 </file>